--- a/presentation_4_20_22.pptx
+++ b/presentation_4_20_22.pptx
@@ -5,7 +5,7 @@
     <p:sldMasterId id="2147483768" r:id="rId4"/>
   </p:sldMasterIdLst>
   <p:notesMasterIdLst>
-    <p:notesMasterId r:id="rId34"/>
+    <p:notesMasterId r:id="rId32"/>
   </p:notesMasterIdLst>
   <p:sldIdLst>
     <p:sldId id="3825" r:id="rId5"/>
@@ -22,21 +22,19 @@
     <p:sldId id="3853" r:id="rId16"/>
     <p:sldId id="3854" r:id="rId17"/>
     <p:sldId id="3847" r:id="rId18"/>
-    <p:sldId id="3855" r:id="rId19"/>
-    <p:sldId id="3856" r:id="rId20"/>
-    <p:sldId id="3857" r:id="rId21"/>
-    <p:sldId id="3861" r:id="rId22"/>
-    <p:sldId id="3862" r:id="rId23"/>
-    <p:sldId id="3863" r:id="rId24"/>
-    <p:sldId id="3864" r:id="rId25"/>
-    <p:sldId id="3840" r:id="rId26"/>
-    <p:sldId id="3839" r:id="rId27"/>
-    <p:sldId id="3841" r:id="rId28"/>
-    <p:sldId id="3842" r:id="rId29"/>
-    <p:sldId id="3843" r:id="rId30"/>
-    <p:sldId id="3844" r:id="rId31"/>
-    <p:sldId id="3846" r:id="rId32"/>
-    <p:sldId id="3834" r:id="rId33"/>
+    <p:sldId id="3857" r:id="rId19"/>
+    <p:sldId id="3861" r:id="rId20"/>
+    <p:sldId id="3866" r:id="rId21"/>
+    <p:sldId id="3865" r:id="rId22"/>
+    <p:sldId id="3864" r:id="rId23"/>
+    <p:sldId id="3840" r:id="rId24"/>
+    <p:sldId id="3839" r:id="rId25"/>
+    <p:sldId id="3841" r:id="rId26"/>
+    <p:sldId id="3842" r:id="rId27"/>
+    <p:sldId id="3843" r:id="rId28"/>
+    <p:sldId id="3844" r:id="rId29"/>
+    <p:sldId id="3846" r:id="rId30"/>
+    <p:sldId id="3834" r:id="rId31"/>
   </p:sldIdLst>
   <p:sldSz cx="12192000" cy="6858000"/>
   <p:notesSz cx="6858000" cy="9144000"/>
@@ -6006,46 +6004,7 @@
           <a:bodyPr/>
           <a:lstStyle/>
           <a:p>
-            <a:r>
-              <a:rPr lang="en-US" dirty="0"/>
-              <a:t>Why outsider music?</a:t>
-            </a:r>
-          </a:p>
-          <a:p>
-            <a:endParaRPr lang="en-US" dirty="0"/>
-          </a:p>
-          <a:p>
-            <a:r>
-              <a:rPr lang="en-US" dirty="0"/>
-              <a:t>I decided to study outsider music because it’s an interest.  I had heard about Alexus Brown’s analysis of rap lyrics last year while she was working on it and was very intrigued!</a:t>
-            </a:r>
-          </a:p>
-          <a:p>
-            <a:endParaRPr lang="en-US" dirty="0"/>
-          </a:p>
-          <a:p>
-            <a:r>
-              <a:rPr lang="en-US" dirty="0"/>
-              <a:t>I had tried to pick genres that were closer to my personal music taste (that way I’d have some emotional stake in the project and would want to work on it more often that not), but often, certain bands wouldn’t fit perfectly into a genre together, or the genres were extremely broad and included artists that I was a bit averse to.</a:t>
-            </a:r>
-          </a:p>
-          <a:p>
-            <a:endParaRPr lang="en-US" dirty="0"/>
-          </a:p>
-          <a:p>
-            <a:r>
-              <a:rPr lang="en-US" dirty="0"/>
-              <a:t>I took a step back and went with something that I know a little bit less about, that way any </a:t>
-            </a:r>
-            <a:r>
-              <a:rPr lang="en-US" i="1" dirty="0"/>
-              <a:t>negative </a:t>
-            </a:r>
-            <a:r>
-              <a:rPr lang="en-US" i="0" dirty="0"/>
-              <a:t>emotions couldn’t influence my thoughts about the project!  Outsider music was well documented on Wikipedia, and I had seen a video essay about Outsider Music and the exploitation of vulnerable amateur artists on YouTube about a year ago.  There are so many facets to this genre, both musical and social.  It’s strange that, though the music spans many subgenres, the genre of outsider music does sound cohesive, perhaps because it’s frequently lo-fi and off-key.</a:t>
-            </a:r>
-            <a:endParaRPr lang="en-US" dirty="0"/>
+            <a:endParaRPr lang="en-US"/>
           </a:p>
         </p:txBody>
       </p:sp>
@@ -6066,7 +6025,7 @@
           <a:p>
             <a:fld id="{D40C6A29-4676-420C-BBE3-ACC2B80F64D4}" type="slidenum">
               <a:rPr lang="en-US" smtClean="0"/>
-              <a:t>2</a:t>
+              <a:t>1</a:t>
             </a:fld>
             <a:endParaRPr lang="en-US" dirty="0"/>
           </a:p>
@@ -6075,7 +6034,7 @@
     </p:spTree>
     <p:extLst>
       <p:ext uri="{BB962C8B-B14F-4D97-AF65-F5344CB8AC3E}">
-        <p14:creationId xmlns:p14="http://schemas.microsoft.com/office/powerpoint/2010/main" val="2523447869"/>
+        <p14:creationId xmlns:p14="http://schemas.microsoft.com/office/powerpoint/2010/main" val="2942730867"/>
       </p:ext>
     </p:extLst>
   </p:cSld>
@@ -6129,26 +6088,7 @@
           <a:bodyPr/>
           <a:lstStyle/>
           <a:p>
-            <a:r>
-              <a:rPr lang="en-US" dirty="0"/>
-              <a:t>Wesley Willis is sort of absurdist, very repetitive</a:t>
-            </a:r>
-          </a:p>
-          <a:p>
-            <a:r>
-              <a:rPr lang="en-US" dirty="0" err="1"/>
-              <a:t>Jandek’s</a:t>
-            </a:r>
-            <a:r>
-              <a:rPr lang="en-US" dirty="0"/>
-              <a:t> songs are occasionally instrumental, but more blues/folk-based.  Written almost like poetry.  Some are incredibly long pieces.</a:t>
-            </a:r>
-          </a:p>
-          <a:p>
-            <a:r>
-              <a:rPr lang="en-US" dirty="0"/>
-              <a:t>Daniel Johnston’s music is very simple. He conveys feelings very bluntly.</a:t>
-            </a:r>
+            <a:endParaRPr lang="en-US" dirty="0"/>
           </a:p>
         </p:txBody>
       </p:sp>
@@ -6169,7 +6109,7 @@
           <a:p>
             <a:fld id="{D40C6A29-4676-420C-BBE3-ACC2B80F64D4}" type="slidenum">
               <a:rPr lang="en-US" smtClean="0"/>
-              <a:t>23</a:t>
+              <a:t>18</a:t>
             </a:fld>
             <a:endParaRPr lang="en-US" dirty="0"/>
           </a:p>
@@ -6178,7 +6118,7 @@
     </p:spTree>
     <p:extLst>
       <p:ext uri="{BB962C8B-B14F-4D97-AF65-F5344CB8AC3E}">
-        <p14:creationId xmlns:p14="http://schemas.microsoft.com/office/powerpoint/2010/main" val="714715030"/>
+        <p14:creationId xmlns:p14="http://schemas.microsoft.com/office/powerpoint/2010/main" val="3427941171"/>
       </p:ext>
     </p:extLst>
   </p:cSld>
@@ -6234,7 +6174,23 @@
           <a:p>
             <a:r>
               <a:rPr lang="en-US" dirty="0"/>
-              <a:t>That’s 16 “rocks” in one song, and this is on an album with “rock” in the title.</a:t>
+              <a:t>Wesley Willis is sort of absurdist, very repetitive</a:t>
+            </a:r>
+          </a:p>
+          <a:p>
+            <a:r>
+              <a:rPr lang="en-US" dirty="0" err="1"/>
+              <a:t>Jandek’s</a:t>
+            </a:r>
+            <a:r>
+              <a:rPr lang="en-US" dirty="0"/>
+              <a:t> songs are occasionally instrumental, but more blues/folk-based.  Written almost like poetry.  Some are incredibly long pieces.</a:t>
+            </a:r>
+          </a:p>
+          <a:p>
+            <a:r>
+              <a:rPr lang="en-US" dirty="0"/>
+              <a:t>Daniel Johnston’s music is very simple. He conveys feelings very bluntly.</a:t>
             </a:r>
           </a:p>
         </p:txBody>
@@ -6256,7 +6212,7 @@
           <a:p>
             <a:fld id="{D40C6A29-4676-420C-BBE3-ACC2B80F64D4}" type="slidenum">
               <a:rPr lang="en-US" smtClean="0"/>
-              <a:t>24</a:t>
+              <a:t>21</a:t>
             </a:fld>
             <a:endParaRPr lang="en-US" dirty="0"/>
           </a:p>
@@ -6265,7 +6221,7 @@
     </p:spTree>
     <p:extLst>
       <p:ext uri="{BB962C8B-B14F-4D97-AF65-F5344CB8AC3E}">
-        <p14:creationId xmlns:p14="http://schemas.microsoft.com/office/powerpoint/2010/main" val="1432096501"/>
+        <p14:creationId xmlns:p14="http://schemas.microsoft.com/office/powerpoint/2010/main" val="714715030"/>
       </p:ext>
     </p:extLst>
   </p:cSld>
@@ -6321,19 +6277,7 @@
           <a:p>
             <a:r>
               <a:rPr lang="en-US" dirty="0"/>
-              <a:t>Wesley Willis’s lyrics are extremely repetitive, and though he has a large body of music, it all follows a fairly similar pattern.</a:t>
-            </a:r>
-          </a:p>
-          <a:p>
-            <a:r>
-              <a:rPr lang="en-US" dirty="0"/>
-              <a:t>Note the verse, chorus, verse, chorus pattern, where every chorus is the same line repeated 4 times.</a:t>
-            </a:r>
-          </a:p>
-          <a:p>
-            <a:r>
-              <a:rPr lang="en-US" dirty="0"/>
-              <a:t>Even though this song isn’t “rock and roll” related, it still ends with a “rock” line, then an advertisement tagline</a:t>
+              <a:t>That’s 16 “rocks” in one song, and this is on an album with “rock” in the title.</a:t>
             </a:r>
           </a:p>
         </p:txBody>
@@ -6355,7 +6299,7 @@
           <a:p>
             <a:fld id="{D40C6A29-4676-420C-BBE3-ACC2B80F64D4}" type="slidenum">
               <a:rPr lang="en-US" smtClean="0"/>
-              <a:t>25</a:t>
+              <a:t>22</a:t>
             </a:fld>
             <a:endParaRPr lang="en-US" dirty="0"/>
           </a:p>
@@ -6364,7 +6308,7 @@
     </p:spTree>
     <p:extLst>
       <p:ext uri="{BB962C8B-B14F-4D97-AF65-F5344CB8AC3E}">
-        <p14:creationId xmlns:p14="http://schemas.microsoft.com/office/powerpoint/2010/main" val="2981536757"/>
+        <p14:creationId xmlns:p14="http://schemas.microsoft.com/office/powerpoint/2010/main" val="1432096501"/>
       </p:ext>
     </p:extLst>
   </p:cSld>
@@ -6420,7 +6364,19 @@
           <a:p>
             <a:r>
               <a:rPr lang="en-US" dirty="0"/>
-              <a:t>Only an excerpt of the lyrics</a:t>
+              <a:t>Wesley Willis’s lyrics are extremely repetitive, and though he has a large body of music, it all follows a fairly similar pattern.</a:t>
+            </a:r>
+          </a:p>
+          <a:p>
+            <a:r>
+              <a:rPr lang="en-US" dirty="0"/>
+              <a:t>Note the verse, chorus, verse, chorus pattern, where every chorus is the same line repeated 4 times.</a:t>
+            </a:r>
+          </a:p>
+          <a:p>
+            <a:r>
+              <a:rPr lang="en-US" dirty="0"/>
+              <a:t>Even though this song isn’t “rock and roll” related, it still ends with a “rock” line, then an advertisement tagline</a:t>
             </a:r>
           </a:p>
         </p:txBody>
@@ -6442,7 +6398,7 @@
           <a:p>
             <a:fld id="{D40C6A29-4676-420C-BBE3-ACC2B80F64D4}" type="slidenum">
               <a:rPr lang="en-US" smtClean="0"/>
-              <a:t>27</a:t>
+              <a:t>23</a:t>
             </a:fld>
             <a:endParaRPr lang="en-US" dirty="0"/>
           </a:p>
@@ -6451,7 +6407,7 @@
     </p:spTree>
     <p:extLst>
       <p:ext uri="{BB962C8B-B14F-4D97-AF65-F5344CB8AC3E}">
-        <p14:creationId xmlns:p14="http://schemas.microsoft.com/office/powerpoint/2010/main" val="3373329479"/>
+        <p14:creationId xmlns:p14="http://schemas.microsoft.com/office/powerpoint/2010/main" val="2981536757"/>
       </p:ext>
     </p:extLst>
   </p:cSld>
@@ -6505,7 +6461,10 @@
           <a:bodyPr/>
           <a:lstStyle/>
           <a:p>
-            <a:endParaRPr lang="en-US" dirty="0"/>
+            <a:r>
+              <a:rPr lang="en-US" dirty="0"/>
+              <a:t>Only an excerpt of the lyrics</a:t>
+            </a:r>
           </a:p>
         </p:txBody>
       </p:sp>
@@ -6526,7 +6485,91 @@
           <a:p>
             <a:fld id="{D40C6A29-4676-420C-BBE3-ACC2B80F64D4}" type="slidenum">
               <a:rPr lang="en-US" smtClean="0"/>
-              <a:t>28</a:t>
+              <a:t>25</a:t>
+            </a:fld>
+            <a:endParaRPr lang="en-US" dirty="0"/>
+          </a:p>
+        </p:txBody>
+      </p:sp>
+    </p:spTree>
+    <p:extLst>
+      <p:ext uri="{BB962C8B-B14F-4D97-AF65-F5344CB8AC3E}">
+        <p14:creationId xmlns:p14="http://schemas.microsoft.com/office/powerpoint/2010/main" val="3373329479"/>
+      </p:ext>
+    </p:extLst>
+  </p:cSld>
+  <p:clrMapOvr>
+    <a:masterClrMapping/>
+  </p:clrMapOvr>
+</p:notes>
+</file>
+
+<file path=ppt/notesSlides/notesSlide15.xml><?xml version="1.0" encoding="utf-8"?>
+<p:notes xmlns:a="http://schemas.openxmlformats.org/drawingml/2006/main" xmlns:r="http://schemas.openxmlformats.org/officeDocument/2006/relationships" xmlns:p="http://schemas.openxmlformats.org/presentationml/2006/main">
+  <p:cSld>
+    <p:spTree>
+      <p:nvGrpSpPr>
+        <p:cNvPr id="1" name=""/>
+        <p:cNvGrpSpPr/>
+        <p:nvPr/>
+      </p:nvGrpSpPr>
+      <p:grpSpPr>
+        <a:xfrm>
+          <a:off x="0" y="0"/>
+          <a:ext cx="0" cy="0"/>
+          <a:chOff x="0" y="0"/>
+          <a:chExt cx="0" cy="0"/>
+        </a:xfrm>
+      </p:grpSpPr>
+      <p:sp>
+        <p:nvSpPr>
+          <p:cNvPr id="2" name="Slide Image Placeholder 1"/>
+          <p:cNvSpPr>
+            <a:spLocks noGrp="1" noRot="1" noChangeAspect="1"/>
+          </p:cNvSpPr>
+          <p:nvPr>
+            <p:ph type="sldImg"/>
+          </p:nvPr>
+        </p:nvSpPr>
+        <p:spPr/>
+      </p:sp>
+      <p:sp>
+        <p:nvSpPr>
+          <p:cNvPr id="3" name="Notes Placeholder 2"/>
+          <p:cNvSpPr>
+            <a:spLocks noGrp="1"/>
+          </p:cNvSpPr>
+          <p:nvPr>
+            <p:ph type="body" idx="1"/>
+          </p:nvPr>
+        </p:nvSpPr>
+        <p:spPr/>
+        <p:txBody>
+          <a:bodyPr/>
+          <a:lstStyle/>
+          <a:p>
+            <a:endParaRPr lang="en-US" dirty="0"/>
+          </a:p>
+        </p:txBody>
+      </p:sp>
+      <p:sp>
+        <p:nvSpPr>
+          <p:cNvPr id="4" name="Slide Number Placeholder 3"/>
+          <p:cNvSpPr>
+            <a:spLocks noGrp="1"/>
+          </p:cNvSpPr>
+          <p:nvPr>
+            <p:ph type="sldNum" sz="quarter" idx="5"/>
+          </p:nvPr>
+        </p:nvSpPr>
+        <p:spPr/>
+        <p:txBody>
+          <a:bodyPr/>
+          <a:lstStyle/>
+          <a:p>
+            <a:fld id="{D40C6A29-4676-420C-BBE3-ACC2B80F64D4}" type="slidenum">
+              <a:rPr lang="en-US" smtClean="0"/>
+              <a:t>26</a:t>
             </a:fld>
             <a:endParaRPr lang="en-US" dirty="0"/>
           </a:p>
@@ -6589,161 +6632,45 @@
           <a:bodyPr/>
           <a:lstStyle/>
           <a:p>
-            <a:pPr marL="0" marR="0" lvl="0" indent="0" algn="l" defTabSz="914400" rtl="0" eaLnBrk="1" fontAlgn="auto" latinLnBrk="0" hangingPunct="1">
-              <a:lnSpc>
-                <a:spcPct val="100000"/>
-              </a:lnSpc>
-              <a:spcBef>
-                <a:spcPts val="0"/>
-              </a:spcBef>
-              <a:spcAft>
-                <a:spcPts val="0"/>
-              </a:spcAft>
-              <a:buClrTx/>
-              <a:buSzTx/>
-              <a:buFontTx/>
-              <a:buNone/>
-              <a:tabLst/>
-              <a:defRPr/>
-            </a:pPr>
             <a:r>
               <a:rPr lang="en-US" dirty="0"/>
-              <a:t>Musically, shares traits with lo-fi genre</a:t>
-            </a:r>
-          </a:p>
-          <a:p>
-            <a:pPr marL="0" marR="0" lvl="0" indent="0" algn="l" defTabSz="914400" rtl="0" eaLnBrk="1" fontAlgn="auto" latinLnBrk="0" hangingPunct="1">
-              <a:lnSpc>
-                <a:spcPct val="100000"/>
-              </a:lnSpc>
-              <a:spcBef>
-                <a:spcPts val="0"/>
-              </a:spcBef>
-              <a:spcAft>
-                <a:spcPts val="0"/>
-              </a:spcAft>
-              <a:buClrTx/>
-              <a:buSzTx/>
-              <a:buFontTx/>
-              <a:buNone/>
-              <a:tabLst/>
-              <a:defRPr/>
-            </a:pPr>
+              <a:t>Why outsider music?</a:t>
+            </a:r>
+          </a:p>
+          <a:p>
+            <a:endParaRPr lang="en-US" dirty="0"/>
+          </a:p>
+          <a:p>
             <a:r>
               <a:rPr lang="en-US" dirty="0"/>
-              <a:t>Not intentionally “outsider music”</a:t>
-            </a:r>
-          </a:p>
-          <a:p>
-            <a:pPr marL="0" marR="0" lvl="0" indent="0" algn="l" defTabSz="914400" rtl="0" eaLnBrk="1" fontAlgn="auto" latinLnBrk="0" hangingPunct="1">
-              <a:lnSpc>
-                <a:spcPct val="100000"/>
-              </a:lnSpc>
-              <a:spcBef>
-                <a:spcPts val="0"/>
-              </a:spcBef>
-              <a:spcAft>
-                <a:spcPts val="0"/>
-              </a:spcAft>
-              <a:buClrTx/>
-              <a:buSzTx/>
-              <a:buFontTx/>
-              <a:buNone/>
-              <a:tabLst/>
-              <a:defRPr/>
-            </a:pPr>
+              <a:t>I decided to study outsider music because it’s an interest.  I had heard about Alexus Brown’s analysis of rap lyrics last year while she was working on it and was very intrigued!</a:t>
+            </a:r>
+          </a:p>
+          <a:p>
             <a:endParaRPr lang="en-US" dirty="0"/>
           </a:p>
           <a:p>
-            <a:pPr marL="0" marR="0" lvl="0" indent="0" algn="l" defTabSz="914400" rtl="0" eaLnBrk="1" fontAlgn="auto" latinLnBrk="0" hangingPunct="1">
-              <a:lnSpc>
-                <a:spcPct val="100000"/>
-              </a:lnSpc>
-              <a:spcBef>
-                <a:spcPts val="0"/>
-              </a:spcBef>
-              <a:spcAft>
-                <a:spcPts val="0"/>
-              </a:spcAft>
-              <a:buClrTx/>
-              <a:buSzTx/>
-              <a:buFontTx/>
-              <a:buNone/>
-              <a:tabLst/>
-              <a:defRPr/>
-            </a:pPr>
             <a:r>
               <a:rPr lang="en-US" dirty="0"/>
-              <a:t>Willis – Schizophrenia</a:t>
-            </a:r>
-          </a:p>
-          <a:p>
-            <a:pPr marL="0" marR="0" lvl="0" indent="0" algn="l" defTabSz="914400" rtl="0" eaLnBrk="1" fontAlgn="auto" latinLnBrk="0" hangingPunct="1">
-              <a:lnSpc>
-                <a:spcPct val="100000"/>
-              </a:lnSpc>
-              <a:spcBef>
-                <a:spcPts val="0"/>
-              </a:spcBef>
-              <a:spcAft>
-                <a:spcPts val="0"/>
-              </a:spcAft>
-              <a:buClrTx/>
-              <a:buSzTx/>
-              <a:buFontTx/>
-              <a:buNone/>
-              <a:tabLst/>
-              <a:defRPr/>
-            </a:pPr>
+              <a:t>I had tried to pick genres that were closer to my personal music taste (that way I’d have some emotional stake in the project and would want to work on it more often that not), but often, certain bands wouldn’t fit perfectly into a genre together, or the genres were extremely broad and included artists that I was a bit averse to.</a:t>
+            </a:r>
+          </a:p>
+          <a:p>
+            <a:endParaRPr lang="en-US" dirty="0"/>
+          </a:p>
+          <a:p>
             <a:r>
               <a:rPr lang="en-US" dirty="0"/>
-              <a:t>Johnston - Bipolar</a:t>
-            </a:r>
-          </a:p>
-          <a:p>
-            <a:pPr marL="0" marR="0" lvl="0" indent="0" algn="l" defTabSz="914400" rtl="0" eaLnBrk="1" fontAlgn="auto" latinLnBrk="0" hangingPunct="1">
-              <a:lnSpc>
-                <a:spcPct val="100000"/>
-              </a:lnSpc>
-              <a:spcBef>
-                <a:spcPts val="0"/>
-              </a:spcBef>
-              <a:spcAft>
-                <a:spcPts val="0"/>
-              </a:spcAft>
-              <a:buClrTx/>
-              <a:buSzTx/>
-              <a:buFontTx/>
-              <a:buNone/>
-              <a:tabLst/>
-              <a:defRPr/>
-            </a:pPr>
-            <a:endParaRPr lang="en-US" dirty="0"/>
-          </a:p>
-          <a:p>
-            <a:pPr marL="0" marR="0" lvl="0" indent="0" algn="l" defTabSz="914400" rtl="0" eaLnBrk="1" fontAlgn="auto" latinLnBrk="0" hangingPunct="1">
-              <a:lnSpc>
-                <a:spcPct val="100000"/>
-              </a:lnSpc>
-              <a:spcBef>
-                <a:spcPts val="0"/>
-              </a:spcBef>
-              <a:spcAft>
-                <a:spcPts val="0"/>
-              </a:spcAft>
-              <a:buClrTx/>
-              <a:buSzTx/>
-              <a:buFontTx/>
-              <a:buNone/>
-              <a:tabLst/>
-              <a:defRPr/>
-            </a:pPr>
-            <a:r>
-              <a:rPr lang="en-US" dirty="0"/>
-              <a:t>Wild Man Fischer – paranoid schizophrenia and bipolar</a:t>
-            </a:r>
-          </a:p>
-          <a:p>
+              <a:t>I took a step back and went with something that I know a little bit less about, that way any </a:t>
+            </a:r>
+            <a:r>
+              <a:rPr lang="en-US" i="1" dirty="0"/>
+              <a:t>negative </a:t>
+            </a:r>
+            <a:r>
+              <a:rPr lang="en-US" i="0" dirty="0"/>
+              <a:t>emotions couldn’t influence my thoughts about the project!  Outsider music was well documented on Wikipedia, and I had seen a video essay about Outsider Music and the exploitation of vulnerable amateur artists on YouTube about a year ago.  There are so many facets to this genre, both musical and social.  It’s strange that, though the music spans many subgenres, the genre of outsider music does sound cohesive, perhaps because it’s frequently lo-fi and off-key.</a:t>
+            </a:r>
             <a:endParaRPr lang="en-US" dirty="0"/>
           </a:p>
         </p:txBody>
@@ -6765,7 +6692,7 @@
           <a:p>
             <a:fld id="{D40C6A29-4676-420C-BBE3-ACC2B80F64D4}" type="slidenum">
               <a:rPr lang="en-US" smtClean="0"/>
-              <a:t>4</a:t>
+              <a:t>2</a:t>
             </a:fld>
             <a:endParaRPr lang="en-US" dirty="0"/>
           </a:p>
@@ -6774,7 +6701,7 @@
     </p:spTree>
     <p:extLst>
       <p:ext uri="{BB962C8B-B14F-4D97-AF65-F5344CB8AC3E}">
-        <p14:creationId xmlns:p14="http://schemas.microsoft.com/office/powerpoint/2010/main" val="2317303836"/>
+        <p14:creationId xmlns:p14="http://schemas.microsoft.com/office/powerpoint/2010/main" val="2523447869"/>
       </p:ext>
     </p:extLst>
   </p:cSld>
@@ -6828,20 +6755,161 @@
           <a:bodyPr/>
           <a:lstStyle/>
           <a:p>
+            <a:pPr marL="0" marR="0" lvl="0" indent="0" algn="l" defTabSz="914400" rtl="0" eaLnBrk="1" fontAlgn="auto" latinLnBrk="0" hangingPunct="1">
+              <a:lnSpc>
+                <a:spcPct val="100000"/>
+              </a:lnSpc>
+              <a:spcBef>
+                <a:spcPts val="0"/>
+              </a:spcBef>
+              <a:spcAft>
+                <a:spcPts val="0"/>
+              </a:spcAft>
+              <a:buClrTx/>
+              <a:buSzTx/>
+              <a:buFontTx/>
+              <a:buNone/>
+              <a:tabLst/>
+              <a:defRPr/>
+            </a:pPr>
             <a:r>
               <a:rPr lang="en-US" dirty="0"/>
-              <a:t>Parentheticals were Wikipedia-specific, like (artist), (musician), (rapper)</a:t>
-            </a:r>
-          </a:p>
-          <a:p>
+              <a:t>Musically, shares traits with lo-fi genre</a:t>
+            </a:r>
+          </a:p>
+          <a:p>
+            <a:pPr marL="0" marR="0" lvl="0" indent="0" algn="l" defTabSz="914400" rtl="0" eaLnBrk="1" fontAlgn="auto" latinLnBrk="0" hangingPunct="1">
+              <a:lnSpc>
+                <a:spcPct val="100000"/>
+              </a:lnSpc>
+              <a:spcBef>
+                <a:spcPts val="0"/>
+              </a:spcBef>
+              <a:spcAft>
+                <a:spcPts val="0"/>
+              </a:spcAft>
+              <a:buClrTx/>
+              <a:buSzTx/>
+              <a:buFontTx/>
+              <a:buNone/>
+              <a:tabLst/>
+              <a:defRPr/>
+            </a:pPr>
             <a:r>
               <a:rPr lang="en-US" dirty="0"/>
-              <a:t>Some names have quotation marks in them, like “Weird Paul” </a:t>
-            </a:r>
-            <a:r>
-              <a:rPr lang="en-US" dirty="0" err="1"/>
-              <a:t>Petroskey</a:t>
-            </a:r>
+              <a:t>Not intentionally “outsider music”</a:t>
+            </a:r>
+          </a:p>
+          <a:p>
+            <a:pPr marL="0" marR="0" lvl="0" indent="0" algn="l" defTabSz="914400" rtl="0" eaLnBrk="1" fontAlgn="auto" latinLnBrk="0" hangingPunct="1">
+              <a:lnSpc>
+                <a:spcPct val="100000"/>
+              </a:lnSpc>
+              <a:spcBef>
+                <a:spcPts val="0"/>
+              </a:spcBef>
+              <a:spcAft>
+                <a:spcPts val="0"/>
+              </a:spcAft>
+              <a:buClrTx/>
+              <a:buSzTx/>
+              <a:buFontTx/>
+              <a:buNone/>
+              <a:tabLst/>
+              <a:defRPr/>
+            </a:pPr>
+            <a:endParaRPr lang="en-US" dirty="0"/>
+          </a:p>
+          <a:p>
+            <a:pPr marL="0" marR="0" lvl="0" indent="0" algn="l" defTabSz="914400" rtl="0" eaLnBrk="1" fontAlgn="auto" latinLnBrk="0" hangingPunct="1">
+              <a:lnSpc>
+                <a:spcPct val="100000"/>
+              </a:lnSpc>
+              <a:spcBef>
+                <a:spcPts val="0"/>
+              </a:spcBef>
+              <a:spcAft>
+                <a:spcPts val="0"/>
+              </a:spcAft>
+              <a:buClrTx/>
+              <a:buSzTx/>
+              <a:buFontTx/>
+              <a:buNone/>
+              <a:tabLst/>
+              <a:defRPr/>
+            </a:pPr>
+            <a:r>
+              <a:rPr lang="en-US" dirty="0"/>
+              <a:t>Willis – Schizophrenia</a:t>
+            </a:r>
+          </a:p>
+          <a:p>
+            <a:pPr marL="0" marR="0" lvl="0" indent="0" algn="l" defTabSz="914400" rtl="0" eaLnBrk="1" fontAlgn="auto" latinLnBrk="0" hangingPunct="1">
+              <a:lnSpc>
+                <a:spcPct val="100000"/>
+              </a:lnSpc>
+              <a:spcBef>
+                <a:spcPts val="0"/>
+              </a:spcBef>
+              <a:spcAft>
+                <a:spcPts val="0"/>
+              </a:spcAft>
+              <a:buClrTx/>
+              <a:buSzTx/>
+              <a:buFontTx/>
+              <a:buNone/>
+              <a:tabLst/>
+              <a:defRPr/>
+            </a:pPr>
+            <a:r>
+              <a:rPr lang="en-US" dirty="0"/>
+              <a:t>Johnston - Bipolar</a:t>
+            </a:r>
+          </a:p>
+          <a:p>
+            <a:pPr marL="0" marR="0" lvl="0" indent="0" algn="l" defTabSz="914400" rtl="0" eaLnBrk="1" fontAlgn="auto" latinLnBrk="0" hangingPunct="1">
+              <a:lnSpc>
+                <a:spcPct val="100000"/>
+              </a:lnSpc>
+              <a:spcBef>
+                <a:spcPts val="0"/>
+              </a:spcBef>
+              <a:spcAft>
+                <a:spcPts val="0"/>
+              </a:spcAft>
+              <a:buClrTx/>
+              <a:buSzTx/>
+              <a:buFontTx/>
+              <a:buNone/>
+              <a:tabLst/>
+              <a:defRPr/>
+            </a:pPr>
+            <a:endParaRPr lang="en-US" dirty="0"/>
+          </a:p>
+          <a:p>
+            <a:pPr marL="0" marR="0" lvl="0" indent="0" algn="l" defTabSz="914400" rtl="0" eaLnBrk="1" fontAlgn="auto" latinLnBrk="0" hangingPunct="1">
+              <a:lnSpc>
+                <a:spcPct val="100000"/>
+              </a:lnSpc>
+              <a:spcBef>
+                <a:spcPts val="0"/>
+              </a:spcBef>
+              <a:spcAft>
+                <a:spcPts val="0"/>
+              </a:spcAft>
+              <a:buClrTx/>
+              <a:buSzTx/>
+              <a:buFontTx/>
+              <a:buNone/>
+              <a:tabLst/>
+              <a:defRPr/>
+            </a:pPr>
+            <a:r>
+              <a:rPr lang="en-US" dirty="0"/>
+              <a:t>Wild Man Fischer – paranoid schizophrenia and bipolar</a:t>
+            </a:r>
+          </a:p>
+          <a:p>
             <a:endParaRPr lang="en-US" dirty="0"/>
           </a:p>
         </p:txBody>
@@ -6863,7 +6931,7 @@
           <a:p>
             <a:fld id="{D40C6A29-4676-420C-BBE3-ACC2B80F64D4}" type="slidenum">
               <a:rPr lang="en-US" smtClean="0"/>
-              <a:t>8</a:t>
+              <a:t>4</a:t>
             </a:fld>
             <a:endParaRPr lang="en-US" dirty="0"/>
           </a:p>
@@ -6872,7 +6940,7 @@
     </p:spTree>
     <p:extLst>
       <p:ext uri="{BB962C8B-B14F-4D97-AF65-F5344CB8AC3E}">
-        <p14:creationId xmlns:p14="http://schemas.microsoft.com/office/powerpoint/2010/main" val="2100528830"/>
+        <p14:creationId xmlns:p14="http://schemas.microsoft.com/office/powerpoint/2010/main" val="2317303836"/>
       </p:ext>
     </p:extLst>
   </p:cSld>
@@ -6928,20 +6996,19 @@
           <a:p>
             <a:r>
               <a:rPr lang="en-US" dirty="0"/>
-              <a:t>71 artists left after pulling lyrics, but some JSONs were just backgrounds of the artists with no lyrics (i.e., no data).</a:t>
+              <a:t>Parentheticals were Wikipedia-specific, like (artist), (musician), (rapper)</a:t>
             </a:r>
           </a:p>
           <a:p>
             <a:r>
               <a:rPr lang="en-US" dirty="0"/>
-              <a:t>This leaves us with 63 artists total, which will later be reduced to 62 after some cleaning (one artists was identified as </a:t>
-            </a:r>
-          </a:p>
-          <a:p>
-            <a:r>
-              <a:rPr lang="en-US" dirty="0"/>
-              <a:t>entirely non-English).</a:t>
-            </a:r>
+              <a:t>Some names have quotation marks in them, like “Weird Paul” </a:t>
+            </a:r>
+            <a:r>
+              <a:rPr lang="en-US" dirty="0" err="1"/>
+              <a:t>Petroskey</a:t>
+            </a:r>
+            <a:endParaRPr lang="en-US" dirty="0"/>
           </a:p>
         </p:txBody>
       </p:sp>
@@ -6962,7 +7029,7 @@
           <a:p>
             <a:fld id="{D40C6A29-4676-420C-BBE3-ACC2B80F64D4}" type="slidenum">
               <a:rPr lang="en-US" smtClean="0"/>
-              <a:t>9</a:t>
+              <a:t>8</a:t>
             </a:fld>
             <a:endParaRPr lang="en-US" dirty="0"/>
           </a:p>
@@ -6971,7 +7038,7 @@
     </p:spTree>
     <p:extLst>
       <p:ext uri="{BB962C8B-B14F-4D97-AF65-F5344CB8AC3E}">
-        <p14:creationId xmlns:p14="http://schemas.microsoft.com/office/powerpoint/2010/main" val="1614218867"/>
+        <p14:creationId xmlns:p14="http://schemas.microsoft.com/office/powerpoint/2010/main" val="2100528830"/>
       </p:ext>
     </p:extLst>
   </p:cSld>
@@ -7027,153 +7094,20 @@
           <a:p>
             <a:r>
               <a:rPr lang="en-US" dirty="0"/>
-              <a:t>Used python functions like “strip” and “replace,” as well as regex</a:t>
-            </a:r>
-          </a:p>
-          <a:p>
-            <a:endParaRPr lang="en-US" dirty="0"/>
+              <a:t>71 artists left after pulling lyrics, but some JSONs were just backgrounds of the artists with no lyrics (i.e., no data).</a:t>
+            </a:r>
           </a:p>
           <a:p>
             <a:r>
               <a:rPr lang="en-US" dirty="0"/>
-              <a:t>Song Title Lyrics:</a:t>
-            </a:r>
-          </a:p>
-          <a:p>
-            <a:pPr marL="171450" indent="-171450">
-              <a:buFontTx/>
-              <a:buChar char="-"/>
-            </a:pPr>
+              <a:t>This leaves us with 63 artists total, which will later be reduced to 62 after some cleaning (one artists was identified as </a:t>
+            </a:r>
+          </a:p>
+          <a:p>
             <a:r>
               <a:rPr lang="en-US" dirty="0"/>
-              <a:t>Loops through </a:t>
-            </a:r>
-            <a:r>
-              <a:rPr lang="en-US" dirty="0" err="1"/>
-              <a:t>dataframe</a:t>
-            </a:r>
-            <a:endParaRPr lang="en-US" dirty="0"/>
-          </a:p>
-          <a:p>
-            <a:pPr marL="171450" indent="-171450">
-              <a:buFontTx/>
-              <a:buChar char="-"/>
-            </a:pPr>
-            <a:r>
-              <a:rPr lang="en-US" dirty="0"/>
-              <a:t>Retrieves title string</a:t>
-            </a:r>
-          </a:p>
-          <a:p>
-            <a:pPr marL="171450" indent="-171450">
-              <a:buFontTx/>
-              <a:buChar char="-"/>
-            </a:pPr>
-            <a:r>
-              <a:rPr lang="en-US" dirty="0"/>
-              <a:t>Concatenates “ Lyrics”</a:t>
-            </a:r>
-          </a:p>
-          <a:p>
-            <a:pPr marL="171450" indent="-171450">
-              <a:buFontTx/>
-              <a:buChar char="-"/>
-            </a:pPr>
-            <a:r>
-              <a:rPr lang="en-US" dirty="0"/>
-              <a:t>Replace this string with the empty string</a:t>
-            </a:r>
-          </a:p>
-          <a:p>
-            <a:pPr marL="171450" indent="-171450">
-              <a:buFontTx/>
-              <a:buChar char="-"/>
-            </a:pPr>
-            <a:r>
-              <a:rPr lang="en-US" i="1" dirty="0"/>
-              <a:t>Stripping whitespace afterward was meant to adapt to multiple newlines after this “Lyrics” line</a:t>
-            </a:r>
-          </a:p>
-          <a:p>
-            <a:pPr marL="171450" indent="-171450">
-              <a:buFontTx/>
-              <a:buChar char="-"/>
-            </a:pPr>
-            <a:endParaRPr lang="en-US" i="0" dirty="0"/>
-          </a:p>
-          <a:p>
-            <a:pPr marL="0" indent="0">
-              <a:buFontTx/>
-              <a:buNone/>
-            </a:pPr>
-            <a:r>
-              <a:rPr lang="en-US" i="0" dirty="0"/>
-              <a:t>1Embed:</a:t>
-            </a:r>
-          </a:p>
-          <a:p>
-            <a:pPr marL="171450" indent="-171450">
-              <a:buFontTx/>
-              <a:buChar char="-"/>
-            </a:pPr>
-            <a:r>
-              <a:rPr lang="en-US" i="0" dirty="0"/>
-              <a:t>Regex to represent any number of digits before “Embed”</a:t>
-            </a:r>
-          </a:p>
-          <a:p>
-            <a:pPr marL="171450" indent="-171450">
-              <a:buFontTx/>
-              <a:buChar char="-"/>
-            </a:pPr>
-            <a:endParaRPr lang="en-US" i="0" dirty="0"/>
-          </a:p>
-          <a:p>
-            <a:pPr marL="0" indent="0">
-              <a:buFontTx/>
-              <a:buNone/>
-            </a:pPr>
-            <a:r>
-              <a:rPr lang="en-US" i="0" dirty="0"/>
-              <a:t>Transcription in progress:</a:t>
-            </a:r>
-          </a:p>
-          <a:p>
-            <a:pPr marL="171450" indent="-171450">
-              <a:buFontTx/>
-              <a:buChar char="-"/>
-            </a:pPr>
-            <a:r>
-              <a:rPr lang="en-US" i="0" dirty="0"/>
-              <a:t>Searched for this and found 6 identical lyrics</a:t>
-            </a:r>
-          </a:p>
-          <a:p>
-            <a:pPr marL="171450" indent="-171450">
-              <a:buFontTx/>
-              <a:buChar char="-"/>
-            </a:pPr>
-            <a:r>
-              <a:rPr lang="en-US" i="0" dirty="0"/>
-              <a:t>Just replaced these whole texts with “”</a:t>
-            </a:r>
-          </a:p>
-          <a:p>
-            <a:pPr marL="171450" indent="-171450">
-              <a:buFontTx/>
-              <a:buChar char="-"/>
-            </a:pPr>
-            <a:r>
-              <a:rPr lang="en-US" i="0" dirty="0"/>
-              <a:t>Later found out that similar lyrics are still in the data</a:t>
-            </a:r>
-          </a:p>
-          <a:p>
-            <a:pPr marL="171450" indent="-171450">
-              <a:buFontTx/>
-              <a:buChar char="-"/>
-            </a:pPr>
-            <a:endParaRPr lang="en-US" i="0" dirty="0"/>
+              <a:t>entirely non-English).</a:t>
+            </a:r>
           </a:p>
         </p:txBody>
       </p:sp>
@@ -7194,7 +7128,7 @@
           <a:p>
             <a:fld id="{D40C6A29-4676-420C-BBE3-ACC2B80F64D4}" type="slidenum">
               <a:rPr lang="en-US" smtClean="0"/>
-              <a:t>10</a:t>
+              <a:t>9</a:t>
             </a:fld>
             <a:endParaRPr lang="en-US" dirty="0"/>
           </a:p>
@@ -7203,7 +7137,7 @@
     </p:spTree>
     <p:extLst>
       <p:ext uri="{BB962C8B-B14F-4D97-AF65-F5344CB8AC3E}">
-        <p14:creationId xmlns:p14="http://schemas.microsoft.com/office/powerpoint/2010/main" val="3657672400"/>
+        <p14:creationId xmlns:p14="http://schemas.microsoft.com/office/powerpoint/2010/main" val="1614218867"/>
       </p:ext>
     </p:extLst>
   </p:cSld>
@@ -7259,25 +7193,153 @@
           <a:p>
             <a:r>
               <a:rPr lang="en-US" dirty="0"/>
-              <a:t>In the end, I didn’t really use the language detection that I had spent so much time on.  I was able to definitively remove anything that </a:t>
+              <a:t>Used python functions like “strip” and “replace,” as well as regex</a:t>
+            </a:r>
+          </a:p>
+          <a:p>
+            <a:endParaRPr lang="en-US" dirty="0"/>
+          </a:p>
+          <a:p>
+            <a:r>
+              <a:rPr lang="en-US" dirty="0"/>
+              <a:t>Song Title Lyrics:</a:t>
+            </a:r>
+          </a:p>
+          <a:p>
+            <a:pPr marL="171450" indent="-171450">
+              <a:buFontTx/>
+              <a:buChar char="-"/>
+            </a:pPr>
+            <a:r>
+              <a:rPr lang="en-US" dirty="0"/>
+              <a:t>Loops through </a:t>
             </a:r>
             <a:r>
               <a:rPr lang="en-US" dirty="0" err="1"/>
-              <a:t>spaCy</a:t>
-            </a:r>
+              <a:t>dataframe</a:t>
+            </a:r>
+            <a:endParaRPr lang="en-US" dirty="0"/>
+          </a:p>
+          <a:p>
+            <a:pPr marL="171450" indent="-171450">
+              <a:buFontTx/>
+              <a:buChar char="-"/>
+            </a:pPr>
             <a:r>
               <a:rPr lang="en-US" dirty="0"/>
-              <a:t> determined what Swedish or Japanese by visually scanning the data for those 2 languages.</a:t>
-            </a:r>
-          </a:p>
-          <a:p>
-            <a:endParaRPr lang="en-US" dirty="0"/>
-          </a:p>
-          <a:p>
+              <a:t>Retrieves title string</a:t>
+            </a:r>
+          </a:p>
+          <a:p>
+            <a:pPr marL="171450" indent="-171450">
+              <a:buFontTx/>
+              <a:buChar char="-"/>
+            </a:pPr>
             <a:r>
               <a:rPr lang="en-US" dirty="0"/>
-              <a:t>Otherwise, because of the number of “nonsense” words in these lyrics, it’s difficult to filter out the non-English (but still a real language) lyrics without manually checking them all.</a:t>
-            </a:r>
+              <a:t>Concatenates “ Lyrics”</a:t>
+            </a:r>
+          </a:p>
+          <a:p>
+            <a:pPr marL="171450" indent="-171450">
+              <a:buFontTx/>
+              <a:buChar char="-"/>
+            </a:pPr>
+            <a:r>
+              <a:rPr lang="en-US" dirty="0"/>
+              <a:t>Replace this string with the empty string</a:t>
+            </a:r>
+          </a:p>
+          <a:p>
+            <a:pPr marL="171450" indent="-171450">
+              <a:buFontTx/>
+              <a:buChar char="-"/>
+            </a:pPr>
+            <a:r>
+              <a:rPr lang="en-US" i="1" dirty="0"/>
+              <a:t>Stripping whitespace afterward was meant to adapt to multiple newlines after this “Lyrics” line</a:t>
+            </a:r>
+          </a:p>
+          <a:p>
+            <a:pPr marL="171450" indent="-171450">
+              <a:buFontTx/>
+              <a:buChar char="-"/>
+            </a:pPr>
+            <a:endParaRPr lang="en-US" i="0" dirty="0"/>
+          </a:p>
+          <a:p>
+            <a:pPr marL="0" indent="0">
+              <a:buFontTx/>
+              <a:buNone/>
+            </a:pPr>
+            <a:r>
+              <a:rPr lang="en-US" i="0" dirty="0"/>
+              <a:t>1Embed:</a:t>
+            </a:r>
+          </a:p>
+          <a:p>
+            <a:pPr marL="171450" indent="-171450">
+              <a:buFontTx/>
+              <a:buChar char="-"/>
+            </a:pPr>
+            <a:r>
+              <a:rPr lang="en-US" i="0" dirty="0"/>
+              <a:t>Regex to represent any number of digits before “Embed”</a:t>
+            </a:r>
+          </a:p>
+          <a:p>
+            <a:pPr marL="171450" indent="-171450">
+              <a:buFontTx/>
+              <a:buChar char="-"/>
+            </a:pPr>
+            <a:endParaRPr lang="en-US" i="0" dirty="0"/>
+          </a:p>
+          <a:p>
+            <a:pPr marL="0" indent="0">
+              <a:buFontTx/>
+              <a:buNone/>
+            </a:pPr>
+            <a:r>
+              <a:rPr lang="en-US" i="0" dirty="0"/>
+              <a:t>Transcription in progress:</a:t>
+            </a:r>
+          </a:p>
+          <a:p>
+            <a:pPr marL="171450" indent="-171450">
+              <a:buFontTx/>
+              <a:buChar char="-"/>
+            </a:pPr>
+            <a:r>
+              <a:rPr lang="en-US" i="0" dirty="0"/>
+              <a:t>Searched for this and found 6 identical lyrics</a:t>
+            </a:r>
+          </a:p>
+          <a:p>
+            <a:pPr marL="171450" indent="-171450">
+              <a:buFontTx/>
+              <a:buChar char="-"/>
+            </a:pPr>
+            <a:r>
+              <a:rPr lang="en-US" i="0" dirty="0"/>
+              <a:t>Just replaced these whole texts with “”</a:t>
+            </a:r>
+          </a:p>
+          <a:p>
+            <a:pPr marL="171450" indent="-171450">
+              <a:buFontTx/>
+              <a:buChar char="-"/>
+            </a:pPr>
+            <a:r>
+              <a:rPr lang="en-US" i="0" dirty="0"/>
+              <a:t>Later found out that similar lyrics are still in the data</a:t>
+            </a:r>
+          </a:p>
+          <a:p>
+            <a:pPr marL="171450" indent="-171450">
+              <a:buFontTx/>
+              <a:buChar char="-"/>
+            </a:pPr>
+            <a:endParaRPr lang="en-US" i="0" dirty="0"/>
           </a:p>
         </p:txBody>
       </p:sp>
@@ -7298,7 +7360,7 @@
           <a:p>
             <a:fld id="{D40C6A29-4676-420C-BBE3-ACC2B80F64D4}" type="slidenum">
               <a:rPr lang="en-US" smtClean="0"/>
-              <a:t>12</a:t>
+              <a:t>10</a:t>
             </a:fld>
             <a:endParaRPr lang="en-US" dirty="0"/>
           </a:p>
@@ -7307,7 +7369,7 @@
     </p:spTree>
     <p:extLst>
       <p:ext uri="{BB962C8B-B14F-4D97-AF65-F5344CB8AC3E}">
-        <p14:creationId xmlns:p14="http://schemas.microsoft.com/office/powerpoint/2010/main" val="4254211442"/>
+        <p14:creationId xmlns:p14="http://schemas.microsoft.com/office/powerpoint/2010/main" val="3657672400"/>
       </p:ext>
     </p:extLst>
   </p:cSld>
@@ -7363,7 +7425,15 @@
           <a:p>
             <a:r>
               <a:rPr lang="en-US" dirty="0"/>
-              <a:t>Please ignore the percent formatting.  I’m having trouble understanding Matplotlib.</a:t>
+              <a:t>In the end, I didn’t really use the language detection that I had spent so much time on.  I was able to definitively remove anything that </a:t>
+            </a:r>
+            <a:r>
+              <a:rPr lang="en-US" dirty="0" err="1"/>
+              <a:t>spaCy</a:t>
+            </a:r>
+            <a:r>
+              <a:rPr lang="en-US" dirty="0"/>
+              <a:t> determined what Swedish or Japanese by visually scanning the data for those 2 languages.</a:t>
             </a:r>
           </a:p>
           <a:p>
@@ -7372,7 +7442,7 @@
           <a:p>
             <a:r>
               <a:rPr lang="en-US" dirty="0"/>
-              <a:t>Note the major skew toward 4-5 artists!</a:t>
+              <a:t>Otherwise, because of the number of “nonsense” words in these lyrics, it’s difficult to filter out the non-English (but still a real language) lyrics without manually checking them all.</a:t>
             </a:r>
           </a:p>
         </p:txBody>
@@ -7394,7 +7464,7 @@
           <a:p>
             <a:fld id="{D40C6A29-4676-420C-BBE3-ACC2B80F64D4}" type="slidenum">
               <a:rPr lang="en-US" smtClean="0"/>
-              <a:t>14</a:t>
+              <a:t>12</a:t>
             </a:fld>
             <a:endParaRPr lang="en-US" dirty="0"/>
           </a:p>
@@ -7403,7 +7473,7 @@
     </p:spTree>
     <p:extLst>
       <p:ext uri="{BB962C8B-B14F-4D97-AF65-F5344CB8AC3E}">
-        <p14:creationId xmlns:p14="http://schemas.microsoft.com/office/powerpoint/2010/main" val="821294562"/>
+        <p14:creationId xmlns:p14="http://schemas.microsoft.com/office/powerpoint/2010/main" val="4254211442"/>
       </p:ext>
     </p:extLst>
   </p:cSld>
@@ -7459,7 +7529,7 @@
           <a:p>
             <a:r>
               <a:rPr lang="en-US" dirty="0"/>
-              <a:t>These graphs are intentionally horrid (or we’ll go with that, at least).  They are intended to illustrate just how massive this dataset is.</a:t>
+              <a:t>Please ignore the percent formatting.  I’m having trouble understanding Matplotlib.</a:t>
             </a:r>
           </a:p>
           <a:p>
@@ -7468,7 +7538,7 @@
           <a:p>
             <a:r>
               <a:rPr lang="en-US" dirty="0"/>
-              <a:t>Ideally, my own dataset would match this distribution and cleaning style, but given the time and resources I have, comparing these sets as-is is my best option.</a:t>
+              <a:t>Note the major skew toward 4-5 artists!</a:t>
             </a:r>
           </a:p>
         </p:txBody>
@@ -7490,7 +7560,7 @@
           <a:p>
             <a:fld id="{D40C6A29-4676-420C-BBE3-ACC2B80F64D4}" type="slidenum">
               <a:rPr lang="en-US" smtClean="0"/>
-              <a:t>18</a:t>
+              <a:t>14</a:t>
             </a:fld>
             <a:endParaRPr lang="en-US" dirty="0"/>
           </a:p>
@@ -7499,7 +7569,7 @@
     </p:spTree>
     <p:extLst>
       <p:ext uri="{BB962C8B-B14F-4D97-AF65-F5344CB8AC3E}">
-        <p14:creationId xmlns:p14="http://schemas.microsoft.com/office/powerpoint/2010/main" val="228600750"/>
+        <p14:creationId xmlns:p14="http://schemas.microsoft.com/office/powerpoint/2010/main" val="821294562"/>
       </p:ext>
     </p:extLst>
   </p:cSld>
@@ -7555,7 +7625,16 @@
           <a:p>
             <a:r>
               <a:rPr lang="en-US" dirty="0"/>
-              <a:t>These seem more normal.</a:t>
+              <a:t>These graphs are intentionally horrid (or we’ll go with that, at least).  They are intended to illustrate just how massive this dataset is.</a:t>
+            </a:r>
+          </a:p>
+          <a:p>
+            <a:endParaRPr lang="en-US" dirty="0"/>
+          </a:p>
+          <a:p>
+            <a:r>
+              <a:rPr lang="en-US" dirty="0"/>
+              <a:t>Ideally, my own dataset would match this distribution and cleaning style, but given the time and resources I have, comparing these sets as-is is my best option.</a:t>
             </a:r>
           </a:p>
         </p:txBody>
@@ -7577,7 +7656,7 @@
           <a:p>
             <a:fld id="{D40C6A29-4676-420C-BBE3-ACC2B80F64D4}" type="slidenum">
               <a:rPr lang="en-US" smtClean="0"/>
-              <a:t>20</a:t>
+              <a:t>16</a:t>
             </a:fld>
             <a:endParaRPr lang="en-US" dirty="0"/>
           </a:p>
@@ -7586,7 +7665,7 @@
     </p:spTree>
     <p:extLst>
       <p:ext uri="{BB962C8B-B14F-4D97-AF65-F5344CB8AC3E}">
-        <p14:creationId xmlns:p14="http://schemas.microsoft.com/office/powerpoint/2010/main" val="3847995443"/>
+        <p14:creationId xmlns:p14="http://schemas.microsoft.com/office/powerpoint/2010/main" val="228600750"/>
       </p:ext>
     </p:extLst>
   </p:cSld>
@@ -20111,7 +20190,12 @@
             <p:ph idx="1"/>
           </p:nvPr>
         </p:nvSpPr>
-        <p:spPr/>
+        <p:spPr>
+          <a:xfrm>
+            <a:off x="838200" y="1349308"/>
+            <a:ext cx="10515600" cy="3859742"/>
+          </a:xfrm>
+        </p:spPr>
         <p:txBody>
           <a:bodyPr anchor="ctr"/>
           <a:lstStyle/>
@@ -20121,7 +20205,7 @@
             </a:pPr>
             <a:r>
               <a:rPr lang="en-US" dirty="0"/>
-              <a:t>Language.  </a:t>
+              <a:t>Foreign languages.  </a:t>
             </a:r>
             <a:r>
               <a:rPr lang="en-US" sz="1600" dirty="0"/>
@@ -22490,6 +22574,2768 @@
 <file path=ppt/slides/slide15.xml><?xml version="1.0" encoding="utf-8"?>
 <p:sld xmlns:a="http://schemas.openxmlformats.org/drawingml/2006/main" xmlns:r="http://schemas.openxmlformats.org/officeDocument/2006/relationships" xmlns:p="http://schemas.openxmlformats.org/presentationml/2006/main">
   <p:cSld>
+    <p:spTree>
+      <p:nvGrpSpPr>
+        <p:cNvPr id="1" name=""/>
+        <p:cNvGrpSpPr/>
+        <p:nvPr/>
+      </p:nvGrpSpPr>
+      <p:grpSpPr>
+        <a:xfrm>
+          <a:off x="0" y="0"/>
+          <a:ext cx="0" cy="0"/>
+          <a:chOff x="0" y="0"/>
+          <a:chExt cx="0" cy="0"/>
+        </a:xfrm>
+      </p:grpSpPr>
+      <p:sp>
+        <p:nvSpPr>
+          <p:cNvPr id="8" name="Title 7">
+            <a:extLst>
+              <a:ext uri="{FF2B5EF4-FFF2-40B4-BE49-F238E27FC236}">
+                <a16:creationId xmlns:a16="http://schemas.microsoft.com/office/drawing/2014/main" id="{CEA2DCDD-3170-418B-BCAB-89AF1349E064}"/>
+              </a:ext>
+            </a:extLst>
+          </p:cNvPr>
+          <p:cNvSpPr>
+            <a:spLocks noGrp="1"/>
+          </p:cNvSpPr>
+          <p:nvPr>
+            <p:ph type="title"/>
+          </p:nvPr>
+        </p:nvSpPr>
+        <p:spPr/>
+        <p:txBody>
+          <a:bodyPr/>
+          <a:lstStyle/>
+          <a:p>
+            <a:r>
+              <a:rPr lang="en-US" dirty="0"/>
+              <a:t>Popular Music</a:t>
+            </a:r>
+          </a:p>
+        </p:txBody>
+      </p:sp>
+      <p:sp>
+        <p:nvSpPr>
+          <p:cNvPr id="9" name="Content Placeholder 8">
+            <a:extLst>
+              <a:ext uri="{FF2B5EF4-FFF2-40B4-BE49-F238E27FC236}">
+                <a16:creationId xmlns:a16="http://schemas.microsoft.com/office/drawing/2014/main" id="{7797CC6C-1936-46B9-B7C8-A43750794D16}"/>
+              </a:ext>
+            </a:extLst>
+          </p:cNvPr>
+          <p:cNvSpPr>
+            <a:spLocks noGrp="1"/>
+          </p:cNvSpPr>
+          <p:nvPr>
+            <p:ph idx="1"/>
+          </p:nvPr>
+        </p:nvSpPr>
+        <p:spPr>
+          <a:xfrm>
+            <a:off x="1181100" y="1536343"/>
+            <a:ext cx="9829800" cy="3859742"/>
+          </a:xfrm>
+        </p:spPr>
+        <p:txBody>
+          <a:bodyPr anchor="ctr"/>
+          <a:lstStyle/>
+          <a:p>
+            <a:r>
+              <a:rPr lang="en-US" dirty="0"/>
+              <a:t>Using Kaylin Pavlik’s “50 Years of Pop Music”</a:t>
+            </a:r>
+          </a:p>
+          <a:p>
+            <a:pPr lvl="1"/>
+            <a:r>
+              <a:rPr lang="en-US" dirty="0">
+                <a:solidFill>
+                  <a:schemeClr val="accent2"/>
+                </a:solidFill>
+                <a:hlinkClick r:id="rId2">
+                  <a:extLst>
+                    <a:ext uri="{A12FA001-AC4F-418D-AE19-62706E023703}">
+                      <ahyp:hlinkClr xmlns:ahyp="http://schemas.microsoft.com/office/drawing/2018/hyperlinkcolor" val="tx"/>
+                    </a:ext>
+                  </a:extLst>
+                </a:hlinkClick>
+              </a:rPr>
+              <a:t>Billboard Hot 100 Dataset</a:t>
+            </a:r>
+            <a:endParaRPr lang="en-US" dirty="0">
+              <a:solidFill>
+                <a:schemeClr val="accent2"/>
+              </a:solidFill>
+            </a:endParaRPr>
+          </a:p>
+          <a:p>
+            <a:endParaRPr lang="en-US" dirty="0"/>
+          </a:p>
+          <a:p>
+            <a:r>
+              <a:rPr lang="en-US" dirty="0"/>
+              <a:t>Caveats:</a:t>
+            </a:r>
+          </a:p>
+          <a:p>
+            <a:pPr lvl="1"/>
+            <a:r>
+              <a:rPr lang="en-US" dirty="0"/>
+              <a:t>Much larger dataset</a:t>
+            </a:r>
+          </a:p>
+          <a:p>
+            <a:pPr lvl="1"/>
+            <a:r>
+              <a:rPr lang="en-US" dirty="0"/>
+              <a:t>Pulling from many genres</a:t>
+            </a:r>
+          </a:p>
+          <a:p>
+            <a:pPr lvl="1"/>
+            <a:r>
+              <a:rPr lang="en-US" dirty="0"/>
+              <a:t>Only the most popular music of each genre</a:t>
+            </a:r>
+          </a:p>
+          <a:p>
+            <a:pPr lvl="1"/>
+            <a:r>
+              <a:rPr lang="en-US" dirty="0"/>
+              <a:t>Different data cleaning schema</a:t>
+            </a:r>
+          </a:p>
+        </p:txBody>
+      </p:sp>
+      <p:sp>
+        <p:nvSpPr>
+          <p:cNvPr id="5" name="Date Placeholder 4">
+            <a:extLst>
+              <a:ext uri="{FF2B5EF4-FFF2-40B4-BE49-F238E27FC236}">
+                <a16:creationId xmlns:a16="http://schemas.microsoft.com/office/drawing/2014/main" id="{AD922504-EBCE-4660-9314-10E46186DA7C}"/>
+              </a:ext>
+            </a:extLst>
+          </p:cNvPr>
+          <p:cNvSpPr>
+            <a:spLocks noGrp="1"/>
+          </p:cNvSpPr>
+          <p:nvPr>
+            <p:ph type="dt" sz="half" idx="10"/>
+          </p:nvPr>
+        </p:nvSpPr>
+        <p:spPr/>
+        <p:txBody>
+          <a:bodyPr/>
+          <a:lstStyle/>
+          <a:p>
+            <a:pPr>
+              <a:defRPr/>
+            </a:pPr>
+            <a:r>
+              <a:rPr lang="en-US">
+                <a:solidFill>
+                  <a:prstClr val="black">
+                    <a:tint val="75000"/>
+                  </a:prstClr>
+                </a:solidFill>
+              </a:rPr>
+              <a:t>4/21/2022</a:t>
+            </a:r>
+            <a:endParaRPr lang="en-US" dirty="0">
+              <a:solidFill>
+                <a:prstClr val="black">
+                  <a:tint val="75000"/>
+                </a:prstClr>
+              </a:solidFill>
+            </a:endParaRPr>
+          </a:p>
+        </p:txBody>
+      </p:sp>
+      <p:sp>
+        <p:nvSpPr>
+          <p:cNvPr id="6" name="Footer Placeholder 5">
+            <a:extLst>
+              <a:ext uri="{FF2B5EF4-FFF2-40B4-BE49-F238E27FC236}">
+                <a16:creationId xmlns:a16="http://schemas.microsoft.com/office/drawing/2014/main" id="{D2A747D9-274E-473A-81BB-30DB3F706601}"/>
+              </a:ext>
+            </a:extLst>
+          </p:cNvPr>
+          <p:cNvSpPr>
+            <a:spLocks noGrp="1"/>
+          </p:cNvSpPr>
+          <p:nvPr>
+            <p:ph type="ftr" sz="quarter" idx="11"/>
+          </p:nvPr>
+        </p:nvSpPr>
+        <p:spPr/>
+        <p:txBody>
+          <a:bodyPr/>
+          <a:lstStyle/>
+          <a:p>
+            <a:pPr>
+              <a:defRPr/>
+            </a:pPr>
+            <a:r>
+              <a:rPr lang="en-US">
+                <a:solidFill>
+                  <a:prstClr val="black">
+                    <a:tint val="75000"/>
+                  </a:prstClr>
+                </a:solidFill>
+              </a:rPr>
+              <a:t>A Linguistic Look Inside Outsider Music</a:t>
+            </a:r>
+            <a:endParaRPr lang="en-US" dirty="0">
+              <a:solidFill>
+                <a:prstClr val="black">
+                  <a:tint val="75000"/>
+                </a:prstClr>
+              </a:solidFill>
+            </a:endParaRPr>
+          </a:p>
+        </p:txBody>
+      </p:sp>
+      <p:sp>
+        <p:nvSpPr>
+          <p:cNvPr id="7" name="Slide Number Placeholder 6">
+            <a:extLst>
+              <a:ext uri="{FF2B5EF4-FFF2-40B4-BE49-F238E27FC236}">
+                <a16:creationId xmlns:a16="http://schemas.microsoft.com/office/drawing/2014/main" id="{ED513EE7-05A0-4BB3-9519-ACB769EE8A39}"/>
+              </a:ext>
+            </a:extLst>
+          </p:cNvPr>
+          <p:cNvSpPr>
+            <a:spLocks noGrp="1"/>
+          </p:cNvSpPr>
+          <p:nvPr>
+            <p:ph type="sldNum" sz="quarter" idx="12"/>
+          </p:nvPr>
+        </p:nvSpPr>
+        <p:spPr/>
+        <p:txBody>
+          <a:bodyPr/>
+          <a:lstStyle/>
+          <a:p>
+            <a:pPr>
+              <a:defRPr/>
+            </a:pPr>
+            <a:fld id="{D76B855D-E9CC-4FF8-AD85-6CDC7B89A0DE}" type="slidenum">
+              <a:rPr lang="en-US" smtClean="0">
+                <a:solidFill>
+                  <a:prstClr val="black">
+                    <a:tint val="75000"/>
+                  </a:prstClr>
+                </a:solidFill>
+              </a:rPr>
+              <a:pPr>
+                <a:defRPr/>
+              </a:pPr>
+              <a:t>15</a:t>
+            </a:fld>
+            <a:endParaRPr lang="en-US" dirty="0">
+              <a:solidFill>
+                <a:prstClr val="black">
+                  <a:tint val="75000"/>
+                </a:prstClr>
+              </a:solidFill>
+            </a:endParaRPr>
+          </a:p>
+        </p:txBody>
+      </p:sp>
+    </p:spTree>
+    <p:extLst>
+      <p:ext uri="{BB962C8B-B14F-4D97-AF65-F5344CB8AC3E}">
+        <p14:creationId xmlns:p14="http://schemas.microsoft.com/office/powerpoint/2010/main" val="1592852998"/>
+      </p:ext>
+    </p:extLst>
+  </p:cSld>
+  <p:clrMapOvr>
+    <a:masterClrMapping/>
+  </p:clrMapOvr>
+</p:sld>
+</file>
+
+<file path=ppt/slides/slide16.xml><?xml version="1.0" encoding="utf-8"?>
+<p:sld xmlns:a="http://schemas.openxmlformats.org/drawingml/2006/main" xmlns:r="http://schemas.openxmlformats.org/officeDocument/2006/relationships" xmlns:p="http://schemas.openxmlformats.org/presentationml/2006/main">
+  <p:cSld>
+    <p:spTree>
+      <p:nvGrpSpPr>
+        <p:cNvPr id="1" name=""/>
+        <p:cNvGrpSpPr/>
+        <p:nvPr/>
+      </p:nvGrpSpPr>
+      <p:grpSpPr>
+        <a:xfrm>
+          <a:off x="0" y="0"/>
+          <a:ext cx="0" cy="0"/>
+          <a:chOff x="0" y="0"/>
+          <a:chExt cx="0" cy="0"/>
+        </a:xfrm>
+      </p:grpSpPr>
+      <p:sp>
+        <p:nvSpPr>
+          <p:cNvPr id="2" name="Title 1">
+            <a:extLst>
+              <a:ext uri="{FF2B5EF4-FFF2-40B4-BE49-F238E27FC236}">
+                <a16:creationId xmlns:a16="http://schemas.microsoft.com/office/drawing/2014/main" id="{0793C493-6056-45C8-85B7-E04E89D10291}"/>
+              </a:ext>
+            </a:extLst>
+          </p:cNvPr>
+          <p:cNvSpPr>
+            <a:spLocks noGrp="1"/>
+          </p:cNvSpPr>
+          <p:nvPr>
+            <p:ph type="title"/>
+          </p:nvPr>
+        </p:nvSpPr>
+        <p:spPr/>
+        <p:txBody>
+          <a:bodyPr/>
+          <a:lstStyle/>
+          <a:p>
+            <a:r>
+              <a:rPr lang="en-US" dirty="0"/>
+              <a:t>Beginning Analysis</a:t>
+            </a:r>
+            <a:br>
+              <a:rPr lang="en-US" sz="4400" dirty="0"/>
+            </a:br>
+            <a:r>
+              <a:rPr lang="en-US" sz="3600" dirty="0">
+                <a:latin typeface="+mn-lt"/>
+              </a:rPr>
+              <a:t>Popular Music</a:t>
+            </a:r>
+            <a:endParaRPr lang="en-US" dirty="0"/>
+          </a:p>
+        </p:txBody>
+      </p:sp>
+      <p:sp>
+        <p:nvSpPr>
+          <p:cNvPr id="6" name="Content Placeholder 5">
+            <a:extLst>
+              <a:ext uri="{FF2B5EF4-FFF2-40B4-BE49-F238E27FC236}">
+                <a16:creationId xmlns:a16="http://schemas.microsoft.com/office/drawing/2014/main" id="{BA01CCDE-CE1B-4BA0-A925-134FB78E17BF}"/>
+              </a:ext>
+            </a:extLst>
+          </p:cNvPr>
+          <p:cNvSpPr>
+            <a:spLocks noGrp="1"/>
+          </p:cNvSpPr>
+          <p:nvPr>
+            <p:ph idx="1"/>
+          </p:nvPr>
+        </p:nvSpPr>
+        <p:spPr>
+          <a:xfrm>
+            <a:off x="1179576" y="1911096"/>
+            <a:ext cx="5539276" cy="3859742"/>
+          </a:xfrm>
+        </p:spPr>
+        <p:txBody>
+          <a:bodyPr/>
+          <a:lstStyle/>
+          <a:p>
+            <a:r>
+              <a:rPr lang="en-US" dirty="0"/>
+              <a:t>4,847 lyric entries</a:t>
+            </a:r>
+          </a:p>
+          <a:p>
+            <a:r>
+              <a:rPr lang="en-US" dirty="0"/>
+              <a:t>2,340 unique artists</a:t>
+            </a:r>
+          </a:p>
+          <a:p>
+            <a:pPr lvl="1"/>
+            <a:r>
+              <a:rPr lang="en-US" dirty="0"/>
+              <a:t>34 songs by Madonna (&lt;1%)</a:t>
+            </a:r>
+          </a:p>
+          <a:p>
+            <a:endParaRPr lang="en-US" dirty="0"/>
+          </a:p>
+          <a:p>
+            <a:pPr marL="0" indent="0">
+              <a:buNone/>
+            </a:pPr>
+            <a:r>
+              <a:rPr lang="en-US" dirty="0"/>
+              <a:t>No one artist dominates this data.</a:t>
+            </a:r>
+          </a:p>
+          <a:p>
+            <a:endParaRPr lang="en-US" dirty="0"/>
+          </a:p>
+        </p:txBody>
+      </p:sp>
+      <p:sp>
+        <p:nvSpPr>
+          <p:cNvPr id="3" name="Date Placeholder 2">
+            <a:extLst>
+              <a:ext uri="{FF2B5EF4-FFF2-40B4-BE49-F238E27FC236}">
+                <a16:creationId xmlns:a16="http://schemas.microsoft.com/office/drawing/2014/main" id="{5D617D72-A75E-478B-800E-DB0000952A83}"/>
+              </a:ext>
+            </a:extLst>
+          </p:cNvPr>
+          <p:cNvSpPr>
+            <a:spLocks noGrp="1"/>
+          </p:cNvSpPr>
+          <p:nvPr>
+            <p:ph type="dt" sz="half" idx="10"/>
+          </p:nvPr>
+        </p:nvSpPr>
+        <p:spPr/>
+        <p:txBody>
+          <a:bodyPr/>
+          <a:lstStyle/>
+          <a:p>
+            <a:pPr>
+              <a:defRPr/>
+            </a:pPr>
+            <a:r>
+              <a:rPr lang="en-US">
+                <a:solidFill>
+                  <a:prstClr val="black">
+                    <a:tint val="75000"/>
+                  </a:prstClr>
+                </a:solidFill>
+              </a:rPr>
+              <a:t>4/21/2022</a:t>
+            </a:r>
+            <a:endParaRPr lang="en-US" dirty="0">
+              <a:solidFill>
+                <a:prstClr val="black">
+                  <a:tint val="75000"/>
+                </a:prstClr>
+              </a:solidFill>
+            </a:endParaRPr>
+          </a:p>
+        </p:txBody>
+      </p:sp>
+      <p:sp>
+        <p:nvSpPr>
+          <p:cNvPr id="4" name="Footer Placeholder 3">
+            <a:extLst>
+              <a:ext uri="{FF2B5EF4-FFF2-40B4-BE49-F238E27FC236}">
+                <a16:creationId xmlns:a16="http://schemas.microsoft.com/office/drawing/2014/main" id="{FDC0FEAE-0E44-4EF1-8B93-058600C0450F}"/>
+              </a:ext>
+            </a:extLst>
+          </p:cNvPr>
+          <p:cNvSpPr>
+            <a:spLocks noGrp="1"/>
+          </p:cNvSpPr>
+          <p:nvPr>
+            <p:ph type="ftr" sz="quarter" idx="11"/>
+          </p:nvPr>
+        </p:nvSpPr>
+        <p:spPr/>
+        <p:txBody>
+          <a:bodyPr/>
+          <a:lstStyle/>
+          <a:p>
+            <a:pPr>
+              <a:defRPr/>
+            </a:pPr>
+            <a:r>
+              <a:rPr lang="en-US">
+                <a:solidFill>
+                  <a:prstClr val="black">
+                    <a:tint val="75000"/>
+                  </a:prstClr>
+                </a:solidFill>
+              </a:rPr>
+              <a:t>A Linguistic Look Inside Outsider Music</a:t>
+            </a:r>
+            <a:endParaRPr lang="en-US" dirty="0">
+              <a:solidFill>
+                <a:prstClr val="black">
+                  <a:tint val="75000"/>
+                </a:prstClr>
+              </a:solidFill>
+            </a:endParaRPr>
+          </a:p>
+        </p:txBody>
+      </p:sp>
+      <p:sp>
+        <p:nvSpPr>
+          <p:cNvPr id="5" name="Slide Number Placeholder 4">
+            <a:extLst>
+              <a:ext uri="{FF2B5EF4-FFF2-40B4-BE49-F238E27FC236}">
+                <a16:creationId xmlns:a16="http://schemas.microsoft.com/office/drawing/2014/main" id="{9070946D-561E-4B60-8B06-D7698FDEF842}"/>
+              </a:ext>
+            </a:extLst>
+          </p:cNvPr>
+          <p:cNvSpPr>
+            <a:spLocks noGrp="1"/>
+          </p:cNvSpPr>
+          <p:nvPr>
+            <p:ph type="sldNum" sz="quarter" idx="12"/>
+          </p:nvPr>
+        </p:nvSpPr>
+        <p:spPr/>
+        <p:txBody>
+          <a:bodyPr/>
+          <a:lstStyle/>
+          <a:p>
+            <a:pPr>
+              <a:defRPr/>
+            </a:pPr>
+            <a:fld id="{D76B855D-E9CC-4FF8-AD85-6CDC7B89A0DE}" type="slidenum">
+              <a:rPr lang="en-US" smtClean="0">
+                <a:solidFill>
+                  <a:prstClr val="black">
+                    <a:tint val="75000"/>
+                  </a:prstClr>
+                </a:solidFill>
+              </a:rPr>
+              <a:pPr>
+                <a:defRPr/>
+              </a:pPr>
+              <a:t>16</a:t>
+            </a:fld>
+            <a:endParaRPr lang="en-US" dirty="0">
+              <a:solidFill>
+                <a:prstClr val="black">
+                  <a:tint val="75000"/>
+                </a:prstClr>
+              </a:solidFill>
+            </a:endParaRPr>
+          </a:p>
+        </p:txBody>
+      </p:sp>
+      <p:pic>
+        <p:nvPicPr>
+          <p:cNvPr id="9" name="Picture 8" descr="Chart, pie chart&#10;&#10;Description automatically generated">
+            <a:extLst>
+              <a:ext uri="{FF2B5EF4-FFF2-40B4-BE49-F238E27FC236}">
+                <a16:creationId xmlns:a16="http://schemas.microsoft.com/office/drawing/2014/main" id="{D2AD758F-CB35-4BB4-850B-16F09A113741}"/>
+              </a:ext>
+            </a:extLst>
+          </p:cNvPr>
+          <p:cNvPicPr>
+            <a:picLocks noChangeAspect="1"/>
+          </p:cNvPicPr>
+          <p:nvPr/>
+        </p:nvPicPr>
+        <p:blipFill>
+          <a:blip r:embed="rId3"/>
+          <a:stretch>
+            <a:fillRect/>
+          </a:stretch>
+        </p:blipFill>
+        <p:spPr>
+          <a:xfrm>
+            <a:off x="6245846" y="668080"/>
+            <a:ext cx="5768676" cy="3845784"/>
+          </a:xfrm>
+          <a:prstGeom prst="rect">
+            <a:avLst/>
+          </a:prstGeom>
+        </p:spPr>
+      </p:pic>
+      <p:pic>
+        <p:nvPicPr>
+          <p:cNvPr id="11" name="Picture 10" descr="A picture containing chart&#10;&#10;Description automatically generated">
+            <a:extLst>
+              <a:ext uri="{FF2B5EF4-FFF2-40B4-BE49-F238E27FC236}">
+                <a16:creationId xmlns:a16="http://schemas.microsoft.com/office/drawing/2014/main" id="{03E7BD74-F31B-44D0-B73C-4035A0CB0DEB}"/>
+              </a:ext>
+            </a:extLst>
+          </p:cNvPr>
+          <p:cNvPicPr>
+            <a:picLocks noChangeAspect="1"/>
+          </p:cNvPicPr>
+          <p:nvPr/>
+        </p:nvPicPr>
+        <p:blipFill rotWithShape="1">
+          <a:blip r:embed="rId4"/>
+          <a:srcRect b="14170"/>
+          <a:stretch/>
+        </p:blipFill>
+        <p:spPr>
+          <a:xfrm>
+            <a:off x="6553200" y="4144058"/>
+            <a:ext cx="3772043" cy="2158357"/>
+          </a:xfrm>
+          <a:prstGeom prst="rect">
+            <a:avLst/>
+          </a:prstGeom>
+        </p:spPr>
+      </p:pic>
+    </p:spTree>
+    <p:extLst>
+      <p:ext uri="{BB962C8B-B14F-4D97-AF65-F5344CB8AC3E}">
+        <p14:creationId xmlns:p14="http://schemas.microsoft.com/office/powerpoint/2010/main" val="2873155492"/>
+      </p:ext>
+    </p:extLst>
+  </p:cSld>
+  <p:clrMapOvr>
+    <a:masterClrMapping/>
+  </p:clrMapOvr>
+</p:sld>
+</file>
+
+<file path=ppt/slides/slide17.xml><?xml version="1.0" encoding="utf-8"?>
+<p:sld xmlns:a="http://schemas.openxmlformats.org/drawingml/2006/main" xmlns:r="http://schemas.openxmlformats.org/officeDocument/2006/relationships" xmlns:p="http://schemas.openxmlformats.org/presentationml/2006/main">
+  <p:cSld>
+    <p:spTree>
+      <p:nvGrpSpPr>
+        <p:cNvPr id="1" name=""/>
+        <p:cNvGrpSpPr/>
+        <p:nvPr/>
+      </p:nvGrpSpPr>
+      <p:grpSpPr>
+        <a:xfrm>
+          <a:off x="0" y="0"/>
+          <a:ext cx="0" cy="0"/>
+          <a:chOff x="0" y="0"/>
+          <a:chExt cx="0" cy="0"/>
+        </a:xfrm>
+      </p:grpSpPr>
+      <p:sp>
+        <p:nvSpPr>
+          <p:cNvPr id="2" name="Title 1">
+            <a:extLst>
+              <a:ext uri="{FF2B5EF4-FFF2-40B4-BE49-F238E27FC236}">
+                <a16:creationId xmlns:a16="http://schemas.microsoft.com/office/drawing/2014/main" id="{E8AFEB24-5784-41FF-8696-3DB0A95BEF89}"/>
+              </a:ext>
+            </a:extLst>
+          </p:cNvPr>
+          <p:cNvSpPr>
+            <a:spLocks noGrp="1"/>
+          </p:cNvSpPr>
+          <p:nvPr>
+            <p:ph type="title"/>
+          </p:nvPr>
+        </p:nvSpPr>
+        <p:spPr/>
+        <p:txBody>
+          <a:bodyPr/>
+          <a:lstStyle/>
+          <a:p>
+            <a:r>
+              <a:rPr lang="en-US" dirty="0"/>
+              <a:t>Token Count Distribution</a:t>
+            </a:r>
+          </a:p>
+        </p:txBody>
+      </p:sp>
+      <p:sp>
+        <p:nvSpPr>
+          <p:cNvPr id="7" name="Text Placeholder 6">
+            <a:extLst>
+              <a:ext uri="{FF2B5EF4-FFF2-40B4-BE49-F238E27FC236}">
+                <a16:creationId xmlns:a16="http://schemas.microsoft.com/office/drawing/2014/main" id="{63C1BCA9-3367-45D1-AE2F-684CFA50A463}"/>
+              </a:ext>
+            </a:extLst>
+          </p:cNvPr>
+          <p:cNvSpPr>
+            <a:spLocks noGrp="1"/>
+          </p:cNvSpPr>
+          <p:nvPr>
+            <p:ph type="body" idx="1"/>
+          </p:nvPr>
+        </p:nvSpPr>
+        <p:spPr>
+          <a:xfrm>
+            <a:off x="861786" y="1090054"/>
+            <a:ext cx="5157787" cy="823912"/>
+          </a:xfrm>
+        </p:spPr>
+        <p:txBody>
+          <a:bodyPr/>
+          <a:lstStyle/>
+          <a:p>
+            <a:pPr algn="ctr"/>
+            <a:r>
+              <a:rPr lang="en-US" dirty="0"/>
+              <a:t>OUTSIDER MUSIC</a:t>
+            </a:r>
+          </a:p>
+        </p:txBody>
+      </p:sp>
+      <p:sp>
+        <p:nvSpPr>
+          <p:cNvPr id="8" name="Content Placeholder 7">
+            <a:extLst>
+              <a:ext uri="{FF2B5EF4-FFF2-40B4-BE49-F238E27FC236}">
+                <a16:creationId xmlns:a16="http://schemas.microsoft.com/office/drawing/2014/main" id="{8149FBDD-9A75-4DA9-B55C-37A857E9F375}"/>
+              </a:ext>
+            </a:extLst>
+          </p:cNvPr>
+          <p:cNvSpPr>
+            <a:spLocks noGrp="1"/>
+          </p:cNvSpPr>
+          <p:nvPr>
+            <p:ph sz="half" idx="2"/>
+          </p:nvPr>
+        </p:nvSpPr>
+        <p:spPr>
+          <a:xfrm>
+            <a:off x="1273629" y="4210940"/>
+            <a:ext cx="4723944" cy="2037541"/>
+          </a:xfrm>
+        </p:spPr>
+        <p:txBody>
+          <a:bodyPr/>
+          <a:lstStyle/>
+          <a:p>
+            <a:r>
+              <a:rPr lang="en-US" sz="1800" dirty="0"/>
+              <a:t>Mean = 215</a:t>
+            </a:r>
+          </a:p>
+          <a:p>
+            <a:r>
+              <a:rPr lang="en-US" sz="1800" dirty="0"/>
+              <a:t>Min = 1</a:t>
+            </a:r>
+          </a:p>
+          <a:p>
+            <a:r>
+              <a:rPr lang="en-US" sz="1800" dirty="0"/>
+              <a:t>Max = 2155 (30 minutes long)</a:t>
+            </a:r>
+          </a:p>
+          <a:p>
+            <a:r>
+              <a:rPr lang="en-US" sz="1800" dirty="0"/>
+              <a:t>50% of data within 119-267 tokens</a:t>
+            </a:r>
+          </a:p>
+          <a:p>
+            <a:endParaRPr lang="en-US" dirty="0"/>
+          </a:p>
+        </p:txBody>
+      </p:sp>
+      <p:sp>
+        <p:nvSpPr>
+          <p:cNvPr id="9" name="Text Placeholder 8">
+            <a:extLst>
+              <a:ext uri="{FF2B5EF4-FFF2-40B4-BE49-F238E27FC236}">
+                <a16:creationId xmlns:a16="http://schemas.microsoft.com/office/drawing/2014/main" id="{DD061CA7-3279-4927-B2B9-A8C18B017FFF}"/>
+              </a:ext>
+            </a:extLst>
+          </p:cNvPr>
+          <p:cNvSpPr>
+            <a:spLocks noGrp="1"/>
+          </p:cNvSpPr>
+          <p:nvPr>
+            <p:ph type="body" sz="quarter" idx="3"/>
+          </p:nvPr>
+        </p:nvSpPr>
+        <p:spPr>
+          <a:xfrm>
+            <a:off x="6095886" y="1090054"/>
+            <a:ext cx="5183188" cy="823912"/>
+          </a:xfrm>
+        </p:spPr>
+        <p:txBody>
+          <a:bodyPr/>
+          <a:lstStyle/>
+          <a:p>
+            <a:pPr algn="ctr"/>
+            <a:r>
+              <a:rPr lang="en-US" dirty="0"/>
+              <a:t>POPULAR MUSIC</a:t>
+            </a:r>
+          </a:p>
+        </p:txBody>
+      </p:sp>
+      <p:sp>
+        <p:nvSpPr>
+          <p:cNvPr id="10" name="Content Placeholder 9">
+            <a:extLst>
+              <a:ext uri="{FF2B5EF4-FFF2-40B4-BE49-F238E27FC236}">
+                <a16:creationId xmlns:a16="http://schemas.microsoft.com/office/drawing/2014/main" id="{9ED29DAC-5DFC-416C-B32A-4495FB2D4192}"/>
+              </a:ext>
+            </a:extLst>
+          </p:cNvPr>
+          <p:cNvSpPr>
+            <a:spLocks noGrp="1"/>
+          </p:cNvSpPr>
+          <p:nvPr>
+            <p:ph sz="quarter" idx="4"/>
+          </p:nvPr>
+        </p:nvSpPr>
+        <p:spPr>
+          <a:xfrm>
+            <a:off x="6628270" y="4210939"/>
+            <a:ext cx="4723944" cy="2037542"/>
+          </a:xfrm>
+        </p:spPr>
+        <p:txBody>
+          <a:bodyPr/>
+          <a:lstStyle/>
+          <a:p>
+            <a:r>
+              <a:rPr lang="en-US" sz="1800" dirty="0"/>
+              <a:t>Mean = 333</a:t>
+            </a:r>
+          </a:p>
+          <a:p>
+            <a:r>
+              <a:rPr lang="en-US" sz="1800" dirty="0"/>
+              <a:t>Min = 1</a:t>
+            </a:r>
+          </a:p>
+          <a:p>
+            <a:r>
+              <a:rPr lang="en-US" sz="1800" dirty="0"/>
+              <a:t>Max = 1158</a:t>
+            </a:r>
+          </a:p>
+          <a:p>
+            <a:r>
+              <a:rPr lang="en-US" sz="1800" dirty="0"/>
+              <a:t>50% of data within 216-407 tokens long</a:t>
+            </a:r>
+          </a:p>
+          <a:p>
+            <a:endParaRPr lang="en-US" dirty="0"/>
+          </a:p>
+        </p:txBody>
+      </p:sp>
+      <p:sp>
+        <p:nvSpPr>
+          <p:cNvPr id="4" name="Date Placeholder 3">
+            <a:extLst>
+              <a:ext uri="{FF2B5EF4-FFF2-40B4-BE49-F238E27FC236}">
+                <a16:creationId xmlns:a16="http://schemas.microsoft.com/office/drawing/2014/main" id="{14A8AC92-A15B-47B7-8C78-AE13C0AA33F2}"/>
+              </a:ext>
+            </a:extLst>
+          </p:cNvPr>
+          <p:cNvSpPr>
+            <a:spLocks noGrp="1"/>
+          </p:cNvSpPr>
+          <p:nvPr>
+            <p:ph type="dt" sz="half" idx="10"/>
+          </p:nvPr>
+        </p:nvSpPr>
+        <p:spPr/>
+        <p:txBody>
+          <a:bodyPr/>
+          <a:lstStyle/>
+          <a:p>
+            <a:pPr>
+              <a:defRPr/>
+            </a:pPr>
+            <a:r>
+              <a:rPr lang="en-US">
+                <a:solidFill>
+                  <a:prstClr val="black">
+                    <a:tint val="75000"/>
+                  </a:prstClr>
+                </a:solidFill>
+              </a:rPr>
+              <a:t>4/21/2022</a:t>
+            </a:r>
+            <a:endParaRPr lang="en-US" dirty="0">
+              <a:solidFill>
+                <a:prstClr val="black">
+                  <a:tint val="75000"/>
+                </a:prstClr>
+              </a:solidFill>
+            </a:endParaRPr>
+          </a:p>
+        </p:txBody>
+      </p:sp>
+      <p:sp>
+        <p:nvSpPr>
+          <p:cNvPr id="5" name="Footer Placeholder 4">
+            <a:extLst>
+              <a:ext uri="{FF2B5EF4-FFF2-40B4-BE49-F238E27FC236}">
+                <a16:creationId xmlns:a16="http://schemas.microsoft.com/office/drawing/2014/main" id="{B0FF2894-E558-41A9-8E2D-E6C656828A66}"/>
+              </a:ext>
+            </a:extLst>
+          </p:cNvPr>
+          <p:cNvSpPr>
+            <a:spLocks noGrp="1"/>
+          </p:cNvSpPr>
+          <p:nvPr>
+            <p:ph type="ftr" sz="quarter" idx="11"/>
+          </p:nvPr>
+        </p:nvSpPr>
+        <p:spPr/>
+        <p:txBody>
+          <a:bodyPr/>
+          <a:lstStyle/>
+          <a:p>
+            <a:pPr>
+              <a:defRPr/>
+            </a:pPr>
+            <a:r>
+              <a:rPr lang="en-US">
+                <a:solidFill>
+                  <a:prstClr val="black">
+                    <a:tint val="75000"/>
+                  </a:prstClr>
+                </a:solidFill>
+              </a:rPr>
+              <a:t>A Linguistic Look Inside Outsider Music</a:t>
+            </a:r>
+            <a:endParaRPr lang="en-US" dirty="0">
+              <a:solidFill>
+                <a:prstClr val="black">
+                  <a:tint val="75000"/>
+                </a:prstClr>
+              </a:solidFill>
+            </a:endParaRPr>
+          </a:p>
+        </p:txBody>
+      </p:sp>
+      <p:sp>
+        <p:nvSpPr>
+          <p:cNvPr id="6" name="Slide Number Placeholder 5">
+            <a:extLst>
+              <a:ext uri="{FF2B5EF4-FFF2-40B4-BE49-F238E27FC236}">
+                <a16:creationId xmlns:a16="http://schemas.microsoft.com/office/drawing/2014/main" id="{9FB8ECAC-3C6C-4ED8-873E-9996850C1566}"/>
+              </a:ext>
+            </a:extLst>
+          </p:cNvPr>
+          <p:cNvSpPr>
+            <a:spLocks noGrp="1"/>
+          </p:cNvSpPr>
+          <p:nvPr>
+            <p:ph type="sldNum" sz="quarter" idx="12"/>
+          </p:nvPr>
+        </p:nvSpPr>
+        <p:spPr/>
+        <p:txBody>
+          <a:bodyPr/>
+          <a:lstStyle/>
+          <a:p>
+            <a:pPr>
+              <a:defRPr/>
+            </a:pPr>
+            <a:fld id="{D76B855D-E9CC-4FF8-AD85-6CDC7B89A0DE}" type="slidenum">
+              <a:rPr lang="en-US" smtClean="0">
+                <a:solidFill>
+                  <a:prstClr val="black">
+                    <a:tint val="75000"/>
+                  </a:prstClr>
+                </a:solidFill>
+              </a:rPr>
+              <a:pPr>
+                <a:defRPr/>
+              </a:pPr>
+              <a:t>17</a:t>
+            </a:fld>
+            <a:endParaRPr lang="en-US" dirty="0">
+              <a:solidFill>
+                <a:prstClr val="black">
+                  <a:tint val="75000"/>
+                </a:prstClr>
+              </a:solidFill>
+            </a:endParaRPr>
+          </a:p>
+        </p:txBody>
+      </p:sp>
+      <p:pic>
+        <p:nvPicPr>
+          <p:cNvPr id="11" name="Picture 10" descr="Chart, box and whisker chart&#10;&#10;Description automatically generated">
+            <a:extLst>
+              <a:ext uri="{FF2B5EF4-FFF2-40B4-BE49-F238E27FC236}">
+                <a16:creationId xmlns:a16="http://schemas.microsoft.com/office/drawing/2014/main" id="{DEDB3E94-46BC-4B56-A315-F6854193A767}"/>
+              </a:ext>
+            </a:extLst>
+          </p:cNvPr>
+          <p:cNvPicPr>
+            <a:picLocks noChangeAspect="1"/>
+          </p:cNvPicPr>
+          <p:nvPr/>
+        </p:nvPicPr>
+        <p:blipFill>
+          <a:blip r:embed="rId2"/>
+          <a:stretch>
+            <a:fillRect/>
+          </a:stretch>
+        </p:blipFill>
+        <p:spPr>
+          <a:xfrm>
+            <a:off x="1678086" y="1947103"/>
+            <a:ext cx="3525188" cy="2123925"/>
+          </a:xfrm>
+          <a:custGeom>
+            <a:avLst/>
+            <a:gdLst>
+              <a:gd name="connsiteX0" fmla="*/ 61937 w 3525188"/>
+              <a:gd name="connsiteY0" fmla="*/ 0 h 2123925"/>
+              <a:gd name="connsiteX1" fmla="*/ 640160 w 3525188"/>
+              <a:gd name="connsiteY1" fmla="*/ 0 h 2123925"/>
+              <a:gd name="connsiteX2" fmla="*/ 1286410 w 3525188"/>
+              <a:gd name="connsiteY2" fmla="*/ 0 h 2123925"/>
+              <a:gd name="connsiteX3" fmla="*/ 1932659 w 3525188"/>
+              <a:gd name="connsiteY3" fmla="*/ 0 h 2123925"/>
+              <a:gd name="connsiteX4" fmla="*/ 2646935 w 3525188"/>
+              <a:gd name="connsiteY4" fmla="*/ 0 h 2123925"/>
+              <a:gd name="connsiteX5" fmla="*/ 3463250 w 3525188"/>
+              <a:gd name="connsiteY5" fmla="*/ 0 h 2123925"/>
+              <a:gd name="connsiteX6" fmla="*/ 3525188 w 3525188"/>
+              <a:gd name="connsiteY6" fmla="*/ 31219 h 2123925"/>
+              <a:gd name="connsiteX7" fmla="*/ 3525188 w 3525188"/>
+              <a:gd name="connsiteY7" fmla="*/ 718381 h 2123925"/>
+              <a:gd name="connsiteX8" fmla="*/ 3525188 w 3525188"/>
+              <a:gd name="connsiteY8" fmla="*/ 1446773 h 2123925"/>
+              <a:gd name="connsiteX9" fmla="*/ 3525188 w 3525188"/>
+              <a:gd name="connsiteY9" fmla="*/ 2092705 h 2123925"/>
+              <a:gd name="connsiteX10" fmla="*/ 3463250 w 3525188"/>
+              <a:gd name="connsiteY10" fmla="*/ 2123925 h 2123925"/>
+              <a:gd name="connsiteX11" fmla="*/ 2714961 w 3525188"/>
+              <a:gd name="connsiteY11" fmla="*/ 2123925 h 2123925"/>
+              <a:gd name="connsiteX12" fmla="*/ 2136738 w 3525188"/>
+              <a:gd name="connsiteY12" fmla="*/ 2123925 h 2123925"/>
+              <a:gd name="connsiteX13" fmla="*/ 1558515 w 3525188"/>
+              <a:gd name="connsiteY13" fmla="*/ 2123925 h 2123925"/>
+              <a:gd name="connsiteX14" fmla="*/ 980292 w 3525188"/>
+              <a:gd name="connsiteY14" fmla="*/ 2123925 h 2123925"/>
+              <a:gd name="connsiteX15" fmla="*/ 61937 w 3525188"/>
+              <a:gd name="connsiteY15" fmla="*/ 2123925 h 2123925"/>
+              <a:gd name="connsiteX16" fmla="*/ 0 w 3525188"/>
+              <a:gd name="connsiteY16" fmla="*/ 2092705 h 2123925"/>
+              <a:gd name="connsiteX17" fmla="*/ 0 w 3525188"/>
+              <a:gd name="connsiteY17" fmla="*/ 1405543 h 2123925"/>
+              <a:gd name="connsiteX18" fmla="*/ 0 w 3525188"/>
+              <a:gd name="connsiteY18" fmla="*/ 677151 h 2123925"/>
+              <a:gd name="connsiteX19" fmla="*/ 0 w 3525188"/>
+              <a:gd name="connsiteY19" fmla="*/ 31219 h 2123925"/>
+              <a:gd name="connsiteX20" fmla="*/ 61937 w 3525188"/>
+              <a:gd name="connsiteY20" fmla="*/ 0 h 2123925"/>
+            </a:gdLst>
+            <a:ahLst/>
+            <a:cxnLst>
+              <a:cxn ang="0">
+                <a:pos x="connsiteX0" y="connsiteY0"/>
+              </a:cxn>
+              <a:cxn ang="0">
+                <a:pos x="connsiteX1" y="connsiteY1"/>
+              </a:cxn>
+              <a:cxn ang="0">
+                <a:pos x="connsiteX2" y="connsiteY2"/>
+              </a:cxn>
+              <a:cxn ang="0">
+                <a:pos x="connsiteX3" y="connsiteY3"/>
+              </a:cxn>
+              <a:cxn ang="0">
+                <a:pos x="connsiteX4" y="connsiteY4"/>
+              </a:cxn>
+              <a:cxn ang="0">
+                <a:pos x="connsiteX5" y="connsiteY5"/>
+              </a:cxn>
+              <a:cxn ang="0">
+                <a:pos x="connsiteX6" y="connsiteY6"/>
+              </a:cxn>
+              <a:cxn ang="0">
+                <a:pos x="connsiteX7" y="connsiteY7"/>
+              </a:cxn>
+              <a:cxn ang="0">
+                <a:pos x="connsiteX8" y="connsiteY8"/>
+              </a:cxn>
+              <a:cxn ang="0">
+                <a:pos x="connsiteX9" y="connsiteY9"/>
+              </a:cxn>
+              <a:cxn ang="0">
+                <a:pos x="connsiteX10" y="connsiteY10"/>
+              </a:cxn>
+              <a:cxn ang="0">
+                <a:pos x="connsiteX11" y="connsiteY11"/>
+              </a:cxn>
+              <a:cxn ang="0">
+                <a:pos x="connsiteX12" y="connsiteY12"/>
+              </a:cxn>
+              <a:cxn ang="0">
+                <a:pos x="connsiteX13" y="connsiteY13"/>
+              </a:cxn>
+              <a:cxn ang="0">
+                <a:pos x="connsiteX14" y="connsiteY14"/>
+              </a:cxn>
+              <a:cxn ang="0">
+                <a:pos x="connsiteX15" y="connsiteY15"/>
+              </a:cxn>
+              <a:cxn ang="0">
+                <a:pos x="connsiteX16" y="connsiteY16"/>
+              </a:cxn>
+              <a:cxn ang="0">
+                <a:pos x="connsiteX17" y="connsiteY17"/>
+              </a:cxn>
+              <a:cxn ang="0">
+                <a:pos x="connsiteX18" y="connsiteY18"/>
+              </a:cxn>
+              <a:cxn ang="0">
+                <a:pos x="connsiteX19" y="connsiteY19"/>
+              </a:cxn>
+              <a:cxn ang="0">
+                <a:pos x="connsiteX20" y="connsiteY20"/>
+              </a:cxn>
+            </a:cxnLst>
+            <a:rect l="l" t="t" r="r" b="b"/>
+            <a:pathLst>
+              <a:path w="3525188" h="2123925" fill="none" extrusionOk="0">
+                <a:moveTo>
+                  <a:pt x="61937" y="0"/>
+                </a:moveTo>
+                <a:cubicBezTo>
+                  <a:pt x="325446" y="-18584"/>
+                  <a:pt x="451566" y="16111"/>
+                  <a:pt x="640160" y="0"/>
+                </a:cubicBezTo>
+                <a:cubicBezTo>
+                  <a:pt x="828754" y="-16111"/>
+                  <a:pt x="1139259" y="7802"/>
+                  <a:pt x="1286410" y="0"/>
+                </a:cubicBezTo>
+                <a:cubicBezTo>
+                  <a:pt x="1433561" y="-7802"/>
+                  <a:pt x="1782385" y="-2148"/>
+                  <a:pt x="1932659" y="0"/>
+                </a:cubicBezTo>
+                <a:cubicBezTo>
+                  <a:pt x="2082933" y="2148"/>
+                  <a:pt x="2447742" y="6071"/>
+                  <a:pt x="2646935" y="0"/>
+                </a:cubicBezTo>
+                <a:cubicBezTo>
+                  <a:pt x="2846128" y="-6071"/>
+                  <a:pt x="3098099" y="9343"/>
+                  <a:pt x="3463250" y="0"/>
+                </a:cubicBezTo>
+                <a:cubicBezTo>
+                  <a:pt x="3495631" y="-1796"/>
+                  <a:pt x="3523655" y="13001"/>
+                  <a:pt x="3525188" y="31219"/>
+                </a:cubicBezTo>
+                <a:cubicBezTo>
+                  <a:pt x="3491240" y="312000"/>
+                  <a:pt x="3506924" y="536943"/>
+                  <a:pt x="3525188" y="718381"/>
+                </a:cubicBezTo>
+                <a:cubicBezTo>
+                  <a:pt x="3543452" y="899819"/>
+                  <a:pt x="3498537" y="1110232"/>
+                  <a:pt x="3525188" y="1446773"/>
+                </a:cubicBezTo>
+                <a:cubicBezTo>
+                  <a:pt x="3551839" y="1783314"/>
+                  <a:pt x="3516596" y="1850474"/>
+                  <a:pt x="3525188" y="2092705"/>
+                </a:cubicBezTo>
+                <a:cubicBezTo>
+                  <a:pt x="3523377" y="2109124"/>
+                  <a:pt x="3491224" y="2124409"/>
+                  <a:pt x="3463250" y="2123925"/>
+                </a:cubicBezTo>
+                <a:cubicBezTo>
+                  <a:pt x="3218211" y="2098363"/>
+                  <a:pt x="3043067" y="2151970"/>
+                  <a:pt x="2714961" y="2123925"/>
+                </a:cubicBezTo>
+                <a:cubicBezTo>
+                  <a:pt x="2386855" y="2095880"/>
+                  <a:pt x="2411921" y="2122748"/>
+                  <a:pt x="2136738" y="2123925"/>
+                </a:cubicBezTo>
+                <a:cubicBezTo>
+                  <a:pt x="1861555" y="2125102"/>
+                  <a:pt x="1846673" y="2097073"/>
+                  <a:pt x="1558515" y="2123925"/>
+                </a:cubicBezTo>
+                <a:cubicBezTo>
+                  <a:pt x="1270357" y="2150777"/>
+                  <a:pt x="1158970" y="2125575"/>
+                  <a:pt x="980292" y="2123925"/>
+                </a:cubicBezTo>
+                <a:cubicBezTo>
+                  <a:pt x="801614" y="2122275"/>
+                  <a:pt x="252338" y="2136450"/>
+                  <a:pt x="61937" y="2123925"/>
+                </a:cubicBezTo>
+                <a:cubicBezTo>
+                  <a:pt x="27260" y="2121728"/>
+                  <a:pt x="-2688" y="2111488"/>
+                  <a:pt x="0" y="2092705"/>
+                </a:cubicBezTo>
+                <a:cubicBezTo>
+                  <a:pt x="-16273" y="1948765"/>
+                  <a:pt x="-3709" y="1722704"/>
+                  <a:pt x="0" y="1405543"/>
+                </a:cubicBezTo>
+                <a:cubicBezTo>
+                  <a:pt x="3709" y="1088382"/>
+                  <a:pt x="7375" y="961272"/>
+                  <a:pt x="0" y="677151"/>
+                </a:cubicBezTo>
+                <a:cubicBezTo>
+                  <a:pt x="-7375" y="393030"/>
+                  <a:pt x="-18514" y="323387"/>
+                  <a:pt x="0" y="31219"/>
+                </a:cubicBezTo>
+                <a:cubicBezTo>
+                  <a:pt x="7606" y="13087"/>
+                  <a:pt x="26465" y="-343"/>
+                  <a:pt x="61937" y="0"/>
+                </a:cubicBezTo>
+                <a:close/>
+              </a:path>
+              <a:path w="3525188" h="2123925" stroke="0" extrusionOk="0">
+                <a:moveTo>
+                  <a:pt x="61937" y="0"/>
+                </a:moveTo>
+                <a:cubicBezTo>
+                  <a:pt x="301456" y="29577"/>
+                  <a:pt x="505496" y="-25541"/>
+                  <a:pt x="776213" y="0"/>
+                </a:cubicBezTo>
+                <a:cubicBezTo>
+                  <a:pt x="1046930" y="25541"/>
+                  <a:pt x="1310229" y="-25411"/>
+                  <a:pt x="1524502" y="0"/>
+                </a:cubicBezTo>
+                <a:cubicBezTo>
+                  <a:pt x="1738775" y="25411"/>
+                  <a:pt x="1911255" y="34256"/>
+                  <a:pt x="2238777" y="0"/>
+                </a:cubicBezTo>
+                <a:cubicBezTo>
+                  <a:pt x="2566299" y="-34256"/>
+                  <a:pt x="2998760" y="43912"/>
+                  <a:pt x="3463250" y="0"/>
+                </a:cubicBezTo>
+                <a:cubicBezTo>
+                  <a:pt x="3498700" y="-1664"/>
+                  <a:pt x="3525106" y="14829"/>
+                  <a:pt x="3525188" y="31219"/>
+                </a:cubicBezTo>
+                <a:cubicBezTo>
+                  <a:pt x="3554946" y="243148"/>
+                  <a:pt x="3549519" y="516853"/>
+                  <a:pt x="3525188" y="656536"/>
+                </a:cubicBezTo>
+                <a:cubicBezTo>
+                  <a:pt x="3500857" y="796219"/>
+                  <a:pt x="3541503" y="1109182"/>
+                  <a:pt x="3525188" y="1384928"/>
+                </a:cubicBezTo>
+                <a:cubicBezTo>
+                  <a:pt x="3508873" y="1660674"/>
+                  <a:pt x="3497072" y="1745610"/>
+                  <a:pt x="3525188" y="2092705"/>
+                </a:cubicBezTo>
+                <a:cubicBezTo>
+                  <a:pt x="3522315" y="2108368"/>
+                  <a:pt x="3495280" y="2128462"/>
+                  <a:pt x="3463250" y="2123925"/>
+                </a:cubicBezTo>
+                <a:cubicBezTo>
+                  <a:pt x="3307939" y="2116108"/>
+                  <a:pt x="3016500" y="2111289"/>
+                  <a:pt x="2714961" y="2123925"/>
+                </a:cubicBezTo>
+                <a:cubicBezTo>
+                  <a:pt x="2413422" y="2136561"/>
+                  <a:pt x="2365473" y="2112531"/>
+                  <a:pt x="2068712" y="2123925"/>
+                </a:cubicBezTo>
+                <a:cubicBezTo>
+                  <a:pt x="1771951" y="2135319"/>
+                  <a:pt x="1619734" y="2101583"/>
+                  <a:pt x="1354436" y="2123925"/>
+                </a:cubicBezTo>
+                <a:cubicBezTo>
+                  <a:pt x="1089138" y="2146267"/>
+                  <a:pt x="990100" y="2126148"/>
+                  <a:pt x="708186" y="2123925"/>
+                </a:cubicBezTo>
+                <a:cubicBezTo>
+                  <a:pt x="426272" y="2121703"/>
+                  <a:pt x="328487" y="2154355"/>
+                  <a:pt x="61937" y="2123925"/>
+                </a:cubicBezTo>
+                <a:cubicBezTo>
+                  <a:pt x="28450" y="2123820"/>
+                  <a:pt x="1052" y="2113208"/>
+                  <a:pt x="0" y="2092705"/>
+                </a:cubicBezTo>
+                <a:cubicBezTo>
+                  <a:pt x="16107" y="1895999"/>
+                  <a:pt x="17610" y="1680955"/>
+                  <a:pt x="0" y="1364313"/>
+                </a:cubicBezTo>
+                <a:cubicBezTo>
+                  <a:pt x="-17610" y="1047671"/>
+                  <a:pt x="-22629" y="900644"/>
+                  <a:pt x="0" y="697766"/>
+                </a:cubicBezTo>
+                <a:cubicBezTo>
+                  <a:pt x="22629" y="494888"/>
+                  <a:pt x="13243" y="331161"/>
+                  <a:pt x="0" y="31219"/>
+                </a:cubicBezTo>
+                <a:cubicBezTo>
+                  <a:pt x="3780" y="12888"/>
+                  <a:pt x="22411" y="-2587"/>
+                  <a:pt x="61937" y="0"/>
+                </a:cubicBezTo>
+                <a:close/>
+              </a:path>
+            </a:pathLst>
+          </a:custGeom>
+          <a:ln w="12700">
+            <a:solidFill>
+              <a:schemeClr val="accent2"/>
+            </a:solidFill>
+            <a:extLst>
+              <a:ext uri="{C807C97D-BFC1-408E-A445-0C87EB9F89A2}">
+                <ask:lineSketchStyleProps xmlns:ask="http://schemas.microsoft.com/office/drawing/2018/sketchyshapes" sd="2937026978">
+                  <a:custGeom>
+                    <a:avLst/>
+                    <a:gdLst/>
+                    <a:ahLst/>
+                    <a:cxnLst/>
+                    <a:rect l="l" t="t" r="r" b="b"/>
+                    <a:pathLst>
+                      <a:path w="4643496" h="5550370">
+                        <a:moveTo>
+                          <a:pt x="81586" y="0"/>
+                        </a:moveTo>
+                        <a:lnTo>
+                          <a:pt x="4561910" y="0"/>
+                        </a:lnTo>
+                        <a:cubicBezTo>
+                          <a:pt x="4606969" y="0"/>
+                          <a:pt x="4643496" y="36527"/>
+                          <a:pt x="4643496" y="81586"/>
+                        </a:cubicBezTo>
+                        <a:lnTo>
+                          <a:pt x="4643496" y="5468784"/>
+                        </a:lnTo>
+                        <a:cubicBezTo>
+                          <a:pt x="4643496" y="5513843"/>
+                          <a:pt x="4606969" y="5550370"/>
+                          <a:pt x="4561910" y="5550370"/>
+                        </a:cubicBezTo>
+                        <a:lnTo>
+                          <a:pt x="81586" y="5550370"/>
+                        </a:lnTo>
+                        <a:cubicBezTo>
+                          <a:pt x="36527" y="5550370"/>
+                          <a:pt x="0" y="5513843"/>
+                          <a:pt x="0" y="5468784"/>
+                        </a:cubicBezTo>
+                        <a:lnTo>
+                          <a:pt x="0" y="81586"/>
+                        </a:lnTo>
+                        <a:cubicBezTo>
+                          <a:pt x="0" y="36527"/>
+                          <a:pt x="36527" y="0"/>
+                          <a:pt x="81586" y="0"/>
+                        </a:cubicBezTo>
+                        <a:close/>
+                      </a:path>
+                    </a:pathLst>
+                  </a:custGeom>
+                  <ask:type>
+                    <ask:lineSketchFreehand/>
+                  </ask:type>
+                </ask:lineSketchStyleProps>
+              </a:ext>
+            </a:extLst>
+          </a:ln>
+        </p:spPr>
+      </p:pic>
+      <p:pic>
+        <p:nvPicPr>
+          <p:cNvPr id="12" name="Picture 11" descr="Chart, box and whisker chart&#10;&#10;Description automatically generated">
+            <a:extLst>
+              <a:ext uri="{FF2B5EF4-FFF2-40B4-BE49-F238E27FC236}">
+                <a16:creationId xmlns:a16="http://schemas.microsoft.com/office/drawing/2014/main" id="{32316C92-6606-413D-8A3D-1C5216486006}"/>
+              </a:ext>
+            </a:extLst>
+          </p:cNvPr>
+          <p:cNvPicPr>
+            <a:picLocks noChangeAspect="1"/>
+          </p:cNvPicPr>
+          <p:nvPr/>
+        </p:nvPicPr>
+        <p:blipFill>
+          <a:blip r:embed="rId3"/>
+          <a:stretch>
+            <a:fillRect/>
+          </a:stretch>
+        </p:blipFill>
+        <p:spPr>
+          <a:xfrm>
+            <a:off x="7116722" y="1913966"/>
+            <a:ext cx="3235592" cy="2157061"/>
+          </a:xfrm>
+          <a:custGeom>
+            <a:avLst/>
+            <a:gdLst>
+              <a:gd name="connsiteX0" fmla="*/ 0 w 3235592"/>
+              <a:gd name="connsiteY0" fmla="*/ 0 h 2157061"/>
+              <a:gd name="connsiteX1" fmla="*/ 711830 w 3235592"/>
+              <a:gd name="connsiteY1" fmla="*/ 0 h 2157061"/>
+              <a:gd name="connsiteX2" fmla="*/ 1261881 w 3235592"/>
+              <a:gd name="connsiteY2" fmla="*/ 0 h 2157061"/>
+              <a:gd name="connsiteX3" fmla="*/ 1973711 w 3235592"/>
+              <a:gd name="connsiteY3" fmla="*/ 0 h 2157061"/>
+              <a:gd name="connsiteX4" fmla="*/ 2685541 w 3235592"/>
+              <a:gd name="connsiteY4" fmla="*/ 0 h 2157061"/>
+              <a:gd name="connsiteX5" fmla="*/ 3235592 w 3235592"/>
+              <a:gd name="connsiteY5" fmla="*/ 0 h 2157061"/>
+              <a:gd name="connsiteX6" fmla="*/ 3235592 w 3235592"/>
+              <a:gd name="connsiteY6" fmla="*/ 539265 h 2157061"/>
+              <a:gd name="connsiteX7" fmla="*/ 3235592 w 3235592"/>
+              <a:gd name="connsiteY7" fmla="*/ 1100101 h 2157061"/>
+              <a:gd name="connsiteX8" fmla="*/ 3235592 w 3235592"/>
+              <a:gd name="connsiteY8" fmla="*/ 1617796 h 2157061"/>
+              <a:gd name="connsiteX9" fmla="*/ 3235592 w 3235592"/>
+              <a:gd name="connsiteY9" fmla="*/ 2157061 h 2157061"/>
+              <a:gd name="connsiteX10" fmla="*/ 2653185 w 3235592"/>
+              <a:gd name="connsiteY10" fmla="*/ 2157061 h 2157061"/>
+              <a:gd name="connsiteX11" fmla="*/ 1941355 w 3235592"/>
+              <a:gd name="connsiteY11" fmla="*/ 2157061 h 2157061"/>
+              <a:gd name="connsiteX12" fmla="*/ 1261881 w 3235592"/>
+              <a:gd name="connsiteY12" fmla="*/ 2157061 h 2157061"/>
+              <a:gd name="connsiteX13" fmla="*/ 679474 w 3235592"/>
+              <a:gd name="connsiteY13" fmla="*/ 2157061 h 2157061"/>
+              <a:gd name="connsiteX14" fmla="*/ 0 w 3235592"/>
+              <a:gd name="connsiteY14" fmla="*/ 2157061 h 2157061"/>
+              <a:gd name="connsiteX15" fmla="*/ 0 w 3235592"/>
+              <a:gd name="connsiteY15" fmla="*/ 1660937 h 2157061"/>
+              <a:gd name="connsiteX16" fmla="*/ 0 w 3235592"/>
+              <a:gd name="connsiteY16" fmla="*/ 1143242 h 2157061"/>
+              <a:gd name="connsiteX17" fmla="*/ 0 w 3235592"/>
+              <a:gd name="connsiteY17" fmla="*/ 647118 h 2157061"/>
+              <a:gd name="connsiteX18" fmla="*/ 0 w 3235592"/>
+              <a:gd name="connsiteY18" fmla="*/ 0 h 2157061"/>
+            </a:gdLst>
+            <a:ahLst/>
+            <a:cxnLst>
+              <a:cxn ang="0">
+                <a:pos x="connsiteX0" y="connsiteY0"/>
+              </a:cxn>
+              <a:cxn ang="0">
+                <a:pos x="connsiteX1" y="connsiteY1"/>
+              </a:cxn>
+              <a:cxn ang="0">
+                <a:pos x="connsiteX2" y="connsiteY2"/>
+              </a:cxn>
+              <a:cxn ang="0">
+                <a:pos x="connsiteX3" y="connsiteY3"/>
+              </a:cxn>
+              <a:cxn ang="0">
+                <a:pos x="connsiteX4" y="connsiteY4"/>
+              </a:cxn>
+              <a:cxn ang="0">
+                <a:pos x="connsiteX5" y="connsiteY5"/>
+              </a:cxn>
+              <a:cxn ang="0">
+                <a:pos x="connsiteX6" y="connsiteY6"/>
+              </a:cxn>
+              <a:cxn ang="0">
+                <a:pos x="connsiteX7" y="connsiteY7"/>
+              </a:cxn>
+              <a:cxn ang="0">
+                <a:pos x="connsiteX8" y="connsiteY8"/>
+              </a:cxn>
+              <a:cxn ang="0">
+                <a:pos x="connsiteX9" y="connsiteY9"/>
+              </a:cxn>
+              <a:cxn ang="0">
+                <a:pos x="connsiteX10" y="connsiteY10"/>
+              </a:cxn>
+              <a:cxn ang="0">
+                <a:pos x="connsiteX11" y="connsiteY11"/>
+              </a:cxn>
+              <a:cxn ang="0">
+                <a:pos x="connsiteX12" y="connsiteY12"/>
+              </a:cxn>
+              <a:cxn ang="0">
+                <a:pos x="connsiteX13" y="connsiteY13"/>
+              </a:cxn>
+              <a:cxn ang="0">
+                <a:pos x="connsiteX14" y="connsiteY14"/>
+              </a:cxn>
+              <a:cxn ang="0">
+                <a:pos x="connsiteX15" y="connsiteY15"/>
+              </a:cxn>
+              <a:cxn ang="0">
+                <a:pos x="connsiteX16" y="connsiteY16"/>
+              </a:cxn>
+              <a:cxn ang="0">
+                <a:pos x="connsiteX17" y="connsiteY17"/>
+              </a:cxn>
+              <a:cxn ang="0">
+                <a:pos x="connsiteX18" y="connsiteY18"/>
+              </a:cxn>
+            </a:cxnLst>
+            <a:rect l="l" t="t" r="r" b="b"/>
+            <a:pathLst>
+              <a:path w="3235592" h="2157061" fill="none" extrusionOk="0">
+                <a:moveTo>
+                  <a:pt x="0" y="0"/>
+                </a:moveTo>
+                <a:cubicBezTo>
+                  <a:pt x="315863" y="34395"/>
+                  <a:pt x="564466" y="7933"/>
+                  <a:pt x="711830" y="0"/>
+                </a:cubicBezTo>
+                <a:cubicBezTo>
+                  <a:pt x="859194" y="-7933"/>
+                  <a:pt x="1004841" y="-13104"/>
+                  <a:pt x="1261881" y="0"/>
+                </a:cubicBezTo>
+                <a:cubicBezTo>
+                  <a:pt x="1518921" y="13104"/>
+                  <a:pt x="1792572" y="-5575"/>
+                  <a:pt x="1973711" y="0"/>
+                </a:cubicBezTo>
+                <a:cubicBezTo>
+                  <a:pt x="2154850" y="5575"/>
+                  <a:pt x="2398453" y="-33500"/>
+                  <a:pt x="2685541" y="0"/>
+                </a:cubicBezTo>
+                <a:cubicBezTo>
+                  <a:pt x="2972629" y="33500"/>
+                  <a:pt x="3097056" y="24455"/>
+                  <a:pt x="3235592" y="0"/>
+                </a:cubicBezTo>
+                <a:cubicBezTo>
+                  <a:pt x="3247194" y="163186"/>
+                  <a:pt x="3231631" y="401378"/>
+                  <a:pt x="3235592" y="539265"/>
+                </a:cubicBezTo>
+                <a:cubicBezTo>
+                  <a:pt x="3239553" y="677152"/>
+                  <a:pt x="3247617" y="912528"/>
+                  <a:pt x="3235592" y="1100101"/>
+                </a:cubicBezTo>
+                <a:cubicBezTo>
+                  <a:pt x="3223567" y="1287674"/>
+                  <a:pt x="3248393" y="1477097"/>
+                  <a:pt x="3235592" y="1617796"/>
+                </a:cubicBezTo>
+                <a:cubicBezTo>
+                  <a:pt x="3222791" y="1758495"/>
+                  <a:pt x="3224764" y="2036941"/>
+                  <a:pt x="3235592" y="2157061"/>
+                </a:cubicBezTo>
+                <a:cubicBezTo>
+                  <a:pt x="2959020" y="2176717"/>
+                  <a:pt x="2913911" y="2164479"/>
+                  <a:pt x="2653185" y="2157061"/>
+                </a:cubicBezTo>
+                <a:cubicBezTo>
+                  <a:pt x="2392459" y="2149643"/>
+                  <a:pt x="2266885" y="2158108"/>
+                  <a:pt x="1941355" y="2157061"/>
+                </a:cubicBezTo>
+                <a:cubicBezTo>
+                  <a:pt x="1615825" y="2156015"/>
+                  <a:pt x="1486211" y="2190003"/>
+                  <a:pt x="1261881" y="2157061"/>
+                </a:cubicBezTo>
+                <a:cubicBezTo>
+                  <a:pt x="1037551" y="2124119"/>
+                  <a:pt x="910399" y="2153991"/>
+                  <a:pt x="679474" y="2157061"/>
+                </a:cubicBezTo>
+                <a:cubicBezTo>
+                  <a:pt x="448549" y="2160131"/>
+                  <a:pt x="314199" y="2158000"/>
+                  <a:pt x="0" y="2157061"/>
+                </a:cubicBezTo>
+                <a:cubicBezTo>
+                  <a:pt x="-22843" y="2051749"/>
+                  <a:pt x="3503" y="1838676"/>
+                  <a:pt x="0" y="1660937"/>
+                </a:cubicBezTo>
+                <a:cubicBezTo>
+                  <a:pt x="-3503" y="1483198"/>
+                  <a:pt x="15837" y="1370881"/>
+                  <a:pt x="0" y="1143242"/>
+                </a:cubicBezTo>
+                <a:cubicBezTo>
+                  <a:pt x="-15837" y="915603"/>
+                  <a:pt x="21047" y="760882"/>
+                  <a:pt x="0" y="647118"/>
+                </a:cubicBezTo>
+                <a:cubicBezTo>
+                  <a:pt x="-21047" y="533354"/>
+                  <a:pt x="-10351" y="190089"/>
+                  <a:pt x="0" y="0"/>
+                </a:cubicBezTo>
+                <a:close/>
+              </a:path>
+              <a:path w="3235592" h="2157061" stroke="0" extrusionOk="0">
+                <a:moveTo>
+                  <a:pt x="0" y="0"/>
+                </a:moveTo>
+                <a:cubicBezTo>
+                  <a:pt x="157588" y="-24566"/>
+                  <a:pt x="461788" y="-7011"/>
+                  <a:pt x="647118" y="0"/>
+                </a:cubicBezTo>
+                <a:cubicBezTo>
+                  <a:pt x="832448" y="7011"/>
+                  <a:pt x="1065094" y="-4790"/>
+                  <a:pt x="1294237" y="0"/>
+                </a:cubicBezTo>
+                <a:cubicBezTo>
+                  <a:pt x="1523380" y="4790"/>
+                  <a:pt x="1656964" y="11945"/>
+                  <a:pt x="1876643" y="0"/>
+                </a:cubicBezTo>
+                <a:cubicBezTo>
+                  <a:pt x="2096322" y="-11945"/>
+                  <a:pt x="2271621" y="-7785"/>
+                  <a:pt x="2588474" y="0"/>
+                </a:cubicBezTo>
+                <a:cubicBezTo>
+                  <a:pt x="2905327" y="7785"/>
+                  <a:pt x="3008410" y="9738"/>
+                  <a:pt x="3235592" y="0"/>
+                </a:cubicBezTo>
+                <a:cubicBezTo>
+                  <a:pt x="3248543" y="261950"/>
+                  <a:pt x="3244770" y="368536"/>
+                  <a:pt x="3235592" y="560836"/>
+                </a:cubicBezTo>
+                <a:cubicBezTo>
+                  <a:pt x="3226414" y="753136"/>
+                  <a:pt x="3215185" y="964789"/>
+                  <a:pt x="3235592" y="1121672"/>
+                </a:cubicBezTo>
+                <a:cubicBezTo>
+                  <a:pt x="3255999" y="1278555"/>
+                  <a:pt x="3213026" y="1533660"/>
+                  <a:pt x="3235592" y="1660937"/>
+                </a:cubicBezTo>
+                <a:cubicBezTo>
+                  <a:pt x="3258158" y="1788215"/>
+                  <a:pt x="3252044" y="2041009"/>
+                  <a:pt x="3235592" y="2157061"/>
+                </a:cubicBezTo>
+                <a:cubicBezTo>
+                  <a:pt x="3036987" y="2187309"/>
+                  <a:pt x="2840672" y="2159145"/>
+                  <a:pt x="2588474" y="2157061"/>
+                </a:cubicBezTo>
+                <a:cubicBezTo>
+                  <a:pt x="2336276" y="2154977"/>
+                  <a:pt x="2100928" y="2163576"/>
+                  <a:pt x="1876643" y="2157061"/>
+                </a:cubicBezTo>
+                <a:cubicBezTo>
+                  <a:pt x="1652358" y="2150546"/>
+                  <a:pt x="1460083" y="2180667"/>
+                  <a:pt x="1197169" y="2157061"/>
+                </a:cubicBezTo>
+                <a:cubicBezTo>
+                  <a:pt x="934255" y="2133455"/>
+                  <a:pt x="834510" y="2178179"/>
+                  <a:pt x="647118" y="2157061"/>
+                </a:cubicBezTo>
+                <a:cubicBezTo>
+                  <a:pt x="459726" y="2135943"/>
+                  <a:pt x="224878" y="2163041"/>
+                  <a:pt x="0" y="2157061"/>
+                </a:cubicBezTo>
+                <a:cubicBezTo>
+                  <a:pt x="4440" y="1981535"/>
+                  <a:pt x="13584" y="1809004"/>
+                  <a:pt x="0" y="1596225"/>
+                </a:cubicBezTo>
+                <a:cubicBezTo>
+                  <a:pt x="-13584" y="1383446"/>
+                  <a:pt x="-4555" y="1327787"/>
+                  <a:pt x="0" y="1121672"/>
+                </a:cubicBezTo>
+                <a:cubicBezTo>
+                  <a:pt x="4555" y="915557"/>
+                  <a:pt x="4132" y="819501"/>
+                  <a:pt x="0" y="560836"/>
+                </a:cubicBezTo>
+                <a:cubicBezTo>
+                  <a:pt x="-4132" y="302171"/>
+                  <a:pt x="19924" y="133797"/>
+                  <a:pt x="0" y="0"/>
+                </a:cubicBezTo>
+                <a:close/>
+              </a:path>
+            </a:pathLst>
+          </a:custGeom>
+          <a:ln w="12700">
+            <a:solidFill>
+              <a:schemeClr val="accent2"/>
+            </a:solidFill>
+            <a:extLst>
+              <a:ext uri="{C807C97D-BFC1-408E-A445-0C87EB9F89A2}">
+                <ask:lineSketchStyleProps xmlns:ask="http://schemas.microsoft.com/office/drawing/2018/sketchyshapes" sd="1231067364">
+                  <a:prstGeom prst="rect">
+                    <a:avLst/>
+                  </a:prstGeom>
+                  <ask:type>
+                    <ask:lineSketchFreehand/>
+                  </ask:type>
+                </ask:lineSketchStyleProps>
+              </a:ext>
+            </a:extLst>
+          </a:ln>
+        </p:spPr>
+      </p:pic>
+      <p:sp>
+        <p:nvSpPr>
+          <p:cNvPr id="13" name="TextBox 12">
+            <a:extLst>
+              <a:ext uri="{FF2B5EF4-FFF2-40B4-BE49-F238E27FC236}">
+                <a16:creationId xmlns:a16="http://schemas.microsoft.com/office/drawing/2014/main" id="{C98DD301-04A3-42E9-B5DC-AA7B5BEDED96}"/>
+              </a:ext>
+            </a:extLst>
+          </p:cNvPr>
+          <p:cNvSpPr txBox="1"/>
+          <p:nvPr/>
+        </p:nvSpPr>
+        <p:spPr>
+          <a:xfrm>
+            <a:off x="7847043" y="897620"/>
+            <a:ext cx="3018453" cy="276999"/>
+          </a:xfrm>
+          <a:prstGeom prst="rect">
+            <a:avLst/>
+          </a:prstGeom>
+          <a:noFill/>
+        </p:spPr>
+        <p:txBody>
+          <a:bodyPr wrap="square" rtlCol="0">
+            <a:spAutoFit/>
+          </a:bodyPr>
+          <a:lstStyle/>
+          <a:p>
+            <a:r>
+              <a:rPr lang="en-US" sz="1200" dirty="0">
+                <a:solidFill>
+                  <a:schemeClr val="accent2"/>
+                </a:solidFill>
+              </a:rPr>
+              <a:t>Note scale differences*</a:t>
+            </a:r>
+          </a:p>
+        </p:txBody>
+      </p:sp>
+    </p:spTree>
+    <p:extLst>
+      <p:ext uri="{BB962C8B-B14F-4D97-AF65-F5344CB8AC3E}">
+        <p14:creationId xmlns:p14="http://schemas.microsoft.com/office/powerpoint/2010/main" val="511050622"/>
+      </p:ext>
+    </p:extLst>
+  </p:cSld>
+  <p:clrMapOvr>
+    <a:masterClrMapping/>
+  </p:clrMapOvr>
+</p:sld>
+</file>
+
+<file path=ppt/slides/slide18.xml><?xml version="1.0" encoding="utf-8"?>
+<p:sld xmlns:a="http://schemas.openxmlformats.org/drawingml/2006/main" xmlns:r="http://schemas.openxmlformats.org/officeDocument/2006/relationships" xmlns:p="http://schemas.openxmlformats.org/presentationml/2006/main">
+  <p:cSld>
+    <p:spTree>
+      <p:nvGrpSpPr>
+        <p:cNvPr id="1" name=""/>
+        <p:cNvGrpSpPr/>
+        <p:nvPr/>
+      </p:nvGrpSpPr>
+      <p:grpSpPr>
+        <a:xfrm>
+          <a:off x="0" y="0"/>
+          <a:ext cx="0" cy="0"/>
+          <a:chOff x="0" y="0"/>
+          <a:chExt cx="0" cy="0"/>
+        </a:xfrm>
+      </p:grpSpPr>
+      <p:sp>
+        <p:nvSpPr>
+          <p:cNvPr id="2" name="Title 1">
+            <a:extLst>
+              <a:ext uri="{FF2B5EF4-FFF2-40B4-BE49-F238E27FC236}">
+                <a16:creationId xmlns:a16="http://schemas.microsoft.com/office/drawing/2014/main" id="{F24DF242-618B-4668-919B-D5C0422367AD}"/>
+              </a:ext>
+            </a:extLst>
+          </p:cNvPr>
+          <p:cNvSpPr>
+            <a:spLocks noGrp="1"/>
+          </p:cNvSpPr>
+          <p:nvPr>
+            <p:ph type="title"/>
+          </p:nvPr>
+        </p:nvSpPr>
+        <p:spPr/>
+        <p:txBody>
+          <a:bodyPr/>
+          <a:lstStyle/>
+          <a:p>
+            <a:r>
+              <a:rPr lang="en-US" dirty="0"/>
+              <a:t>Most Common Words</a:t>
+            </a:r>
+            <a:br>
+              <a:rPr lang="en-US" dirty="0"/>
+            </a:br>
+            <a:r>
+              <a:rPr lang="en-US" sz="2800" dirty="0">
+                <a:latin typeface="+mn-lt"/>
+              </a:rPr>
+              <a:t>without </a:t>
+            </a:r>
+            <a:r>
+              <a:rPr lang="en-US" sz="2800" dirty="0" err="1">
+                <a:latin typeface="+mn-lt"/>
+              </a:rPr>
+              <a:t>stopwords</a:t>
+            </a:r>
+            <a:endParaRPr lang="en-US" dirty="0"/>
+          </a:p>
+        </p:txBody>
+      </p:sp>
+      <p:sp>
+        <p:nvSpPr>
+          <p:cNvPr id="3" name="Content Placeholder 2">
+            <a:extLst>
+              <a:ext uri="{FF2B5EF4-FFF2-40B4-BE49-F238E27FC236}">
+                <a16:creationId xmlns:a16="http://schemas.microsoft.com/office/drawing/2014/main" id="{C2026467-DE4C-4E94-BF75-5836C07493DD}"/>
+              </a:ext>
+            </a:extLst>
+          </p:cNvPr>
+          <p:cNvSpPr>
+            <a:spLocks noGrp="1"/>
+          </p:cNvSpPr>
+          <p:nvPr>
+            <p:ph sz="half" idx="1"/>
+          </p:nvPr>
+        </p:nvSpPr>
+        <p:spPr/>
+        <p:txBody>
+          <a:bodyPr/>
+          <a:lstStyle/>
+          <a:p>
+            <a:pPr marL="0" indent="0" algn="ctr">
+              <a:buNone/>
+            </a:pPr>
+            <a:r>
+              <a:rPr lang="en-US" b="1" dirty="0"/>
+              <a:t>OUTSIDER MUSIC</a:t>
+            </a:r>
+          </a:p>
+        </p:txBody>
+      </p:sp>
+      <p:sp>
+        <p:nvSpPr>
+          <p:cNvPr id="4" name="Content Placeholder 3">
+            <a:extLst>
+              <a:ext uri="{FF2B5EF4-FFF2-40B4-BE49-F238E27FC236}">
+                <a16:creationId xmlns:a16="http://schemas.microsoft.com/office/drawing/2014/main" id="{67464096-BA03-4CAF-8FE4-C6AC05CE8FB1}"/>
+              </a:ext>
+            </a:extLst>
+          </p:cNvPr>
+          <p:cNvSpPr>
+            <a:spLocks noGrp="1"/>
+          </p:cNvSpPr>
+          <p:nvPr>
+            <p:ph sz="half" idx="2"/>
+          </p:nvPr>
+        </p:nvSpPr>
+        <p:spPr/>
+        <p:txBody>
+          <a:bodyPr/>
+          <a:lstStyle/>
+          <a:p>
+            <a:pPr marL="0" indent="0" algn="ctr">
+              <a:buNone/>
+            </a:pPr>
+            <a:r>
+              <a:rPr lang="en-US" b="1" dirty="0"/>
+              <a:t>POPULAR MUSIC</a:t>
+            </a:r>
+          </a:p>
+        </p:txBody>
+      </p:sp>
+      <p:sp>
+        <p:nvSpPr>
+          <p:cNvPr id="5" name="Date Placeholder 4">
+            <a:extLst>
+              <a:ext uri="{FF2B5EF4-FFF2-40B4-BE49-F238E27FC236}">
+                <a16:creationId xmlns:a16="http://schemas.microsoft.com/office/drawing/2014/main" id="{DDF896A8-FE85-4F7D-8533-1C9042EC3B39}"/>
+              </a:ext>
+            </a:extLst>
+          </p:cNvPr>
+          <p:cNvSpPr>
+            <a:spLocks noGrp="1"/>
+          </p:cNvSpPr>
+          <p:nvPr>
+            <p:ph type="dt" sz="half" idx="10"/>
+          </p:nvPr>
+        </p:nvSpPr>
+        <p:spPr/>
+        <p:txBody>
+          <a:bodyPr/>
+          <a:lstStyle/>
+          <a:p>
+            <a:pPr>
+              <a:defRPr/>
+            </a:pPr>
+            <a:r>
+              <a:rPr lang="en-US">
+                <a:solidFill>
+                  <a:prstClr val="black">
+                    <a:tint val="75000"/>
+                  </a:prstClr>
+                </a:solidFill>
+              </a:rPr>
+              <a:t>4/21/2022</a:t>
+            </a:r>
+            <a:endParaRPr lang="en-US" dirty="0">
+              <a:solidFill>
+                <a:prstClr val="black">
+                  <a:tint val="75000"/>
+                </a:prstClr>
+              </a:solidFill>
+            </a:endParaRPr>
+          </a:p>
+        </p:txBody>
+      </p:sp>
+      <p:sp>
+        <p:nvSpPr>
+          <p:cNvPr id="6" name="Footer Placeholder 5">
+            <a:extLst>
+              <a:ext uri="{FF2B5EF4-FFF2-40B4-BE49-F238E27FC236}">
+                <a16:creationId xmlns:a16="http://schemas.microsoft.com/office/drawing/2014/main" id="{03A4D966-F3B2-4674-84AC-57FA17CA2EA3}"/>
+              </a:ext>
+            </a:extLst>
+          </p:cNvPr>
+          <p:cNvSpPr>
+            <a:spLocks noGrp="1"/>
+          </p:cNvSpPr>
+          <p:nvPr>
+            <p:ph type="ftr" sz="quarter" idx="11"/>
+          </p:nvPr>
+        </p:nvSpPr>
+        <p:spPr/>
+        <p:txBody>
+          <a:bodyPr/>
+          <a:lstStyle/>
+          <a:p>
+            <a:pPr>
+              <a:defRPr/>
+            </a:pPr>
+            <a:r>
+              <a:rPr lang="en-US">
+                <a:solidFill>
+                  <a:prstClr val="black">
+                    <a:tint val="75000"/>
+                  </a:prstClr>
+                </a:solidFill>
+              </a:rPr>
+              <a:t>A Linguistic Look Inside Outsider Music</a:t>
+            </a:r>
+            <a:endParaRPr lang="en-US" dirty="0">
+              <a:solidFill>
+                <a:prstClr val="black">
+                  <a:tint val="75000"/>
+                </a:prstClr>
+              </a:solidFill>
+            </a:endParaRPr>
+          </a:p>
+        </p:txBody>
+      </p:sp>
+      <p:sp>
+        <p:nvSpPr>
+          <p:cNvPr id="7" name="Slide Number Placeholder 6">
+            <a:extLst>
+              <a:ext uri="{FF2B5EF4-FFF2-40B4-BE49-F238E27FC236}">
+                <a16:creationId xmlns:a16="http://schemas.microsoft.com/office/drawing/2014/main" id="{CF2CD01D-E400-485A-91D0-22F49AE92722}"/>
+              </a:ext>
+            </a:extLst>
+          </p:cNvPr>
+          <p:cNvSpPr>
+            <a:spLocks noGrp="1"/>
+          </p:cNvSpPr>
+          <p:nvPr>
+            <p:ph type="sldNum" sz="quarter" idx="12"/>
+          </p:nvPr>
+        </p:nvSpPr>
+        <p:spPr/>
+        <p:txBody>
+          <a:bodyPr/>
+          <a:lstStyle/>
+          <a:p>
+            <a:pPr>
+              <a:defRPr/>
+            </a:pPr>
+            <a:fld id="{D76B855D-E9CC-4FF8-AD85-6CDC7B89A0DE}" type="slidenum">
+              <a:rPr lang="en-US" smtClean="0">
+                <a:solidFill>
+                  <a:prstClr val="black">
+                    <a:tint val="75000"/>
+                  </a:prstClr>
+                </a:solidFill>
+              </a:rPr>
+              <a:pPr>
+                <a:defRPr/>
+              </a:pPr>
+              <a:t>18</a:t>
+            </a:fld>
+            <a:endParaRPr lang="en-US" dirty="0">
+              <a:solidFill>
+                <a:prstClr val="black">
+                  <a:tint val="75000"/>
+                </a:prstClr>
+              </a:solidFill>
+            </a:endParaRPr>
+          </a:p>
+        </p:txBody>
+      </p:sp>
+      <p:pic>
+        <p:nvPicPr>
+          <p:cNvPr id="8" name="Picture 7" descr="Chart, bar chart&#10;&#10;Description automatically generated">
+            <a:extLst>
+              <a:ext uri="{FF2B5EF4-FFF2-40B4-BE49-F238E27FC236}">
+                <a16:creationId xmlns:a16="http://schemas.microsoft.com/office/drawing/2014/main" id="{AAF2F49F-F33B-4D61-BE19-12D78C72B360}"/>
+              </a:ext>
+            </a:extLst>
+          </p:cNvPr>
+          <p:cNvPicPr>
+            <a:picLocks noChangeAspect="1"/>
+          </p:cNvPicPr>
+          <p:nvPr/>
+        </p:nvPicPr>
+        <p:blipFill>
+          <a:blip r:embed="rId3"/>
+          <a:stretch>
+            <a:fillRect/>
+          </a:stretch>
+        </p:blipFill>
+        <p:spPr>
+          <a:xfrm>
+            <a:off x="6548602" y="2317707"/>
+            <a:ext cx="4693163" cy="3128775"/>
+          </a:xfrm>
+          <a:prstGeom prst="rect">
+            <a:avLst/>
+          </a:prstGeom>
+        </p:spPr>
+      </p:pic>
+      <p:pic>
+        <p:nvPicPr>
+          <p:cNvPr id="9" name="Picture 8" descr="Chart, bar chart&#10;&#10;Description automatically generated">
+            <a:extLst>
+              <a:ext uri="{FF2B5EF4-FFF2-40B4-BE49-F238E27FC236}">
+                <a16:creationId xmlns:a16="http://schemas.microsoft.com/office/drawing/2014/main" id="{5C286CA0-5674-4E74-8CD9-D8FA3E38F749}"/>
+              </a:ext>
+            </a:extLst>
+          </p:cNvPr>
+          <p:cNvPicPr>
+            <a:picLocks noChangeAspect="1"/>
+          </p:cNvPicPr>
+          <p:nvPr/>
+        </p:nvPicPr>
+        <p:blipFill>
+          <a:blip r:embed="rId4"/>
+          <a:stretch>
+            <a:fillRect/>
+          </a:stretch>
+        </p:blipFill>
+        <p:spPr>
+          <a:xfrm>
+            <a:off x="950235" y="2317707"/>
+            <a:ext cx="4814455" cy="3209636"/>
+          </a:xfrm>
+          <a:prstGeom prst="rect">
+            <a:avLst/>
+          </a:prstGeom>
+        </p:spPr>
+      </p:pic>
+      <p:cxnSp>
+        <p:nvCxnSpPr>
+          <p:cNvPr id="10" name="Straight Arrow Connector 9">
+            <a:extLst>
+              <a:ext uri="{FF2B5EF4-FFF2-40B4-BE49-F238E27FC236}">
+                <a16:creationId xmlns:a16="http://schemas.microsoft.com/office/drawing/2014/main" id="{918BAAC3-B568-461B-A3E7-AD7FF253DDE8}"/>
+              </a:ext>
+            </a:extLst>
+          </p:cNvPr>
+          <p:cNvCxnSpPr>
+            <a:cxnSpLocks/>
+          </p:cNvCxnSpPr>
+          <p:nvPr/>
+        </p:nvCxnSpPr>
+        <p:spPr>
+          <a:xfrm flipV="1">
+            <a:off x="2476119" y="5489885"/>
+            <a:ext cx="0" cy="318421"/>
+          </a:xfrm>
+          <a:prstGeom prst="straightConnector1">
+            <a:avLst/>
+          </a:prstGeom>
+          <a:ln w="28575">
+            <a:tailEnd type="triangle"/>
+          </a:ln>
+        </p:spPr>
+        <p:style>
+          <a:lnRef idx="1">
+            <a:schemeClr val="accent1"/>
+          </a:lnRef>
+          <a:fillRef idx="0">
+            <a:schemeClr val="accent1"/>
+          </a:fillRef>
+          <a:effectRef idx="0">
+            <a:schemeClr val="accent1"/>
+          </a:effectRef>
+          <a:fontRef idx="minor">
+            <a:schemeClr val="tx1"/>
+          </a:fontRef>
+        </p:style>
+      </p:cxnSp>
+      <p:cxnSp>
+        <p:nvCxnSpPr>
+          <p:cNvPr id="11" name="Straight Arrow Connector 10">
+            <a:extLst>
+              <a:ext uri="{FF2B5EF4-FFF2-40B4-BE49-F238E27FC236}">
+                <a16:creationId xmlns:a16="http://schemas.microsoft.com/office/drawing/2014/main" id="{D13C6267-CFCE-487B-96E4-287B618EE6CF}"/>
+              </a:ext>
+            </a:extLst>
+          </p:cNvPr>
+          <p:cNvCxnSpPr>
+            <a:cxnSpLocks/>
+          </p:cNvCxnSpPr>
+          <p:nvPr/>
+        </p:nvCxnSpPr>
+        <p:spPr>
+          <a:xfrm flipV="1">
+            <a:off x="4369184" y="5437372"/>
+            <a:ext cx="0" cy="370934"/>
+          </a:xfrm>
+          <a:prstGeom prst="straightConnector1">
+            <a:avLst/>
+          </a:prstGeom>
+          <a:ln w="28575">
+            <a:tailEnd type="triangle"/>
+          </a:ln>
+        </p:spPr>
+        <p:style>
+          <a:lnRef idx="1">
+            <a:schemeClr val="accent1"/>
+          </a:lnRef>
+          <a:fillRef idx="0">
+            <a:schemeClr val="accent1"/>
+          </a:fillRef>
+          <a:effectRef idx="0">
+            <a:schemeClr val="accent1"/>
+          </a:effectRef>
+          <a:fontRef idx="minor">
+            <a:schemeClr val="tx1"/>
+          </a:fontRef>
+        </p:style>
+      </p:cxnSp>
+      <p:cxnSp>
+        <p:nvCxnSpPr>
+          <p:cNvPr id="14" name="Straight Arrow Connector 13">
+            <a:extLst>
+              <a:ext uri="{FF2B5EF4-FFF2-40B4-BE49-F238E27FC236}">
+                <a16:creationId xmlns:a16="http://schemas.microsoft.com/office/drawing/2014/main" id="{03DCA3A8-9C80-454D-B274-951A08D2553A}"/>
+              </a:ext>
+            </a:extLst>
+          </p:cNvPr>
+          <p:cNvCxnSpPr>
+            <a:cxnSpLocks/>
+          </p:cNvCxnSpPr>
+          <p:nvPr/>
+        </p:nvCxnSpPr>
+        <p:spPr>
+          <a:xfrm flipV="1">
+            <a:off x="7536421" y="5322449"/>
+            <a:ext cx="0" cy="318421"/>
+          </a:xfrm>
+          <a:prstGeom prst="straightConnector1">
+            <a:avLst/>
+          </a:prstGeom>
+          <a:ln w="28575">
+            <a:solidFill>
+              <a:srgbClr val="45B14D"/>
+            </a:solidFill>
+            <a:tailEnd type="triangle"/>
+          </a:ln>
+        </p:spPr>
+        <p:style>
+          <a:lnRef idx="1">
+            <a:schemeClr val="accent1"/>
+          </a:lnRef>
+          <a:fillRef idx="0">
+            <a:schemeClr val="accent1"/>
+          </a:fillRef>
+          <a:effectRef idx="0">
+            <a:schemeClr val="accent1"/>
+          </a:effectRef>
+          <a:fontRef idx="minor">
+            <a:schemeClr val="tx1"/>
+          </a:fontRef>
+        </p:style>
+      </p:cxnSp>
+      <p:cxnSp>
+        <p:nvCxnSpPr>
+          <p:cNvPr id="15" name="Straight Arrow Connector 14">
+            <a:extLst>
+              <a:ext uri="{FF2B5EF4-FFF2-40B4-BE49-F238E27FC236}">
+                <a16:creationId xmlns:a16="http://schemas.microsoft.com/office/drawing/2014/main" id="{B6772ED5-0AFC-4E07-B8CF-2A04BE6E64D1}"/>
+              </a:ext>
+            </a:extLst>
+          </p:cNvPr>
+          <p:cNvCxnSpPr>
+            <a:cxnSpLocks/>
+          </p:cNvCxnSpPr>
+          <p:nvPr/>
+        </p:nvCxnSpPr>
+        <p:spPr>
+          <a:xfrm flipV="1">
+            <a:off x="9718229" y="5389829"/>
+            <a:ext cx="0" cy="318421"/>
+          </a:xfrm>
+          <a:prstGeom prst="straightConnector1">
+            <a:avLst/>
+          </a:prstGeom>
+          <a:ln w="28575">
+            <a:solidFill>
+              <a:srgbClr val="45B14D"/>
+            </a:solidFill>
+            <a:tailEnd type="triangle"/>
+          </a:ln>
+        </p:spPr>
+        <p:style>
+          <a:lnRef idx="1">
+            <a:schemeClr val="accent1"/>
+          </a:lnRef>
+          <a:fillRef idx="0">
+            <a:schemeClr val="accent1"/>
+          </a:fillRef>
+          <a:effectRef idx="0">
+            <a:schemeClr val="accent1"/>
+          </a:effectRef>
+          <a:fontRef idx="minor">
+            <a:schemeClr val="tx1"/>
+          </a:fontRef>
+        </p:style>
+      </p:cxnSp>
+    </p:spTree>
+    <p:extLst>
+      <p:ext uri="{BB962C8B-B14F-4D97-AF65-F5344CB8AC3E}">
+        <p14:creationId xmlns:p14="http://schemas.microsoft.com/office/powerpoint/2010/main" val="2369005195"/>
+      </p:ext>
+    </p:extLst>
+  </p:cSld>
+  <p:clrMapOvr>
+    <a:masterClrMapping/>
+  </p:clrMapOvr>
+</p:sld>
+</file>
+
+<file path=ppt/slides/slide19.xml><?xml version="1.0" encoding="utf-8"?>
+<p:sld xmlns:a="http://schemas.openxmlformats.org/drawingml/2006/main" xmlns:r="http://schemas.openxmlformats.org/officeDocument/2006/relationships" xmlns:p="http://schemas.openxmlformats.org/presentationml/2006/main">
+  <p:cSld>
+    <p:spTree>
+      <p:nvGrpSpPr>
+        <p:cNvPr id="1" name=""/>
+        <p:cNvGrpSpPr/>
+        <p:nvPr/>
+      </p:nvGrpSpPr>
+      <p:grpSpPr>
+        <a:xfrm>
+          <a:off x="0" y="0"/>
+          <a:ext cx="0" cy="0"/>
+          <a:chOff x="0" y="0"/>
+          <a:chExt cx="0" cy="0"/>
+        </a:xfrm>
+      </p:grpSpPr>
+      <p:sp>
+        <p:nvSpPr>
+          <p:cNvPr id="2" name="Title 1">
+            <a:extLst>
+              <a:ext uri="{FF2B5EF4-FFF2-40B4-BE49-F238E27FC236}">
+                <a16:creationId xmlns:a16="http://schemas.microsoft.com/office/drawing/2014/main" id="{BBC6DC9B-96AC-4414-8CE7-3C4AE626A1FE}"/>
+              </a:ext>
+            </a:extLst>
+          </p:cNvPr>
+          <p:cNvSpPr>
+            <a:spLocks noGrp="1"/>
+          </p:cNvSpPr>
+          <p:nvPr>
+            <p:ph type="title"/>
+          </p:nvPr>
+        </p:nvSpPr>
+        <p:spPr/>
+        <p:txBody>
+          <a:bodyPr/>
+          <a:lstStyle/>
+          <a:p>
+            <a:r>
+              <a:rPr lang="en-US" dirty="0"/>
+              <a:t>So far…	OUTSIDER vs. POP</a:t>
+            </a:r>
+          </a:p>
+        </p:txBody>
+      </p:sp>
+      <p:sp>
+        <p:nvSpPr>
+          <p:cNvPr id="3" name="Content Placeholder 2">
+            <a:extLst>
+              <a:ext uri="{FF2B5EF4-FFF2-40B4-BE49-F238E27FC236}">
+                <a16:creationId xmlns:a16="http://schemas.microsoft.com/office/drawing/2014/main" id="{D4E9351D-68C8-457A-BCBF-AE9322857AE5}"/>
+              </a:ext>
+            </a:extLst>
+          </p:cNvPr>
+          <p:cNvSpPr>
+            <a:spLocks noGrp="1"/>
+          </p:cNvSpPr>
+          <p:nvPr>
+            <p:ph idx="1"/>
+          </p:nvPr>
+        </p:nvSpPr>
+        <p:spPr>
+          <a:xfrm>
+            <a:off x="1181100" y="1499129"/>
+            <a:ext cx="9829800" cy="3859742"/>
+          </a:xfrm>
+        </p:spPr>
+        <p:txBody>
+          <a:bodyPr anchor="ctr"/>
+          <a:lstStyle/>
+          <a:p>
+            <a:pPr>
+              <a:lnSpc>
+                <a:spcPct val="150000"/>
+              </a:lnSpc>
+            </a:pPr>
+            <a:r>
+              <a:rPr lang="en-US" dirty="0"/>
+              <a:t>There is some disparity in average text length</a:t>
+            </a:r>
+          </a:p>
+          <a:p>
+            <a:pPr>
+              <a:lnSpc>
+                <a:spcPct val="150000"/>
+              </a:lnSpc>
+            </a:pPr>
+            <a:r>
+              <a:rPr lang="en-US" dirty="0"/>
+              <a:t>Notable difference in most common words, BUT:</a:t>
+            </a:r>
+          </a:p>
+          <a:p>
+            <a:pPr lvl="1">
+              <a:lnSpc>
+                <a:spcPct val="150000"/>
+              </a:lnSpc>
+            </a:pPr>
+            <a:r>
+              <a:rPr lang="en-US" dirty="0"/>
+              <a:t>The artist distribution is very different for the two datasets</a:t>
+            </a:r>
+          </a:p>
+          <a:p>
+            <a:pPr lvl="1">
+              <a:lnSpc>
+                <a:spcPct val="100000"/>
+              </a:lnSpc>
+            </a:pPr>
+            <a:r>
+              <a:rPr lang="en-US" dirty="0"/>
+              <a:t>The most common words in the outsider corpus appear idiosyncratic</a:t>
+            </a:r>
+          </a:p>
+        </p:txBody>
+      </p:sp>
+      <p:sp>
+        <p:nvSpPr>
+          <p:cNvPr id="4" name="Date Placeholder 3">
+            <a:extLst>
+              <a:ext uri="{FF2B5EF4-FFF2-40B4-BE49-F238E27FC236}">
+                <a16:creationId xmlns:a16="http://schemas.microsoft.com/office/drawing/2014/main" id="{D1FF5443-B714-4CE5-BA98-6A876CF22E11}"/>
+              </a:ext>
+            </a:extLst>
+          </p:cNvPr>
+          <p:cNvSpPr>
+            <a:spLocks noGrp="1"/>
+          </p:cNvSpPr>
+          <p:nvPr>
+            <p:ph type="dt" sz="half" idx="10"/>
+          </p:nvPr>
+        </p:nvSpPr>
+        <p:spPr/>
+        <p:txBody>
+          <a:bodyPr/>
+          <a:lstStyle/>
+          <a:p>
+            <a:pPr>
+              <a:defRPr/>
+            </a:pPr>
+            <a:r>
+              <a:rPr lang="en-US">
+                <a:solidFill>
+                  <a:prstClr val="black">
+                    <a:tint val="75000"/>
+                  </a:prstClr>
+                </a:solidFill>
+              </a:rPr>
+              <a:t>4/21/2022</a:t>
+            </a:r>
+            <a:endParaRPr lang="en-US" dirty="0">
+              <a:solidFill>
+                <a:prstClr val="black">
+                  <a:tint val="75000"/>
+                </a:prstClr>
+              </a:solidFill>
+            </a:endParaRPr>
+          </a:p>
+        </p:txBody>
+      </p:sp>
+      <p:sp>
+        <p:nvSpPr>
+          <p:cNvPr id="5" name="Footer Placeholder 4">
+            <a:extLst>
+              <a:ext uri="{FF2B5EF4-FFF2-40B4-BE49-F238E27FC236}">
+                <a16:creationId xmlns:a16="http://schemas.microsoft.com/office/drawing/2014/main" id="{7C229DF4-9112-453D-BC47-B5A6994B3F25}"/>
+              </a:ext>
+            </a:extLst>
+          </p:cNvPr>
+          <p:cNvSpPr>
+            <a:spLocks noGrp="1"/>
+          </p:cNvSpPr>
+          <p:nvPr>
+            <p:ph type="ftr" sz="quarter" idx="11"/>
+          </p:nvPr>
+        </p:nvSpPr>
+        <p:spPr/>
+        <p:txBody>
+          <a:bodyPr/>
+          <a:lstStyle/>
+          <a:p>
+            <a:pPr>
+              <a:defRPr/>
+            </a:pPr>
+            <a:r>
+              <a:rPr lang="en-US">
+                <a:solidFill>
+                  <a:prstClr val="black">
+                    <a:tint val="75000"/>
+                  </a:prstClr>
+                </a:solidFill>
+              </a:rPr>
+              <a:t>A Linguistic Look Inside Outsider Music</a:t>
+            </a:r>
+            <a:endParaRPr lang="en-US" dirty="0">
+              <a:solidFill>
+                <a:prstClr val="black">
+                  <a:tint val="75000"/>
+                </a:prstClr>
+              </a:solidFill>
+            </a:endParaRPr>
+          </a:p>
+        </p:txBody>
+      </p:sp>
+      <p:sp>
+        <p:nvSpPr>
+          <p:cNvPr id="6" name="Slide Number Placeholder 5">
+            <a:extLst>
+              <a:ext uri="{FF2B5EF4-FFF2-40B4-BE49-F238E27FC236}">
+                <a16:creationId xmlns:a16="http://schemas.microsoft.com/office/drawing/2014/main" id="{16DEAC53-12C7-46BC-AEF8-7DCCCF1D91F6}"/>
+              </a:ext>
+            </a:extLst>
+          </p:cNvPr>
+          <p:cNvSpPr>
+            <a:spLocks noGrp="1"/>
+          </p:cNvSpPr>
+          <p:nvPr>
+            <p:ph type="sldNum" sz="quarter" idx="12"/>
+          </p:nvPr>
+        </p:nvSpPr>
+        <p:spPr/>
+        <p:txBody>
+          <a:bodyPr/>
+          <a:lstStyle/>
+          <a:p>
+            <a:pPr>
+              <a:defRPr/>
+            </a:pPr>
+            <a:fld id="{D76B855D-E9CC-4FF8-AD85-6CDC7B89A0DE}" type="slidenum">
+              <a:rPr lang="en-US" smtClean="0">
+                <a:solidFill>
+                  <a:prstClr val="black">
+                    <a:tint val="75000"/>
+                  </a:prstClr>
+                </a:solidFill>
+              </a:rPr>
+              <a:pPr>
+                <a:defRPr/>
+              </a:pPr>
+              <a:t>19</a:t>
+            </a:fld>
+            <a:endParaRPr lang="en-US" dirty="0">
+              <a:solidFill>
+                <a:prstClr val="black">
+                  <a:tint val="75000"/>
+                </a:prstClr>
+              </a:solidFill>
+            </a:endParaRPr>
+          </a:p>
+        </p:txBody>
+      </p:sp>
+    </p:spTree>
+    <p:extLst>
+      <p:ext uri="{BB962C8B-B14F-4D97-AF65-F5344CB8AC3E}">
+        <p14:creationId xmlns:p14="http://schemas.microsoft.com/office/powerpoint/2010/main" val="2730189434"/>
+      </p:ext>
+    </p:extLst>
+  </p:cSld>
+  <p:clrMapOvr>
+    <a:masterClrMapping/>
+  </p:clrMapOvr>
+</p:sld>
+</file>
+
+<file path=ppt/slides/slide2.xml><?xml version="1.0" encoding="utf-8"?>
+<p:sld xmlns:a="http://schemas.openxmlformats.org/drawingml/2006/main" xmlns:r="http://schemas.openxmlformats.org/officeDocument/2006/relationships" xmlns:p="http://schemas.openxmlformats.org/presentationml/2006/main">
+  <p:cSld>
+    <p:spTree>
+      <p:nvGrpSpPr>
+        <p:cNvPr id="1" name=""/>
+        <p:cNvGrpSpPr/>
+        <p:nvPr/>
+      </p:nvGrpSpPr>
+      <p:grpSpPr>
+        <a:xfrm>
+          <a:off x="0" y="0"/>
+          <a:ext cx="0" cy="0"/>
+          <a:chOff x="0" y="0"/>
+          <a:chExt cx="0" cy="0"/>
+        </a:xfrm>
+      </p:grpSpPr>
+      <p:sp>
+        <p:nvSpPr>
+          <p:cNvPr id="7" name="Title 6">
+            <a:extLst>
+              <a:ext uri="{FF2B5EF4-FFF2-40B4-BE49-F238E27FC236}">
+                <a16:creationId xmlns:a16="http://schemas.microsoft.com/office/drawing/2014/main" id="{C1EB06E6-AE4C-4447-A4E5-349721CE5F95}"/>
+              </a:ext>
+            </a:extLst>
+          </p:cNvPr>
+          <p:cNvSpPr>
+            <a:spLocks noGrp="1"/>
+          </p:cNvSpPr>
+          <p:nvPr>
+            <p:ph type="title"/>
+          </p:nvPr>
+        </p:nvSpPr>
+        <p:spPr>
+          <a:xfrm>
+            <a:off x="3316224" y="1897579"/>
+            <a:ext cx="5559552" cy="2514600"/>
+          </a:xfrm>
+        </p:spPr>
+        <p:txBody>
+          <a:bodyPr/>
+          <a:lstStyle/>
+          <a:p>
+            <a:r>
+              <a:rPr lang="en-US" dirty="0"/>
+              <a:t>What is Outsider Music?</a:t>
+            </a:r>
+          </a:p>
+        </p:txBody>
+      </p:sp>
+      <p:sp>
+        <p:nvSpPr>
+          <p:cNvPr id="4" name="Date Placeholder 3">
+            <a:extLst>
+              <a:ext uri="{FF2B5EF4-FFF2-40B4-BE49-F238E27FC236}">
+                <a16:creationId xmlns:a16="http://schemas.microsoft.com/office/drawing/2014/main" id="{8B5212AF-E97C-4BEE-A1C3-B5B3951B3548}"/>
+              </a:ext>
+            </a:extLst>
+          </p:cNvPr>
+          <p:cNvSpPr>
+            <a:spLocks noGrp="1"/>
+          </p:cNvSpPr>
+          <p:nvPr>
+            <p:ph type="dt" sz="half" idx="4294967295"/>
+          </p:nvPr>
+        </p:nvSpPr>
+        <p:spPr>
+          <a:xfrm>
+            <a:off x="0" y="6356350"/>
+            <a:ext cx="2743200" cy="365125"/>
+          </a:xfrm>
+        </p:spPr>
+        <p:txBody>
+          <a:bodyPr/>
+          <a:lstStyle/>
+          <a:p>
+            <a:pPr>
+              <a:defRPr/>
+            </a:pPr>
+            <a:r>
+              <a:rPr lang="en-US">
+                <a:solidFill>
+                  <a:prstClr val="black">
+                    <a:tint val="75000"/>
+                  </a:prstClr>
+                </a:solidFill>
+              </a:rPr>
+              <a:t>4/21/2022</a:t>
+            </a:r>
+            <a:endParaRPr lang="en-US" dirty="0">
+              <a:solidFill>
+                <a:prstClr val="black">
+                  <a:tint val="75000"/>
+                </a:prstClr>
+              </a:solidFill>
+            </a:endParaRPr>
+          </a:p>
+        </p:txBody>
+      </p:sp>
+      <p:sp>
+        <p:nvSpPr>
+          <p:cNvPr id="6" name="Slide Number Placeholder 5">
+            <a:extLst>
+              <a:ext uri="{FF2B5EF4-FFF2-40B4-BE49-F238E27FC236}">
+                <a16:creationId xmlns:a16="http://schemas.microsoft.com/office/drawing/2014/main" id="{DF102104-4018-4E85-BB39-33D04D48A274}"/>
+              </a:ext>
+            </a:extLst>
+          </p:cNvPr>
+          <p:cNvSpPr>
+            <a:spLocks noGrp="1"/>
+          </p:cNvSpPr>
+          <p:nvPr>
+            <p:ph type="sldNum" sz="quarter" idx="4294967295"/>
+          </p:nvPr>
+        </p:nvSpPr>
+        <p:spPr>
+          <a:xfrm>
+            <a:off x="9448800" y="6356350"/>
+            <a:ext cx="2743200" cy="365125"/>
+          </a:xfrm>
+        </p:spPr>
+        <p:txBody>
+          <a:bodyPr/>
+          <a:lstStyle/>
+          <a:p>
+            <a:pPr>
+              <a:defRPr/>
+            </a:pPr>
+            <a:fld id="{D76B855D-E9CC-4FF8-AD85-6CDC7B89A0DE}" type="slidenum">
+              <a:rPr lang="en-US" smtClean="0">
+                <a:solidFill>
+                  <a:prstClr val="black">
+                    <a:tint val="75000"/>
+                  </a:prstClr>
+                </a:solidFill>
+              </a:rPr>
+              <a:pPr>
+                <a:defRPr/>
+              </a:pPr>
+              <a:t>2</a:t>
+            </a:fld>
+            <a:endParaRPr lang="en-US" dirty="0">
+              <a:solidFill>
+                <a:prstClr val="black">
+                  <a:tint val="75000"/>
+                </a:prstClr>
+              </a:solidFill>
+            </a:endParaRPr>
+          </a:p>
+        </p:txBody>
+      </p:sp>
+    </p:spTree>
+    <p:extLst>
+      <p:ext uri="{BB962C8B-B14F-4D97-AF65-F5344CB8AC3E}">
+        <p14:creationId xmlns:p14="http://schemas.microsoft.com/office/powerpoint/2010/main" val="3134892446"/>
+      </p:ext>
+    </p:extLst>
+  </p:cSld>
+  <p:clrMapOvr>
+    <a:masterClrMapping/>
+  </p:clrMapOvr>
+</p:sld>
+</file>
+
+<file path=ppt/slides/slide20.xml><?xml version="1.0" encoding="utf-8"?>
+<p:sld xmlns:a="http://schemas.openxmlformats.org/drawingml/2006/main" xmlns:r="http://schemas.openxmlformats.org/officeDocument/2006/relationships" xmlns:p="http://schemas.openxmlformats.org/presentationml/2006/main">
+  <p:cSld>
+    <p:spTree>
+      <p:nvGrpSpPr>
+        <p:cNvPr id="1" name=""/>
+        <p:cNvGrpSpPr/>
+        <p:nvPr/>
+      </p:nvGrpSpPr>
+      <p:grpSpPr>
+        <a:xfrm>
+          <a:off x="0" y="0"/>
+          <a:ext cx="0" cy="0"/>
+          <a:chOff x="0" y="0"/>
+          <a:chExt cx="0" cy="0"/>
+        </a:xfrm>
+      </p:grpSpPr>
+      <p:sp>
+        <p:nvSpPr>
+          <p:cNvPr id="2" name="Title 1">
+            <a:extLst>
+              <a:ext uri="{FF2B5EF4-FFF2-40B4-BE49-F238E27FC236}">
+                <a16:creationId xmlns:a16="http://schemas.microsoft.com/office/drawing/2014/main" id="{918B2A4F-8B7A-47EF-9FF1-9FB789FD3DB8}"/>
+              </a:ext>
+            </a:extLst>
+          </p:cNvPr>
+          <p:cNvSpPr>
+            <a:spLocks noGrp="1"/>
+          </p:cNvSpPr>
+          <p:nvPr>
+            <p:ph type="title"/>
+          </p:nvPr>
+        </p:nvSpPr>
+        <p:spPr>
+          <a:xfrm>
+            <a:off x="3316224" y="1738553"/>
+            <a:ext cx="5559552" cy="2514600"/>
+          </a:xfrm>
+        </p:spPr>
+        <p:txBody>
+          <a:bodyPr/>
+          <a:lstStyle/>
+          <a:p>
+            <a:r>
+              <a:rPr lang="en-US" dirty="0"/>
+              <a:t>The Faces of Outsider Music</a:t>
+            </a:r>
+          </a:p>
+        </p:txBody>
+      </p:sp>
+    </p:spTree>
+    <p:extLst>
+      <p:ext uri="{BB962C8B-B14F-4D97-AF65-F5344CB8AC3E}">
+        <p14:creationId xmlns:p14="http://schemas.microsoft.com/office/powerpoint/2010/main" val="527679230"/>
+      </p:ext>
+    </p:extLst>
+  </p:cSld>
+  <p:clrMapOvr>
+    <a:masterClrMapping/>
+  </p:clrMapOvr>
+</p:sld>
+</file>
+
+<file path=ppt/slides/slide21.xml><?xml version="1.0" encoding="utf-8"?>
+<p:sld xmlns:a="http://schemas.openxmlformats.org/drawingml/2006/main" xmlns:r="http://schemas.openxmlformats.org/officeDocument/2006/relationships" xmlns:p="http://schemas.openxmlformats.org/presentationml/2006/main">
+  <p:cSld>
     <p:bg>
       <p:bgPr>
         <a:solidFill>
@@ -22514,10 +25360,10 @@
       </p:grpSpPr>
       <p:sp useBgFill="1">
         <p:nvSpPr>
-          <p:cNvPr id="20" name="Rectangle 19">
+          <p:cNvPr id="13" name="Rectangle 12">
             <a:extLst>
               <a:ext uri="{FF2B5EF4-FFF2-40B4-BE49-F238E27FC236}">
-                <a16:creationId xmlns:a16="http://schemas.microsoft.com/office/drawing/2014/main" id="{95199994-21AE-49A2-BA0D-12E295989A9A}"/>
+                <a16:creationId xmlns:a16="http://schemas.microsoft.com/office/drawing/2014/main" id="{2EB492CD-616E-47F8-933B-5E2D952A0593}"/>
               </a:ext>
               <a:ext uri="{C183D7F6-B498-43B3-948B-1728B52AA6E4}">
                 <adec:decorative xmlns:adec="http://schemas.microsoft.com/office/drawing/2017/decorative" val="1"/>
@@ -22697,3791 +25543,6 @@
       </p:sp>
       <p:sp>
         <p:nvSpPr>
-          <p:cNvPr id="2" name="Title 1">
-            <a:extLst>
-              <a:ext uri="{FF2B5EF4-FFF2-40B4-BE49-F238E27FC236}">
-                <a16:creationId xmlns:a16="http://schemas.microsoft.com/office/drawing/2014/main" id="{2B903FEE-DA5D-45B5-B1D3-DC58528FCE6F}"/>
-              </a:ext>
-            </a:extLst>
-          </p:cNvPr>
-          <p:cNvSpPr>
-            <a:spLocks noGrp="1"/>
-          </p:cNvSpPr>
-          <p:nvPr>
-            <p:ph type="title"/>
-          </p:nvPr>
-        </p:nvSpPr>
-        <p:spPr>
-          <a:xfrm>
-            <a:off x="6769570" y="530578"/>
-            <a:ext cx="4771178" cy="1160110"/>
-          </a:xfrm>
-        </p:spPr>
-        <p:txBody>
-          <a:bodyPr>
-            <a:normAutofit/>
-          </a:bodyPr>
-          <a:lstStyle/>
-          <a:p>
-            <a:r>
-              <a:rPr lang="en-US" sz="3700" dirty="0"/>
-              <a:t>Token Count Distribution</a:t>
-            </a:r>
-          </a:p>
-        </p:txBody>
-      </p:sp>
-      <p:pic>
-        <p:nvPicPr>
-          <p:cNvPr id="8" name="Picture 7" descr="Chart, box and whisker chart&#10;&#10;Description automatically generated">
-            <a:extLst>
-              <a:ext uri="{FF2B5EF4-FFF2-40B4-BE49-F238E27FC236}">
-                <a16:creationId xmlns:a16="http://schemas.microsoft.com/office/drawing/2014/main" id="{A4F49522-10C4-44A3-A7A7-8375F6C53B8A}"/>
-              </a:ext>
-            </a:extLst>
-          </p:cNvPr>
-          <p:cNvPicPr>
-            <a:picLocks noChangeAspect="1"/>
-          </p:cNvPicPr>
-          <p:nvPr/>
-        </p:nvPicPr>
-        <p:blipFill>
-          <a:blip r:embed="rId2"/>
-          <a:stretch>
-            <a:fillRect/>
-          </a:stretch>
-        </p:blipFill>
-        <p:spPr>
-          <a:xfrm>
-            <a:off x="838199" y="1733697"/>
-            <a:ext cx="5440195" cy="3277716"/>
-          </a:xfrm>
-          <a:custGeom>
-            <a:avLst/>
-            <a:gdLst>
-              <a:gd name="connsiteX0" fmla="*/ 95583 w 5440195"/>
-              <a:gd name="connsiteY0" fmla="*/ 0 h 3277716"/>
-              <a:gd name="connsiteX1" fmla="*/ 594241 w 5440195"/>
-              <a:gd name="connsiteY1" fmla="*/ 0 h 3277716"/>
-              <a:gd name="connsiteX2" fmla="*/ 1145389 w 5440195"/>
-              <a:gd name="connsiteY2" fmla="*/ 0 h 3277716"/>
-              <a:gd name="connsiteX3" fmla="*/ 1801517 w 5440195"/>
-              <a:gd name="connsiteY3" fmla="*/ 0 h 3277716"/>
-              <a:gd name="connsiteX4" fmla="*/ 2300175 w 5440195"/>
-              <a:gd name="connsiteY4" fmla="*/ 0 h 3277716"/>
-              <a:gd name="connsiteX5" fmla="*/ 2798832 w 5440195"/>
-              <a:gd name="connsiteY5" fmla="*/ 0 h 3277716"/>
-              <a:gd name="connsiteX6" fmla="*/ 3297490 w 5440195"/>
-              <a:gd name="connsiteY6" fmla="*/ 0 h 3277716"/>
-              <a:gd name="connsiteX7" fmla="*/ 3901128 w 5440195"/>
-              <a:gd name="connsiteY7" fmla="*/ 0 h 3277716"/>
-              <a:gd name="connsiteX8" fmla="*/ 4662237 w 5440195"/>
-              <a:gd name="connsiteY8" fmla="*/ 0 h 3277716"/>
-              <a:gd name="connsiteX9" fmla="*/ 5344611 w 5440195"/>
-              <a:gd name="connsiteY9" fmla="*/ 0 h 3277716"/>
-              <a:gd name="connsiteX10" fmla="*/ 5440195 w 5440195"/>
-              <a:gd name="connsiteY10" fmla="*/ 48179 h 3277716"/>
-              <a:gd name="connsiteX11" fmla="*/ 5440195 w 5440195"/>
-              <a:gd name="connsiteY11" fmla="*/ 748078 h 3277716"/>
-              <a:gd name="connsiteX12" fmla="*/ 5440195 w 5440195"/>
-              <a:gd name="connsiteY12" fmla="*/ 1288908 h 3277716"/>
-              <a:gd name="connsiteX13" fmla="*/ 5440195 w 5440195"/>
-              <a:gd name="connsiteY13" fmla="*/ 1861552 h 3277716"/>
-              <a:gd name="connsiteX14" fmla="*/ 5440195 w 5440195"/>
-              <a:gd name="connsiteY14" fmla="*/ 2497824 h 3277716"/>
-              <a:gd name="connsiteX15" fmla="*/ 5440195 w 5440195"/>
-              <a:gd name="connsiteY15" fmla="*/ 3229536 h 3277716"/>
-              <a:gd name="connsiteX16" fmla="*/ 5344611 w 5440195"/>
-              <a:gd name="connsiteY16" fmla="*/ 3277716 h 3277716"/>
-              <a:gd name="connsiteX17" fmla="*/ 4635992 w 5440195"/>
-              <a:gd name="connsiteY17" fmla="*/ 3277716 h 3277716"/>
-              <a:gd name="connsiteX18" fmla="*/ 4032354 w 5440195"/>
-              <a:gd name="connsiteY18" fmla="*/ 3277716 h 3277716"/>
-              <a:gd name="connsiteX19" fmla="*/ 3428716 w 5440195"/>
-              <a:gd name="connsiteY19" fmla="*/ 3277716 h 3277716"/>
-              <a:gd name="connsiteX20" fmla="*/ 2772587 w 5440195"/>
-              <a:gd name="connsiteY20" fmla="*/ 3277716 h 3277716"/>
-              <a:gd name="connsiteX21" fmla="*/ 2168949 w 5440195"/>
-              <a:gd name="connsiteY21" fmla="*/ 3277716 h 3277716"/>
-              <a:gd name="connsiteX22" fmla="*/ 1617801 w 5440195"/>
-              <a:gd name="connsiteY22" fmla="*/ 3277716 h 3277716"/>
-              <a:gd name="connsiteX23" fmla="*/ 1066653 w 5440195"/>
-              <a:gd name="connsiteY23" fmla="*/ 3277716 h 3277716"/>
-              <a:gd name="connsiteX24" fmla="*/ 95583 w 5440195"/>
-              <a:gd name="connsiteY24" fmla="*/ 3277716 h 3277716"/>
-              <a:gd name="connsiteX25" fmla="*/ 0 w 5440195"/>
-              <a:gd name="connsiteY25" fmla="*/ 3229536 h 3277716"/>
-              <a:gd name="connsiteX26" fmla="*/ 0 w 5440195"/>
-              <a:gd name="connsiteY26" fmla="*/ 2656892 h 3277716"/>
-              <a:gd name="connsiteX27" fmla="*/ 0 w 5440195"/>
-              <a:gd name="connsiteY27" fmla="*/ 2020620 h 3277716"/>
-              <a:gd name="connsiteX28" fmla="*/ 0 w 5440195"/>
-              <a:gd name="connsiteY28" fmla="*/ 1416163 h 3277716"/>
-              <a:gd name="connsiteX29" fmla="*/ 0 w 5440195"/>
-              <a:gd name="connsiteY29" fmla="*/ 843518 h 3277716"/>
-              <a:gd name="connsiteX30" fmla="*/ 0 w 5440195"/>
-              <a:gd name="connsiteY30" fmla="*/ 48179 h 3277716"/>
-              <a:gd name="connsiteX31" fmla="*/ 95583 w 5440195"/>
-              <a:gd name="connsiteY31" fmla="*/ 0 h 3277716"/>
-            </a:gdLst>
-            <a:ahLst/>
-            <a:cxnLst>
-              <a:cxn ang="0">
-                <a:pos x="connsiteX0" y="connsiteY0"/>
-              </a:cxn>
-              <a:cxn ang="0">
-                <a:pos x="connsiteX1" y="connsiteY1"/>
-              </a:cxn>
-              <a:cxn ang="0">
-                <a:pos x="connsiteX2" y="connsiteY2"/>
-              </a:cxn>
-              <a:cxn ang="0">
-                <a:pos x="connsiteX3" y="connsiteY3"/>
-              </a:cxn>
-              <a:cxn ang="0">
-                <a:pos x="connsiteX4" y="connsiteY4"/>
-              </a:cxn>
-              <a:cxn ang="0">
-                <a:pos x="connsiteX5" y="connsiteY5"/>
-              </a:cxn>
-              <a:cxn ang="0">
-                <a:pos x="connsiteX6" y="connsiteY6"/>
-              </a:cxn>
-              <a:cxn ang="0">
-                <a:pos x="connsiteX7" y="connsiteY7"/>
-              </a:cxn>
-              <a:cxn ang="0">
-                <a:pos x="connsiteX8" y="connsiteY8"/>
-              </a:cxn>
-              <a:cxn ang="0">
-                <a:pos x="connsiteX9" y="connsiteY9"/>
-              </a:cxn>
-              <a:cxn ang="0">
-                <a:pos x="connsiteX10" y="connsiteY10"/>
-              </a:cxn>
-              <a:cxn ang="0">
-                <a:pos x="connsiteX11" y="connsiteY11"/>
-              </a:cxn>
-              <a:cxn ang="0">
-                <a:pos x="connsiteX12" y="connsiteY12"/>
-              </a:cxn>
-              <a:cxn ang="0">
-                <a:pos x="connsiteX13" y="connsiteY13"/>
-              </a:cxn>
-              <a:cxn ang="0">
-                <a:pos x="connsiteX14" y="connsiteY14"/>
-              </a:cxn>
-              <a:cxn ang="0">
-                <a:pos x="connsiteX15" y="connsiteY15"/>
-              </a:cxn>
-              <a:cxn ang="0">
-                <a:pos x="connsiteX16" y="connsiteY16"/>
-              </a:cxn>
-              <a:cxn ang="0">
-                <a:pos x="connsiteX17" y="connsiteY17"/>
-              </a:cxn>
-              <a:cxn ang="0">
-                <a:pos x="connsiteX18" y="connsiteY18"/>
-              </a:cxn>
-              <a:cxn ang="0">
-                <a:pos x="connsiteX19" y="connsiteY19"/>
-              </a:cxn>
-              <a:cxn ang="0">
-                <a:pos x="connsiteX20" y="connsiteY20"/>
-              </a:cxn>
-              <a:cxn ang="0">
-                <a:pos x="connsiteX21" y="connsiteY21"/>
-              </a:cxn>
-              <a:cxn ang="0">
-                <a:pos x="connsiteX22" y="connsiteY22"/>
-              </a:cxn>
-              <a:cxn ang="0">
-                <a:pos x="connsiteX23" y="connsiteY23"/>
-              </a:cxn>
-              <a:cxn ang="0">
-                <a:pos x="connsiteX24" y="connsiteY24"/>
-              </a:cxn>
-              <a:cxn ang="0">
-                <a:pos x="connsiteX25" y="connsiteY25"/>
-              </a:cxn>
-              <a:cxn ang="0">
-                <a:pos x="connsiteX26" y="connsiteY26"/>
-              </a:cxn>
-              <a:cxn ang="0">
-                <a:pos x="connsiteX27" y="connsiteY27"/>
-              </a:cxn>
-              <a:cxn ang="0">
-                <a:pos x="connsiteX28" y="connsiteY28"/>
-              </a:cxn>
-              <a:cxn ang="0">
-                <a:pos x="connsiteX29" y="connsiteY29"/>
-              </a:cxn>
-              <a:cxn ang="0">
-                <a:pos x="connsiteX30" y="connsiteY30"/>
-              </a:cxn>
-              <a:cxn ang="0">
-                <a:pos x="connsiteX31" y="connsiteY31"/>
-              </a:cxn>
-            </a:cxnLst>
-            <a:rect l="l" t="t" r="r" b="b"/>
-            <a:pathLst>
-              <a:path w="5440195" h="3277716" fill="none" extrusionOk="0">
-                <a:moveTo>
-                  <a:pt x="95583" y="0"/>
-                </a:moveTo>
-                <a:cubicBezTo>
-                  <a:pt x="252787" y="1382"/>
-                  <a:pt x="456871" y="-10101"/>
-                  <a:pt x="594241" y="0"/>
-                </a:cubicBezTo>
-                <a:cubicBezTo>
-                  <a:pt x="731611" y="10101"/>
-                  <a:pt x="957875" y="5801"/>
-                  <a:pt x="1145389" y="0"/>
-                </a:cubicBezTo>
-                <a:cubicBezTo>
-                  <a:pt x="1332903" y="-5801"/>
-                  <a:pt x="1491007" y="7428"/>
-                  <a:pt x="1801517" y="0"/>
-                </a:cubicBezTo>
-                <a:cubicBezTo>
-                  <a:pt x="2112027" y="-7428"/>
-                  <a:pt x="2141074" y="6902"/>
-                  <a:pt x="2300175" y="0"/>
-                </a:cubicBezTo>
-                <a:cubicBezTo>
-                  <a:pt x="2459276" y="-6902"/>
-                  <a:pt x="2579305" y="6379"/>
-                  <a:pt x="2798832" y="0"/>
-                </a:cubicBezTo>
-                <a:cubicBezTo>
-                  <a:pt x="3018359" y="-6379"/>
-                  <a:pt x="3092506" y="-1098"/>
-                  <a:pt x="3297490" y="0"/>
-                </a:cubicBezTo>
-                <a:cubicBezTo>
-                  <a:pt x="3502474" y="1098"/>
-                  <a:pt x="3695554" y="-14228"/>
-                  <a:pt x="3901128" y="0"/>
-                </a:cubicBezTo>
-                <a:cubicBezTo>
-                  <a:pt x="4106702" y="14228"/>
-                  <a:pt x="4421998" y="10759"/>
-                  <a:pt x="4662237" y="0"/>
-                </a:cubicBezTo>
-                <a:cubicBezTo>
-                  <a:pt x="4902476" y="-10759"/>
-                  <a:pt x="5150822" y="6309"/>
-                  <a:pt x="5344611" y="0"/>
-                </a:cubicBezTo>
-                <a:cubicBezTo>
-                  <a:pt x="5399501" y="1851"/>
-                  <a:pt x="5437233" y="18261"/>
-                  <a:pt x="5440195" y="48179"/>
-                </a:cubicBezTo>
-                <a:cubicBezTo>
-                  <a:pt x="5409112" y="390569"/>
-                  <a:pt x="5431291" y="421588"/>
-                  <a:pt x="5440195" y="748078"/>
-                </a:cubicBezTo>
-                <a:cubicBezTo>
-                  <a:pt x="5449099" y="1074568"/>
-                  <a:pt x="5414528" y="1084218"/>
-                  <a:pt x="5440195" y="1288908"/>
-                </a:cubicBezTo>
-                <a:cubicBezTo>
-                  <a:pt x="5465863" y="1493598"/>
-                  <a:pt x="5424532" y="1665051"/>
-                  <a:pt x="5440195" y="1861552"/>
-                </a:cubicBezTo>
-                <a:cubicBezTo>
-                  <a:pt x="5455858" y="2058053"/>
-                  <a:pt x="5425919" y="2230885"/>
-                  <a:pt x="5440195" y="2497824"/>
-                </a:cubicBezTo>
-                <a:cubicBezTo>
-                  <a:pt x="5454471" y="2764763"/>
-                  <a:pt x="5458799" y="3015146"/>
-                  <a:pt x="5440195" y="3229536"/>
-                </a:cubicBezTo>
-                <a:cubicBezTo>
-                  <a:pt x="5437430" y="3257048"/>
-                  <a:pt x="5395508" y="3268411"/>
-                  <a:pt x="5344611" y="3277716"/>
-                </a:cubicBezTo>
-                <a:cubicBezTo>
-                  <a:pt x="5031233" y="3292417"/>
-                  <a:pt x="4782107" y="3289741"/>
-                  <a:pt x="4635992" y="3277716"/>
-                </a:cubicBezTo>
-                <a:cubicBezTo>
-                  <a:pt x="4489877" y="3265691"/>
-                  <a:pt x="4315243" y="3273297"/>
-                  <a:pt x="4032354" y="3277716"/>
-                </a:cubicBezTo>
-                <a:cubicBezTo>
-                  <a:pt x="3749465" y="3282135"/>
-                  <a:pt x="3570982" y="3254186"/>
-                  <a:pt x="3428716" y="3277716"/>
-                </a:cubicBezTo>
-                <a:cubicBezTo>
-                  <a:pt x="3286450" y="3301246"/>
-                  <a:pt x="3043441" y="3303008"/>
-                  <a:pt x="2772587" y="3277716"/>
-                </a:cubicBezTo>
-                <a:cubicBezTo>
-                  <a:pt x="2501733" y="3252424"/>
-                  <a:pt x="2318725" y="3278966"/>
-                  <a:pt x="2168949" y="3277716"/>
-                </a:cubicBezTo>
-                <a:cubicBezTo>
-                  <a:pt x="2019173" y="3276466"/>
-                  <a:pt x="1842675" y="3256982"/>
-                  <a:pt x="1617801" y="3277716"/>
-                </a:cubicBezTo>
-                <a:cubicBezTo>
-                  <a:pt x="1392927" y="3298450"/>
-                  <a:pt x="1321315" y="3259138"/>
-                  <a:pt x="1066653" y="3277716"/>
-                </a:cubicBezTo>
-                <a:cubicBezTo>
-                  <a:pt x="811991" y="3296294"/>
-                  <a:pt x="513136" y="3324228"/>
-                  <a:pt x="95583" y="3277716"/>
-                </a:cubicBezTo>
-                <a:cubicBezTo>
-                  <a:pt x="45139" y="3279606"/>
-                  <a:pt x="821" y="3254787"/>
-                  <a:pt x="0" y="3229536"/>
-                </a:cubicBezTo>
-                <a:cubicBezTo>
-                  <a:pt x="28022" y="2946428"/>
-                  <a:pt x="-11213" y="2830773"/>
-                  <a:pt x="0" y="2656892"/>
-                </a:cubicBezTo>
-                <a:cubicBezTo>
-                  <a:pt x="11213" y="2483011"/>
-                  <a:pt x="-25372" y="2219773"/>
-                  <a:pt x="0" y="2020620"/>
-                </a:cubicBezTo>
-                <a:cubicBezTo>
-                  <a:pt x="25372" y="1821467"/>
-                  <a:pt x="2260" y="1629154"/>
-                  <a:pt x="0" y="1416163"/>
-                </a:cubicBezTo>
-                <a:cubicBezTo>
-                  <a:pt x="-2260" y="1203172"/>
-                  <a:pt x="-1681" y="1002106"/>
-                  <a:pt x="0" y="843518"/>
-                </a:cubicBezTo>
-                <a:cubicBezTo>
-                  <a:pt x="1681" y="684931"/>
-                  <a:pt x="16541" y="282207"/>
-                  <a:pt x="0" y="48179"/>
-                </a:cubicBezTo>
-                <a:cubicBezTo>
-                  <a:pt x="1998" y="24510"/>
-                  <a:pt x="41515" y="-5650"/>
-                  <a:pt x="95583" y="0"/>
-                </a:cubicBezTo>
-                <a:close/>
-              </a:path>
-              <a:path w="5440195" h="3277716" stroke="0" extrusionOk="0">
-                <a:moveTo>
-                  <a:pt x="95583" y="0"/>
-                </a:moveTo>
-                <a:cubicBezTo>
-                  <a:pt x="289999" y="-25747"/>
-                  <a:pt x="587381" y="30224"/>
-                  <a:pt x="804202" y="0"/>
-                </a:cubicBezTo>
-                <a:cubicBezTo>
-                  <a:pt x="1021023" y="-30224"/>
-                  <a:pt x="1296934" y="32311"/>
-                  <a:pt x="1565311" y="0"/>
-                </a:cubicBezTo>
-                <a:cubicBezTo>
-                  <a:pt x="1833688" y="-32311"/>
-                  <a:pt x="2023879" y="-12717"/>
-                  <a:pt x="2273930" y="0"/>
-                </a:cubicBezTo>
-                <a:cubicBezTo>
-                  <a:pt x="2523981" y="12717"/>
-                  <a:pt x="2673903" y="10476"/>
-                  <a:pt x="3035039" y="0"/>
-                </a:cubicBezTo>
-                <a:cubicBezTo>
-                  <a:pt x="3396175" y="-10476"/>
-                  <a:pt x="3558004" y="-21288"/>
-                  <a:pt x="3691167" y="0"/>
-                </a:cubicBezTo>
-                <a:cubicBezTo>
-                  <a:pt x="3824330" y="21288"/>
-                  <a:pt x="4036565" y="-25087"/>
-                  <a:pt x="4242315" y="0"/>
-                </a:cubicBezTo>
-                <a:cubicBezTo>
-                  <a:pt x="4448065" y="25087"/>
-                  <a:pt x="5040307" y="19733"/>
-                  <a:pt x="5344611" y="0"/>
-                </a:cubicBezTo>
-                <a:cubicBezTo>
-                  <a:pt x="5398855" y="-3798"/>
-                  <a:pt x="5435721" y="24439"/>
-                  <a:pt x="5440195" y="48179"/>
-                </a:cubicBezTo>
-                <a:cubicBezTo>
-                  <a:pt x="5441454" y="268832"/>
-                  <a:pt x="5472084" y="561453"/>
-                  <a:pt x="5440195" y="716264"/>
-                </a:cubicBezTo>
-                <a:cubicBezTo>
-                  <a:pt x="5408306" y="871075"/>
-                  <a:pt x="5430616" y="1053149"/>
-                  <a:pt x="5440195" y="1257095"/>
-                </a:cubicBezTo>
-                <a:cubicBezTo>
-                  <a:pt x="5449774" y="1461041"/>
-                  <a:pt x="5436176" y="1664808"/>
-                  <a:pt x="5440195" y="1861552"/>
-                </a:cubicBezTo>
-                <a:cubicBezTo>
-                  <a:pt x="5444214" y="2058296"/>
-                  <a:pt x="5452554" y="2318889"/>
-                  <a:pt x="5440195" y="2466010"/>
-                </a:cubicBezTo>
-                <a:cubicBezTo>
-                  <a:pt x="5427836" y="2613131"/>
-                  <a:pt x="5413910" y="2861031"/>
-                  <a:pt x="5440195" y="3229536"/>
-                </a:cubicBezTo>
-                <a:cubicBezTo>
-                  <a:pt x="5439656" y="3253176"/>
-                  <a:pt x="5394638" y="3287087"/>
-                  <a:pt x="5344611" y="3277716"/>
-                </a:cubicBezTo>
-                <a:cubicBezTo>
-                  <a:pt x="5175918" y="3299425"/>
-                  <a:pt x="4886073" y="3266728"/>
-                  <a:pt x="4740973" y="3277716"/>
-                </a:cubicBezTo>
-                <a:cubicBezTo>
-                  <a:pt x="4595873" y="3288704"/>
-                  <a:pt x="4387501" y="3297523"/>
-                  <a:pt x="4242315" y="3277716"/>
-                </a:cubicBezTo>
-                <a:cubicBezTo>
-                  <a:pt x="4097129" y="3257909"/>
-                  <a:pt x="3718699" y="3294484"/>
-                  <a:pt x="3533696" y="3277716"/>
-                </a:cubicBezTo>
-                <a:cubicBezTo>
-                  <a:pt x="3348693" y="3260948"/>
-                  <a:pt x="3084432" y="3248414"/>
-                  <a:pt x="2930058" y="3277716"/>
-                </a:cubicBezTo>
-                <a:cubicBezTo>
-                  <a:pt x="2775684" y="3307018"/>
-                  <a:pt x="2496823" y="3274885"/>
-                  <a:pt x="2273930" y="3277716"/>
-                </a:cubicBezTo>
-                <a:cubicBezTo>
-                  <a:pt x="2051037" y="3280547"/>
-                  <a:pt x="2000162" y="3290773"/>
-                  <a:pt x="1775272" y="3277716"/>
-                </a:cubicBezTo>
-                <a:cubicBezTo>
-                  <a:pt x="1550382" y="3264659"/>
-                  <a:pt x="1282777" y="3272415"/>
-                  <a:pt x="1119143" y="3277716"/>
-                </a:cubicBezTo>
-                <a:cubicBezTo>
-                  <a:pt x="955509" y="3283017"/>
-                  <a:pt x="483482" y="3313575"/>
-                  <a:pt x="95583" y="3277716"/>
-                </a:cubicBezTo>
-                <a:cubicBezTo>
-                  <a:pt x="39870" y="3278111"/>
-                  <a:pt x="-3219" y="3256476"/>
-                  <a:pt x="0" y="3229536"/>
-                </a:cubicBezTo>
-                <a:cubicBezTo>
-                  <a:pt x="-21665" y="3045684"/>
-                  <a:pt x="11593" y="2820402"/>
-                  <a:pt x="0" y="2688705"/>
-                </a:cubicBezTo>
-                <a:cubicBezTo>
-                  <a:pt x="-11593" y="2557008"/>
-                  <a:pt x="1302" y="2366755"/>
-                  <a:pt x="0" y="2052434"/>
-                </a:cubicBezTo>
-                <a:cubicBezTo>
-                  <a:pt x="-1302" y="1738113"/>
-                  <a:pt x="-7493" y="1725701"/>
-                  <a:pt x="0" y="1511603"/>
-                </a:cubicBezTo>
-                <a:cubicBezTo>
-                  <a:pt x="7493" y="1297505"/>
-                  <a:pt x="19038" y="1088179"/>
-                  <a:pt x="0" y="843518"/>
-                </a:cubicBezTo>
-                <a:cubicBezTo>
-                  <a:pt x="-19038" y="598857"/>
-                  <a:pt x="-2289" y="319030"/>
-                  <a:pt x="0" y="48179"/>
-                </a:cubicBezTo>
-                <a:cubicBezTo>
-                  <a:pt x="32" y="20080"/>
-                  <a:pt x="42519" y="1189"/>
-                  <a:pt x="95583" y="0"/>
-                </a:cubicBezTo>
-                <a:close/>
-              </a:path>
-            </a:pathLst>
-          </a:custGeom>
-          <a:ln w="38100">
-            <a:solidFill>
-              <a:schemeClr val="accent2"/>
-            </a:solidFill>
-            <a:extLst>
-              <a:ext uri="{C807C97D-BFC1-408E-A445-0C87EB9F89A2}">
-                <ask:lineSketchStyleProps xmlns:ask="http://schemas.microsoft.com/office/drawing/2018/sketchyshapes" sd="2937026978">
-                  <a:custGeom>
-                    <a:avLst/>
-                    <a:gdLst/>
-                    <a:ahLst/>
-                    <a:cxnLst/>
-                    <a:rect l="l" t="t" r="r" b="b"/>
-                    <a:pathLst>
-                      <a:path w="4643496" h="5550370">
-                        <a:moveTo>
-                          <a:pt x="81586" y="0"/>
-                        </a:moveTo>
-                        <a:lnTo>
-                          <a:pt x="4561910" y="0"/>
-                        </a:lnTo>
-                        <a:cubicBezTo>
-                          <a:pt x="4606969" y="0"/>
-                          <a:pt x="4643496" y="36527"/>
-                          <a:pt x="4643496" y="81586"/>
-                        </a:cubicBezTo>
-                        <a:lnTo>
-                          <a:pt x="4643496" y="5468784"/>
-                        </a:lnTo>
-                        <a:cubicBezTo>
-                          <a:pt x="4643496" y="5513843"/>
-                          <a:pt x="4606969" y="5550370"/>
-                          <a:pt x="4561910" y="5550370"/>
-                        </a:cubicBezTo>
-                        <a:lnTo>
-                          <a:pt x="81586" y="5550370"/>
-                        </a:lnTo>
-                        <a:cubicBezTo>
-                          <a:pt x="36527" y="5550370"/>
-                          <a:pt x="0" y="5513843"/>
-                          <a:pt x="0" y="5468784"/>
-                        </a:cubicBezTo>
-                        <a:lnTo>
-                          <a:pt x="0" y="81586"/>
-                        </a:lnTo>
-                        <a:cubicBezTo>
-                          <a:pt x="0" y="36527"/>
-                          <a:pt x="36527" y="0"/>
-                          <a:pt x="81586" y="0"/>
-                        </a:cubicBezTo>
-                        <a:close/>
-                      </a:path>
-                    </a:pathLst>
-                  </a:custGeom>
-                  <ask:type>
-                    <ask:lineSketchFreehand/>
-                  </ask:type>
-                </ask:lineSketchStyleProps>
-              </a:ext>
-            </a:extLst>
-          </a:ln>
-        </p:spPr>
-      </p:pic>
-      <p:sp>
-        <p:nvSpPr>
-          <p:cNvPr id="22" name="Arc 21">
-            <a:extLst>
-              <a:ext uri="{FF2B5EF4-FFF2-40B4-BE49-F238E27FC236}">
-                <a16:creationId xmlns:a16="http://schemas.microsoft.com/office/drawing/2014/main" id="{A2C34835-4F79-4934-B151-D68E79764C72}"/>
-              </a:ext>
-              <a:ext uri="{C183D7F6-B498-43B3-948B-1728B52AA6E4}">
-                <adec:decorative xmlns:adec="http://schemas.microsoft.com/office/drawing/2017/decorative" val="1"/>
-              </a:ext>
-            </a:extLst>
-          </p:cNvPr>
-          <p:cNvSpPr>
-            <a:spLocks noGrp="1" noRot="1" noChangeAspect="1" noMove="1" noResize="1" noEditPoints="1" noAdjustHandles="1" noChangeArrowheads="1" noChangeShapeType="1" noTextEdit="1"/>
-          </p:cNvSpPr>
-          <p:nvPr>
-            <p:extLst>
-              <p:ext uri="{386F3935-93C4-4BCD-93E2-E3B085C9AB24}">
-                <p16:designElem xmlns:p16="http://schemas.microsoft.com/office/powerpoint/2015/main" val="1"/>
-              </p:ext>
-            </p:extLst>
-          </p:nvPr>
-        </p:nvSpPr>
-        <p:spPr>
-          <a:xfrm rot="6269068">
-            <a:off x="8717845" y="3339275"/>
-            <a:ext cx="2987899" cy="2987899"/>
-          </a:xfrm>
-          <a:prstGeom prst="arc">
-            <a:avLst>
-              <a:gd name="adj1" fmla="val 14441841"/>
-              <a:gd name="adj2" fmla="val 0"/>
-            </a:avLst>
-          </a:prstGeom>
-          <a:ln w="127000" cap="rnd">
-            <a:solidFill>
-              <a:schemeClr val="accent4">
-                <a:alpha val="95000"/>
-              </a:schemeClr>
-            </a:solidFill>
-            <a:prstDash val="dash"/>
-            <a:miter lim="800000"/>
-          </a:ln>
-        </p:spPr>
-        <p:style>
-          <a:lnRef idx="1">
-            <a:schemeClr val="accent1"/>
-          </a:lnRef>
-          <a:fillRef idx="0">
-            <a:schemeClr val="accent1"/>
-          </a:fillRef>
-          <a:effectRef idx="0">
-            <a:schemeClr val="accent1"/>
-          </a:effectRef>
-          <a:fontRef idx="minor">
-            <a:schemeClr val="tx1"/>
-          </a:fontRef>
-        </p:style>
-        <p:txBody>
-          <a:bodyPr rtlCol="0" anchor="ctr"/>
-          <a:lstStyle/>
-          <a:p>
-            <a:pPr marL="0" marR="0" lvl="0" indent="0" algn="ctr" defTabSz="914400" rtl="0" eaLnBrk="1" fontAlgn="auto" latinLnBrk="0" hangingPunct="1">
-              <a:lnSpc>
-                <a:spcPct val="100000"/>
-              </a:lnSpc>
-              <a:spcBef>
-                <a:spcPts val="0"/>
-              </a:spcBef>
-              <a:spcAft>
-                <a:spcPts val="0"/>
-              </a:spcAft>
-              <a:buClrTx/>
-              <a:buSzTx/>
-              <a:buFontTx/>
-              <a:buNone/>
-              <a:tabLst/>
-              <a:defRPr/>
-            </a:pPr>
-            <a:endParaRPr kumimoji="0" lang="en-US" sz="1800" b="0" i="0" u="none" strike="noStrike" kern="1200" cap="none" spc="0" normalizeH="0" baseline="0" noProof="0">
-              <a:ln>
-                <a:noFill/>
-              </a:ln>
-              <a:solidFill>
-                <a:srgbClr val="000000"/>
-              </a:solidFill>
-              <a:effectLst/>
-              <a:uLnTx/>
-              <a:uFillTx/>
-              <a:latin typeface="Calibri" panose="020F0502020204030204"/>
-              <a:ea typeface="+mn-ea"/>
-              <a:cs typeface="+mn-cs"/>
-            </a:endParaRPr>
-          </a:p>
-        </p:txBody>
-      </p:sp>
-      <p:sp>
-        <p:nvSpPr>
-          <p:cNvPr id="33" name="Content Placeholder 2">
-            <a:extLst>
-              <a:ext uri="{FF2B5EF4-FFF2-40B4-BE49-F238E27FC236}">
-                <a16:creationId xmlns:a16="http://schemas.microsoft.com/office/drawing/2014/main" id="{A5B4704C-1C24-4506-B80D-2DB0E23750C1}"/>
-              </a:ext>
-            </a:extLst>
-          </p:cNvPr>
-          <p:cNvSpPr>
-            <a:spLocks noGrp="1"/>
-          </p:cNvSpPr>
-          <p:nvPr>
-            <p:ph idx="1"/>
-          </p:nvPr>
-        </p:nvSpPr>
-        <p:spPr>
-          <a:xfrm>
-            <a:off x="6769570" y="1825625"/>
-            <a:ext cx="4771178" cy="4388908"/>
-          </a:xfrm>
-        </p:spPr>
-        <p:txBody>
-          <a:bodyPr>
-            <a:normAutofit/>
-          </a:bodyPr>
-          <a:lstStyle/>
-          <a:p>
-            <a:r>
-              <a:rPr lang="en-US" sz="2400" dirty="0"/>
-              <a:t>Mean = 215</a:t>
-            </a:r>
-          </a:p>
-          <a:p>
-            <a:r>
-              <a:rPr lang="en-US" sz="2400" dirty="0"/>
-              <a:t>Min = 1</a:t>
-            </a:r>
-          </a:p>
-          <a:p>
-            <a:r>
-              <a:rPr lang="en-US" sz="2400" dirty="0"/>
-              <a:t>Max = 2155</a:t>
-            </a:r>
-          </a:p>
-          <a:p>
-            <a:pPr marL="457200" lvl="1" indent="0">
-              <a:buNone/>
-            </a:pPr>
-            <a:r>
-              <a:rPr lang="en-US" sz="2000" dirty="0"/>
-              <a:t>This is 30 minutes long!</a:t>
-            </a:r>
-          </a:p>
-          <a:p>
-            <a:endParaRPr lang="en-US" sz="2400" dirty="0"/>
-          </a:p>
-          <a:p>
-            <a:r>
-              <a:rPr lang="en-US" sz="2400" dirty="0"/>
-              <a:t>Many outliers on the high end</a:t>
-            </a:r>
-          </a:p>
-          <a:p>
-            <a:pPr lvl="1"/>
-            <a:r>
-              <a:rPr lang="en-US" sz="2000" dirty="0"/>
-              <a:t>But most of the data is very short</a:t>
-            </a:r>
-          </a:p>
-          <a:p>
-            <a:pPr lvl="1"/>
-            <a:r>
-              <a:rPr lang="en-US" sz="2000" dirty="0"/>
-              <a:t>119-267 tokens</a:t>
-            </a:r>
-          </a:p>
-        </p:txBody>
-      </p:sp>
-      <p:sp>
-        <p:nvSpPr>
-          <p:cNvPr id="4" name="Date Placeholder 3">
-            <a:extLst>
-              <a:ext uri="{FF2B5EF4-FFF2-40B4-BE49-F238E27FC236}">
-                <a16:creationId xmlns:a16="http://schemas.microsoft.com/office/drawing/2014/main" id="{B0971E7E-5796-4E3C-98CA-236E9C78F142}"/>
-              </a:ext>
-            </a:extLst>
-          </p:cNvPr>
-          <p:cNvSpPr>
-            <a:spLocks noGrp="1"/>
-          </p:cNvSpPr>
-          <p:nvPr>
-            <p:ph type="dt" sz="half" idx="10"/>
-          </p:nvPr>
-        </p:nvSpPr>
-        <p:spPr>
-          <a:xfrm>
-            <a:off x="838200" y="6356350"/>
-            <a:ext cx="2743200" cy="365125"/>
-          </a:xfrm>
-        </p:spPr>
-        <p:txBody>
-          <a:bodyPr>
-            <a:normAutofit/>
-          </a:bodyPr>
-          <a:lstStyle/>
-          <a:p>
-            <a:pPr>
-              <a:spcAft>
-                <a:spcPts val="600"/>
-              </a:spcAft>
-              <a:defRPr/>
-            </a:pPr>
-            <a:r>
-              <a:rPr lang="en-US">
-                <a:solidFill>
-                  <a:prstClr val="black">
-                    <a:lumMod val="50000"/>
-                    <a:lumOff val="50000"/>
-                  </a:prstClr>
-                </a:solidFill>
-              </a:rPr>
-              <a:t>4/21/2022</a:t>
-            </a:r>
-          </a:p>
-        </p:txBody>
-      </p:sp>
-      <p:sp>
-        <p:nvSpPr>
-          <p:cNvPr id="5" name="Footer Placeholder 4">
-            <a:extLst>
-              <a:ext uri="{FF2B5EF4-FFF2-40B4-BE49-F238E27FC236}">
-                <a16:creationId xmlns:a16="http://schemas.microsoft.com/office/drawing/2014/main" id="{689AA3FC-F66B-4B17-AF48-EFA07E179B8C}"/>
-              </a:ext>
-            </a:extLst>
-          </p:cNvPr>
-          <p:cNvSpPr>
-            <a:spLocks noGrp="1"/>
-          </p:cNvSpPr>
-          <p:nvPr>
-            <p:ph type="ftr" sz="quarter" idx="11"/>
-          </p:nvPr>
-        </p:nvSpPr>
-        <p:spPr>
-          <a:xfrm>
-            <a:off x="4038600" y="6356350"/>
-            <a:ext cx="4114800" cy="365125"/>
-          </a:xfrm>
-        </p:spPr>
-        <p:txBody>
-          <a:bodyPr>
-            <a:normAutofit/>
-          </a:bodyPr>
-          <a:lstStyle/>
-          <a:p>
-            <a:pPr>
-              <a:spcAft>
-                <a:spcPts val="600"/>
-              </a:spcAft>
-              <a:defRPr/>
-            </a:pPr>
-            <a:r>
-              <a:rPr lang="en-US">
-                <a:solidFill>
-                  <a:prstClr val="black">
-                    <a:lumMod val="50000"/>
-                    <a:lumOff val="50000"/>
-                  </a:prstClr>
-                </a:solidFill>
-              </a:rPr>
-              <a:t>A Linguistic Look Inside Outsider Music</a:t>
-            </a:r>
-          </a:p>
-        </p:txBody>
-      </p:sp>
-      <p:sp>
-        <p:nvSpPr>
-          <p:cNvPr id="6" name="Slide Number Placeholder 5">
-            <a:extLst>
-              <a:ext uri="{FF2B5EF4-FFF2-40B4-BE49-F238E27FC236}">
-                <a16:creationId xmlns:a16="http://schemas.microsoft.com/office/drawing/2014/main" id="{76A14687-0B57-489A-B11C-31DD48F67658}"/>
-              </a:ext>
-            </a:extLst>
-          </p:cNvPr>
-          <p:cNvSpPr>
-            <a:spLocks noGrp="1"/>
-          </p:cNvSpPr>
-          <p:nvPr>
-            <p:ph type="sldNum" sz="quarter" idx="12"/>
-          </p:nvPr>
-        </p:nvSpPr>
-        <p:spPr>
-          <a:xfrm>
-            <a:off x="8610600" y="6356350"/>
-            <a:ext cx="2743200" cy="365125"/>
-          </a:xfrm>
-        </p:spPr>
-        <p:txBody>
-          <a:bodyPr>
-            <a:normAutofit/>
-          </a:bodyPr>
-          <a:lstStyle/>
-          <a:p>
-            <a:pPr>
-              <a:spcAft>
-                <a:spcPts val="600"/>
-              </a:spcAft>
-              <a:defRPr/>
-            </a:pPr>
-            <a:fld id="{D76B855D-E9CC-4FF8-AD85-6CDC7B89A0DE}" type="slidenum">
-              <a:rPr lang="en-US">
-                <a:solidFill>
-                  <a:prstClr val="black">
-                    <a:lumMod val="50000"/>
-                    <a:lumOff val="50000"/>
-                  </a:prstClr>
-                </a:solidFill>
-              </a:rPr>
-              <a:pPr>
-                <a:spcAft>
-                  <a:spcPts val="600"/>
-                </a:spcAft>
-                <a:defRPr/>
-              </a:pPr>
-              <a:t>15</a:t>
-            </a:fld>
-            <a:endParaRPr lang="en-US">
-              <a:solidFill>
-                <a:prstClr val="black">
-                  <a:lumMod val="50000"/>
-                  <a:lumOff val="50000"/>
-                </a:prstClr>
-              </a:solidFill>
-            </a:endParaRPr>
-          </a:p>
-        </p:txBody>
-      </p:sp>
-    </p:spTree>
-    <p:extLst>
-      <p:ext uri="{BB962C8B-B14F-4D97-AF65-F5344CB8AC3E}">
-        <p14:creationId xmlns:p14="http://schemas.microsoft.com/office/powerpoint/2010/main" val="1444954585"/>
-      </p:ext>
-    </p:extLst>
-  </p:cSld>
-  <p:clrMapOvr>
-    <a:masterClrMapping/>
-  </p:clrMapOvr>
-</p:sld>
-</file>
-
-<file path=ppt/slides/slide16.xml><?xml version="1.0" encoding="utf-8"?>
-<p:sld xmlns:a="http://schemas.openxmlformats.org/drawingml/2006/main" xmlns:r="http://schemas.openxmlformats.org/officeDocument/2006/relationships" xmlns:p="http://schemas.openxmlformats.org/presentationml/2006/main">
-  <p:cSld>
-    <p:spTree>
-      <p:nvGrpSpPr>
-        <p:cNvPr id="1" name=""/>
-        <p:cNvGrpSpPr/>
-        <p:nvPr/>
-      </p:nvGrpSpPr>
-      <p:grpSpPr>
-        <a:xfrm>
-          <a:off x="0" y="0"/>
-          <a:ext cx="0" cy="0"/>
-          <a:chOff x="0" y="0"/>
-          <a:chExt cx="0" cy="0"/>
-        </a:xfrm>
-      </p:grpSpPr>
-      <p:sp>
-        <p:nvSpPr>
-          <p:cNvPr id="2" name="Title 1">
-            <a:extLst>
-              <a:ext uri="{FF2B5EF4-FFF2-40B4-BE49-F238E27FC236}">
-                <a16:creationId xmlns:a16="http://schemas.microsoft.com/office/drawing/2014/main" id="{876DE199-FE83-465A-8AF3-7635C9F6E352}"/>
-              </a:ext>
-            </a:extLst>
-          </p:cNvPr>
-          <p:cNvSpPr>
-            <a:spLocks noGrp="1"/>
-          </p:cNvSpPr>
-          <p:nvPr>
-            <p:ph type="title"/>
-          </p:nvPr>
-        </p:nvSpPr>
-        <p:spPr/>
-        <p:txBody>
-          <a:bodyPr/>
-          <a:lstStyle/>
-          <a:p>
-            <a:r>
-              <a:rPr lang="en-US" dirty="0"/>
-              <a:t>Most Common Words</a:t>
-            </a:r>
-          </a:p>
-        </p:txBody>
-      </p:sp>
-      <p:sp>
-        <p:nvSpPr>
-          <p:cNvPr id="7" name="Content Placeholder 6">
-            <a:extLst>
-              <a:ext uri="{FF2B5EF4-FFF2-40B4-BE49-F238E27FC236}">
-                <a16:creationId xmlns:a16="http://schemas.microsoft.com/office/drawing/2014/main" id="{5BAD909F-B98E-433D-8D76-678625B02037}"/>
-              </a:ext>
-            </a:extLst>
-          </p:cNvPr>
-          <p:cNvSpPr>
-            <a:spLocks noGrp="1"/>
-          </p:cNvSpPr>
-          <p:nvPr>
-            <p:ph sz="half" idx="1"/>
-          </p:nvPr>
-        </p:nvSpPr>
-        <p:spPr/>
-        <p:txBody>
-          <a:bodyPr/>
-          <a:lstStyle/>
-          <a:p>
-            <a:pPr marL="0" indent="0">
-              <a:buNone/>
-            </a:pPr>
-            <a:r>
-              <a:rPr lang="en-US" dirty="0"/>
-              <a:t>With </a:t>
-            </a:r>
-            <a:r>
-              <a:rPr lang="en-US" dirty="0" err="1"/>
-              <a:t>Stopwords</a:t>
-            </a:r>
-            <a:endParaRPr lang="en-US" dirty="0"/>
-          </a:p>
-        </p:txBody>
-      </p:sp>
-      <p:sp>
-        <p:nvSpPr>
-          <p:cNvPr id="8" name="Content Placeholder 7">
-            <a:extLst>
-              <a:ext uri="{FF2B5EF4-FFF2-40B4-BE49-F238E27FC236}">
-                <a16:creationId xmlns:a16="http://schemas.microsoft.com/office/drawing/2014/main" id="{4806BE0A-87EA-48D6-A6D5-9C703235F93D}"/>
-              </a:ext>
-            </a:extLst>
-          </p:cNvPr>
-          <p:cNvSpPr>
-            <a:spLocks noGrp="1"/>
-          </p:cNvSpPr>
-          <p:nvPr>
-            <p:ph sz="half" idx="2"/>
-          </p:nvPr>
-        </p:nvSpPr>
-        <p:spPr/>
-        <p:txBody>
-          <a:bodyPr/>
-          <a:lstStyle/>
-          <a:p>
-            <a:pPr marL="0" indent="0">
-              <a:buNone/>
-            </a:pPr>
-            <a:r>
-              <a:rPr lang="en-US" dirty="0"/>
-              <a:t>Without </a:t>
-            </a:r>
-            <a:r>
-              <a:rPr lang="en-US" dirty="0" err="1"/>
-              <a:t>Stopwords</a:t>
-            </a:r>
-            <a:endParaRPr lang="en-US" dirty="0"/>
-          </a:p>
-        </p:txBody>
-      </p:sp>
-      <p:sp>
-        <p:nvSpPr>
-          <p:cNvPr id="4" name="Date Placeholder 3">
-            <a:extLst>
-              <a:ext uri="{FF2B5EF4-FFF2-40B4-BE49-F238E27FC236}">
-                <a16:creationId xmlns:a16="http://schemas.microsoft.com/office/drawing/2014/main" id="{30680FA4-3E57-42B7-A02B-5FFA5641EFBF}"/>
-              </a:ext>
-            </a:extLst>
-          </p:cNvPr>
-          <p:cNvSpPr>
-            <a:spLocks noGrp="1"/>
-          </p:cNvSpPr>
-          <p:nvPr>
-            <p:ph type="dt" sz="half" idx="10"/>
-          </p:nvPr>
-        </p:nvSpPr>
-        <p:spPr/>
-        <p:txBody>
-          <a:bodyPr/>
-          <a:lstStyle/>
-          <a:p>
-            <a:pPr>
-              <a:defRPr/>
-            </a:pPr>
-            <a:r>
-              <a:rPr lang="en-US">
-                <a:solidFill>
-                  <a:prstClr val="black">
-                    <a:tint val="75000"/>
-                  </a:prstClr>
-                </a:solidFill>
-              </a:rPr>
-              <a:t>4/21/2022</a:t>
-            </a:r>
-            <a:endParaRPr lang="en-US" dirty="0">
-              <a:solidFill>
-                <a:prstClr val="black">
-                  <a:tint val="75000"/>
-                </a:prstClr>
-              </a:solidFill>
-            </a:endParaRPr>
-          </a:p>
-        </p:txBody>
-      </p:sp>
-      <p:sp>
-        <p:nvSpPr>
-          <p:cNvPr id="5" name="Footer Placeholder 4">
-            <a:extLst>
-              <a:ext uri="{FF2B5EF4-FFF2-40B4-BE49-F238E27FC236}">
-                <a16:creationId xmlns:a16="http://schemas.microsoft.com/office/drawing/2014/main" id="{71560145-D8D3-45CE-8B9F-11E36FDEF818}"/>
-              </a:ext>
-            </a:extLst>
-          </p:cNvPr>
-          <p:cNvSpPr>
-            <a:spLocks noGrp="1"/>
-          </p:cNvSpPr>
-          <p:nvPr>
-            <p:ph type="ftr" sz="quarter" idx="11"/>
-          </p:nvPr>
-        </p:nvSpPr>
-        <p:spPr/>
-        <p:txBody>
-          <a:bodyPr/>
-          <a:lstStyle/>
-          <a:p>
-            <a:pPr>
-              <a:defRPr/>
-            </a:pPr>
-            <a:r>
-              <a:rPr lang="en-US">
-                <a:solidFill>
-                  <a:prstClr val="black">
-                    <a:tint val="75000"/>
-                  </a:prstClr>
-                </a:solidFill>
-              </a:rPr>
-              <a:t>A Linguistic Look Inside Outsider Music</a:t>
-            </a:r>
-            <a:endParaRPr lang="en-US" dirty="0">
-              <a:solidFill>
-                <a:prstClr val="black">
-                  <a:tint val="75000"/>
-                </a:prstClr>
-              </a:solidFill>
-            </a:endParaRPr>
-          </a:p>
-        </p:txBody>
-      </p:sp>
-      <p:sp>
-        <p:nvSpPr>
-          <p:cNvPr id="6" name="Slide Number Placeholder 5">
-            <a:extLst>
-              <a:ext uri="{FF2B5EF4-FFF2-40B4-BE49-F238E27FC236}">
-                <a16:creationId xmlns:a16="http://schemas.microsoft.com/office/drawing/2014/main" id="{CFBBD4AB-7D1D-4975-A94C-C4587E1E65D4}"/>
-              </a:ext>
-            </a:extLst>
-          </p:cNvPr>
-          <p:cNvSpPr>
-            <a:spLocks noGrp="1"/>
-          </p:cNvSpPr>
-          <p:nvPr>
-            <p:ph type="sldNum" sz="quarter" idx="12"/>
-          </p:nvPr>
-        </p:nvSpPr>
-        <p:spPr/>
-        <p:txBody>
-          <a:bodyPr/>
-          <a:lstStyle/>
-          <a:p>
-            <a:pPr>
-              <a:defRPr/>
-            </a:pPr>
-            <a:fld id="{D76B855D-E9CC-4FF8-AD85-6CDC7B89A0DE}" type="slidenum">
-              <a:rPr lang="en-US" smtClean="0">
-                <a:solidFill>
-                  <a:prstClr val="black">
-                    <a:tint val="75000"/>
-                  </a:prstClr>
-                </a:solidFill>
-              </a:rPr>
-              <a:pPr>
-                <a:defRPr/>
-              </a:pPr>
-              <a:t>16</a:t>
-            </a:fld>
-            <a:endParaRPr lang="en-US" dirty="0">
-              <a:solidFill>
-                <a:prstClr val="black">
-                  <a:tint val="75000"/>
-                </a:prstClr>
-              </a:solidFill>
-            </a:endParaRPr>
-          </a:p>
-        </p:txBody>
-      </p:sp>
-      <p:pic>
-        <p:nvPicPr>
-          <p:cNvPr id="10" name="Picture 9" descr="Chart, bar chart, histogram&#10;&#10;Description automatically generated">
-            <a:extLst>
-              <a:ext uri="{FF2B5EF4-FFF2-40B4-BE49-F238E27FC236}">
-                <a16:creationId xmlns:a16="http://schemas.microsoft.com/office/drawing/2014/main" id="{6E9EBF95-BD07-42A8-A79A-3264211DA5A6}"/>
-              </a:ext>
-            </a:extLst>
-          </p:cNvPr>
-          <p:cNvPicPr>
-            <a:picLocks noChangeAspect="1"/>
-          </p:cNvPicPr>
-          <p:nvPr/>
-        </p:nvPicPr>
-        <p:blipFill>
-          <a:blip r:embed="rId2"/>
-          <a:stretch>
-            <a:fillRect/>
-          </a:stretch>
-        </p:blipFill>
-        <p:spPr>
-          <a:xfrm>
-            <a:off x="838200" y="2250324"/>
-            <a:ext cx="4867778" cy="3245184"/>
-          </a:xfrm>
-          <a:prstGeom prst="rect">
-            <a:avLst/>
-          </a:prstGeom>
-        </p:spPr>
-      </p:pic>
-      <p:pic>
-        <p:nvPicPr>
-          <p:cNvPr id="12" name="Picture 11" descr="Chart, bar chart&#10;&#10;Description automatically generated">
-            <a:extLst>
-              <a:ext uri="{FF2B5EF4-FFF2-40B4-BE49-F238E27FC236}">
-                <a16:creationId xmlns:a16="http://schemas.microsoft.com/office/drawing/2014/main" id="{B2DBBFDF-6B90-4C29-8260-6AC4FA3D4ED6}"/>
-              </a:ext>
-            </a:extLst>
-          </p:cNvPr>
-          <p:cNvPicPr>
-            <a:picLocks noChangeAspect="1"/>
-          </p:cNvPicPr>
-          <p:nvPr/>
-        </p:nvPicPr>
-        <p:blipFill>
-          <a:blip r:embed="rId3"/>
-          <a:stretch>
-            <a:fillRect/>
-          </a:stretch>
-        </p:blipFill>
-        <p:spPr>
-          <a:xfrm>
-            <a:off x="5934739" y="2250324"/>
-            <a:ext cx="4814455" cy="3209636"/>
-          </a:xfrm>
-          <a:prstGeom prst="rect">
-            <a:avLst/>
-          </a:prstGeom>
-        </p:spPr>
-      </p:pic>
-      <p:cxnSp>
-        <p:nvCxnSpPr>
-          <p:cNvPr id="14" name="Straight Arrow Connector 13">
-            <a:extLst>
-              <a:ext uri="{FF2B5EF4-FFF2-40B4-BE49-F238E27FC236}">
-                <a16:creationId xmlns:a16="http://schemas.microsoft.com/office/drawing/2014/main" id="{0E318AB9-98CB-4658-8BEC-7AB16E51D5D1}"/>
-              </a:ext>
-            </a:extLst>
-          </p:cNvPr>
-          <p:cNvCxnSpPr>
-            <a:cxnSpLocks/>
-          </p:cNvCxnSpPr>
-          <p:nvPr/>
-        </p:nvCxnSpPr>
-        <p:spPr>
-          <a:xfrm flipV="1">
-            <a:off x="7460623" y="5422502"/>
-            <a:ext cx="0" cy="531731"/>
-          </a:xfrm>
-          <a:prstGeom prst="straightConnector1">
-            <a:avLst/>
-          </a:prstGeom>
-          <a:ln w="28575">
-            <a:tailEnd type="triangle"/>
-          </a:ln>
-        </p:spPr>
-        <p:style>
-          <a:lnRef idx="1">
-            <a:schemeClr val="accent1"/>
-          </a:lnRef>
-          <a:fillRef idx="0">
-            <a:schemeClr val="accent1"/>
-          </a:fillRef>
-          <a:effectRef idx="0">
-            <a:schemeClr val="accent1"/>
-          </a:effectRef>
-          <a:fontRef idx="minor">
-            <a:schemeClr val="tx1"/>
-          </a:fontRef>
-        </p:style>
-      </p:cxnSp>
-      <p:cxnSp>
-        <p:nvCxnSpPr>
-          <p:cNvPr id="18" name="Straight Arrow Connector 17">
-            <a:extLst>
-              <a:ext uri="{FF2B5EF4-FFF2-40B4-BE49-F238E27FC236}">
-                <a16:creationId xmlns:a16="http://schemas.microsoft.com/office/drawing/2014/main" id="{34B225A0-0C1F-42D7-896C-DEB2D0C21965}"/>
-              </a:ext>
-            </a:extLst>
-          </p:cNvPr>
-          <p:cNvCxnSpPr>
-            <a:cxnSpLocks/>
-          </p:cNvCxnSpPr>
-          <p:nvPr/>
-        </p:nvCxnSpPr>
-        <p:spPr>
-          <a:xfrm flipV="1">
-            <a:off x="9353688" y="5369989"/>
-            <a:ext cx="0" cy="536397"/>
-          </a:xfrm>
-          <a:prstGeom prst="straightConnector1">
-            <a:avLst/>
-          </a:prstGeom>
-          <a:ln w="28575">
-            <a:tailEnd type="triangle"/>
-          </a:ln>
-        </p:spPr>
-        <p:style>
-          <a:lnRef idx="1">
-            <a:schemeClr val="accent1"/>
-          </a:lnRef>
-          <a:fillRef idx="0">
-            <a:schemeClr val="accent1"/>
-          </a:fillRef>
-          <a:effectRef idx="0">
-            <a:schemeClr val="accent1"/>
-          </a:effectRef>
-          <a:fontRef idx="minor">
-            <a:schemeClr val="tx1"/>
-          </a:fontRef>
-        </p:style>
-      </p:cxnSp>
-    </p:spTree>
-    <p:extLst>
-      <p:ext uri="{BB962C8B-B14F-4D97-AF65-F5344CB8AC3E}">
-        <p14:creationId xmlns:p14="http://schemas.microsoft.com/office/powerpoint/2010/main" val="3331906990"/>
-      </p:ext>
-    </p:extLst>
-  </p:cSld>
-  <p:clrMapOvr>
-    <a:masterClrMapping/>
-  </p:clrMapOvr>
-</p:sld>
-</file>
-
-<file path=ppt/slides/slide17.xml><?xml version="1.0" encoding="utf-8"?>
-<p:sld xmlns:a="http://schemas.openxmlformats.org/drawingml/2006/main" xmlns:r="http://schemas.openxmlformats.org/officeDocument/2006/relationships" xmlns:p="http://schemas.openxmlformats.org/presentationml/2006/main">
-  <p:cSld>
-    <p:spTree>
-      <p:nvGrpSpPr>
-        <p:cNvPr id="1" name=""/>
-        <p:cNvGrpSpPr/>
-        <p:nvPr/>
-      </p:nvGrpSpPr>
-      <p:grpSpPr>
-        <a:xfrm>
-          <a:off x="0" y="0"/>
-          <a:ext cx="0" cy="0"/>
-          <a:chOff x="0" y="0"/>
-          <a:chExt cx="0" cy="0"/>
-        </a:xfrm>
-      </p:grpSpPr>
-      <p:sp>
-        <p:nvSpPr>
-          <p:cNvPr id="8" name="Title 7">
-            <a:extLst>
-              <a:ext uri="{FF2B5EF4-FFF2-40B4-BE49-F238E27FC236}">
-                <a16:creationId xmlns:a16="http://schemas.microsoft.com/office/drawing/2014/main" id="{CEA2DCDD-3170-418B-BCAB-89AF1349E064}"/>
-              </a:ext>
-            </a:extLst>
-          </p:cNvPr>
-          <p:cNvSpPr>
-            <a:spLocks noGrp="1"/>
-          </p:cNvSpPr>
-          <p:nvPr>
-            <p:ph type="title"/>
-          </p:nvPr>
-        </p:nvSpPr>
-        <p:spPr/>
-        <p:txBody>
-          <a:bodyPr/>
-          <a:lstStyle/>
-          <a:p>
-            <a:r>
-              <a:rPr lang="en-US" dirty="0"/>
-              <a:t>Popular Music</a:t>
-            </a:r>
-          </a:p>
-        </p:txBody>
-      </p:sp>
-      <p:sp>
-        <p:nvSpPr>
-          <p:cNvPr id="9" name="Content Placeholder 8">
-            <a:extLst>
-              <a:ext uri="{FF2B5EF4-FFF2-40B4-BE49-F238E27FC236}">
-                <a16:creationId xmlns:a16="http://schemas.microsoft.com/office/drawing/2014/main" id="{7797CC6C-1936-46B9-B7C8-A43750794D16}"/>
-              </a:ext>
-            </a:extLst>
-          </p:cNvPr>
-          <p:cNvSpPr>
-            <a:spLocks noGrp="1"/>
-          </p:cNvSpPr>
-          <p:nvPr>
-            <p:ph idx="1"/>
-          </p:nvPr>
-        </p:nvSpPr>
-        <p:spPr>
-          <a:xfrm>
-            <a:off x="1181100" y="1536343"/>
-            <a:ext cx="9829800" cy="3859742"/>
-          </a:xfrm>
-        </p:spPr>
-        <p:txBody>
-          <a:bodyPr anchor="ctr"/>
-          <a:lstStyle/>
-          <a:p>
-            <a:r>
-              <a:rPr lang="en-US" dirty="0"/>
-              <a:t>Using Kaylin Pavlik’s “50 Years of Pop Music”</a:t>
-            </a:r>
-          </a:p>
-          <a:p>
-            <a:pPr lvl="1"/>
-            <a:r>
-              <a:rPr lang="en-US" dirty="0">
-                <a:solidFill>
-                  <a:schemeClr val="accent2"/>
-                </a:solidFill>
-                <a:hlinkClick r:id="rId2">
-                  <a:extLst>
-                    <a:ext uri="{A12FA001-AC4F-418D-AE19-62706E023703}">
-                      <ahyp:hlinkClr xmlns:ahyp="http://schemas.microsoft.com/office/drawing/2018/hyperlinkcolor" val="tx"/>
-                    </a:ext>
-                  </a:extLst>
-                </a:hlinkClick>
-              </a:rPr>
-              <a:t>Billboard Hot 100 Dataset</a:t>
-            </a:r>
-            <a:endParaRPr lang="en-US" dirty="0">
-              <a:solidFill>
-                <a:schemeClr val="accent2"/>
-              </a:solidFill>
-            </a:endParaRPr>
-          </a:p>
-          <a:p>
-            <a:endParaRPr lang="en-US" dirty="0"/>
-          </a:p>
-          <a:p>
-            <a:r>
-              <a:rPr lang="en-US" dirty="0"/>
-              <a:t>Caveats:</a:t>
-            </a:r>
-          </a:p>
-          <a:p>
-            <a:pPr lvl="1"/>
-            <a:r>
-              <a:rPr lang="en-US" dirty="0"/>
-              <a:t>Much larger dataset</a:t>
-            </a:r>
-          </a:p>
-          <a:p>
-            <a:pPr lvl="1"/>
-            <a:r>
-              <a:rPr lang="en-US" dirty="0"/>
-              <a:t>Pulling from many genres</a:t>
-            </a:r>
-          </a:p>
-          <a:p>
-            <a:pPr lvl="1"/>
-            <a:r>
-              <a:rPr lang="en-US" dirty="0"/>
-              <a:t>Only the most popular music of each genre</a:t>
-            </a:r>
-          </a:p>
-          <a:p>
-            <a:pPr lvl="1"/>
-            <a:r>
-              <a:rPr lang="en-US" dirty="0"/>
-              <a:t>Different data cleaning schema</a:t>
-            </a:r>
-          </a:p>
-        </p:txBody>
-      </p:sp>
-      <p:sp>
-        <p:nvSpPr>
-          <p:cNvPr id="5" name="Date Placeholder 4">
-            <a:extLst>
-              <a:ext uri="{FF2B5EF4-FFF2-40B4-BE49-F238E27FC236}">
-                <a16:creationId xmlns:a16="http://schemas.microsoft.com/office/drawing/2014/main" id="{AD922504-EBCE-4660-9314-10E46186DA7C}"/>
-              </a:ext>
-            </a:extLst>
-          </p:cNvPr>
-          <p:cNvSpPr>
-            <a:spLocks noGrp="1"/>
-          </p:cNvSpPr>
-          <p:nvPr>
-            <p:ph type="dt" sz="half" idx="10"/>
-          </p:nvPr>
-        </p:nvSpPr>
-        <p:spPr/>
-        <p:txBody>
-          <a:bodyPr/>
-          <a:lstStyle/>
-          <a:p>
-            <a:pPr>
-              <a:defRPr/>
-            </a:pPr>
-            <a:r>
-              <a:rPr lang="en-US">
-                <a:solidFill>
-                  <a:prstClr val="black">
-                    <a:tint val="75000"/>
-                  </a:prstClr>
-                </a:solidFill>
-              </a:rPr>
-              <a:t>4/21/2022</a:t>
-            </a:r>
-            <a:endParaRPr lang="en-US" dirty="0">
-              <a:solidFill>
-                <a:prstClr val="black">
-                  <a:tint val="75000"/>
-                </a:prstClr>
-              </a:solidFill>
-            </a:endParaRPr>
-          </a:p>
-        </p:txBody>
-      </p:sp>
-      <p:sp>
-        <p:nvSpPr>
-          <p:cNvPr id="6" name="Footer Placeholder 5">
-            <a:extLst>
-              <a:ext uri="{FF2B5EF4-FFF2-40B4-BE49-F238E27FC236}">
-                <a16:creationId xmlns:a16="http://schemas.microsoft.com/office/drawing/2014/main" id="{D2A747D9-274E-473A-81BB-30DB3F706601}"/>
-              </a:ext>
-            </a:extLst>
-          </p:cNvPr>
-          <p:cNvSpPr>
-            <a:spLocks noGrp="1"/>
-          </p:cNvSpPr>
-          <p:nvPr>
-            <p:ph type="ftr" sz="quarter" idx="11"/>
-          </p:nvPr>
-        </p:nvSpPr>
-        <p:spPr/>
-        <p:txBody>
-          <a:bodyPr/>
-          <a:lstStyle/>
-          <a:p>
-            <a:pPr>
-              <a:defRPr/>
-            </a:pPr>
-            <a:r>
-              <a:rPr lang="en-US">
-                <a:solidFill>
-                  <a:prstClr val="black">
-                    <a:tint val="75000"/>
-                  </a:prstClr>
-                </a:solidFill>
-              </a:rPr>
-              <a:t>A Linguistic Look Inside Outsider Music</a:t>
-            </a:r>
-            <a:endParaRPr lang="en-US" dirty="0">
-              <a:solidFill>
-                <a:prstClr val="black">
-                  <a:tint val="75000"/>
-                </a:prstClr>
-              </a:solidFill>
-            </a:endParaRPr>
-          </a:p>
-        </p:txBody>
-      </p:sp>
-      <p:sp>
-        <p:nvSpPr>
-          <p:cNvPr id="7" name="Slide Number Placeholder 6">
-            <a:extLst>
-              <a:ext uri="{FF2B5EF4-FFF2-40B4-BE49-F238E27FC236}">
-                <a16:creationId xmlns:a16="http://schemas.microsoft.com/office/drawing/2014/main" id="{ED513EE7-05A0-4BB3-9519-ACB769EE8A39}"/>
-              </a:ext>
-            </a:extLst>
-          </p:cNvPr>
-          <p:cNvSpPr>
-            <a:spLocks noGrp="1"/>
-          </p:cNvSpPr>
-          <p:nvPr>
-            <p:ph type="sldNum" sz="quarter" idx="12"/>
-          </p:nvPr>
-        </p:nvSpPr>
-        <p:spPr/>
-        <p:txBody>
-          <a:bodyPr/>
-          <a:lstStyle/>
-          <a:p>
-            <a:pPr>
-              <a:defRPr/>
-            </a:pPr>
-            <a:fld id="{D76B855D-E9CC-4FF8-AD85-6CDC7B89A0DE}" type="slidenum">
-              <a:rPr lang="en-US" smtClean="0">
-                <a:solidFill>
-                  <a:prstClr val="black">
-                    <a:tint val="75000"/>
-                  </a:prstClr>
-                </a:solidFill>
-              </a:rPr>
-              <a:pPr>
-                <a:defRPr/>
-              </a:pPr>
-              <a:t>17</a:t>
-            </a:fld>
-            <a:endParaRPr lang="en-US" dirty="0">
-              <a:solidFill>
-                <a:prstClr val="black">
-                  <a:tint val="75000"/>
-                </a:prstClr>
-              </a:solidFill>
-            </a:endParaRPr>
-          </a:p>
-        </p:txBody>
-      </p:sp>
-    </p:spTree>
-    <p:extLst>
-      <p:ext uri="{BB962C8B-B14F-4D97-AF65-F5344CB8AC3E}">
-        <p14:creationId xmlns:p14="http://schemas.microsoft.com/office/powerpoint/2010/main" val="1592852998"/>
-      </p:ext>
-    </p:extLst>
-  </p:cSld>
-  <p:clrMapOvr>
-    <a:masterClrMapping/>
-  </p:clrMapOvr>
-</p:sld>
-</file>
-
-<file path=ppt/slides/slide18.xml><?xml version="1.0" encoding="utf-8"?>
-<p:sld xmlns:a="http://schemas.openxmlformats.org/drawingml/2006/main" xmlns:r="http://schemas.openxmlformats.org/officeDocument/2006/relationships" xmlns:p="http://schemas.openxmlformats.org/presentationml/2006/main">
-  <p:cSld>
-    <p:spTree>
-      <p:nvGrpSpPr>
-        <p:cNvPr id="1" name=""/>
-        <p:cNvGrpSpPr/>
-        <p:nvPr/>
-      </p:nvGrpSpPr>
-      <p:grpSpPr>
-        <a:xfrm>
-          <a:off x="0" y="0"/>
-          <a:ext cx="0" cy="0"/>
-          <a:chOff x="0" y="0"/>
-          <a:chExt cx="0" cy="0"/>
-        </a:xfrm>
-      </p:grpSpPr>
-      <p:sp>
-        <p:nvSpPr>
-          <p:cNvPr id="2" name="Title 1">
-            <a:extLst>
-              <a:ext uri="{FF2B5EF4-FFF2-40B4-BE49-F238E27FC236}">
-                <a16:creationId xmlns:a16="http://schemas.microsoft.com/office/drawing/2014/main" id="{0793C493-6056-45C8-85B7-E04E89D10291}"/>
-              </a:ext>
-            </a:extLst>
-          </p:cNvPr>
-          <p:cNvSpPr>
-            <a:spLocks noGrp="1"/>
-          </p:cNvSpPr>
-          <p:nvPr>
-            <p:ph type="title"/>
-          </p:nvPr>
-        </p:nvSpPr>
-        <p:spPr/>
-        <p:txBody>
-          <a:bodyPr/>
-          <a:lstStyle/>
-          <a:p>
-            <a:r>
-              <a:rPr lang="en-US" dirty="0"/>
-              <a:t>Beginning Analysis</a:t>
-            </a:r>
-            <a:br>
-              <a:rPr lang="en-US" sz="4400" dirty="0"/>
-            </a:br>
-            <a:r>
-              <a:rPr lang="en-US" sz="3600" dirty="0">
-                <a:latin typeface="+mn-lt"/>
-              </a:rPr>
-              <a:t>Popular Music</a:t>
-            </a:r>
-            <a:endParaRPr lang="en-US" dirty="0"/>
-          </a:p>
-        </p:txBody>
-      </p:sp>
-      <p:sp>
-        <p:nvSpPr>
-          <p:cNvPr id="6" name="Content Placeholder 5">
-            <a:extLst>
-              <a:ext uri="{FF2B5EF4-FFF2-40B4-BE49-F238E27FC236}">
-                <a16:creationId xmlns:a16="http://schemas.microsoft.com/office/drawing/2014/main" id="{BA01CCDE-CE1B-4BA0-A925-134FB78E17BF}"/>
-              </a:ext>
-            </a:extLst>
-          </p:cNvPr>
-          <p:cNvSpPr>
-            <a:spLocks noGrp="1"/>
-          </p:cNvSpPr>
-          <p:nvPr>
-            <p:ph idx="1"/>
-          </p:nvPr>
-        </p:nvSpPr>
-        <p:spPr>
-          <a:xfrm>
-            <a:off x="1179576" y="1911096"/>
-            <a:ext cx="5539276" cy="3859742"/>
-          </a:xfrm>
-        </p:spPr>
-        <p:txBody>
-          <a:bodyPr/>
-          <a:lstStyle/>
-          <a:p>
-            <a:r>
-              <a:rPr lang="en-US" dirty="0"/>
-              <a:t>4,847 lyric entries</a:t>
-            </a:r>
-          </a:p>
-          <a:p>
-            <a:r>
-              <a:rPr lang="en-US" dirty="0"/>
-              <a:t>2,340 unique artists</a:t>
-            </a:r>
-          </a:p>
-          <a:p>
-            <a:pPr lvl="1"/>
-            <a:r>
-              <a:rPr lang="en-US" dirty="0"/>
-              <a:t>34 songs by Madonna (&lt;1%)</a:t>
-            </a:r>
-          </a:p>
-          <a:p>
-            <a:endParaRPr lang="en-US" dirty="0"/>
-          </a:p>
-          <a:p>
-            <a:pPr marL="0" indent="0">
-              <a:buNone/>
-            </a:pPr>
-            <a:r>
-              <a:rPr lang="en-US" dirty="0"/>
-              <a:t>No one artist dominates this data.</a:t>
-            </a:r>
-          </a:p>
-          <a:p>
-            <a:endParaRPr lang="en-US" dirty="0"/>
-          </a:p>
-        </p:txBody>
-      </p:sp>
-      <p:sp>
-        <p:nvSpPr>
-          <p:cNvPr id="3" name="Date Placeholder 2">
-            <a:extLst>
-              <a:ext uri="{FF2B5EF4-FFF2-40B4-BE49-F238E27FC236}">
-                <a16:creationId xmlns:a16="http://schemas.microsoft.com/office/drawing/2014/main" id="{5D617D72-A75E-478B-800E-DB0000952A83}"/>
-              </a:ext>
-            </a:extLst>
-          </p:cNvPr>
-          <p:cNvSpPr>
-            <a:spLocks noGrp="1"/>
-          </p:cNvSpPr>
-          <p:nvPr>
-            <p:ph type="dt" sz="half" idx="10"/>
-          </p:nvPr>
-        </p:nvSpPr>
-        <p:spPr/>
-        <p:txBody>
-          <a:bodyPr/>
-          <a:lstStyle/>
-          <a:p>
-            <a:pPr>
-              <a:defRPr/>
-            </a:pPr>
-            <a:r>
-              <a:rPr lang="en-US">
-                <a:solidFill>
-                  <a:prstClr val="black">
-                    <a:tint val="75000"/>
-                  </a:prstClr>
-                </a:solidFill>
-              </a:rPr>
-              <a:t>4/21/2022</a:t>
-            </a:r>
-            <a:endParaRPr lang="en-US" dirty="0">
-              <a:solidFill>
-                <a:prstClr val="black">
-                  <a:tint val="75000"/>
-                </a:prstClr>
-              </a:solidFill>
-            </a:endParaRPr>
-          </a:p>
-        </p:txBody>
-      </p:sp>
-      <p:sp>
-        <p:nvSpPr>
-          <p:cNvPr id="4" name="Footer Placeholder 3">
-            <a:extLst>
-              <a:ext uri="{FF2B5EF4-FFF2-40B4-BE49-F238E27FC236}">
-                <a16:creationId xmlns:a16="http://schemas.microsoft.com/office/drawing/2014/main" id="{FDC0FEAE-0E44-4EF1-8B93-058600C0450F}"/>
-              </a:ext>
-            </a:extLst>
-          </p:cNvPr>
-          <p:cNvSpPr>
-            <a:spLocks noGrp="1"/>
-          </p:cNvSpPr>
-          <p:nvPr>
-            <p:ph type="ftr" sz="quarter" idx="11"/>
-          </p:nvPr>
-        </p:nvSpPr>
-        <p:spPr/>
-        <p:txBody>
-          <a:bodyPr/>
-          <a:lstStyle/>
-          <a:p>
-            <a:pPr>
-              <a:defRPr/>
-            </a:pPr>
-            <a:r>
-              <a:rPr lang="en-US">
-                <a:solidFill>
-                  <a:prstClr val="black">
-                    <a:tint val="75000"/>
-                  </a:prstClr>
-                </a:solidFill>
-              </a:rPr>
-              <a:t>A Linguistic Look Inside Outsider Music</a:t>
-            </a:r>
-            <a:endParaRPr lang="en-US" dirty="0">
-              <a:solidFill>
-                <a:prstClr val="black">
-                  <a:tint val="75000"/>
-                </a:prstClr>
-              </a:solidFill>
-            </a:endParaRPr>
-          </a:p>
-        </p:txBody>
-      </p:sp>
-      <p:sp>
-        <p:nvSpPr>
-          <p:cNvPr id="5" name="Slide Number Placeholder 4">
-            <a:extLst>
-              <a:ext uri="{FF2B5EF4-FFF2-40B4-BE49-F238E27FC236}">
-                <a16:creationId xmlns:a16="http://schemas.microsoft.com/office/drawing/2014/main" id="{9070946D-561E-4B60-8B06-D7698FDEF842}"/>
-              </a:ext>
-            </a:extLst>
-          </p:cNvPr>
-          <p:cNvSpPr>
-            <a:spLocks noGrp="1"/>
-          </p:cNvSpPr>
-          <p:nvPr>
-            <p:ph type="sldNum" sz="quarter" idx="12"/>
-          </p:nvPr>
-        </p:nvSpPr>
-        <p:spPr/>
-        <p:txBody>
-          <a:bodyPr/>
-          <a:lstStyle/>
-          <a:p>
-            <a:pPr>
-              <a:defRPr/>
-            </a:pPr>
-            <a:fld id="{D76B855D-E9CC-4FF8-AD85-6CDC7B89A0DE}" type="slidenum">
-              <a:rPr lang="en-US" smtClean="0">
-                <a:solidFill>
-                  <a:prstClr val="black">
-                    <a:tint val="75000"/>
-                  </a:prstClr>
-                </a:solidFill>
-              </a:rPr>
-              <a:pPr>
-                <a:defRPr/>
-              </a:pPr>
-              <a:t>18</a:t>
-            </a:fld>
-            <a:endParaRPr lang="en-US" dirty="0">
-              <a:solidFill>
-                <a:prstClr val="black">
-                  <a:tint val="75000"/>
-                </a:prstClr>
-              </a:solidFill>
-            </a:endParaRPr>
-          </a:p>
-        </p:txBody>
-      </p:sp>
-      <p:pic>
-        <p:nvPicPr>
-          <p:cNvPr id="9" name="Picture 8" descr="Chart, pie chart&#10;&#10;Description automatically generated">
-            <a:extLst>
-              <a:ext uri="{FF2B5EF4-FFF2-40B4-BE49-F238E27FC236}">
-                <a16:creationId xmlns:a16="http://schemas.microsoft.com/office/drawing/2014/main" id="{D2AD758F-CB35-4BB4-850B-16F09A113741}"/>
-              </a:ext>
-            </a:extLst>
-          </p:cNvPr>
-          <p:cNvPicPr>
-            <a:picLocks noChangeAspect="1"/>
-          </p:cNvPicPr>
-          <p:nvPr/>
-        </p:nvPicPr>
-        <p:blipFill>
-          <a:blip r:embed="rId3"/>
-          <a:stretch>
-            <a:fillRect/>
-          </a:stretch>
-        </p:blipFill>
-        <p:spPr>
-          <a:xfrm>
-            <a:off x="6245846" y="668080"/>
-            <a:ext cx="5768676" cy="3845784"/>
-          </a:xfrm>
-          <a:prstGeom prst="rect">
-            <a:avLst/>
-          </a:prstGeom>
-        </p:spPr>
-      </p:pic>
-      <p:pic>
-        <p:nvPicPr>
-          <p:cNvPr id="11" name="Picture 10" descr="A picture containing chart&#10;&#10;Description automatically generated">
-            <a:extLst>
-              <a:ext uri="{FF2B5EF4-FFF2-40B4-BE49-F238E27FC236}">
-                <a16:creationId xmlns:a16="http://schemas.microsoft.com/office/drawing/2014/main" id="{03E7BD74-F31B-44D0-B73C-4035A0CB0DEB}"/>
-              </a:ext>
-            </a:extLst>
-          </p:cNvPr>
-          <p:cNvPicPr>
-            <a:picLocks noChangeAspect="1"/>
-          </p:cNvPicPr>
-          <p:nvPr/>
-        </p:nvPicPr>
-        <p:blipFill rotWithShape="1">
-          <a:blip r:embed="rId4"/>
-          <a:srcRect b="14170"/>
-          <a:stretch/>
-        </p:blipFill>
-        <p:spPr>
-          <a:xfrm>
-            <a:off x="6553200" y="4144058"/>
-            <a:ext cx="3772043" cy="2158357"/>
-          </a:xfrm>
-          <a:prstGeom prst="rect">
-            <a:avLst/>
-          </a:prstGeom>
-        </p:spPr>
-      </p:pic>
-    </p:spTree>
-    <p:extLst>
-      <p:ext uri="{BB962C8B-B14F-4D97-AF65-F5344CB8AC3E}">
-        <p14:creationId xmlns:p14="http://schemas.microsoft.com/office/powerpoint/2010/main" val="2873155492"/>
-      </p:ext>
-    </p:extLst>
-  </p:cSld>
-  <p:clrMapOvr>
-    <a:masterClrMapping/>
-  </p:clrMapOvr>
-</p:sld>
-</file>
-
-<file path=ppt/slides/slide19.xml><?xml version="1.0" encoding="utf-8"?>
-<p:sld xmlns:a="http://schemas.openxmlformats.org/drawingml/2006/main" xmlns:r="http://schemas.openxmlformats.org/officeDocument/2006/relationships" xmlns:p="http://schemas.openxmlformats.org/presentationml/2006/main">
-  <p:cSld>
-    <p:spTree>
-      <p:nvGrpSpPr>
-        <p:cNvPr id="1" name=""/>
-        <p:cNvGrpSpPr/>
-        <p:nvPr/>
-      </p:nvGrpSpPr>
-      <p:grpSpPr>
-        <a:xfrm>
-          <a:off x="0" y="0"/>
-          <a:ext cx="0" cy="0"/>
-          <a:chOff x="0" y="0"/>
-          <a:chExt cx="0" cy="0"/>
-        </a:xfrm>
-      </p:grpSpPr>
-      <p:sp>
-        <p:nvSpPr>
-          <p:cNvPr id="2" name="Title 1">
-            <a:extLst>
-              <a:ext uri="{FF2B5EF4-FFF2-40B4-BE49-F238E27FC236}">
-                <a16:creationId xmlns:a16="http://schemas.microsoft.com/office/drawing/2014/main" id="{2B903FEE-DA5D-45B5-B1D3-DC58528FCE6F}"/>
-              </a:ext>
-            </a:extLst>
-          </p:cNvPr>
-          <p:cNvSpPr>
-            <a:spLocks noGrp="1"/>
-          </p:cNvSpPr>
-          <p:nvPr>
-            <p:ph type="title"/>
-          </p:nvPr>
-        </p:nvSpPr>
-        <p:spPr>
-          <a:xfrm>
-            <a:off x="6769570" y="530578"/>
-            <a:ext cx="4771178" cy="1160110"/>
-          </a:xfrm>
-        </p:spPr>
-        <p:txBody>
-          <a:bodyPr>
-            <a:normAutofit fontScale="90000"/>
-          </a:bodyPr>
-          <a:lstStyle/>
-          <a:p>
-            <a:r>
-              <a:rPr lang="en-US" sz="4000" dirty="0"/>
-              <a:t>Token Count Distribution</a:t>
-            </a:r>
-            <a:br>
-              <a:rPr lang="en-US" sz="4000" dirty="0"/>
-            </a:br>
-            <a:r>
-              <a:rPr lang="en-US" sz="3200" dirty="0">
-                <a:latin typeface="+mn-lt"/>
-              </a:rPr>
-              <a:t>Popular Music</a:t>
-            </a:r>
-            <a:endParaRPr lang="en-US" sz="3700" dirty="0"/>
-          </a:p>
-        </p:txBody>
-      </p:sp>
-      <p:sp>
-        <p:nvSpPr>
-          <p:cNvPr id="33" name="Content Placeholder 2">
-            <a:extLst>
-              <a:ext uri="{FF2B5EF4-FFF2-40B4-BE49-F238E27FC236}">
-                <a16:creationId xmlns:a16="http://schemas.microsoft.com/office/drawing/2014/main" id="{A5B4704C-1C24-4506-B80D-2DB0E23750C1}"/>
-              </a:ext>
-            </a:extLst>
-          </p:cNvPr>
-          <p:cNvSpPr>
-            <a:spLocks noGrp="1"/>
-          </p:cNvSpPr>
-          <p:nvPr>
-            <p:ph idx="1"/>
-          </p:nvPr>
-        </p:nvSpPr>
-        <p:spPr>
-          <a:xfrm>
-            <a:off x="6769570" y="1825625"/>
-            <a:ext cx="4771178" cy="4388908"/>
-          </a:xfrm>
-        </p:spPr>
-        <p:txBody>
-          <a:bodyPr>
-            <a:normAutofit/>
-          </a:bodyPr>
-          <a:lstStyle/>
-          <a:p>
-            <a:r>
-              <a:rPr lang="en-US" sz="2400" dirty="0"/>
-              <a:t>Mean = 333</a:t>
-            </a:r>
-          </a:p>
-          <a:p>
-            <a:r>
-              <a:rPr lang="en-US" sz="2400" dirty="0"/>
-              <a:t>Min = 1</a:t>
-            </a:r>
-          </a:p>
-          <a:p>
-            <a:r>
-              <a:rPr lang="en-US" sz="2400" dirty="0"/>
-              <a:t>Max = 1158</a:t>
-            </a:r>
-          </a:p>
-          <a:p>
-            <a:endParaRPr lang="en-US" sz="2400" dirty="0"/>
-          </a:p>
-          <a:p>
-            <a:r>
-              <a:rPr lang="en-US" sz="2400" dirty="0"/>
-              <a:t>Still some fairly high outliers</a:t>
-            </a:r>
-          </a:p>
-          <a:p>
-            <a:pPr lvl="1"/>
-            <a:r>
-              <a:rPr lang="en-US" sz="1600" dirty="0"/>
-              <a:t>But not quite as high</a:t>
-            </a:r>
-          </a:p>
-          <a:p>
-            <a:r>
-              <a:rPr lang="en-US" sz="2000" dirty="0"/>
-              <a:t>Spread of data is a little more even</a:t>
-            </a:r>
-          </a:p>
-          <a:p>
-            <a:r>
-              <a:rPr lang="en-US" sz="2000" dirty="0"/>
-              <a:t>Most data is within 216-407 tokens long</a:t>
-            </a:r>
-          </a:p>
-        </p:txBody>
-      </p:sp>
-      <p:sp>
-        <p:nvSpPr>
-          <p:cNvPr id="4" name="Date Placeholder 3">
-            <a:extLst>
-              <a:ext uri="{FF2B5EF4-FFF2-40B4-BE49-F238E27FC236}">
-                <a16:creationId xmlns:a16="http://schemas.microsoft.com/office/drawing/2014/main" id="{B0971E7E-5796-4E3C-98CA-236E9C78F142}"/>
-              </a:ext>
-            </a:extLst>
-          </p:cNvPr>
-          <p:cNvSpPr>
-            <a:spLocks noGrp="1"/>
-          </p:cNvSpPr>
-          <p:nvPr>
-            <p:ph type="dt" sz="half" idx="10"/>
-          </p:nvPr>
-        </p:nvSpPr>
-        <p:spPr>
-          <a:xfrm>
-            <a:off x="838200" y="6356350"/>
-            <a:ext cx="2743200" cy="365125"/>
-          </a:xfrm>
-        </p:spPr>
-        <p:txBody>
-          <a:bodyPr>
-            <a:normAutofit/>
-          </a:bodyPr>
-          <a:lstStyle/>
-          <a:p>
-            <a:pPr>
-              <a:spcAft>
-                <a:spcPts val="600"/>
-              </a:spcAft>
-              <a:defRPr/>
-            </a:pPr>
-            <a:r>
-              <a:rPr lang="en-US">
-                <a:solidFill>
-                  <a:prstClr val="black">
-                    <a:lumMod val="50000"/>
-                    <a:lumOff val="50000"/>
-                  </a:prstClr>
-                </a:solidFill>
-              </a:rPr>
-              <a:t>4/21/2022</a:t>
-            </a:r>
-          </a:p>
-        </p:txBody>
-      </p:sp>
-      <p:sp>
-        <p:nvSpPr>
-          <p:cNvPr id="5" name="Footer Placeholder 4">
-            <a:extLst>
-              <a:ext uri="{FF2B5EF4-FFF2-40B4-BE49-F238E27FC236}">
-                <a16:creationId xmlns:a16="http://schemas.microsoft.com/office/drawing/2014/main" id="{689AA3FC-F66B-4B17-AF48-EFA07E179B8C}"/>
-              </a:ext>
-            </a:extLst>
-          </p:cNvPr>
-          <p:cNvSpPr>
-            <a:spLocks noGrp="1"/>
-          </p:cNvSpPr>
-          <p:nvPr>
-            <p:ph type="ftr" sz="quarter" idx="11"/>
-          </p:nvPr>
-        </p:nvSpPr>
-        <p:spPr>
-          <a:xfrm>
-            <a:off x="4038600" y="6356350"/>
-            <a:ext cx="4114800" cy="365125"/>
-          </a:xfrm>
-        </p:spPr>
-        <p:txBody>
-          <a:bodyPr>
-            <a:normAutofit/>
-          </a:bodyPr>
-          <a:lstStyle/>
-          <a:p>
-            <a:pPr>
-              <a:spcAft>
-                <a:spcPts val="600"/>
-              </a:spcAft>
-              <a:defRPr/>
-            </a:pPr>
-            <a:r>
-              <a:rPr lang="en-US">
-                <a:solidFill>
-                  <a:prstClr val="black">
-                    <a:lumMod val="50000"/>
-                    <a:lumOff val="50000"/>
-                  </a:prstClr>
-                </a:solidFill>
-              </a:rPr>
-              <a:t>A Linguistic Look Inside Outsider Music</a:t>
-            </a:r>
-          </a:p>
-        </p:txBody>
-      </p:sp>
-      <p:sp>
-        <p:nvSpPr>
-          <p:cNvPr id="6" name="Slide Number Placeholder 5">
-            <a:extLst>
-              <a:ext uri="{FF2B5EF4-FFF2-40B4-BE49-F238E27FC236}">
-                <a16:creationId xmlns:a16="http://schemas.microsoft.com/office/drawing/2014/main" id="{76A14687-0B57-489A-B11C-31DD48F67658}"/>
-              </a:ext>
-            </a:extLst>
-          </p:cNvPr>
-          <p:cNvSpPr>
-            <a:spLocks noGrp="1"/>
-          </p:cNvSpPr>
-          <p:nvPr>
-            <p:ph type="sldNum" sz="quarter" idx="12"/>
-          </p:nvPr>
-        </p:nvSpPr>
-        <p:spPr>
-          <a:xfrm>
-            <a:off x="8610600" y="6356350"/>
-            <a:ext cx="2743200" cy="365125"/>
-          </a:xfrm>
-        </p:spPr>
-        <p:txBody>
-          <a:bodyPr>
-            <a:normAutofit/>
-          </a:bodyPr>
-          <a:lstStyle/>
-          <a:p>
-            <a:pPr>
-              <a:spcAft>
-                <a:spcPts val="600"/>
-              </a:spcAft>
-              <a:defRPr/>
-            </a:pPr>
-            <a:fld id="{D76B855D-E9CC-4FF8-AD85-6CDC7B89A0DE}" type="slidenum">
-              <a:rPr lang="en-US">
-                <a:solidFill>
-                  <a:prstClr val="black">
-                    <a:lumMod val="50000"/>
-                    <a:lumOff val="50000"/>
-                  </a:prstClr>
-                </a:solidFill>
-              </a:rPr>
-              <a:pPr>
-                <a:spcAft>
-                  <a:spcPts val="600"/>
-                </a:spcAft>
-                <a:defRPr/>
-              </a:pPr>
-              <a:t>19</a:t>
-            </a:fld>
-            <a:endParaRPr lang="en-US">
-              <a:solidFill>
-                <a:prstClr val="black">
-                  <a:lumMod val="50000"/>
-                  <a:lumOff val="50000"/>
-                </a:prstClr>
-              </a:solidFill>
-            </a:endParaRPr>
-          </a:p>
-        </p:txBody>
-      </p:sp>
-      <p:pic>
-        <p:nvPicPr>
-          <p:cNvPr id="7" name="Picture 6" descr="Chart, box and whisker chart&#10;&#10;Description automatically generated">
-            <a:extLst>
-              <a:ext uri="{FF2B5EF4-FFF2-40B4-BE49-F238E27FC236}">
-                <a16:creationId xmlns:a16="http://schemas.microsoft.com/office/drawing/2014/main" id="{D18E3C67-8D86-44D6-AE5D-F469F43C41D9}"/>
-              </a:ext>
-            </a:extLst>
-          </p:cNvPr>
-          <p:cNvPicPr>
-            <a:picLocks noChangeAspect="1"/>
-          </p:cNvPicPr>
-          <p:nvPr/>
-        </p:nvPicPr>
-        <p:blipFill>
-          <a:blip r:embed="rId2"/>
-          <a:stretch>
-            <a:fillRect/>
-          </a:stretch>
-        </p:blipFill>
-        <p:spPr>
-          <a:xfrm>
-            <a:off x="771021" y="1599783"/>
-            <a:ext cx="5487650" cy="3658433"/>
-          </a:xfrm>
-          <a:custGeom>
-            <a:avLst/>
-            <a:gdLst>
-              <a:gd name="connsiteX0" fmla="*/ 0 w 5487650"/>
-              <a:gd name="connsiteY0" fmla="*/ 0 h 3658433"/>
-              <a:gd name="connsiteX1" fmla="*/ 576203 w 5487650"/>
-              <a:gd name="connsiteY1" fmla="*/ 0 h 3658433"/>
-              <a:gd name="connsiteX2" fmla="*/ 1371913 w 5487650"/>
-              <a:gd name="connsiteY2" fmla="*/ 0 h 3658433"/>
-              <a:gd name="connsiteX3" fmla="*/ 2112745 w 5487650"/>
-              <a:gd name="connsiteY3" fmla="*/ 0 h 3658433"/>
-              <a:gd name="connsiteX4" fmla="*/ 2853578 w 5487650"/>
-              <a:gd name="connsiteY4" fmla="*/ 0 h 3658433"/>
-              <a:gd name="connsiteX5" fmla="*/ 3539534 w 5487650"/>
-              <a:gd name="connsiteY5" fmla="*/ 0 h 3658433"/>
-              <a:gd name="connsiteX6" fmla="*/ 4280367 w 5487650"/>
-              <a:gd name="connsiteY6" fmla="*/ 0 h 3658433"/>
-              <a:gd name="connsiteX7" fmla="*/ 5487650 w 5487650"/>
-              <a:gd name="connsiteY7" fmla="*/ 0 h 3658433"/>
-              <a:gd name="connsiteX8" fmla="*/ 5487650 w 5487650"/>
-              <a:gd name="connsiteY8" fmla="*/ 573155 h 3658433"/>
-              <a:gd name="connsiteX9" fmla="*/ 5487650 w 5487650"/>
-              <a:gd name="connsiteY9" fmla="*/ 1146309 h 3658433"/>
-              <a:gd name="connsiteX10" fmla="*/ 5487650 w 5487650"/>
-              <a:gd name="connsiteY10" fmla="*/ 1829216 h 3658433"/>
-              <a:gd name="connsiteX11" fmla="*/ 5487650 w 5487650"/>
-              <a:gd name="connsiteY11" fmla="*/ 2329202 h 3658433"/>
-              <a:gd name="connsiteX12" fmla="*/ 5487650 w 5487650"/>
-              <a:gd name="connsiteY12" fmla="*/ 2902357 h 3658433"/>
-              <a:gd name="connsiteX13" fmla="*/ 5487650 w 5487650"/>
-              <a:gd name="connsiteY13" fmla="*/ 3658433 h 3658433"/>
-              <a:gd name="connsiteX14" fmla="*/ 4856570 w 5487650"/>
-              <a:gd name="connsiteY14" fmla="*/ 3658433 h 3658433"/>
-              <a:gd name="connsiteX15" fmla="*/ 4115738 w 5487650"/>
-              <a:gd name="connsiteY15" fmla="*/ 3658433 h 3658433"/>
-              <a:gd name="connsiteX16" fmla="*/ 3429781 w 5487650"/>
-              <a:gd name="connsiteY16" fmla="*/ 3658433 h 3658433"/>
-              <a:gd name="connsiteX17" fmla="*/ 2798702 w 5487650"/>
-              <a:gd name="connsiteY17" fmla="*/ 3658433 h 3658433"/>
-              <a:gd name="connsiteX18" fmla="*/ 2057869 w 5487650"/>
-              <a:gd name="connsiteY18" fmla="*/ 3658433 h 3658433"/>
-              <a:gd name="connsiteX19" fmla="*/ 1426789 w 5487650"/>
-              <a:gd name="connsiteY19" fmla="*/ 3658433 h 3658433"/>
-              <a:gd name="connsiteX20" fmla="*/ 850586 w 5487650"/>
-              <a:gd name="connsiteY20" fmla="*/ 3658433 h 3658433"/>
-              <a:gd name="connsiteX21" fmla="*/ 0 w 5487650"/>
-              <a:gd name="connsiteY21" fmla="*/ 3658433 h 3658433"/>
-              <a:gd name="connsiteX22" fmla="*/ 0 w 5487650"/>
-              <a:gd name="connsiteY22" fmla="*/ 3158447 h 3658433"/>
-              <a:gd name="connsiteX23" fmla="*/ 0 w 5487650"/>
-              <a:gd name="connsiteY23" fmla="*/ 2658461 h 3658433"/>
-              <a:gd name="connsiteX24" fmla="*/ 0 w 5487650"/>
-              <a:gd name="connsiteY24" fmla="*/ 2048722 h 3658433"/>
-              <a:gd name="connsiteX25" fmla="*/ 0 w 5487650"/>
-              <a:gd name="connsiteY25" fmla="*/ 1402399 h 3658433"/>
-              <a:gd name="connsiteX26" fmla="*/ 0 w 5487650"/>
-              <a:gd name="connsiteY26" fmla="*/ 902413 h 3658433"/>
-              <a:gd name="connsiteX27" fmla="*/ 0 w 5487650"/>
-              <a:gd name="connsiteY27" fmla="*/ 0 h 3658433"/>
-            </a:gdLst>
-            <a:ahLst/>
-            <a:cxnLst>
-              <a:cxn ang="0">
-                <a:pos x="connsiteX0" y="connsiteY0"/>
-              </a:cxn>
-              <a:cxn ang="0">
-                <a:pos x="connsiteX1" y="connsiteY1"/>
-              </a:cxn>
-              <a:cxn ang="0">
-                <a:pos x="connsiteX2" y="connsiteY2"/>
-              </a:cxn>
-              <a:cxn ang="0">
-                <a:pos x="connsiteX3" y="connsiteY3"/>
-              </a:cxn>
-              <a:cxn ang="0">
-                <a:pos x="connsiteX4" y="connsiteY4"/>
-              </a:cxn>
-              <a:cxn ang="0">
-                <a:pos x="connsiteX5" y="connsiteY5"/>
-              </a:cxn>
-              <a:cxn ang="0">
-                <a:pos x="connsiteX6" y="connsiteY6"/>
-              </a:cxn>
-              <a:cxn ang="0">
-                <a:pos x="connsiteX7" y="connsiteY7"/>
-              </a:cxn>
-              <a:cxn ang="0">
-                <a:pos x="connsiteX8" y="connsiteY8"/>
-              </a:cxn>
-              <a:cxn ang="0">
-                <a:pos x="connsiteX9" y="connsiteY9"/>
-              </a:cxn>
-              <a:cxn ang="0">
-                <a:pos x="connsiteX10" y="connsiteY10"/>
-              </a:cxn>
-              <a:cxn ang="0">
-                <a:pos x="connsiteX11" y="connsiteY11"/>
-              </a:cxn>
-              <a:cxn ang="0">
-                <a:pos x="connsiteX12" y="connsiteY12"/>
-              </a:cxn>
-              <a:cxn ang="0">
-                <a:pos x="connsiteX13" y="connsiteY13"/>
-              </a:cxn>
-              <a:cxn ang="0">
-                <a:pos x="connsiteX14" y="connsiteY14"/>
-              </a:cxn>
-              <a:cxn ang="0">
-                <a:pos x="connsiteX15" y="connsiteY15"/>
-              </a:cxn>
-              <a:cxn ang="0">
-                <a:pos x="connsiteX16" y="connsiteY16"/>
-              </a:cxn>
-              <a:cxn ang="0">
-                <a:pos x="connsiteX17" y="connsiteY17"/>
-              </a:cxn>
-              <a:cxn ang="0">
-                <a:pos x="connsiteX18" y="connsiteY18"/>
-              </a:cxn>
-              <a:cxn ang="0">
-                <a:pos x="connsiteX19" y="connsiteY19"/>
-              </a:cxn>
-              <a:cxn ang="0">
-                <a:pos x="connsiteX20" y="connsiteY20"/>
-              </a:cxn>
-              <a:cxn ang="0">
-                <a:pos x="connsiteX21" y="connsiteY21"/>
-              </a:cxn>
-              <a:cxn ang="0">
-                <a:pos x="connsiteX22" y="connsiteY22"/>
-              </a:cxn>
-              <a:cxn ang="0">
-                <a:pos x="connsiteX23" y="connsiteY23"/>
-              </a:cxn>
-              <a:cxn ang="0">
-                <a:pos x="connsiteX24" y="connsiteY24"/>
-              </a:cxn>
-              <a:cxn ang="0">
-                <a:pos x="connsiteX25" y="connsiteY25"/>
-              </a:cxn>
-              <a:cxn ang="0">
-                <a:pos x="connsiteX26" y="connsiteY26"/>
-              </a:cxn>
-              <a:cxn ang="0">
-                <a:pos x="connsiteX27" y="connsiteY27"/>
-              </a:cxn>
-            </a:cxnLst>
-            <a:rect l="l" t="t" r="r" b="b"/>
-            <a:pathLst>
-              <a:path w="5487650" h="3658433" fill="none" extrusionOk="0">
-                <a:moveTo>
-                  <a:pt x="0" y="0"/>
-                </a:moveTo>
-                <a:cubicBezTo>
-                  <a:pt x="139495" y="-13748"/>
-                  <a:pt x="431846" y="10037"/>
-                  <a:pt x="576203" y="0"/>
-                </a:cubicBezTo>
-                <a:cubicBezTo>
-                  <a:pt x="720560" y="-10037"/>
-                  <a:pt x="1006715" y="15866"/>
-                  <a:pt x="1371913" y="0"/>
-                </a:cubicBezTo>
-                <a:cubicBezTo>
-                  <a:pt x="1737111" y="-15866"/>
-                  <a:pt x="1888598" y="4923"/>
-                  <a:pt x="2112745" y="0"/>
-                </a:cubicBezTo>
-                <a:cubicBezTo>
-                  <a:pt x="2336892" y="-4923"/>
-                  <a:pt x="2687766" y="21205"/>
-                  <a:pt x="2853578" y="0"/>
-                </a:cubicBezTo>
-                <a:cubicBezTo>
-                  <a:pt x="3019390" y="-21205"/>
-                  <a:pt x="3355720" y="-28100"/>
-                  <a:pt x="3539534" y="0"/>
-                </a:cubicBezTo>
-                <a:cubicBezTo>
-                  <a:pt x="3723348" y="28100"/>
-                  <a:pt x="4124511" y="35158"/>
-                  <a:pt x="4280367" y="0"/>
-                </a:cubicBezTo>
-                <a:cubicBezTo>
-                  <a:pt x="4436223" y="-35158"/>
-                  <a:pt x="5095900" y="8141"/>
-                  <a:pt x="5487650" y="0"/>
-                </a:cubicBezTo>
-                <a:cubicBezTo>
-                  <a:pt x="5512386" y="232090"/>
-                  <a:pt x="5492046" y="411769"/>
-                  <a:pt x="5487650" y="573155"/>
-                </a:cubicBezTo>
-                <a:cubicBezTo>
-                  <a:pt x="5483254" y="734541"/>
-                  <a:pt x="5500342" y="926456"/>
-                  <a:pt x="5487650" y="1146309"/>
-                </a:cubicBezTo>
-                <a:cubicBezTo>
-                  <a:pt x="5474958" y="1366162"/>
-                  <a:pt x="5461930" y="1560264"/>
-                  <a:pt x="5487650" y="1829216"/>
-                </a:cubicBezTo>
-                <a:cubicBezTo>
-                  <a:pt x="5513370" y="2098168"/>
-                  <a:pt x="5467395" y="2119176"/>
-                  <a:pt x="5487650" y="2329202"/>
-                </a:cubicBezTo>
-                <a:cubicBezTo>
-                  <a:pt x="5507905" y="2539228"/>
-                  <a:pt x="5495219" y="2783616"/>
-                  <a:pt x="5487650" y="2902357"/>
-                </a:cubicBezTo>
-                <a:cubicBezTo>
-                  <a:pt x="5480081" y="3021099"/>
-                  <a:pt x="5466511" y="3318441"/>
-                  <a:pt x="5487650" y="3658433"/>
-                </a:cubicBezTo>
-                <a:cubicBezTo>
-                  <a:pt x="5286683" y="3649493"/>
-                  <a:pt x="5036560" y="3679677"/>
-                  <a:pt x="4856570" y="3658433"/>
-                </a:cubicBezTo>
-                <a:cubicBezTo>
-                  <a:pt x="4676580" y="3637189"/>
-                  <a:pt x="4383178" y="3641280"/>
-                  <a:pt x="4115738" y="3658433"/>
-                </a:cubicBezTo>
-                <a:cubicBezTo>
-                  <a:pt x="3848298" y="3675586"/>
-                  <a:pt x="3687477" y="3641727"/>
-                  <a:pt x="3429781" y="3658433"/>
-                </a:cubicBezTo>
-                <a:cubicBezTo>
-                  <a:pt x="3172085" y="3675139"/>
-                  <a:pt x="3021936" y="3628068"/>
-                  <a:pt x="2798702" y="3658433"/>
-                </a:cubicBezTo>
-                <a:cubicBezTo>
-                  <a:pt x="2575468" y="3688798"/>
-                  <a:pt x="2327188" y="3641580"/>
-                  <a:pt x="2057869" y="3658433"/>
-                </a:cubicBezTo>
-                <a:cubicBezTo>
-                  <a:pt x="1788550" y="3675286"/>
-                  <a:pt x="1619361" y="3642254"/>
-                  <a:pt x="1426789" y="3658433"/>
-                </a:cubicBezTo>
-                <a:cubicBezTo>
-                  <a:pt x="1234217" y="3674612"/>
-                  <a:pt x="1117616" y="3636233"/>
-                  <a:pt x="850586" y="3658433"/>
-                </a:cubicBezTo>
-                <a:cubicBezTo>
-                  <a:pt x="583556" y="3680633"/>
-                  <a:pt x="194945" y="3663521"/>
-                  <a:pt x="0" y="3658433"/>
-                </a:cubicBezTo>
-                <a:cubicBezTo>
-                  <a:pt x="-8985" y="3419758"/>
-                  <a:pt x="1774" y="3366331"/>
-                  <a:pt x="0" y="3158447"/>
-                </a:cubicBezTo>
-                <a:cubicBezTo>
-                  <a:pt x="-1774" y="2950563"/>
-                  <a:pt x="-15521" y="2790851"/>
-                  <a:pt x="0" y="2658461"/>
-                </a:cubicBezTo>
-                <a:cubicBezTo>
-                  <a:pt x="15521" y="2526071"/>
-                  <a:pt x="23039" y="2292327"/>
-                  <a:pt x="0" y="2048722"/>
-                </a:cubicBezTo>
-                <a:cubicBezTo>
-                  <a:pt x="-23039" y="1805117"/>
-                  <a:pt x="-26075" y="1682557"/>
-                  <a:pt x="0" y="1402399"/>
-                </a:cubicBezTo>
-                <a:cubicBezTo>
-                  <a:pt x="26075" y="1122241"/>
-                  <a:pt x="-17763" y="1035303"/>
-                  <a:pt x="0" y="902413"/>
-                </a:cubicBezTo>
-                <a:cubicBezTo>
-                  <a:pt x="17763" y="769523"/>
-                  <a:pt x="16526" y="233275"/>
-                  <a:pt x="0" y="0"/>
-                </a:cubicBezTo>
-                <a:close/>
-              </a:path>
-              <a:path w="5487650" h="3658433" stroke="0" extrusionOk="0">
-                <a:moveTo>
-                  <a:pt x="0" y="0"/>
-                </a:moveTo>
-                <a:cubicBezTo>
-                  <a:pt x="202287" y="-9310"/>
-                  <a:pt x="509881" y="2882"/>
-                  <a:pt x="685956" y="0"/>
-                </a:cubicBezTo>
-                <a:cubicBezTo>
-                  <a:pt x="862031" y="-2882"/>
-                  <a:pt x="1040370" y="-16462"/>
-                  <a:pt x="1371913" y="0"/>
-                </a:cubicBezTo>
-                <a:cubicBezTo>
-                  <a:pt x="1703456" y="16462"/>
-                  <a:pt x="1668964" y="3811"/>
-                  <a:pt x="1948116" y="0"/>
-                </a:cubicBezTo>
-                <a:cubicBezTo>
-                  <a:pt x="2227268" y="-3811"/>
-                  <a:pt x="2457209" y="-25152"/>
-                  <a:pt x="2743825" y="0"/>
-                </a:cubicBezTo>
-                <a:cubicBezTo>
-                  <a:pt x="3030441" y="25152"/>
-                  <a:pt x="3228443" y="-23684"/>
-                  <a:pt x="3484658" y="0"/>
-                </a:cubicBezTo>
-                <a:cubicBezTo>
-                  <a:pt x="3740873" y="23684"/>
-                  <a:pt x="3877305" y="-11031"/>
-                  <a:pt x="4225491" y="0"/>
-                </a:cubicBezTo>
-                <a:cubicBezTo>
-                  <a:pt x="4573677" y="11031"/>
-                  <a:pt x="5142546" y="35402"/>
-                  <a:pt x="5487650" y="0"/>
-                </a:cubicBezTo>
-                <a:cubicBezTo>
-                  <a:pt x="5491902" y="160702"/>
-                  <a:pt x="5471471" y="347068"/>
-                  <a:pt x="5487650" y="609739"/>
-                </a:cubicBezTo>
-                <a:cubicBezTo>
-                  <a:pt x="5503829" y="872410"/>
-                  <a:pt x="5507021" y="944889"/>
-                  <a:pt x="5487650" y="1182893"/>
-                </a:cubicBezTo>
-                <a:cubicBezTo>
-                  <a:pt x="5468279" y="1420897"/>
-                  <a:pt x="5502484" y="1582984"/>
-                  <a:pt x="5487650" y="1792632"/>
-                </a:cubicBezTo>
-                <a:cubicBezTo>
-                  <a:pt x="5472816" y="2002280"/>
-                  <a:pt x="5498317" y="2207148"/>
-                  <a:pt x="5487650" y="2329202"/>
-                </a:cubicBezTo>
-                <a:cubicBezTo>
-                  <a:pt x="5476984" y="2451256"/>
-                  <a:pt x="5478811" y="2598837"/>
-                  <a:pt x="5487650" y="2865773"/>
-                </a:cubicBezTo>
-                <a:cubicBezTo>
-                  <a:pt x="5496489" y="3132709"/>
-                  <a:pt x="5466647" y="3265707"/>
-                  <a:pt x="5487650" y="3658433"/>
-                </a:cubicBezTo>
-                <a:cubicBezTo>
-                  <a:pt x="5185420" y="3631870"/>
-                  <a:pt x="4967430" y="3628516"/>
-                  <a:pt x="4801694" y="3658433"/>
-                </a:cubicBezTo>
-                <a:cubicBezTo>
-                  <a:pt x="4635958" y="3688350"/>
-                  <a:pt x="4282645" y="3633489"/>
-                  <a:pt x="4060861" y="3658433"/>
-                </a:cubicBezTo>
-                <a:cubicBezTo>
-                  <a:pt x="3839077" y="3683377"/>
-                  <a:pt x="3670611" y="3679869"/>
-                  <a:pt x="3374905" y="3658433"/>
-                </a:cubicBezTo>
-                <a:cubicBezTo>
-                  <a:pt x="3079199" y="3636997"/>
-                  <a:pt x="2798745" y="3645931"/>
-                  <a:pt x="2579196" y="3658433"/>
-                </a:cubicBezTo>
-                <a:cubicBezTo>
-                  <a:pt x="2359647" y="3670935"/>
-                  <a:pt x="1964976" y="3663992"/>
-                  <a:pt x="1783486" y="3658433"/>
-                </a:cubicBezTo>
-                <a:cubicBezTo>
-                  <a:pt x="1601996" y="3652875"/>
-                  <a:pt x="1462054" y="3641005"/>
-                  <a:pt x="1262160" y="3658433"/>
-                </a:cubicBezTo>
-                <a:cubicBezTo>
-                  <a:pt x="1062266" y="3675861"/>
-                  <a:pt x="844191" y="3674339"/>
-                  <a:pt x="685956" y="3658433"/>
-                </a:cubicBezTo>
-                <a:cubicBezTo>
-                  <a:pt x="527721" y="3642527"/>
-                  <a:pt x="337512" y="3685222"/>
-                  <a:pt x="0" y="3658433"/>
-                </a:cubicBezTo>
-                <a:cubicBezTo>
-                  <a:pt x="-14745" y="3403216"/>
-                  <a:pt x="10493" y="3242846"/>
-                  <a:pt x="0" y="3121863"/>
-                </a:cubicBezTo>
-                <a:cubicBezTo>
-                  <a:pt x="-10493" y="3000880"/>
-                  <a:pt x="-25831" y="2590327"/>
-                  <a:pt x="0" y="2438955"/>
-                </a:cubicBezTo>
-                <a:cubicBezTo>
-                  <a:pt x="25831" y="2287583"/>
-                  <a:pt x="-11007" y="2108416"/>
-                  <a:pt x="0" y="1865801"/>
-                </a:cubicBezTo>
-                <a:cubicBezTo>
-                  <a:pt x="11007" y="1623186"/>
-                  <a:pt x="2728" y="1565793"/>
-                  <a:pt x="0" y="1292646"/>
-                </a:cubicBezTo>
-                <a:cubicBezTo>
-                  <a:pt x="-2728" y="1019499"/>
-                  <a:pt x="-11485" y="970614"/>
-                  <a:pt x="0" y="682907"/>
-                </a:cubicBezTo>
-                <a:cubicBezTo>
-                  <a:pt x="11485" y="395200"/>
-                  <a:pt x="-23788" y="272180"/>
-                  <a:pt x="0" y="0"/>
-                </a:cubicBezTo>
-                <a:close/>
-              </a:path>
-            </a:pathLst>
-          </a:custGeom>
-          <a:ln w="28575">
-            <a:solidFill>
-              <a:schemeClr val="accent2"/>
-            </a:solidFill>
-            <a:extLst>
-              <a:ext uri="{C807C97D-BFC1-408E-A445-0C87EB9F89A2}">
-                <ask:lineSketchStyleProps xmlns:ask="http://schemas.microsoft.com/office/drawing/2018/sketchyshapes" sd="1231067364">
-                  <a:prstGeom prst="rect">
-                    <a:avLst/>
-                  </a:prstGeom>
-                  <ask:type>
-                    <ask:lineSketchFreehand/>
-                  </ask:type>
-                </ask:lineSketchStyleProps>
-              </a:ext>
-            </a:extLst>
-          </a:ln>
-        </p:spPr>
-      </p:pic>
-    </p:spTree>
-    <p:extLst>
-      <p:ext uri="{BB962C8B-B14F-4D97-AF65-F5344CB8AC3E}">
-        <p14:creationId xmlns:p14="http://schemas.microsoft.com/office/powerpoint/2010/main" val="2871784347"/>
-      </p:ext>
-    </p:extLst>
-  </p:cSld>
-  <p:clrMapOvr>
-    <a:masterClrMapping/>
-  </p:clrMapOvr>
-</p:sld>
-</file>
-
-<file path=ppt/slides/slide2.xml><?xml version="1.0" encoding="utf-8"?>
-<p:sld xmlns:a="http://schemas.openxmlformats.org/drawingml/2006/main" xmlns:r="http://schemas.openxmlformats.org/officeDocument/2006/relationships" xmlns:p="http://schemas.openxmlformats.org/presentationml/2006/main">
-  <p:cSld>
-    <p:spTree>
-      <p:nvGrpSpPr>
-        <p:cNvPr id="1" name=""/>
-        <p:cNvGrpSpPr/>
-        <p:nvPr/>
-      </p:nvGrpSpPr>
-      <p:grpSpPr>
-        <a:xfrm>
-          <a:off x="0" y="0"/>
-          <a:ext cx="0" cy="0"/>
-          <a:chOff x="0" y="0"/>
-          <a:chExt cx="0" cy="0"/>
-        </a:xfrm>
-      </p:grpSpPr>
-      <p:sp>
-        <p:nvSpPr>
-          <p:cNvPr id="7" name="Title 6">
-            <a:extLst>
-              <a:ext uri="{FF2B5EF4-FFF2-40B4-BE49-F238E27FC236}">
-                <a16:creationId xmlns:a16="http://schemas.microsoft.com/office/drawing/2014/main" id="{C1EB06E6-AE4C-4447-A4E5-349721CE5F95}"/>
-              </a:ext>
-            </a:extLst>
-          </p:cNvPr>
-          <p:cNvSpPr>
-            <a:spLocks noGrp="1"/>
-          </p:cNvSpPr>
-          <p:nvPr>
-            <p:ph type="title"/>
-          </p:nvPr>
-        </p:nvSpPr>
-        <p:spPr>
-          <a:xfrm>
-            <a:off x="3316224" y="1897579"/>
-            <a:ext cx="5559552" cy="2514600"/>
-          </a:xfrm>
-        </p:spPr>
-        <p:txBody>
-          <a:bodyPr/>
-          <a:lstStyle/>
-          <a:p>
-            <a:r>
-              <a:rPr lang="en-US" dirty="0"/>
-              <a:t>What is Outsider Music?</a:t>
-            </a:r>
-          </a:p>
-        </p:txBody>
-      </p:sp>
-      <p:sp>
-        <p:nvSpPr>
-          <p:cNvPr id="4" name="Date Placeholder 3">
-            <a:extLst>
-              <a:ext uri="{FF2B5EF4-FFF2-40B4-BE49-F238E27FC236}">
-                <a16:creationId xmlns:a16="http://schemas.microsoft.com/office/drawing/2014/main" id="{8B5212AF-E97C-4BEE-A1C3-B5B3951B3548}"/>
-              </a:ext>
-            </a:extLst>
-          </p:cNvPr>
-          <p:cNvSpPr>
-            <a:spLocks noGrp="1"/>
-          </p:cNvSpPr>
-          <p:nvPr>
-            <p:ph type="dt" sz="half" idx="4294967295"/>
-          </p:nvPr>
-        </p:nvSpPr>
-        <p:spPr>
-          <a:xfrm>
-            <a:off x="0" y="6356350"/>
-            <a:ext cx="2743200" cy="365125"/>
-          </a:xfrm>
-        </p:spPr>
-        <p:txBody>
-          <a:bodyPr/>
-          <a:lstStyle/>
-          <a:p>
-            <a:pPr>
-              <a:defRPr/>
-            </a:pPr>
-            <a:r>
-              <a:rPr lang="en-US">
-                <a:solidFill>
-                  <a:prstClr val="black">
-                    <a:tint val="75000"/>
-                  </a:prstClr>
-                </a:solidFill>
-              </a:rPr>
-              <a:t>4/21/2022</a:t>
-            </a:r>
-            <a:endParaRPr lang="en-US" dirty="0">
-              <a:solidFill>
-                <a:prstClr val="black">
-                  <a:tint val="75000"/>
-                </a:prstClr>
-              </a:solidFill>
-            </a:endParaRPr>
-          </a:p>
-        </p:txBody>
-      </p:sp>
-      <p:sp>
-        <p:nvSpPr>
-          <p:cNvPr id="6" name="Slide Number Placeholder 5">
-            <a:extLst>
-              <a:ext uri="{FF2B5EF4-FFF2-40B4-BE49-F238E27FC236}">
-                <a16:creationId xmlns:a16="http://schemas.microsoft.com/office/drawing/2014/main" id="{DF102104-4018-4E85-BB39-33D04D48A274}"/>
-              </a:ext>
-            </a:extLst>
-          </p:cNvPr>
-          <p:cNvSpPr>
-            <a:spLocks noGrp="1"/>
-          </p:cNvSpPr>
-          <p:nvPr>
-            <p:ph type="sldNum" sz="quarter" idx="4294967295"/>
-          </p:nvPr>
-        </p:nvSpPr>
-        <p:spPr>
-          <a:xfrm>
-            <a:off x="9448800" y="6356350"/>
-            <a:ext cx="2743200" cy="365125"/>
-          </a:xfrm>
-        </p:spPr>
-        <p:txBody>
-          <a:bodyPr/>
-          <a:lstStyle/>
-          <a:p>
-            <a:pPr>
-              <a:defRPr/>
-            </a:pPr>
-            <a:fld id="{D76B855D-E9CC-4FF8-AD85-6CDC7B89A0DE}" type="slidenum">
-              <a:rPr lang="en-US" smtClean="0">
-                <a:solidFill>
-                  <a:prstClr val="black">
-                    <a:tint val="75000"/>
-                  </a:prstClr>
-                </a:solidFill>
-              </a:rPr>
-              <a:pPr>
-                <a:defRPr/>
-              </a:pPr>
-              <a:t>2</a:t>
-            </a:fld>
-            <a:endParaRPr lang="en-US" dirty="0">
-              <a:solidFill>
-                <a:prstClr val="black">
-                  <a:tint val="75000"/>
-                </a:prstClr>
-              </a:solidFill>
-            </a:endParaRPr>
-          </a:p>
-        </p:txBody>
-      </p:sp>
-    </p:spTree>
-    <p:extLst>
-      <p:ext uri="{BB962C8B-B14F-4D97-AF65-F5344CB8AC3E}">
-        <p14:creationId xmlns:p14="http://schemas.microsoft.com/office/powerpoint/2010/main" val="3134892446"/>
-      </p:ext>
-    </p:extLst>
-  </p:cSld>
-  <p:clrMapOvr>
-    <a:masterClrMapping/>
-  </p:clrMapOvr>
-</p:sld>
-</file>
-
-<file path=ppt/slides/slide20.xml><?xml version="1.0" encoding="utf-8"?>
-<p:sld xmlns:a="http://schemas.openxmlformats.org/drawingml/2006/main" xmlns:r="http://schemas.openxmlformats.org/officeDocument/2006/relationships" xmlns:p="http://schemas.openxmlformats.org/presentationml/2006/main">
-  <p:cSld>
-    <p:spTree>
-      <p:nvGrpSpPr>
-        <p:cNvPr id="1" name=""/>
-        <p:cNvGrpSpPr/>
-        <p:nvPr/>
-      </p:nvGrpSpPr>
-      <p:grpSpPr>
-        <a:xfrm>
-          <a:off x="0" y="0"/>
-          <a:ext cx="0" cy="0"/>
-          <a:chOff x="0" y="0"/>
-          <a:chExt cx="0" cy="0"/>
-        </a:xfrm>
-      </p:grpSpPr>
-      <p:sp>
-        <p:nvSpPr>
-          <p:cNvPr id="2" name="Title 1">
-            <a:extLst>
-              <a:ext uri="{FF2B5EF4-FFF2-40B4-BE49-F238E27FC236}">
-                <a16:creationId xmlns:a16="http://schemas.microsoft.com/office/drawing/2014/main" id="{876DE199-FE83-465A-8AF3-7635C9F6E352}"/>
-              </a:ext>
-            </a:extLst>
-          </p:cNvPr>
-          <p:cNvSpPr>
-            <a:spLocks noGrp="1"/>
-          </p:cNvSpPr>
-          <p:nvPr>
-            <p:ph type="title"/>
-          </p:nvPr>
-        </p:nvSpPr>
-        <p:spPr/>
-        <p:txBody>
-          <a:bodyPr/>
-          <a:lstStyle/>
-          <a:p>
-            <a:r>
-              <a:rPr lang="en-US" dirty="0"/>
-              <a:t>Most Common Words</a:t>
-            </a:r>
-            <a:br>
-              <a:rPr lang="en-US" dirty="0"/>
-            </a:br>
-            <a:r>
-              <a:rPr lang="en-US" sz="3600" dirty="0"/>
-              <a:t>Popular Music</a:t>
-            </a:r>
-            <a:endParaRPr lang="en-US" dirty="0"/>
-          </a:p>
-        </p:txBody>
-      </p:sp>
-      <p:sp>
-        <p:nvSpPr>
-          <p:cNvPr id="7" name="Content Placeholder 6">
-            <a:extLst>
-              <a:ext uri="{FF2B5EF4-FFF2-40B4-BE49-F238E27FC236}">
-                <a16:creationId xmlns:a16="http://schemas.microsoft.com/office/drawing/2014/main" id="{5BAD909F-B98E-433D-8D76-678625B02037}"/>
-              </a:ext>
-            </a:extLst>
-          </p:cNvPr>
-          <p:cNvSpPr>
-            <a:spLocks noGrp="1"/>
-          </p:cNvSpPr>
-          <p:nvPr>
-            <p:ph sz="half" idx="1"/>
-          </p:nvPr>
-        </p:nvSpPr>
-        <p:spPr/>
-        <p:txBody>
-          <a:bodyPr/>
-          <a:lstStyle/>
-          <a:p>
-            <a:pPr marL="0" indent="0">
-              <a:buNone/>
-            </a:pPr>
-            <a:r>
-              <a:rPr lang="en-US" dirty="0"/>
-              <a:t>With </a:t>
-            </a:r>
-            <a:r>
-              <a:rPr lang="en-US" dirty="0" err="1"/>
-              <a:t>Stopwords</a:t>
-            </a:r>
-            <a:endParaRPr lang="en-US" dirty="0"/>
-          </a:p>
-        </p:txBody>
-      </p:sp>
-      <p:sp>
-        <p:nvSpPr>
-          <p:cNvPr id="8" name="Content Placeholder 7">
-            <a:extLst>
-              <a:ext uri="{FF2B5EF4-FFF2-40B4-BE49-F238E27FC236}">
-                <a16:creationId xmlns:a16="http://schemas.microsoft.com/office/drawing/2014/main" id="{4806BE0A-87EA-48D6-A6D5-9C703235F93D}"/>
-              </a:ext>
-            </a:extLst>
-          </p:cNvPr>
-          <p:cNvSpPr>
-            <a:spLocks noGrp="1"/>
-          </p:cNvSpPr>
-          <p:nvPr>
-            <p:ph sz="half" idx="2"/>
-          </p:nvPr>
-        </p:nvSpPr>
-        <p:spPr/>
-        <p:txBody>
-          <a:bodyPr/>
-          <a:lstStyle/>
-          <a:p>
-            <a:pPr marL="0" indent="0">
-              <a:buNone/>
-            </a:pPr>
-            <a:r>
-              <a:rPr lang="en-US" dirty="0"/>
-              <a:t>Without </a:t>
-            </a:r>
-            <a:r>
-              <a:rPr lang="en-US" dirty="0" err="1"/>
-              <a:t>Stopwords</a:t>
-            </a:r>
-            <a:endParaRPr lang="en-US" dirty="0"/>
-          </a:p>
-        </p:txBody>
-      </p:sp>
-      <p:sp>
-        <p:nvSpPr>
-          <p:cNvPr id="4" name="Date Placeholder 3">
-            <a:extLst>
-              <a:ext uri="{FF2B5EF4-FFF2-40B4-BE49-F238E27FC236}">
-                <a16:creationId xmlns:a16="http://schemas.microsoft.com/office/drawing/2014/main" id="{30680FA4-3E57-42B7-A02B-5FFA5641EFBF}"/>
-              </a:ext>
-            </a:extLst>
-          </p:cNvPr>
-          <p:cNvSpPr>
-            <a:spLocks noGrp="1"/>
-          </p:cNvSpPr>
-          <p:nvPr>
-            <p:ph type="dt" sz="half" idx="10"/>
-          </p:nvPr>
-        </p:nvSpPr>
-        <p:spPr/>
-        <p:txBody>
-          <a:bodyPr/>
-          <a:lstStyle/>
-          <a:p>
-            <a:pPr>
-              <a:defRPr/>
-            </a:pPr>
-            <a:r>
-              <a:rPr lang="en-US">
-                <a:solidFill>
-                  <a:prstClr val="black">
-                    <a:tint val="75000"/>
-                  </a:prstClr>
-                </a:solidFill>
-              </a:rPr>
-              <a:t>4/21/2022</a:t>
-            </a:r>
-            <a:endParaRPr lang="en-US" dirty="0">
-              <a:solidFill>
-                <a:prstClr val="black">
-                  <a:tint val="75000"/>
-                </a:prstClr>
-              </a:solidFill>
-            </a:endParaRPr>
-          </a:p>
-        </p:txBody>
-      </p:sp>
-      <p:sp>
-        <p:nvSpPr>
-          <p:cNvPr id="5" name="Footer Placeholder 4">
-            <a:extLst>
-              <a:ext uri="{FF2B5EF4-FFF2-40B4-BE49-F238E27FC236}">
-                <a16:creationId xmlns:a16="http://schemas.microsoft.com/office/drawing/2014/main" id="{71560145-D8D3-45CE-8B9F-11E36FDEF818}"/>
-              </a:ext>
-            </a:extLst>
-          </p:cNvPr>
-          <p:cNvSpPr>
-            <a:spLocks noGrp="1"/>
-          </p:cNvSpPr>
-          <p:nvPr>
-            <p:ph type="ftr" sz="quarter" idx="11"/>
-          </p:nvPr>
-        </p:nvSpPr>
-        <p:spPr/>
-        <p:txBody>
-          <a:bodyPr/>
-          <a:lstStyle/>
-          <a:p>
-            <a:pPr>
-              <a:defRPr/>
-            </a:pPr>
-            <a:r>
-              <a:rPr lang="en-US">
-                <a:solidFill>
-                  <a:prstClr val="black">
-                    <a:tint val="75000"/>
-                  </a:prstClr>
-                </a:solidFill>
-              </a:rPr>
-              <a:t>A Linguistic Look Inside Outsider Music</a:t>
-            </a:r>
-            <a:endParaRPr lang="en-US" dirty="0">
-              <a:solidFill>
-                <a:prstClr val="black">
-                  <a:tint val="75000"/>
-                </a:prstClr>
-              </a:solidFill>
-            </a:endParaRPr>
-          </a:p>
-        </p:txBody>
-      </p:sp>
-      <p:sp>
-        <p:nvSpPr>
-          <p:cNvPr id="6" name="Slide Number Placeholder 5">
-            <a:extLst>
-              <a:ext uri="{FF2B5EF4-FFF2-40B4-BE49-F238E27FC236}">
-                <a16:creationId xmlns:a16="http://schemas.microsoft.com/office/drawing/2014/main" id="{CFBBD4AB-7D1D-4975-A94C-C4587E1E65D4}"/>
-              </a:ext>
-            </a:extLst>
-          </p:cNvPr>
-          <p:cNvSpPr>
-            <a:spLocks noGrp="1"/>
-          </p:cNvSpPr>
-          <p:nvPr>
-            <p:ph type="sldNum" sz="quarter" idx="12"/>
-          </p:nvPr>
-        </p:nvSpPr>
-        <p:spPr/>
-        <p:txBody>
-          <a:bodyPr/>
-          <a:lstStyle/>
-          <a:p>
-            <a:pPr>
-              <a:defRPr/>
-            </a:pPr>
-            <a:fld id="{D76B855D-E9CC-4FF8-AD85-6CDC7B89A0DE}" type="slidenum">
-              <a:rPr lang="en-US" smtClean="0">
-                <a:solidFill>
-                  <a:prstClr val="black">
-                    <a:tint val="75000"/>
-                  </a:prstClr>
-                </a:solidFill>
-              </a:rPr>
-              <a:pPr>
-                <a:defRPr/>
-              </a:pPr>
-              <a:t>20</a:t>
-            </a:fld>
-            <a:endParaRPr lang="en-US" dirty="0">
-              <a:solidFill>
-                <a:prstClr val="black">
-                  <a:tint val="75000"/>
-                </a:prstClr>
-              </a:solidFill>
-            </a:endParaRPr>
-          </a:p>
-        </p:txBody>
-      </p:sp>
-      <p:pic>
-        <p:nvPicPr>
-          <p:cNvPr id="9" name="Picture 8" descr="Chart, bar chart&#10;&#10;Description automatically generated">
-            <a:extLst>
-              <a:ext uri="{FF2B5EF4-FFF2-40B4-BE49-F238E27FC236}">
-                <a16:creationId xmlns:a16="http://schemas.microsoft.com/office/drawing/2014/main" id="{8EBEA208-2004-4AD2-A153-254814130520}"/>
-              </a:ext>
-            </a:extLst>
-          </p:cNvPr>
-          <p:cNvPicPr>
-            <a:picLocks noChangeAspect="1"/>
-          </p:cNvPicPr>
-          <p:nvPr/>
-        </p:nvPicPr>
-        <p:blipFill>
-          <a:blip r:embed="rId3"/>
-          <a:stretch>
-            <a:fillRect/>
-          </a:stretch>
-        </p:blipFill>
-        <p:spPr>
-          <a:xfrm>
-            <a:off x="5806818" y="2504319"/>
-            <a:ext cx="4693163" cy="3128775"/>
-          </a:xfrm>
-          <a:prstGeom prst="rect">
-            <a:avLst/>
-          </a:prstGeom>
-        </p:spPr>
-      </p:pic>
-      <p:pic>
-        <p:nvPicPr>
-          <p:cNvPr id="13" name="Picture 12" descr="Chart, bar chart, histogram&#10;&#10;Description automatically generated">
-            <a:extLst>
-              <a:ext uri="{FF2B5EF4-FFF2-40B4-BE49-F238E27FC236}">
-                <a16:creationId xmlns:a16="http://schemas.microsoft.com/office/drawing/2014/main" id="{42947EFE-DE8A-46FC-A9FA-C68581B927B6}"/>
-              </a:ext>
-            </a:extLst>
-          </p:cNvPr>
-          <p:cNvPicPr>
-            <a:picLocks noChangeAspect="1"/>
-          </p:cNvPicPr>
-          <p:nvPr/>
-        </p:nvPicPr>
-        <p:blipFill>
-          <a:blip r:embed="rId4"/>
-          <a:stretch>
-            <a:fillRect/>
-          </a:stretch>
-        </p:blipFill>
-        <p:spPr>
-          <a:xfrm>
-            <a:off x="700434" y="2504319"/>
-            <a:ext cx="4693163" cy="3128775"/>
-          </a:xfrm>
-          <a:prstGeom prst="rect">
-            <a:avLst/>
-          </a:prstGeom>
-        </p:spPr>
-      </p:pic>
-    </p:spTree>
-    <p:extLst>
-      <p:ext uri="{BB962C8B-B14F-4D97-AF65-F5344CB8AC3E}">
-        <p14:creationId xmlns:p14="http://schemas.microsoft.com/office/powerpoint/2010/main" val="3886558540"/>
-      </p:ext>
-    </p:extLst>
-  </p:cSld>
-  <p:clrMapOvr>
-    <a:masterClrMapping/>
-  </p:clrMapOvr>
-</p:sld>
-</file>
-
-<file path=ppt/slides/slide21.xml><?xml version="1.0" encoding="utf-8"?>
-<p:sld xmlns:a="http://schemas.openxmlformats.org/drawingml/2006/main" xmlns:r="http://schemas.openxmlformats.org/officeDocument/2006/relationships" xmlns:p="http://schemas.openxmlformats.org/presentationml/2006/main">
-  <p:cSld>
-    <p:spTree>
-      <p:nvGrpSpPr>
-        <p:cNvPr id="1" name=""/>
-        <p:cNvGrpSpPr/>
-        <p:nvPr/>
-      </p:nvGrpSpPr>
-      <p:grpSpPr>
-        <a:xfrm>
-          <a:off x="0" y="0"/>
-          <a:ext cx="0" cy="0"/>
-          <a:chOff x="0" y="0"/>
-          <a:chExt cx="0" cy="0"/>
-        </a:xfrm>
-      </p:grpSpPr>
-      <p:sp>
-        <p:nvSpPr>
-          <p:cNvPr id="2" name="Title 1">
-            <a:extLst>
-              <a:ext uri="{FF2B5EF4-FFF2-40B4-BE49-F238E27FC236}">
-                <a16:creationId xmlns:a16="http://schemas.microsoft.com/office/drawing/2014/main" id="{BBC6DC9B-96AC-4414-8CE7-3C4AE626A1FE}"/>
-              </a:ext>
-            </a:extLst>
-          </p:cNvPr>
-          <p:cNvSpPr>
-            <a:spLocks noGrp="1"/>
-          </p:cNvSpPr>
-          <p:nvPr>
-            <p:ph type="title"/>
-          </p:nvPr>
-        </p:nvSpPr>
-        <p:spPr/>
-        <p:txBody>
-          <a:bodyPr/>
-          <a:lstStyle/>
-          <a:p>
-            <a:r>
-              <a:rPr lang="en-US" dirty="0"/>
-              <a:t>So far…	OUTSIDER vs. POP</a:t>
-            </a:r>
-          </a:p>
-        </p:txBody>
-      </p:sp>
-      <p:sp>
-        <p:nvSpPr>
-          <p:cNvPr id="3" name="Content Placeholder 2">
-            <a:extLst>
-              <a:ext uri="{FF2B5EF4-FFF2-40B4-BE49-F238E27FC236}">
-                <a16:creationId xmlns:a16="http://schemas.microsoft.com/office/drawing/2014/main" id="{D4E9351D-68C8-457A-BCBF-AE9322857AE5}"/>
-              </a:ext>
-            </a:extLst>
-          </p:cNvPr>
-          <p:cNvSpPr>
-            <a:spLocks noGrp="1"/>
-          </p:cNvSpPr>
-          <p:nvPr>
-            <p:ph idx="1"/>
-          </p:nvPr>
-        </p:nvSpPr>
-        <p:spPr>
-          <a:xfrm>
-            <a:off x="1181100" y="1499129"/>
-            <a:ext cx="9829800" cy="3859742"/>
-          </a:xfrm>
-        </p:spPr>
-        <p:txBody>
-          <a:bodyPr anchor="ctr"/>
-          <a:lstStyle/>
-          <a:p>
-            <a:pPr>
-              <a:lnSpc>
-                <a:spcPct val="150000"/>
-              </a:lnSpc>
-            </a:pPr>
-            <a:r>
-              <a:rPr lang="en-US" dirty="0"/>
-              <a:t>There is some disparity in average text length</a:t>
-            </a:r>
-          </a:p>
-          <a:p>
-            <a:pPr>
-              <a:lnSpc>
-                <a:spcPct val="150000"/>
-              </a:lnSpc>
-            </a:pPr>
-            <a:r>
-              <a:rPr lang="en-US" dirty="0"/>
-              <a:t>Huge difference in most common words, BUT:</a:t>
-            </a:r>
-          </a:p>
-          <a:p>
-            <a:pPr lvl="1">
-              <a:lnSpc>
-                <a:spcPct val="150000"/>
-              </a:lnSpc>
-            </a:pPr>
-            <a:r>
-              <a:rPr lang="en-US" dirty="0"/>
-              <a:t>The artist distribution is very different for the two datasets</a:t>
-            </a:r>
-          </a:p>
-          <a:p>
-            <a:pPr lvl="1">
-              <a:lnSpc>
-                <a:spcPct val="100000"/>
-              </a:lnSpc>
-            </a:pPr>
-            <a:r>
-              <a:rPr lang="en-US" dirty="0"/>
-              <a:t>The most common words in the outsider corpus appear idiosyncratic</a:t>
-            </a:r>
-          </a:p>
-        </p:txBody>
-      </p:sp>
-      <p:sp>
-        <p:nvSpPr>
-          <p:cNvPr id="4" name="Date Placeholder 3">
-            <a:extLst>
-              <a:ext uri="{FF2B5EF4-FFF2-40B4-BE49-F238E27FC236}">
-                <a16:creationId xmlns:a16="http://schemas.microsoft.com/office/drawing/2014/main" id="{D1FF5443-B714-4CE5-BA98-6A876CF22E11}"/>
-              </a:ext>
-            </a:extLst>
-          </p:cNvPr>
-          <p:cNvSpPr>
-            <a:spLocks noGrp="1"/>
-          </p:cNvSpPr>
-          <p:nvPr>
-            <p:ph type="dt" sz="half" idx="10"/>
-          </p:nvPr>
-        </p:nvSpPr>
-        <p:spPr/>
-        <p:txBody>
-          <a:bodyPr/>
-          <a:lstStyle/>
-          <a:p>
-            <a:pPr>
-              <a:defRPr/>
-            </a:pPr>
-            <a:r>
-              <a:rPr lang="en-US">
-                <a:solidFill>
-                  <a:prstClr val="black">
-                    <a:tint val="75000"/>
-                  </a:prstClr>
-                </a:solidFill>
-              </a:rPr>
-              <a:t>4/21/2022</a:t>
-            </a:r>
-            <a:endParaRPr lang="en-US" dirty="0">
-              <a:solidFill>
-                <a:prstClr val="black">
-                  <a:tint val="75000"/>
-                </a:prstClr>
-              </a:solidFill>
-            </a:endParaRPr>
-          </a:p>
-        </p:txBody>
-      </p:sp>
-      <p:sp>
-        <p:nvSpPr>
-          <p:cNvPr id="5" name="Footer Placeholder 4">
-            <a:extLst>
-              <a:ext uri="{FF2B5EF4-FFF2-40B4-BE49-F238E27FC236}">
-                <a16:creationId xmlns:a16="http://schemas.microsoft.com/office/drawing/2014/main" id="{7C229DF4-9112-453D-BC47-B5A6994B3F25}"/>
-              </a:ext>
-            </a:extLst>
-          </p:cNvPr>
-          <p:cNvSpPr>
-            <a:spLocks noGrp="1"/>
-          </p:cNvSpPr>
-          <p:nvPr>
-            <p:ph type="ftr" sz="quarter" idx="11"/>
-          </p:nvPr>
-        </p:nvSpPr>
-        <p:spPr/>
-        <p:txBody>
-          <a:bodyPr/>
-          <a:lstStyle/>
-          <a:p>
-            <a:pPr>
-              <a:defRPr/>
-            </a:pPr>
-            <a:r>
-              <a:rPr lang="en-US">
-                <a:solidFill>
-                  <a:prstClr val="black">
-                    <a:tint val="75000"/>
-                  </a:prstClr>
-                </a:solidFill>
-              </a:rPr>
-              <a:t>A Linguistic Look Inside Outsider Music</a:t>
-            </a:r>
-            <a:endParaRPr lang="en-US" dirty="0">
-              <a:solidFill>
-                <a:prstClr val="black">
-                  <a:tint val="75000"/>
-                </a:prstClr>
-              </a:solidFill>
-            </a:endParaRPr>
-          </a:p>
-        </p:txBody>
-      </p:sp>
-      <p:sp>
-        <p:nvSpPr>
-          <p:cNvPr id="6" name="Slide Number Placeholder 5">
-            <a:extLst>
-              <a:ext uri="{FF2B5EF4-FFF2-40B4-BE49-F238E27FC236}">
-                <a16:creationId xmlns:a16="http://schemas.microsoft.com/office/drawing/2014/main" id="{16DEAC53-12C7-46BC-AEF8-7DCCCF1D91F6}"/>
-              </a:ext>
-            </a:extLst>
-          </p:cNvPr>
-          <p:cNvSpPr>
-            <a:spLocks noGrp="1"/>
-          </p:cNvSpPr>
-          <p:nvPr>
-            <p:ph type="sldNum" sz="quarter" idx="12"/>
-          </p:nvPr>
-        </p:nvSpPr>
-        <p:spPr/>
-        <p:txBody>
-          <a:bodyPr/>
-          <a:lstStyle/>
-          <a:p>
-            <a:pPr>
-              <a:defRPr/>
-            </a:pPr>
-            <a:fld id="{D76B855D-E9CC-4FF8-AD85-6CDC7B89A0DE}" type="slidenum">
-              <a:rPr lang="en-US" smtClean="0">
-                <a:solidFill>
-                  <a:prstClr val="black">
-                    <a:tint val="75000"/>
-                  </a:prstClr>
-                </a:solidFill>
-              </a:rPr>
-              <a:pPr>
-                <a:defRPr/>
-              </a:pPr>
-              <a:t>21</a:t>
-            </a:fld>
-            <a:endParaRPr lang="en-US" dirty="0">
-              <a:solidFill>
-                <a:prstClr val="black">
-                  <a:tint val="75000"/>
-                </a:prstClr>
-              </a:solidFill>
-            </a:endParaRPr>
-          </a:p>
-        </p:txBody>
-      </p:sp>
-    </p:spTree>
-    <p:extLst>
-      <p:ext uri="{BB962C8B-B14F-4D97-AF65-F5344CB8AC3E}">
-        <p14:creationId xmlns:p14="http://schemas.microsoft.com/office/powerpoint/2010/main" val="2730189434"/>
-      </p:ext>
-    </p:extLst>
-  </p:cSld>
-  <p:clrMapOvr>
-    <a:masterClrMapping/>
-  </p:clrMapOvr>
-</p:sld>
-</file>
-
-<file path=ppt/slides/slide22.xml><?xml version="1.0" encoding="utf-8"?>
-<p:sld xmlns:a="http://schemas.openxmlformats.org/drawingml/2006/main" xmlns:r="http://schemas.openxmlformats.org/officeDocument/2006/relationships" xmlns:p="http://schemas.openxmlformats.org/presentationml/2006/main">
-  <p:cSld>
-    <p:spTree>
-      <p:nvGrpSpPr>
-        <p:cNvPr id="1" name=""/>
-        <p:cNvGrpSpPr/>
-        <p:nvPr/>
-      </p:nvGrpSpPr>
-      <p:grpSpPr>
-        <a:xfrm>
-          <a:off x="0" y="0"/>
-          <a:ext cx="0" cy="0"/>
-          <a:chOff x="0" y="0"/>
-          <a:chExt cx="0" cy="0"/>
-        </a:xfrm>
-      </p:grpSpPr>
-      <p:sp>
-        <p:nvSpPr>
-          <p:cNvPr id="2" name="Title 1">
-            <a:extLst>
-              <a:ext uri="{FF2B5EF4-FFF2-40B4-BE49-F238E27FC236}">
-                <a16:creationId xmlns:a16="http://schemas.microsoft.com/office/drawing/2014/main" id="{918B2A4F-8B7A-47EF-9FF1-9FB789FD3DB8}"/>
-              </a:ext>
-            </a:extLst>
-          </p:cNvPr>
-          <p:cNvSpPr>
-            <a:spLocks noGrp="1"/>
-          </p:cNvSpPr>
-          <p:nvPr>
-            <p:ph type="title"/>
-          </p:nvPr>
-        </p:nvSpPr>
-        <p:spPr>
-          <a:xfrm>
-            <a:off x="3316224" y="1738553"/>
-            <a:ext cx="5559552" cy="2514600"/>
-          </a:xfrm>
-        </p:spPr>
-        <p:txBody>
-          <a:bodyPr/>
-          <a:lstStyle/>
-          <a:p>
-            <a:r>
-              <a:rPr lang="en-US" dirty="0"/>
-              <a:t>The Faces of Outsider Music</a:t>
-            </a:r>
-          </a:p>
-        </p:txBody>
-      </p:sp>
-    </p:spTree>
-    <p:extLst>
-      <p:ext uri="{BB962C8B-B14F-4D97-AF65-F5344CB8AC3E}">
-        <p14:creationId xmlns:p14="http://schemas.microsoft.com/office/powerpoint/2010/main" val="527679230"/>
-      </p:ext>
-    </p:extLst>
-  </p:cSld>
-  <p:clrMapOvr>
-    <a:masterClrMapping/>
-  </p:clrMapOvr>
-</p:sld>
-</file>
-
-<file path=ppt/slides/slide23.xml><?xml version="1.0" encoding="utf-8"?>
-<p:sld xmlns:a="http://schemas.openxmlformats.org/drawingml/2006/main" xmlns:r="http://schemas.openxmlformats.org/officeDocument/2006/relationships" xmlns:p="http://schemas.openxmlformats.org/presentationml/2006/main">
-  <p:cSld>
-    <p:bg>
-      <p:bgPr>
-        <a:solidFill>
-          <a:schemeClr val="bg1"/>
-        </a:solidFill>
-        <a:effectLst/>
-      </p:bgPr>
-    </p:bg>
-    <p:spTree>
-      <p:nvGrpSpPr>
-        <p:cNvPr id="1" name=""/>
-        <p:cNvGrpSpPr/>
-        <p:nvPr/>
-      </p:nvGrpSpPr>
-      <p:grpSpPr>
-        <a:xfrm>
-          <a:off x="0" y="0"/>
-          <a:ext cx="0" cy="0"/>
-          <a:chOff x="0" y="0"/>
-          <a:chExt cx="0" cy="0"/>
-        </a:xfrm>
-      </p:grpSpPr>
-      <p:sp useBgFill="1">
-        <p:nvSpPr>
-          <p:cNvPr id="13" name="Rectangle 12">
-            <a:extLst>
-              <a:ext uri="{FF2B5EF4-FFF2-40B4-BE49-F238E27FC236}">
-                <a16:creationId xmlns:a16="http://schemas.microsoft.com/office/drawing/2014/main" id="{2EB492CD-616E-47F8-933B-5E2D952A0593}"/>
-              </a:ext>
-              <a:ext uri="{C183D7F6-B498-43B3-948B-1728B52AA6E4}">
-                <adec:decorative xmlns:adec="http://schemas.microsoft.com/office/drawing/2017/decorative" val="1"/>
-              </a:ext>
-            </a:extLst>
-          </p:cNvPr>
-          <p:cNvSpPr>
-            <a:spLocks noGrp="1" noRot="1" noChangeAspect="1" noMove="1" noResize="1" noEditPoints="1" noAdjustHandles="1" noChangeArrowheads="1" noChangeShapeType="1" noTextEdit="1"/>
-          </p:cNvSpPr>
-          <p:nvPr>
-            <p:extLst>
-              <p:ext uri="{386F3935-93C4-4BCD-93E2-E3B085C9AB24}">
-                <p16:designElem xmlns:p16="http://schemas.microsoft.com/office/powerpoint/2015/main" val="1"/>
-              </p:ext>
-            </p:extLst>
-          </p:nvPr>
-        </p:nvSpPr>
-        <p:spPr bwMode="white">
-          <a:xfrm>
-            <a:off x="0" y="0"/>
-            <a:ext cx="12192000" cy="6858000"/>
-          </a:xfrm>
-          <a:prstGeom prst="rect">
-            <a:avLst/>
-          </a:prstGeom>
-          <a:ln>
-            <a:noFill/>
-          </a:ln>
-        </p:spPr>
-        <p:style>
-          <a:lnRef idx="2">
-            <a:schemeClr val="accent1">
-              <a:shade val="50000"/>
-            </a:schemeClr>
-          </a:lnRef>
-          <a:fillRef idx="1">
-            <a:schemeClr val="accent1"/>
-          </a:fillRef>
-          <a:effectRef idx="0">
-            <a:schemeClr val="accent1"/>
-          </a:effectRef>
-          <a:fontRef idx="minor">
-            <a:schemeClr val="lt1"/>
-          </a:fontRef>
-        </p:style>
-        <p:txBody>
-          <a:bodyPr rtlCol="0" anchor="ctr"/>
-          <a:lstStyle>
-            <a:defPPr>
-              <a:defRPr lang="en-US"/>
-            </a:defPPr>
-            <a:lvl1pPr marL="0" algn="l" defTabSz="914400" rtl="0" eaLnBrk="1" latinLnBrk="0" hangingPunct="1">
-              <a:defRPr sz="1800" kern="1200">
-                <a:solidFill>
-                  <a:schemeClr val="lt1"/>
-                </a:solidFill>
-                <a:latin typeface="+mn-lt"/>
-                <a:ea typeface="+mn-ea"/>
-                <a:cs typeface="+mn-cs"/>
-              </a:defRPr>
-            </a:lvl1pPr>
-            <a:lvl2pPr marL="457200" algn="l" defTabSz="914400" rtl="0" eaLnBrk="1" latinLnBrk="0" hangingPunct="1">
-              <a:defRPr sz="1800" kern="1200">
-                <a:solidFill>
-                  <a:schemeClr val="lt1"/>
-                </a:solidFill>
-                <a:latin typeface="+mn-lt"/>
-                <a:ea typeface="+mn-ea"/>
-                <a:cs typeface="+mn-cs"/>
-              </a:defRPr>
-            </a:lvl2pPr>
-            <a:lvl3pPr marL="914400" algn="l" defTabSz="914400" rtl="0" eaLnBrk="1" latinLnBrk="0" hangingPunct="1">
-              <a:defRPr sz="1800" kern="1200">
-                <a:solidFill>
-                  <a:schemeClr val="lt1"/>
-                </a:solidFill>
-                <a:latin typeface="+mn-lt"/>
-                <a:ea typeface="+mn-ea"/>
-                <a:cs typeface="+mn-cs"/>
-              </a:defRPr>
-            </a:lvl3pPr>
-            <a:lvl4pPr marL="1371600" algn="l" defTabSz="914400" rtl="0" eaLnBrk="1" latinLnBrk="0" hangingPunct="1">
-              <a:defRPr sz="1800" kern="1200">
-                <a:solidFill>
-                  <a:schemeClr val="lt1"/>
-                </a:solidFill>
-                <a:latin typeface="+mn-lt"/>
-                <a:ea typeface="+mn-ea"/>
-                <a:cs typeface="+mn-cs"/>
-              </a:defRPr>
-            </a:lvl4pPr>
-            <a:lvl5pPr marL="1828800" algn="l" defTabSz="914400" rtl="0" eaLnBrk="1" latinLnBrk="0" hangingPunct="1">
-              <a:defRPr sz="1800" kern="1200">
-                <a:solidFill>
-                  <a:schemeClr val="lt1"/>
-                </a:solidFill>
-                <a:latin typeface="+mn-lt"/>
-                <a:ea typeface="+mn-ea"/>
-                <a:cs typeface="+mn-cs"/>
-              </a:defRPr>
-            </a:lvl5pPr>
-            <a:lvl6pPr marL="2286000" algn="l" defTabSz="914400" rtl="0" eaLnBrk="1" latinLnBrk="0" hangingPunct="1">
-              <a:defRPr sz="1800" kern="1200">
-                <a:solidFill>
-                  <a:schemeClr val="lt1"/>
-                </a:solidFill>
-                <a:latin typeface="+mn-lt"/>
-                <a:ea typeface="+mn-ea"/>
-                <a:cs typeface="+mn-cs"/>
-              </a:defRPr>
-            </a:lvl6pPr>
-            <a:lvl7pPr marL="2743200" algn="l" defTabSz="914400" rtl="0" eaLnBrk="1" latinLnBrk="0" hangingPunct="1">
-              <a:defRPr sz="1800" kern="1200">
-                <a:solidFill>
-                  <a:schemeClr val="lt1"/>
-                </a:solidFill>
-                <a:latin typeface="+mn-lt"/>
-                <a:ea typeface="+mn-ea"/>
-                <a:cs typeface="+mn-cs"/>
-              </a:defRPr>
-            </a:lvl7pPr>
-            <a:lvl8pPr marL="3200400" algn="l" defTabSz="914400" rtl="0" eaLnBrk="1" latinLnBrk="0" hangingPunct="1">
-              <a:defRPr sz="1800" kern="1200">
-                <a:solidFill>
-                  <a:schemeClr val="lt1"/>
-                </a:solidFill>
-                <a:latin typeface="+mn-lt"/>
-                <a:ea typeface="+mn-ea"/>
-                <a:cs typeface="+mn-cs"/>
-              </a:defRPr>
-            </a:lvl8pPr>
-            <a:lvl9pPr marL="3657600" algn="l" defTabSz="914400" rtl="0" eaLnBrk="1" latinLnBrk="0" hangingPunct="1">
-              <a:defRPr sz="1800" kern="1200">
-                <a:solidFill>
-                  <a:schemeClr val="lt1"/>
-                </a:solidFill>
-                <a:latin typeface="+mn-lt"/>
-                <a:ea typeface="+mn-ea"/>
-                <a:cs typeface="+mn-cs"/>
-              </a:defRPr>
-            </a:lvl9pPr>
-          </a:lstStyle>
-          <a:p>
-            <a:pPr marL="0" marR="0" lvl="0" indent="0" algn="ctr" defTabSz="914400" rtl="0" eaLnBrk="1" fontAlgn="auto" latinLnBrk="0" hangingPunct="1">
-              <a:lnSpc>
-                <a:spcPct val="100000"/>
-              </a:lnSpc>
-              <a:spcBef>
-                <a:spcPts val="0"/>
-              </a:spcBef>
-              <a:spcAft>
-                <a:spcPts val="0"/>
-              </a:spcAft>
-              <a:buClrTx/>
-              <a:buSzTx/>
-              <a:buFontTx/>
-              <a:buNone/>
-              <a:tabLst/>
-              <a:defRPr/>
-            </a:pPr>
-            <a:endParaRPr kumimoji="0" lang="en-US" sz="1800" b="0" i="0" u="none" strike="noStrike" kern="1200" cap="none" spc="0" normalizeH="0" baseline="0" noProof="0">
-              <a:ln>
-                <a:noFill/>
-              </a:ln>
-              <a:solidFill>
-                <a:prstClr val="white"/>
-              </a:solidFill>
-              <a:effectLst/>
-              <a:uLnTx/>
-              <a:uFillTx/>
-              <a:latin typeface="Calibri" panose="020F0502020204030204"/>
-              <a:ea typeface="+mn-ea"/>
-              <a:cs typeface="+mn-cs"/>
-            </a:endParaRPr>
-          </a:p>
-        </p:txBody>
-      </p:sp>
-      <p:sp>
-        <p:nvSpPr>
           <p:cNvPr id="15" name="Arc 14">
             <a:extLst>
               <a:ext uri="{FF2B5EF4-FFF2-40B4-BE49-F238E27FC236}">
@@ -27066,7 +26127,7 @@
                 </a:spcAft>
                 <a:defRPr/>
               </a:pPr>
-              <a:t>23</a:t>
+              <a:t>21</a:t>
             </a:fld>
             <a:endParaRPr lang="en-US">
               <a:solidFill>
@@ -27127,7 +26188,7 @@
 </p:sld>
 </file>
 
-<file path=ppt/slides/slide24.xml><?xml version="1.0" encoding="utf-8"?>
+<file path=ppt/slides/slide22.xml><?xml version="1.0" encoding="utf-8"?>
 <p:sld xmlns:a="http://schemas.openxmlformats.org/drawingml/2006/main" xmlns:r="http://schemas.openxmlformats.org/officeDocument/2006/relationships" xmlns:p="http://schemas.openxmlformats.org/presentationml/2006/main">
   <p:cSld>
     <p:spTree>
@@ -27307,7 +26368,7 @@
               <a:pPr>
                 <a:defRPr/>
               </a:pPr>
-              <a:t>24</a:t>
+              <a:t>22</a:t>
             </a:fld>
             <a:endParaRPr lang="en-US" dirty="0">
               <a:solidFill>
@@ -28039,7 +27100,7 @@
 </p:sld>
 </file>
 
-<file path=ppt/slides/slide25.xml><?xml version="1.0" encoding="utf-8"?>
+<file path=ppt/slides/slide23.xml><?xml version="1.0" encoding="utf-8"?>
 <p:sld xmlns:a="http://schemas.openxmlformats.org/drawingml/2006/main" xmlns:r="http://schemas.openxmlformats.org/officeDocument/2006/relationships" xmlns:p="http://schemas.openxmlformats.org/presentationml/2006/main">
   <p:cSld>
     <p:spTree>
@@ -28219,7 +27280,7 @@
               <a:pPr>
                 <a:defRPr/>
               </a:pPr>
-              <a:t>25</a:t>
+              <a:t>23</a:t>
             </a:fld>
             <a:endParaRPr lang="en-US" dirty="0">
               <a:solidFill>
@@ -28443,7 +27504,7 @@
 </p:sld>
 </file>
 
-<file path=ppt/slides/slide26.xml><?xml version="1.0" encoding="utf-8"?>
+<file path=ppt/slides/slide24.xml><?xml version="1.0" encoding="utf-8"?>
 <p:sld xmlns:a="http://schemas.openxmlformats.org/drawingml/2006/main" xmlns:r="http://schemas.openxmlformats.org/officeDocument/2006/relationships" xmlns:p="http://schemas.openxmlformats.org/presentationml/2006/main">
   <p:cSld>
     <p:spTree>
@@ -28656,7 +27717,7 @@
               <a:pPr>
                 <a:defRPr/>
               </a:pPr>
-              <a:t>26</a:t>
+              <a:t>24</a:t>
             </a:fld>
             <a:endParaRPr lang="en-US" dirty="0">
               <a:solidFill>
@@ -28681,7 +27742,7 @@
 </p:sld>
 </file>
 
-<file path=ppt/slides/slide27.xml><?xml version="1.0" encoding="utf-8"?>
+<file path=ppt/slides/slide25.xml><?xml version="1.0" encoding="utf-8"?>
 <p:sld xmlns:a="http://schemas.openxmlformats.org/drawingml/2006/main" xmlns:r="http://schemas.openxmlformats.org/officeDocument/2006/relationships" xmlns:p="http://schemas.openxmlformats.org/presentationml/2006/main">
   <p:cSld>
     <p:spTree>
@@ -28868,7 +27929,7 @@
               <a:pPr>
                 <a:defRPr/>
               </a:pPr>
-              <a:t>27</a:t>
+              <a:t>25</a:t>
             </a:fld>
             <a:endParaRPr lang="en-US" dirty="0">
               <a:solidFill>
@@ -29041,7 +28102,7 @@
 </p:sld>
 </file>
 
-<file path=ppt/slides/slide28.xml><?xml version="1.0" encoding="utf-8"?>
+<file path=ppt/slides/slide26.xml><?xml version="1.0" encoding="utf-8"?>
 <p:sld xmlns:a="http://schemas.openxmlformats.org/drawingml/2006/main" xmlns:r="http://schemas.openxmlformats.org/officeDocument/2006/relationships" xmlns:p="http://schemas.openxmlformats.org/presentationml/2006/main">
   <p:cSld>
     <p:bg>
@@ -29469,7 +28530,7 @@
                 </a:spcAft>
                 <a:defRPr/>
               </a:pPr>
-              <a:t>28</a:t>
+              <a:t>26</a:t>
             </a:fld>
             <a:endParaRPr lang="en-US">
               <a:solidFill>
@@ -29639,7 +28700,7 @@
 </p:sld>
 </file>
 
-<file path=ppt/slides/slide29.xml><?xml version="1.0" encoding="utf-8"?>
+<file path=ppt/slides/slide27.xml><?xml version="1.0" encoding="utf-8"?>
 <p:sld xmlns:a="http://schemas.openxmlformats.org/drawingml/2006/main" xmlns:r="http://schemas.openxmlformats.org/officeDocument/2006/relationships" xmlns:p="http://schemas.openxmlformats.org/presentationml/2006/main">
   <p:cSld>
     <p:bg>
@@ -31465,7 +30526,7 @@
                   <a:spcPts val="600"/>
                 </a:spcAft>
               </a:pPr>
-              <a:t>29</a:t>
+              <a:t>27</a:t>
             </a:fld>
             <a:endParaRPr lang="en-US" noProof="0">
               <a:solidFill>

--- a/presentation_4_20_22.pptx
+++ b/presentation_4_20_22.pptx
@@ -6004,7 +6004,7 @@
           <a:bodyPr/>
           <a:lstStyle/>
           <a:p>
-            <a:endParaRPr lang="en-US"/>
+            <a:endParaRPr lang="en-US" dirty="0"/>
           </a:p>
         </p:txBody>
       </p:sp>
@@ -6088,7 +6088,19 @@
           <a:bodyPr/>
           <a:lstStyle/>
           <a:p>
+            <a:r>
+              <a:rPr lang="en-US" dirty="0"/>
+              <a:t>These graphs are intentionally horrid (or we’ll go with that, at least).  They are intended to illustrate just how massive this dataset is.</a:t>
+            </a:r>
+          </a:p>
+          <a:p>
             <a:endParaRPr lang="en-US" dirty="0"/>
+          </a:p>
+          <a:p>
+            <a:r>
+              <a:rPr lang="en-US" dirty="0"/>
+              <a:t>Ideally, my own dataset would match this distribution and cleaning style, but given the time and resources I have, comparing these sets as-is is my best option.</a:t>
+            </a:r>
           </a:p>
         </p:txBody>
       </p:sp>
@@ -6109,7 +6121,7 @@
           <a:p>
             <a:fld id="{D40C6A29-4676-420C-BBE3-ACC2B80F64D4}" type="slidenum">
               <a:rPr lang="en-US" smtClean="0"/>
-              <a:t>18</a:t>
+              <a:t>16</a:t>
             </a:fld>
             <a:endParaRPr lang="en-US" dirty="0"/>
           </a:p>
@@ -6118,7 +6130,7 @@
     </p:spTree>
     <p:extLst>
       <p:ext uri="{BB962C8B-B14F-4D97-AF65-F5344CB8AC3E}">
-        <p14:creationId xmlns:p14="http://schemas.microsoft.com/office/powerpoint/2010/main" val="3427941171"/>
+        <p14:creationId xmlns:p14="http://schemas.microsoft.com/office/powerpoint/2010/main" val="228600750"/>
       </p:ext>
     </p:extLst>
   </p:cSld>
@@ -6174,23 +6186,70 @@
           <a:p>
             <a:r>
               <a:rPr lang="en-US" dirty="0"/>
-              <a:t>Wesley Willis is sort of absurdist, very repetitive</a:t>
-            </a:r>
-          </a:p>
-          <a:p>
+              <a:t>A lot of similar most common words, just in different orders.</a:t>
+            </a:r>
+          </a:p>
+          <a:p>
+            <a:r>
+              <a:rPr lang="en-US" dirty="0"/>
+              <a:t>Purple arrows: “love,” distributed very differently</a:t>
+            </a:r>
+          </a:p>
+          <a:p>
+            <a:r>
+              <a:rPr lang="en-US" dirty="0"/>
+              <a:t>	In pop, love is the #1 most common non-</a:t>
+            </a:r>
             <a:r>
               <a:rPr lang="en-US" dirty="0" err="1"/>
-              <a:t>Jandek’s</a:t>
-            </a:r>
+              <a:t>stopword</a:t>
+            </a:r>
+            <a:endParaRPr lang="en-US" dirty="0"/>
+          </a:p>
+          <a:p>
             <a:r>
               <a:rPr lang="en-US" dirty="0"/>
-              <a:t> songs are occasionally instrumental, but more blues/folk-based.  Written almost like poetry.  Some are incredibly long pieces.</a:t>
+              <a:t>	In outsider music, it’s #4, with #1 being “got” (potentially a missed auxiliary verb)</a:t>
             </a:r>
           </a:p>
           <a:p>
             <a:r>
               <a:rPr lang="en-US" dirty="0"/>
-              <a:t>Daniel Johnston’s music is very simple. He conveys feelings very bluntly.</a:t>
+              <a:t>Orange arrows: #5 “rock” and #16 “ass” demonstrate skew in outsider data</a:t>
+            </a:r>
+          </a:p>
+          <a:p>
+            <a:r>
+              <a:rPr lang="en-US" dirty="0"/>
+              <a:t>Green arrows: “</a:t>
+            </a:r>
+            <a:r>
+              <a:rPr lang="en-US" dirty="0" err="1"/>
+              <a:t>im</a:t>
+            </a:r>
+            <a:r>
+              <a:rPr lang="en-US" dirty="0"/>
+              <a:t>” and “cant”</a:t>
+            </a:r>
+          </a:p>
+          <a:p>
+            <a:r>
+              <a:rPr lang="en-US" dirty="0"/>
+              <a:t>	Pop data is cleaned differently – no apostrophes</a:t>
+            </a:r>
+          </a:p>
+          <a:p>
+            <a:r>
+              <a:rPr lang="en-US" dirty="0"/>
+              <a:t>	Even after editing the stop words, I didn’t conclusively remove all </a:t>
+            </a:r>
+            <a:r>
+              <a:rPr lang="en-US" dirty="0" err="1"/>
+              <a:t>stopwords</a:t>
+            </a:r>
+            <a:r>
+              <a:rPr lang="en-US" dirty="0"/>
+              <a:t> from the most common words list</a:t>
             </a:r>
           </a:p>
         </p:txBody>
@@ -6212,7 +6271,7 @@
           <a:p>
             <a:fld id="{D40C6A29-4676-420C-BBE3-ACC2B80F64D4}" type="slidenum">
               <a:rPr lang="en-US" smtClean="0"/>
-              <a:t>21</a:t>
+              <a:t>18</a:t>
             </a:fld>
             <a:endParaRPr lang="en-US" dirty="0"/>
           </a:p>
@@ -6221,7 +6280,7 @@
     </p:spTree>
     <p:extLst>
       <p:ext uri="{BB962C8B-B14F-4D97-AF65-F5344CB8AC3E}">
-        <p14:creationId xmlns:p14="http://schemas.microsoft.com/office/powerpoint/2010/main" val="714715030"/>
+        <p14:creationId xmlns:p14="http://schemas.microsoft.com/office/powerpoint/2010/main" val="3427941171"/>
       </p:ext>
     </p:extLst>
   </p:cSld>
@@ -6277,7 +6336,23 @@
           <a:p>
             <a:r>
               <a:rPr lang="en-US" dirty="0"/>
-              <a:t>That’s 16 “rocks” in one song, and this is on an album with “rock” in the title.</a:t>
+              <a:t>Wesley Willis is sort of absurdist, very repetitive</a:t>
+            </a:r>
+          </a:p>
+          <a:p>
+            <a:r>
+              <a:rPr lang="en-US" dirty="0" err="1"/>
+              <a:t>Jandek’s</a:t>
+            </a:r>
+            <a:r>
+              <a:rPr lang="en-US" dirty="0"/>
+              <a:t> songs are occasionally instrumental, but more blues/folk-based.  Written almost like poetry.  Some are incredibly long pieces.</a:t>
+            </a:r>
+          </a:p>
+          <a:p>
+            <a:r>
+              <a:rPr lang="en-US" dirty="0"/>
+              <a:t>Daniel Johnston’s music is very simple. He conveys feelings very bluntly.</a:t>
             </a:r>
           </a:p>
         </p:txBody>
@@ -6299,7 +6374,7 @@
           <a:p>
             <a:fld id="{D40C6A29-4676-420C-BBE3-ACC2B80F64D4}" type="slidenum">
               <a:rPr lang="en-US" smtClean="0"/>
-              <a:t>22</a:t>
+              <a:t>21</a:t>
             </a:fld>
             <a:endParaRPr lang="en-US" dirty="0"/>
           </a:p>
@@ -6308,7 +6383,7 @@
     </p:spTree>
     <p:extLst>
       <p:ext uri="{BB962C8B-B14F-4D97-AF65-F5344CB8AC3E}">
-        <p14:creationId xmlns:p14="http://schemas.microsoft.com/office/powerpoint/2010/main" val="1432096501"/>
+        <p14:creationId xmlns:p14="http://schemas.microsoft.com/office/powerpoint/2010/main" val="714715030"/>
       </p:ext>
     </p:extLst>
   </p:cSld>
@@ -6364,19 +6439,7 @@
           <a:p>
             <a:r>
               <a:rPr lang="en-US" dirty="0"/>
-              <a:t>Wesley Willis’s lyrics are extremely repetitive, and though he has a large body of music, it all follows a fairly similar pattern.</a:t>
-            </a:r>
-          </a:p>
-          <a:p>
-            <a:r>
-              <a:rPr lang="en-US" dirty="0"/>
-              <a:t>Note the verse, chorus, verse, chorus pattern, where every chorus is the same line repeated 4 times.</a:t>
-            </a:r>
-          </a:p>
-          <a:p>
-            <a:r>
-              <a:rPr lang="en-US" dirty="0"/>
-              <a:t>Even though this song isn’t “rock and roll” related, it still ends with a “rock” line, then an advertisement tagline</a:t>
+              <a:t>That’s 16 “rocks” in one song, and this is on an album with “rock” in the title.</a:t>
             </a:r>
           </a:p>
         </p:txBody>
@@ -6398,7 +6461,7 @@
           <a:p>
             <a:fld id="{D40C6A29-4676-420C-BBE3-ACC2B80F64D4}" type="slidenum">
               <a:rPr lang="en-US" smtClean="0"/>
-              <a:t>23</a:t>
+              <a:t>22</a:t>
             </a:fld>
             <a:endParaRPr lang="en-US" dirty="0"/>
           </a:p>
@@ -6407,7 +6470,7 @@
     </p:spTree>
     <p:extLst>
       <p:ext uri="{BB962C8B-B14F-4D97-AF65-F5344CB8AC3E}">
-        <p14:creationId xmlns:p14="http://schemas.microsoft.com/office/powerpoint/2010/main" val="2981536757"/>
+        <p14:creationId xmlns:p14="http://schemas.microsoft.com/office/powerpoint/2010/main" val="1432096501"/>
       </p:ext>
     </p:extLst>
   </p:cSld>
@@ -6463,7 +6526,19 @@
           <a:p>
             <a:r>
               <a:rPr lang="en-US" dirty="0"/>
-              <a:t>Only an excerpt of the lyrics</a:t>
+              <a:t>Wesley Willis’s lyrics are extremely repetitive, and though he has a large body of music, it all follows a fairly similar pattern.</a:t>
+            </a:r>
+          </a:p>
+          <a:p>
+            <a:r>
+              <a:rPr lang="en-US" dirty="0"/>
+              <a:t>Note the verse, chorus, verse, chorus pattern, where every chorus is the same line repeated 4 times.</a:t>
+            </a:r>
+          </a:p>
+          <a:p>
+            <a:r>
+              <a:rPr lang="en-US" dirty="0"/>
+              <a:t>Even though this song isn’t “rock and roll” related, it still ends with a “rock” line, then an advertisement tagline</a:t>
             </a:r>
           </a:p>
         </p:txBody>
@@ -6485,6 +6560,93 @@
           <a:p>
             <a:fld id="{D40C6A29-4676-420C-BBE3-ACC2B80F64D4}" type="slidenum">
               <a:rPr lang="en-US" smtClean="0"/>
+              <a:t>23</a:t>
+            </a:fld>
+            <a:endParaRPr lang="en-US" dirty="0"/>
+          </a:p>
+        </p:txBody>
+      </p:sp>
+    </p:spTree>
+    <p:extLst>
+      <p:ext uri="{BB962C8B-B14F-4D97-AF65-F5344CB8AC3E}">
+        <p14:creationId xmlns:p14="http://schemas.microsoft.com/office/powerpoint/2010/main" val="2981536757"/>
+      </p:ext>
+    </p:extLst>
+  </p:cSld>
+  <p:clrMapOvr>
+    <a:masterClrMapping/>
+  </p:clrMapOvr>
+</p:notes>
+</file>
+
+<file path=ppt/notesSlides/notesSlide15.xml><?xml version="1.0" encoding="utf-8"?>
+<p:notes xmlns:a="http://schemas.openxmlformats.org/drawingml/2006/main" xmlns:r="http://schemas.openxmlformats.org/officeDocument/2006/relationships" xmlns:p="http://schemas.openxmlformats.org/presentationml/2006/main">
+  <p:cSld>
+    <p:spTree>
+      <p:nvGrpSpPr>
+        <p:cNvPr id="1" name=""/>
+        <p:cNvGrpSpPr/>
+        <p:nvPr/>
+      </p:nvGrpSpPr>
+      <p:grpSpPr>
+        <a:xfrm>
+          <a:off x="0" y="0"/>
+          <a:ext cx="0" cy="0"/>
+          <a:chOff x="0" y="0"/>
+          <a:chExt cx="0" cy="0"/>
+        </a:xfrm>
+      </p:grpSpPr>
+      <p:sp>
+        <p:nvSpPr>
+          <p:cNvPr id="2" name="Slide Image Placeholder 1"/>
+          <p:cNvSpPr>
+            <a:spLocks noGrp="1" noRot="1" noChangeAspect="1"/>
+          </p:cNvSpPr>
+          <p:nvPr>
+            <p:ph type="sldImg"/>
+          </p:nvPr>
+        </p:nvSpPr>
+        <p:spPr/>
+      </p:sp>
+      <p:sp>
+        <p:nvSpPr>
+          <p:cNvPr id="3" name="Notes Placeholder 2"/>
+          <p:cNvSpPr>
+            <a:spLocks noGrp="1"/>
+          </p:cNvSpPr>
+          <p:nvPr>
+            <p:ph type="body" idx="1"/>
+          </p:nvPr>
+        </p:nvSpPr>
+        <p:spPr/>
+        <p:txBody>
+          <a:bodyPr/>
+          <a:lstStyle/>
+          <a:p>
+            <a:r>
+              <a:rPr lang="en-US" dirty="0"/>
+              <a:t>Only an excerpt of the lyrics</a:t>
+            </a:r>
+          </a:p>
+        </p:txBody>
+      </p:sp>
+      <p:sp>
+        <p:nvSpPr>
+          <p:cNvPr id="4" name="Slide Number Placeholder 3"/>
+          <p:cNvSpPr>
+            <a:spLocks noGrp="1"/>
+          </p:cNvSpPr>
+          <p:nvPr>
+            <p:ph type="sldNum" sz="quarter" idx="5"/>
+          </p:nvPr>
+        </p:nvSpPr>
+        <p:spPr/>
+        <p:txBody>
+          <a:bodyPr/>
+          <a:lstStyle/>
+          <a:p>
+            <a:fld id="{D40C6A29-4676-420C-BBE3-ACC2B80F64D4}" type="slidenum">
+              <a:rPr lang="en-US" smtClean="0"/>
               <a:t>25</a:t>
             </a:fld>
             <a:endParaRPr lang="en-US" dirty="0"/>
@@ -6504,7 +6666,7 @@
 </p:notes>
 </file>
 
-<file path=ppt/notesSlides/notesSlide15.xml><?xml version="1.0" encoding="utf-8"?>
+<file path=ppt/notesSlides/notesSlide16.xml><?xml version="1.0" encoding="utf-8"?>
 <p:notes xmlns:a="http://schemas.openxmlformats.org/drawingml/2006/main" xmlns:r="http://schemas.openxmlformats.org/officeDocument/2006/relationships" xmlns:p="http://schemas.openxmlformats.org/presentationml/2006/main">
   <p:cSld>
     <p:spTree>
@@ -7425,24 +7587,7 @@
           <a:p>
             <a:r>
               <a:rPr lang="en-US" dirty="0"/>
-              <a:t>In the end, I didn’t really use the language detection that I had spent so much time on.  I was able to definitively remove anything that </a:t>
-            </a:r>
-            <a:r>
-              <a:rPr lang="en-US" dirty="0" err="1"/>
-              <a:t>spaCy</a:t>
-            </a:r>
-            <a:r>
-              <a:rPr lang="en-US" dirty="0"/>
-              <a:t> determined what Swedish or Japanese by visually scanning the data for those 2 languages.</a:t>
-            </a:r>
-          </a:p>
-          <a:p>
-            <a:endParaRPr lang="en-US" dirty="0"/>
-          </a:p>
-          <a:p>
-            <a:r>
-              <a:rPr lang="en-US" dirty="0"/>
-              <a:t>Otherwise, because of the number of “nonsense” words in these lyrics, it’s difficult to filter out the non-English (but still a real language) lyrics without manually checking them all.</a:t>
+              <a:t>But I realized that this wouldn’t actually be helpful a bit too late, so I do talk a significant amount about language detection/identification in my analysis notebook.</a:t>
             </a:r>
           </a:p>
         </p:txBody>
@@ -7464,7 +7609,7 @@
           <a:p>
             <a:fld id="{D40C6A29-4676-420C-BBE3-ACC2B80F64D4}" type="slidenum">
               <a:rPr lang="en-US" smtClean="0"/>
-              <a:t>12</a:t>
+              <a:t>11</a:t>
             </a:fld>
             <a:endParaRPr lang="en-US" dirty="0"/>
           </a:p>
@@ -7473,7 +7618,7 @@
     </p:spTree>
     <p:extLst>
       <p:ext uri="{BB962C8B-B14F-4D97-AF65-F5344CB8AC3E}">
-        <p14:creationId xmlns:p14="http://schemas.microsoft.com/office/powerpoint/2010/main" val="4254211442"/>
+        <p14:creationId xmlns:p14="http://schemas.microsoft.com/office/powerpoint/2010/main" val="3756589154"/>
       </p:ext>
     </p:extLst>
   </p:cSld>
@@ -7529,7 +7674,15 @@
           <a:p>
             <a:r>
               <a:rPr lang="en-US" dirty="0"/>
-              <a:t>Please ignore the percent formatting.  I’m having trouble understanding Matplotlib.</a:t>
+              <a:t>In the end, I didn’t really use the language detection that I had spent so much time on.  I was able to definitively remove anything that </a:t>
+            </a:r>
+            <a:r>
+              <a:rPr lang="en-US" dirty="0" err="1"/>
+              <a:t>spaCy</a:t>
+            </a:r>
+            <a:r>
+              <a:rPr lang="en-US" dirty="0"/>
+              <a:t> determined what Swedish or Japanese by visually scanning the data for those 2 languages.</a:t>
             </a:r>
           </a:p>
           <a:p>
@@ -7538,7 +7691,7 @@
           <a:p>
             <a:r>
               <a:rPr lang="en-US" dirty="0"/>
-              <a:t>Note the major skew toward 4-5 artists!</a:t>
+              <a:t>Otherwise, because of the number of “nonsense” words in these lyrics, it’s difficult to filter out the non-English (but still a real language) lyrics without manually checking them all.</a:t>
             </a:r>
           </a:p>
         </p:txBody>
@@ -7560,7 +7713,7 @@
           <a:p>
             <a:fld id="{D40C6A29-4676-420C-BBE3-ACC2B80F64D4}" type="slidenum">
               <a:rPr lang="en-US" smtClean="0"/>
-              <a:t>14</a:t>
+              <a:t>12</a:t>
             </a:fld>
             <a:endParaRPr lang="en-US" dirty="0"/>
           </a:p>
@@ -7569,7 +7722,7 @@
     </p:spTree>
     <p:extLst>
       <p:ext uri="{BB962C8B-B14F-4D97-AF65-F5344CB8AC3E}">
-        <p14:creationId xmlns:p14="http://schemas.microsoft.com/office/powerpoint/2010/main" val="821294562"/>
+        <p14:creationId xmlns:p14="http://schemas.microsoft.com/office/powerpoint/2010/main" val="4254211442"/>
       </p:ext>
     </p:extLst>
   </p:cSld>
@@ -7625,7 +7778,7 @@
           <a:p>
             <a:r>
               <a:rPr lang="en-US" dirty="0"/>
-              <a:t>These graphs are intentionally horrid (or we’ll go with that, at least).  They are intended to illustrate just how massive this dataset is.</a:t>
+              <a:t>Please ignore the percent formatting.  I’m having trouble understanding Matplotlib.</a:t>
             </a:r>
           </a:p>
           <a:p>
@@ -7634,7 +7787,7 @@
           <a:p>
             <a:r>
               <a:rPr lang="en-US" dirty="0"/>
-              <a:t>Ideally, my own dataset would match this distribution and cleaning style, but given the time and resources I have, comparing these sets as-is is my best option.</a:t>
+              <a:t>Note the major skew toward 4-5 artists!</a:t>
             </a:r>
           </a:p>
         </p:txBody>
@@ -7656,7 +7809,7 @@
           <a:p>
             <a:fld id="{D40C6A29-4676-420C-BBE3-ACC2B80F64D4}" type="slidenum">
               <a:rPr lang="en-US" smtClean="0"/>
-              <a:t>16</a:t>
+              <a:t>14</a:t>
             </a:fld>
             <a:endParaRPr lang="en-US" dirty="0"/>
           </a:p>
@@ -7665,7 +7818,7 @@
     </p:spTree>
     <p:extLst>
       <p:ext uri="{BB962C8B-B14F-4D97-AF65-F5344CB8AC3E}">
-        <p14:creationId xmlns:p14="http://schemas.microsoft.com/office/powerpoint/2010/main" val="228600750"/>
+        <p14:creationId xmlns:p14="http://schemas.microsoft.com/office/powerpoint/2010/main" val="821294562"/>
       </p:ext>
     </p:extLst>
   </p:cSld>
@@ -19740,7 +19893,7 @@
         </p:spPr>
         <p:txBody>
           <a:bodyPr>
-            <a:normAutofit lnSpcReduction="10000"/>
+            <a:normAutofit/>
           </a:bodyPr>
           <a:lstStyle/>
           <a:p>
@@ -19760,6 +19913,55 @@
             </a:r>
           </a:p>
           <a:p>
+            <a:pPr lvl="2">
+              <a:lnSpc>
+                <a:spcPct val="100000"/>
+              </a:lnSpc>
+            </a:pPr>
+            <a:r>
+              <a:rPr lang="en-US" dirty="0"/>
+              <a:t>“</a:t>
+            </a:r>
+            <a:r>
+              <a:rPr lang="en-US" i="1" dirty="0"/>
+              <a:t>Song Title </a:t>
+            </a:r>
+            <a:r>
+              <a:rPr lang="en-US" dirty="0"/>
+              <a:t>Lyrics”</a:t>
+            </a:r>
+          </a:p>
+          <a:p>
+            <a:pPr lvl="2">
+              <a:lnSpc>
+                <a:spcPct val="100000"/>
+              </a:lnSpc>
+            </a:pPr>
+            <a:r>
+              <a:rPr lang="en-US" dirty="0"/>
+              <a:t>“\</a:t>
+            </a:r>
+            <a:r>
+              <a:rPr lang="en-US" dirty="0" err="1"/>
+              <a:t>dEmbed</a:t>
+            </a:r>
+            <a:r>
+              <a:rPr lang="en-US" dirty="0"/>
+              <a:t>”</a:t>
+            </a:r>
+          </a:p>
+          <a:p>
+            <a:pPr lvl="2">
+              <a:lnSpc>
+                <a:spcPct val="100000"/>
+              </a:lnSpc>
+            </a:pPr>
+            <a:r>
+              <a:rPr lang="en-US" dirty="0"/>
+              <a:t>“Transcription in progress…”</a:t>
+            </a:r>
+          </a:p>
+          <a:p>
             <a:pPr lvl="1">
               <a:lnSpc>
                 <a:spcPct val="100000"/>
@@ -19767,15 +19969,7 @@
             </a:pPr>
             <a:r>
               <a:rPr lang="en-US" dirty="0"/>
-              <a:t>“</a:t>
-            </a:r>
-            <a:r>
-              <a:rPr lang="en-US" i="1" dirty="0"/>
-              <a:t>Song Title </a:t>
-            </a:r>
-            <a:r>
-              <a:rPr lang="en-US" dirty="0"/>
-              <a:t>Lyrics” at the beginning of all lyric data</a:t>
+              <a:t>Stripping whitespace</a:t>
             </a:r>
           </a:p>
           <a:p>
@@ -19786,7 +19980,7 @@
             </a:pPr>
             <a:r>
               <a:rPr lang="en-US" dirty="0"/>
-              <a:t>“1Embed” at the end of some lyric data</a:t>
+              <a:t>Replace “\n” and other formatting characters</a:t>
             </a:r>
           </a:p>
           <a:p>
@@ -19797,51 +19991,7 @@
             </a:pPr>
             <a:r>
               <a:rPr lang="en-US" dirty="0"/>
-              <a:t>“Transcription in progress…”</a:t>
-            </a:r>
-          </a:p>
-          <a:p>
-            <a:pPr lvl="1">
-              <a:lnSpc>
-                <a:spcPct val="100000"/>
-              </a:lnSpc>
-            </a:pPr>
-            <a:r>
-              <a:rPr lang="en-US" dirty="0"/>
-              <a:t>Stripping whitespace</a:t>
-            </a:r>
-          </a:p>
-          <a:p>
-            <a:pPr lvl="1">
-              <a:lnSpc>
-                <a:spcPct val="100000"/>
-              </a:lnSpc>
-            </a:pPr>
-            <a:r>
-              <a:rPr lang="en-US" dirty="0"/>
-              <a:t>“\n” and other formatting characters</a:t>
-            </a:r>
-          </a:p>
-          <a:p>
-            <a:pPr lvl="1">
-              <a:lnSpc>
-                <a:spcPct val="100000"/>
-              </a:lnSpc>
-            </a:pPr>
-            <a:r>
-              <a:rPr lang="en-US" dirty="0"/>
-              <a:t>Standardization of punctuation (… and ‘)</a:t>
-            </a:r>
-          </a:p>
-          <a:p>
-            <a:pPr lvl="1">
-              <a:lnSpc>
-                <a:spcPct val="100000"/>
-              </a:lnSpc>
-            </a:pPr>
-            <a:r>
-              <a:rPr lang="en-US" dirty="0"/>
-              <a:t>Remove empty string lyric entries or “instrumental”</a:t>
+              <a:t>Remove empty strings or “instrumental”</a:t>
             </a:r>
           </a:p>
         </p:txBody>
@@ -20200,30 +20350,12 @@
           <a:bodyPr anchor="ctr"/>
           <a:lstStyle/>
           <a:p>
-            <a:pPr marL="0" indent="0">
+            <a:pPr marL="0" indent="0" algn="ctr">
               <a:buNone/>
             </a:pPr>
             <a:r>
               <a:rPr lang="en-US" dirty="0"/>
-              <a:t>Foreign languages.  </a:t>
-            </a:r>
-            <a:r>
-              <a:rPr lang="en-US" sz="1600" dirty="0"/>
-              <a:t>But I discovered this fact too late </a:t>
-            </a:r>
-            <a:r>
-              <a:rPr lang="en-US" sz="1600" dirty="0">
-                <a:sym typeface="Wingdings" panose="05000000000000000000" pitchFamily="2" charset="2"/>
-              </a:rPr>
-              <a:t></a:t>
-            </a:r>
-            <a:endParaRPr lang="en-US" dirty="0"/>
-          </a:p>
-          <a:p>
-            <a:pPr lvl="1"/>
-            <a:r>
-              <a:rPr lang="en-US" dirty="0"/>
-              <a:t>I spent too much time on trying to identify non-English lyrics.</a:t>
+              <a:t>Foreign language data.</a:t>
             </a:r>
           </a:p>
         </p:txBody>
@@ -20681,14 +20813,22 @@
             <a:pPr lvl="1"/>
             <a:r>
               <a:rPr lang="en-US" sz="2000" dirty="0"/>
-              <a:t>More useful for detecting unanticipated formatting characters</a:t>
+              <a:t>Bad precision </a:t>
+            </a:r>
+            <a:r>
+              <a:rPr lang="en-US" sz="2000" i="1" dirty="0"/>
+              <a:t>and</a:t>
+            </a:r>
+            <a:r>
+              <a:rPr lang="en-US" sz="2000" dirty="0"/>
+              <a:t> recall</a:t>
             </a:r>
           </a:p>
           <a:p>
             <a:pPr lvl="1"/>
             <a:r>
               <a:rPr lang="en-US" sz="2000" dirty="0"/>
-              <a:t>Difficult to find a % non-English cutoff</a:t>
+              <a:t>Found formatting errors</a:t>
             </a:r>
           </a:p>
           <a:p>
@@ -22187,55 +22327,6 @@
       </p:sp>
       <p:sp>
         <p:nvSpPr>
-          <p:cNvPr id="5" name="Footer Placeholder 4">
-            <a:extLst>
-              <a:ext uri="{FF2B5EF4-FFF2-40B4-BE49-F238E27FC236}">
-                <a16:creationId xmlns:a16="http://schemas.microsoft.com/office/drawing/2014/main" id="{52DA8CB0-EE1A-4716-9BBA-63FD76074BE8}"/>
-              </a:ext>
-            </a:extLst>
-          </p:cNvPr>
-          <p:cNvSpPr>
-            <a:spLocks noGrp="1"/>
-          </p:cNvSpPr>
-          <p:nvPr>
-            <p:ph type="ftr" sz="quarter" idx="4294967295"/>
-          </p:nvPr>
-        </p:nvSpPr>
-        <p:spPr>
-          <a:xfrm>
-            <a:off x="0" y="6356350"/>
-            <a:ext cx="4114800" cy="365125"/>
-          </a:xfrm>
-        </p:spPr>
-        <p:txBody>
-          <a:bodyPr/>
-          <a:lstStyle/>
-          <a:p>
-            <a:pPr>
-              <a:defRPr/>
-            </a:pPr>
-            <a:r>
-              <a:rPr lang="en-US">
-                <a:solidFill>
-                  <a:prstClr val="black">
-                    <a:tint val="75000"/>
-                  </a:prstClr>
-                </a:solidFill>
-              </a:rPr>
-              <a:t>A Linguistic Look Inside Outsider Music</a:t>
-            </a:r>
-            <a:endParaRPr lang="en-US" dirty="0">
-              <a:solidFill>
-                <a:prstClr val="black">
-                  <a:tint val="75000"/>
-                </a:prstClr>
-              </a:solidFill>
-            </a:endParaRPr>
-          </a:p>
-        </p:txBody>
-      </p:sp>
-      <p:sp>
-        <p:nvSpPr>
           <p:cNvPr id="6" name="Slide Number Placeholder 5">
             <a:extLst>
               <a:ext uri="{FF2B5EF4-FFF2-40B4-BE49-F238E27FC236}">
@@ -22634,7 +22725,7 @@
         </p:nvSpPr>
         <p:spPr>
           <a:xfrm>
-            <a:off x="1181100" y="1536343"/>
+            <a:off x="1181100" y="1429041"/>
             <a:ext cx="9829800" cy="3859742"/>
           </a:xfrm>
         </p:spPr>
@@ -22683,28 +22774,21 @@
             <a:pPr lvl="1"/>
             <a:r>
               <a:rPr lang="en-US" dirty="0"/>
-              <a:t>Much larger dataset</a:t>
+              <a:t>Only the most popular music from many subgenres</a:t>
             </a:r>
           </a:p>
           <a:p>
             <a:pPr lvl="1"/>
             <a:r>
               <a:rPr lang="en-US" dirty="0"/>
-              <a:t>Pulling from many genres</a:t>
-            </a:r>
-          </a:p>
-          <a:p>
-            <a:pPr lvl="1"/>
+              <a:t>Different cleaning schema</a:t>
+            </a:r>
+          </a:p>
+          <a:p>
+            <a:pPr lvl="2"/>
             <a:r>
               <a:rPr lang="en-US" dirty="0"/>
-              <a:t>Only the most popular music of each genre</a:t>
-            </a:r>
-          </a:p>
-          <a:p>
-            <a:pPr lvl="1"/>
-            <a:r>
-              <a:rPr lang="en-US" dirty="0"/>
-              <a:t>Different data cleaning schema</a:t>
+              <a:t>Apostrophes and newlines</a:t>
             </a:r>
           </a:p>
         </p:txBody>
@@ -24318,7 +24402,7 @@
           <a:lstStyle/>
           <a:p>
             <a:r>
-              <a:rPr lang="en-US" sz="1200" dirty="0">
+              <a:rPr lang="en-US" sz="1200" i="1" dirty="0">
                 <a:solidFill>
                   <a:schemeClr val="accent2"/>
                 </a:solidFill>
@@ -24810,6 +24894,94 @@
           <a:ln w="28575">
             <a:solidFill>
               <a:srgbClr val="45B14D"/>
+            </a:solidFill>
+            <a:tailEnd type="triangle"/>
+          </a:ln>
+        </p:spPr>
+        <p:style>
+          <a:lnRef idx="1">
+            <a:schemeClr val="accent1"/>
+          </a:lnRef>
+          <a:fillRef idx="0">
+            <a:schemeClr val="accent1"/>
+          </a:fillRef>
+          <a:effectRef idx="0">
+            <a:schemeClr val="accent1"/>
+          </a:effectRef>
+          <a:fontRef idx="minor">
+            <a:schemeClr val="tx1"/>
+          </a:fontRef>
+        </p:style>
+      </p:cxnSp>
+      <p:cxnSp>
+        <p:nvCxnSpPr>
+          <p:cNvPr id="16" name="Straight Arrow Connector 15">
+            <a:extLst>
+              <a:ext uri="{FF2B5EF4-FFF2-40B4-BE49-F238E27FC236}">
+                <a16:creationId xmlns:a16="http://schemas.microsoft.com/office/drawing/2014/main" id="{23D2CA72-15A7-4256-A0C9-2C277388ABD6}"/>
+              </a:ext>
+            </a:extLst>
+          </p:cNvPr>
+          <p:cNvCxnSpPr>
+            <a:cxnSpLocks/>
+          </p:cNvCxnSpPr>
+          <p:nvPr/>
+        </p:nvCxnSpPr>
+        <p:spPr>
+          <a:xfrm flipV="1">
+            <a:off x="7362756" y="5454993"/>
+            <a:ext cx="0" cy="370934"/>
+          </a:xfrm>
+          <a:prstGeom prst="straightConnector1">
+            <a:avLst/>
+          </a:prstGeom>
+          <a:ln w="28575">
+            <a:solidFill>
+              <a:srgbClr val="9D579F"/>
+            </a:solidFill>
+            <a:tailEnd type="triangle"/>
+          </a:ln>
+        </p:spPr>
+        <p:style>
+          <a:lnRef idx="1">
+            <a:schemeClr val="accent1"/>
+          </a:lnRef>
+          <a:fillRef idx="0">
+            <a:schemeClr val="accent1"/>
+          </a:fillRef>
+          <a:effectRef idx="0">
+            <a:schemeClr val="accent1"/>
+          </a:effectRef>
+          <a:fontRef idx="minor">
+            <a:schemeClr val="tx1"/>
+          </a:fontRef>
+        </p:style>
+      </p:cxnSp>
+      <p:cxnSp>
+        <p:nvCxnSpPr>
+          <p:cNvPr id="17" name="Straight Arrow Connector 16">
+            <a:extLst>
+              <a:ext uri="{FF2B5EF4-FFF2-40B4-BE49-F238E27FC236}">
+                <a16:creationId xmlns:a16="http://schemas.microsoft.com/office/drawing/2014/main" id="{782A92C6-1955-4B16-856A-743131AC8E9F}"/>
+              </a:ext>
+            </a:extLst>
+          </p:cNvPr>
+          <p:cNvCxnSpPr>
+            <a:cxnSpLocks/>
+          </p:cNvCxnSpPr>
+          <p:nvPr/>
+        </p:nvCxnSpPr>
+        <p:spPr>
+          <a:xfrm flipV="1">
+            <a:off x="2294679" y="5522783"/>
+            <a:ext cx="0" cy="370934"/>
+          </a:xfrm>
+          <a:prstGeom prst="straightConnector1">
+            <a:avLst/>
+          </a:prstGeom>
+          <a:ln w="28575">
+            <a:solidFill>
+              <a:srgbClr val="9D579F"/>
             </a:solidFill>
             <a:tailEnd type="triangle"/>
           </a:ln>
@@ -24882,7 +25054,7 @@
           <a:p>
             <a:r>
               <a:rPr lang="en-US" dirty="0"/>
-              <a:t>So far…	OUTSIDER vs. POP</a:t>
+              <a:t>So far…	  OUTSIDER vs. POP</a:t>
             </a:r>
           </a:p>
         </p:txBody>
@@ -24946,14 +25118,25 @@
             </a:r>
           </a:p>
           <a:p>
-            <a:pPr lvl="1">
+            <a:pPr lvl="2">
               <a:lnSpc>
-                <a:spcPct val="100000"/>
+                <a:spcPct val="150000"/>
               </a:lnSpc>
             </a:pPr>
             <a:r>
               <a:rPr lang="en-US" dirty="0"/>
-              <a:t>The most common words in the outsider corpus appear idiosyncratic</a:t>
+              <a:t>Pop is more representative</a:t>
+            </a:r>
+          </a:p>
+          <a:p>
+            <a:pPr lvl="2">
+              <a:lnSpc>
+                <a:spcPct val="150000"/>
+              </a:lnSpc>
+            </a:pPr>
+            <a:r>
+              <a:rPr lang="en-US" dirty="0"/>
+              <a:t>Outsider is more idiosyncratic and skewed</a:t>
             </a:r>
           </a:p>
         </p:txBody>
@@ -28308,7 +28491,7 @@
         <p:spPr>
           <a:xfrm>
             <a:off x="4447308" y="591344"/>
-            <a:ext cx="6906491" cy="5585619"/>
+            <a:ext cx="6990308" cy="5585619"/>
           </a:xfrm>
         </p:spPr>
         <p:txBody>
@@ -28328,7 +28511,7 @@
                   <a:srgbClr val="FFFFFF"/>
                 </a:solidFill>
               </a:rPr>
-              <a:t>Separate </a:t>
+              <a:t>Excerpt </a:t>
             </a:r>
             <a:r>
               <a:rPr lang="en-US" i="1" dirty="0">
@@ -28374,7 +28557,7 @@
                   <a:srgbClr val="FFFFFF"/>
                 </a:solidFill>
               </a:rPr>
-              <a:t>Re-analyze the remaining music</a:t>
+              <a:t>Re-analyze the dataset with new distribution</a:t>
             </a:r>
           </a:p>
           <a:p>
@@ -28389,7 +28572,7 @@
                   <a:srgbClr val="FFFFFF"/>
                 </a:solidFill>
               </a:rPr>
-              <a:t>How much do the trends change without Willis’s music present?</a:t>
+              <a:t>How much do the trends change with less of a skew toward Willis’s music?</a:t>
             </a:r>
           </a:p>
         </p:txBody>
@@ -35782,6 +35965,127 @@
           </a:ln>
         </p:spPr>
       </p:pic>
+      <p:cxnSp>
+        <p:nvCxnSpPr>
+          <p:cNvPr id="9" name="Straight Connector 8">
+            <a:extLst>
+              <a:ext uri="{FF2B5EF4-FFF2-40B4-BE49-F238E27FC236}">
+                <a16:creationId xmlns:a16="http://schemas.microsoft.com/office/drawing/2014/main" id="{C30450D7-2807-4A44-A1A1-5DA8CFD9319D}"/>
+              </a:ext>
+            </a:extLst>
+          </p:cNvPr>
+          <p:cNvCxnSpPr>
+            <a:cxnSpLocks/>
+          </p:cNvCxnSpPr>
+          <p:nvPr/>
+        </p:nvCxnSpPr>
+        <p:spPr>
+          <a:xfrm>
+            <a:off x="7436498" y="3251718"/>
+            <a:ext cx="2561253" cy="0"/>
+          </a:xfrm>
+          <a:prstGeom prst="line">
+            <a:avLst/>
+          </a:prstGeom>
+          <a:ln w="12700"/>
+        </p:spPr>
+        <p:style>
+          <a:lnRef idx="1">
+            <a:schemeClr val="accent1"/>
+          </a:lnRef>
+          <a:fillRef idx="0">
+            <a:schemeClr val="accent1"/>
+          </a:fillRef>
+          <a:effectRef idx="0">
+            <a:schemeClr val="accent1"/>
+          </a:effectRef>
+          <a:fontRef idx="minor">
+            <a:schemeClr val="tx1"/>
+          </a:fontRef>
+        </p:style>
+      </p:cxnSp>
+      <p:cxnSp>
+        <p:nvCxnSpPr>
+          <p:cNvPr id="10" name="Straight Connector 9">
+            <a:extLst>
+              <a:ext uri="{FF2B5EF4-FFF2-40B4-BE49-F238E27FC236}">
+                <a16:creationId xmlns:a16="http://schemas.microsoft.com/office/drawing/2014/main" id="{9C1C4862-A5C3-40E7-8052-581C87C8581D}"/>
+              </a:ext>
+            </a:extLst>
+          </p:cNvPr>
+          <p:cNvCxnSpPr>
+            <a:cxnSpLocks/>
+          </p:cNvCxnSpPr>
+          <p:nvPr/>
+        </p:nvCxnSpPr>
+        <p:spPr>
+          <a:xfrm>
+            <a:off x="7391400" y="4304522"/>
+            <a:ext cx="2223796" cy="0"/>
+          </a:xfrm>
+          <a:prstGeom prst="line">
+            <a:avLst/>
+          </a:prstGeom>
+          <a:ln w="12700"/>
+        </p:spPr>
+        <p:style>
+          <a:lnRef idx="1">
+            <a:schemeClr val="accent1"/>
+          </a:lnRef>
+          <a:fillRef idx="0">
+            <a:schemeClr val="accent1"/>
+          </a:fillRef>
+          <a:effectRef idx="0">
+            <a:schemeClr val="accent1"/>
+          </a:effectRef>
+          <a:fontRef idx="minor">
+            <a:schemeClr val="tx1"/>
+          </a:fontRef>
+        </p:style>
+      </p:cxnSp>
+      <p:cxnSp>
+        <p:nvCxnSpPr>
+          <p:cNvPr id="12" name="Straight Connector 11">
+            <a:extLst>
+              <a:ext uri="{FF2B5EF4-FFF2-40B4-BE49-F238E27FC236}">
+                <a16:creationId xmlns:a16="http://schemas.microsoft.com/office/drawing/2014/main" id="{DE992D32-E310-4F06-B1A7-49DAC3B12FA8}"/>
+              </a:ext>
+            </a:extLst>
+          </p:cNvPr>
+          <p:cNvCxnSpPr>
+            <a:cxnSpLocks/>
+          </p:cNvCxnSpPr>
+          <p:nvPr/>
+        </p:nvCxnSpPr>
+        <p:spPr>
+          <a:xfrm>
+            <a:off x="7391400" y="5333999"/>
+            <a:ext cx="2223796" cy="0"/>
+          </a:xfrm>
+          <a:prstGeom prst="line">
+            <a:avLst/>
+          </a:prstGeom>
+          <a:ln w="12700">
+            <a:solidFill>
+              <a:srgbClr val="45B14D"/>
+            </a:solidFill>
+          </a:ln>
+        </p:spPr>
+        <p:style>
+          <a:lnRef idx="1">
+            <a:schemeClr val="accent1"/>
+          </a:lnRef>
+          <a:fillRef idx="0">
+            <a:schemeClr val="accent1"/>
+          </a:fillRef>
+          <a:effectRef idx="0">
+            <a:schemeClr val="accent1"/>
+          </a:effectRef>
+          <a:fontRef idx="minor">
+            <a:schemeClr val="tx1"/>
+          </a:fontRef>
+        </p:style>
+      </p:cxnSp>
     </p:spTree>
     <p:extLst>
       <p:ext uri="{BB962C8B-B14F-4D97-AF65-F5344CB8AC3E}">

--- a/presentation_4_20_22.pptx
+++ b/presentation_4_20_22.pptx
@@ -2341,9 +2341,14 @@
             </a:lnSpc>
           </a:pPr>
           <a:r>
-            <a:rPr lang="en-US"/>
-            <a:t>Binary classifier – to determine the most informative features</a:t>
+            <a:rPr lang="en-US" dirty="0"/>
+            <a:t>Binary classifier – </a:t>
           </a:r>
+          <a:r>
+            <a:rPr lang="en-US" i="1" dirty="0"/>
+            <a:t>not included here</a:t>
+          </a:r>
+          <a:endParaRPr lang="en-US" dirty="0"/>
         </a:p>
       </dgm:t>
     </dgm:pt>
@@ -2818,7 +2823,7 @@
       </dsp:nvSpPr>
       <dsp:spPr>
         <a:xfrm>
-          <a:off x="1963800" y="447510"/>
+          <a:off x="1963800" y="578018"/>
           <a:ext cx="1512000" cy="1512000"/>
         </a:xfrm>
         <a:prstGeom prst="rect">
@@ -2868,7 +2873,7 @@
       </dsp:nvSpPr>
       <dsp:spPr>
         <a:xfrm>
-          <a:off x="559800" y="2108131"/>
+          <a:off x="559800" y="2227416"/>
           <a:ext cx="4320000" cy="648000"/>
         </a:xfrm>
         <a:prstGeom prst="rect">
@@ -2918,7 +2923,7 @@
         </a:p>
       </dsp:txBody>
       <dsp:txXfrm>
-        <a:off x="559800" y="2108131"/>
+        <a:off x="559800" y="2227416"/>
         <a:ext cx="4320000" cy="648000"/>
       </dsp:txXfrm>
     </dsp:sp>
@@ -2929,8 +2934,8 @@
       </dsp:nvSpPr>
       <dsp:spPr>
         <a:xfrm>
-          <a:off x="559800" y="2825258"/>
-          <a:ext cx="4320000" cy="1078569"/>
+          <a:off x="559800" y="2939322"/>
+          <a:ext cx="4320000" cy="833997"/>
         </a:xfrm>
         <a:prstGeom prst="rect">
           <a:avLst/>
@@ -2998,8 +3003,8 @@
         </a:p>
       </dsp:txBody>
       <dsp:txXfrm>
-        <a:off x="559800" y="2825258"/>
-        <a:ext cx="4320000" cy="1078569"/>
+        <a:off x="559800" y="2939322"/>
+        <a:ext cx="4320000" cy="833997"/>
       </dsp:txXfrm>
     </dsp:sp>
     <dsp:sp modelId="{FB5B4E02-4EC4-492C-B95F-8C20DF8AFF8D}">
@@ -3009,7 +3014,7 @@
       </dsp:nvSpPr>
       <dsp:spPr>
         <a:xfrm>
-          <a:off x="7039800" y="447510"/>
+          <a:off x="7039800" y="578018"/>
           <a:ext cx="1512000" cy="1512000"/>
         </a:xfrm>
         <a:prstGeom prst="rect">
@@ -3059,7 +3064,7 @@
       </dsp:nvSpPr>
       <dsp:spPr>
         <a:xfrm>
-          <a:off x="5635800" y="2108131"/>
+          <a:off x="5635800" y="2227416"/>
           <a:ext cx="4320000" cy="648000"/>
         </a:xfrm>
         <a:prstGeom prst="rect">
@@ -3109,7 +3114,7 @@
         </a:p>
       </dsp:txBody>
       <dsp:txXfrm>
-        <a:off x="5635800" y="2108131"/>
+        <a:off x="5635800" y="2227416"/>
         <a:ext cx="4320000" cy="648000"/>
       </dsp:txXfrm>
     </dsp:sp>
@@ -3120,8 +3125,8 @@
       </dsp:nvSpPr>
       <dsp:spPr>
         <a:xfrm>
-          <a:off x="5635800" y="2825258"/>
-          <a:ext cx="4320000" cy="1078569"/>
+          <a:off x="5635800" y="2939322"/>
+          <a:ext cx="4320000" cy="833997"/>
         </a:xfrm>
         <a:prstGeom prst="rect">
           <a:avLst/>
@@ -3181,14 +3186,19 @@
             <a:buNone/>
           </a:pPr>
           <a:r>
-            <a:rPr lang="en-US" sz="1600" kern="1200"/>
-            <a:t>Binary classifier – to determine the most informative features</a:t>
+            <a:rPr lang="en-US" sz="1600" kern="1200" dirty="0"/>
+            <a:t>Binary classifier – </a:t>
           </a:r>
+          <a:r>
+            <a:rPr lang="en-US" sz="1600" i="1" kern="1200" dirty="0"/>
+            <a:t>not included here</a:t>
+          </a:r>
+          <a:endParaRPr lang="en-US" sz="1600" kern="1200" dirty="0"/>
         </a:p>
       </dsp:txBody>
       <dsp:txXfrm>
-        <a:off x="5635800" y="2825258"/>
-        <a:ext cx="4320000" cy="1078569"/>
+        <a:off x="5635800" y="2939322"/>
+        <a:ext cx="4320000" cy="833997"/>
       </dsp:txXfrm>
     </dsp:sp>
   </dsp:spTree>
@@ -6809,6 +6819,12 @@
             </a:r>
           </a:p>
           <a:p>
+            <a:r>
+              <a:rPr lang="en-US" dirty="0"/>
+              <a:t>	https://github.com/Data-Science-for-Linguists-2021/Rapper_Topic_Modeling</a:t>
+            </a:r>
+          </a:p>
+          <a:p>
             <a:endParaRPr lang="en-US" dirty="0"/>
           </a:p>
           <a:p>
@@ -20131,6 +20147,96 @@
           </a:p>
         </p:txBody>
       </p:sp>
+      <p:pic>
+        <p:nvPicPr>
+          <p:cNvPr id="8" name="Picture 7">
+            <a:extLst>
+              <a:ext uri="{FF2B5EF4-FFF2-40B4-BE49-F238E27FC236}">
+                <a16:creationId xmlns:a16="http://schemas.microsoft.com/office/drawing/2014/main" id="{A7BB4C33-31E0-49BC-A461-87A3D9AB4A53}"/>
+              </a:ext>
+            </a:extLst>
+          </p:cNvPr>
+          <p:cNvPicPr>
+            <a:picLocks noChangeAspect="1"/>
+          </p:cNvPicPr>
+          <p:nvPr/>
+        </p:nvPicPr>
+        <p:blipFill>
+          <a:blip r:embed="rId3"/>
+          <a:stretch>
+            <a:fillRect/>
+          </a:stretch>
+        </p:blipFill>
+        <p:spPr>
+          <a:xfrm>
+            <a:off x="6384575" y="2720036"/>
+            <a:ext cx="2894240" cy="1207627"/>
+          </a:xfrm>
+          <a:prstGeom prst="rect">
+            <a:avLst/>
+          </a:prstGeom>
+        </p:spPr>
+      </p:pic>
+      <p:pic>
+        <p:nvPicPr>
+          <p:cNvPr id="10" name="Picture 9">
+            <a:extLst>
+              <a:ext uri="{FF2B5EF4-FFF2-40B4-BE49-F238E27FC236}">
+                <a16:creationId xmlns:a16="http://schemas.microsoft.com/office/drawing/2014/main" id="{29A43D9F-4F1D-4BDC-A914-9CE6299F7481}"/>
+              </a:ext>
+            </a:extLst>
+          </p:cNvPr>
+          <p:cNvPicPr>
+            <a:picLocks noChangeAspect="1"/>
+          </p:cNvPicPr>
+          <p:nvPr/>
+        </p:nvPicPr>
+        <p:blipFill>
+          <a:blip r:embed="rId4"/>
+          <a:stretch>
+            <a:fillRect/>
+          </a:stretch>
+        </p:blipFill>
+        <p:spPr>
+          <a:xfrm>
+            <a:off x="6324737" y="1284449"/>
+            <a:ext cx="4407973" cy="1325563"/>
+          </a:xfrm>
+          <a:prstGeom prst="rect">
+            <a:avLst/>
+          </a:prstGeom>
+        </p:spPr>
+      </p:pic>
+      <p:pic>
+        <p:nvPicPr>
+          <p:cNvPr id="12" name="Picture 11">
+            <a:extLst>
+              <a:ext uri="{FF2B5EF4-FFF2-40B4-BE49-F238E27FC236}">
+                <a16:creationId xmlns:a16="http://schemas.microsoft.com/office/drawing/2014/main" id="{24BE6692-913A-476D-A742-2E7B3BD4EE91}"/>
+              </a:ext>
+            </a:extLst>
+          </p:cNvPr>
+          <p:cNvPicPr>
+            <a:picLocks noChangeAspect="1"/>
+          </p:cNvPicPr>
+          <p:nvPr/>
+        </p:nvPicPr>
+        <p:blipFill>
+          <a:blip r:embed="rId5"/>
+          <a:stretch>
+            <a:fillRect/>
+          </a:stretch>
+        </p:blipFill>
+        <p:spPr>
+          <a:xfrm>
+            <a:off x="9182467" y="2931589"/>
+            <a:ext cx="2564058" cy="653353"/>
+          </a:xfrm>
+          <a:prstGeom prst="rect">
+            <a:avLst/>
+          </a:prstGeom>
+        </p:spPr>
+      </p:pic>
     </p:spTree>
     <p:extLst>
       <p:ext uri="{BB962C8B-B14F-4D97-AF65-F5344CB8AC3E}">
@@ -20347,14 +20453,16 @@
           </a:xfrm>
         </p:spPr>
         <p:txBody>
-          <a:bodyPr anchor="ctr"/>
+          <a:bodyPr anchor="ctr">
+            <a:normAutofit/>
+          </a:bodyPr>
           <a:lstStyle/>
           <a:p>
             <a:pPr marL="0" indent="0" algn="ctr">
               <a:buNone/>
             </a:pPr>
             <a:r>
-              <a:rPr lang="en-US" dirty="0"/>
+              <a:rPr lang="en-US" sz="2400" dirty="0"/>
               <a:t>Foreign language data.</a:t>
             </a:r>
           </a:p>
@@ -23024,20 +23132,20 @@
           <a:p>
             <a:r>
               <a:rPr lang="en-US" dirty="0"/>
-              <a:t>4,847 lyric entries</a:t>
+              <a:t>4,627 lyric entries</a:t>
             </a:r>
           </a:p>
           <a:p>
             <a:r>
               <a:rPr lang="en-US" dirty="0"/>
-              <a:t>2,340 unique artists</a:t>
+              <a:t>2,335 unique artists</a:t>
             </a:r>
           </a:p>
           <a:p>
             <a:pPr lvl="1"/>
             <a:r>
               <a:rPr lang="en-US" dirty="0"/>
-              <a:t>34 songs by Madonna (&lt;1%)</a:t>
+              <a:t>33 songs by Madonna (&lt;1%)</a:t>
             </a:r>
           </a:p>
           <a:p>
@@ -23194,10 +23302,10 @@
       </p:sp>
       <p:pic>
         <p:nvPicPr>
-          <p:cNvPr id="9" name="Picture 8" descr="Chart, pie chart&#10;&#10;Description automatically generated">
+          <p:cNvPr id="8" name="Picture 7" descr="Chart, pie chart&#10;&#10;Description automatically generated">
             <a:extLst>
               <a:ext uri="{FF2B5EF4-FFF2-40B4-BE49-F238E27FC236}">
-                <a16:creationId xmlns:a16="http://schemas.microsoft.com/office/drawing/2014/main" id="{D2AD758F-CB35-4BB4-850B-16F09A113741}"/>
+                <a16:creationId xmlns:a16="http://schemas.microsoft.com/office/drawing/2014/main" id="{55160982-42BA-4817-A6FD-0076381B41F2}"/>
               </a:ext>
             </a:extLst>
           </p:cNvPr>
@@ -23214,8 +23322,8 @@
         </p:blipFill>
         <p:spPr>
           <a:xfrm>
-            <a:off x="6245846" y="668080"/>
-            <a:ext cx="5768676" cy="3845784"/>
+            <a:off x="6553200" y="717188"/>
+            <a:ext cx="5487650" cy="3658433"/>
           </a:xfrm>
           <a:prstGeom prst="rect">
             <a:avLst/>
@@ -23224,10 +23332,10 @@
       </p:pic>
       <p:pic>
         <p:nvPicPr>
-          <p:cNvPr id="11" name="Picture 10" descr="A picture containing chart&#10;&#10;Description automatically generated">
+          <p:cNvPr id="12" name="Picture 11" descr="A picture containing diagram&#10;&#10;Description automatically generated">
             <a:extLst>
               <a:ext uri="{FF2B5EF4-FFF2-40B4-BE49-F238E27FC236}">
-                <a16:creationId xmlns:a16="http://schemas.microsoft.com/office/drawing/2014/main" id="{03E7BD74-F31B-44D0-B73C-4035A0CB0DEB}"/>
+                <a16:creationId xmlns:a16="http://schemas.microsoft.com/office/drawing/2014/main" id="{47F0855B-4AAB-4B85-A6ED-67C96E5D381B}"/>
               </a:ext>
             </a:extLst>
           </p:cNvPr>
@@ -23238,19 +23346,90 @@
         </p:nvPicPr>
         <p:blipFill rotWithShape="1">
           <a:blip r:embed="rId4"/>
-          <a:srcRect b="14170"/>
+          <a:srcRect l="16632" r="11643" b="15022"/>
           <a:stretch/>
         </p:blipFill>
         <p:spPr>
           <a:xfrm>
-            <a:off x="6553200" y="4144058"/>
-            <a:ext cx="3772043" cy="2158357"/>
+            <a:off x="6917634" y="4039263"/>
+            <a:ext cx="2933597" cy="2317087"/>
           </a:xfrm>
           <a:prstGeom prst="rect">
             <a:avLst/>
           </a:prstGeom>
         </p:spPr>
       </p:pic>
+      <p:sp>
+        <p:nvSpPr>
+          <p:cNvPr id="13" name="TextBox 12">
+            <a:extLst>
+              <a:ext uri="{FF2B5EF4-FFF2-40B4-BE49-F238E27FC236}">
+                <a16:creationId xmlns:a16="http://schemas.microsoft.com/office/drawing/2014/main" id="{51E25D64-DE83-44F5-8DE9-9F036C56AE4F}"/>
+              </a:ext>
+            </a:extLst>
+          </p:cNvPr>
+          <p:cNvSpPr txBox="1"/>
+          <p:nvPr/>
+        </p:nvSpPr>
+        <p:spPr>
+          <a:xfrm>
+            <a:off x="8610600" y="1027906"/>
+            <a:ext cx="3650566" cy="261610"/>
+          </a:xfrm>
+          <a:prstGeom prst="rect">
+            <a:avLst/>
+          </a:prstGeom>
+          <a:noFill/>
+        </p:spPr>
+        <p:txBody>
+          <a:bodyPr wrap="square" rtlCol="0">
+            <a:spAutoFit/>
+          </a:bodyPr>
+          <a:lstStyle/>
+          <a:p>
+            <a:r>
+              <a:rPr lang="en-US" sz="1100" dirty="0"/>
+              <a:t>15 artists represent 6% of the data</a:t>
+            </a:r>
+          </a:p>
+        </p:txBody>
+      </p:sp>
+      <p:sp>
+        <p:nvSpPr>
+          <p:cNvPr id="14" name="TextBox 13">
+            <a:extLst>
+              <a:ext uri="{FF2B5EF4-FFF2-40B4-BE49-F238E27FC236}">
+                <a16:creationId xmlns:a16="http://schemas.microsoft.com/office/drawing/2014/main" id="{39A6AF6E-160C-453B-9C28-56AB89BDA67B}"/>
+              </a:ext>
+            </a:extLst>
+          </p:cNvPr>
+          <p:cNvSpPr txBox="1"/>
+          <p:nvPr/>
+        </p:nvSpPr>
+        <p:spPr>
+          <a:xfrm>
+            <a:off x="9197613" y="4935098"/>
+            <a:ext cx="1992064" cy="430887"/>
+          </a:xfrm>
+          <a:prstGeom prst="rect">
+            <a:avLst/>
+          </a:prstGeom>
+          <a:noFill/>
+        </p:spPr>
+        <p:txBody>
+          <a:bodyPr wrap="square" rtlCol="0">
+            <a:spAutoFit/>
+          </a:bodyPr>
+          <a:lstStyle/>
+          <a:p>
+            <a:pPr algn="ctr"/>
+            <a:r>
+              <a:rPr lang="en-US" sz="1100" dirty="0"/>
+              <a:t>Top 24% of artists represent 58.3% of the data</a:t>
+            </a:r>
+          </a:p>
+        </p:txBody>
+      </p:sp>
     </p:spTree>
     <p:extLst>
       <p:ext uri="{BB962C8B-B14F-4D97-AF65-F5344CB8AC3E}">
@@ -23459,13 +23638,13 @@
           <a:p>
             <a:r>
               <a:rPr lang="en-US" sz="1800" dirty="0"/>
-              <a:t>Mean = 333</a:t>
+              <a:t>Mean = 330</a:t>
             </a:r>
           </a:p>
           <a:p>
             <a:r>
               <a:rPr lang="en-US" sz="1800" dirty="0"/>
-              <a:t>Min = 1</a:t>
+              <a:t>Min = 5</a:t>
             </a:r>
           </a:p>
           <a:p>
@@ -23477,7 +23656,7 @@
           <a:p>
             <a:r>
               <a:rPr lang="en-US" sz="1800" dirty="0"/>
-              <a:t>50% of data within 216-407 tokens long</a:t>
+              <a:t>50% of data within 214-403 tokens long</a:t>
             </a:r>
           </a:p>
           <a:p>
@@ -24031,348 +24210,6 @@
           </a:ln>
         </p:spPr>
       </p:pic>
-      <p:pic>
-        <p:nvPicPr>
-          <p:cNvPr id="12" name="Picture 11" descr="Chart, box and whisker chart&#10;&#10;Description automatically generated">
-            <a:extLst>
-              <a:ext uri="{FF2B5EF4-FFF2-40B4-BE49-F238E27FC236}">
-                <a16:creationId xmlns:a16="http://schemas.microsoft.com/office/drawing/2014/main" id="{32316C92-6606-413D-8A3D-1C5216486006}"/>
-              </a:ext>
-            </a:extLst>
-          </p:cNvPr>
-          <p:cNvPicPr>
-            <a:picLocks noChangeAspect="1"/>
-          </p:cNvPicPr>
-          <p:nvPr/>
-        </p:nvPicPr>
-        <p:blipFill>
-          <a:blip r:embed="rId3"/>
-          <a:stretch>
-            <a:fillRect/>
-          </a:stretch>
-        </p:blipFill>
-        <p:spPr>
-          <a:xfrm>
-            <a:off x="7116722" y="1913966"/>
-            <a:ext cx="3235592" cy="2157061"/>
-          </a:xfrm>
-          <a:custGeom>
-            <a:avLst/>
-            <a:gdLst>
-              <a:gd name="connsiteX0" fmla="*/ 0 w 3235592"/>
-              <a:gd name="connsiteY0" fmla="*/ 0 h 2157061"/>
-              <a:gd name="connsiteX1" fmla="*/ 711830 w 3235592"/>
-              <a:gd name="connsiteY1" fmla="*/ 0 h 2157061"/>
-              <a:gd name="connsiteX2" fmla="*/ 1261881 w 3235592"/>
-              <a:gd name="connsiteY2" fmla="*/ 0 h 2157061"/>
-              <a:gd name="connsiteX3" fmla="*/ 1973711 w 3235592"/>
-              <a:gd name="connsiteY3" fmla="*/ 0 h 2157061"/>
-              <a:gd name="connsiteX4" fmla="*/ 2685541 w 3235592"/>
-              <a:gd name="connsiteY4" fmla="*/ 0 h 2157061"/>
-              <a:gd name="connsiteX5" fmla="*/ 3235592 w 3235592"/>
-              <a:gd name="connsiteY5" fmla="*/ 0 h 2157061"/>
-              <a:gd name="connsiteX6" fmla="*/ 3235592 w 3235592"/>
-              <a:gd name="connsiteY6" fmla="*/ 539265 h 2157061"/>
-              <a:gd name="connsiteX7" fmla="*/ 3235592 w 3235592"/>
-              <a:gd name="connsiteY7" fmla="*/ 1100101 h 2157061"/>
-              <a:gd name="connsiteX8" fmla="*/ 3235592 w 3235592"/>
-              <a:gd name="connsiteY8" fmla="*/ 1617796 h 2157061"/>
-              <a:gd name="connsiteX9" fmla="*/ 3235592 w 3235592"/>
-              <a:gd name="connsiteY9" fmla="*/ 2157061 h 2157061"/>
-              <a:gd name="connsiteX10" fmla="*/ 2653185 w 3235592"/>
-              <a:gd name="connsiteY10" fmla="*/ 2157061 h 2157061"/>
-              <a:gd name="connsiteX11" fmla="*/ 1941355 w 3235592"/>
-              <a:gd name="connsiteY11" fmla="*/ 2157061 h 2157061"/>
-              <a:gd name="connsiteX12" fmla="*/ 1261881 w 3235592"/>
-              <a:gd name="connsiteY12" fmla="*/ 2157061 h 2157061"/>
-              <a:gd name="connsiteX13" fmla="*/ 679474 w 3235592"/>
-              <a:gd name="connsiteY13" fmla="*/ 2157061 h 2157061"/>
-              <a:gd name="connsiteX14" fmla="*/ 0 w 3235592"/>
-              <a:gd name="connsiteY14" fmla="*/ 2157061 h 2157061"/>
-              <a:gd name="connsiteX15" fmla="*/ 0 w 3235592"/>
-              <a:gd name="connsiteY15" fmla="*/ 1660937 h 2157061"/>
-              <a:gd name="connsiteX16" fmla="*/ 0 w 3235592"/>
-              <a:gd name="connsiteY16" fmla="*/ 1143242 h 2157061"/>
-              <a:gd name="connsiteX17" fmla="*/ 0 w 3235592"/>
-              <a:gd name="connsiteY17" fmla="*/ 647118 h 2157061"/>
-              <a:gd name="connsiteX18" fmla="*/ 0 w 3235592"/>
-              <a:gd name="connsiteY18" fmla="*/ 0 h 2157061"/>
-            </a:gdLst>
-            <a:ahLst/>
-            <a:cxnLst>
-              <a:cxn ang="0">
-                <a:pos x="connsiteX0" y="connsiteY0"/>
-              </a:cxn>
-              <a:cxn ang="0">
-                <a:pos x="connsiteX1" y="connsiteY1"/>
-              </a:cxn>
-              <a:cxn ang="0">
-                <a:pos x="connsiteX2" y="connsiteY2"/>
-              </a:cxn>
-              <a:cxn ang="0">
-                <a:pos x="connsiteX3" y="connsiteY3"/>
-              </a:cxn>
-              <a:cxn ang="0">
-                <a:pos x="connsiteX4" y="connsiteY4"/>
-              </a:cxn>
-              <a:cxn ang="0">
-                <a:pos x="connsiteX5" y="connsiteY5"/>
-              </a:cxn>
-              <a:cxn ang="0">
-                <a:pos x="connsiteX6" y="connsiteY6"/>
-              </a:cxn>
-              <a:cxn ang="0">
-                <a:pos x="connsiteX7" y="connsiteY7"/>
-              </a:cxn>
-              <a:cxn ang="0">
-                <a:pos x="connsiteX8" y="connsiteY8"/>
-              </a:cxn>
-              <a:cxn ang="0">
-                <a:pos x="connsiteX9" y="connsiteY9"/>
-              </a:cxn>
-              <a:cxn ang="0">
-                <a:pos x="connsiteX10" y="connsiteY10"/>
-              </a:cxn>
-              <a:cxn ang="0">
-                <a:pos x="connsiteX11" y="connsiteY11"/>
-              </a:cxn>
-              <a:cxn ang="0">
-                <a:pos x="connsiteX12" y="connsiteY12"/>
-              </a:cxn>
-              <a:cxn ang="0">
-                <a:pos x="connsiteX13" y="connsiteY13"/>
-              </a:cxn>
-              <a:cxn ang="0">
-                <a:pos x="connsiteX14" y="connsiteY14"/>
-              </a:cxn>
-              <a:cxn ang="0">
-                <a:pos x="connsiteX15" y="connsiteY15"/>
-              </a:cxn>
-              <a:cxn ang="0">
-                <a:pos x="connsiteX16" y="connsiteY16"/>
-              </a:cxn>
-              <a:cxn ang="0">
-                <a:pos x="connsiteX17" y="connsiteY17"/>
-              </a:cxn>
-              <a:cxn ang="0">
-                <a:pos x="connsiteX18" y="connsiteY18"/>
-              </a:cxn>
-            </a:cxnLst>
-            <a:rect l="l" t="t" r="r" b="b"/>
-            <a:pathLst>
-              <a:path w="3235592" h="2157061" fill="none" extrusionOk="0">
-                <a:moveTo>
-                  <a:pt x="0" y="0"/>
-                </a:moveTo>
-                <a:cubicBezTo>
-                  <a:pt x="315863" y="34395"/>
-                  <a:pt x="564466" y="7933"/>
-                  <a:pt x="711830" y="0"/>
-                </a:cubicBezTo>
-                <a:cubicBezTo>
-                  <a:pt x="859194" y="-7933"/>
-                  <a:pt x="1004841" y="-13104"/>
-                  <a:pt x="1261881" y="0"/>
-                </a:cubicBezTo>
-                <a:cubicBezTo>
-                  <a:pt x="1518921" y="13104"/>
-                  <a:pt x="1792572" y="-5575"/>
-                  <a:pt x="1973711" y="0"/>
-                </a:cubicBezTo>
-                <a:cubicBezTo>
-                  <a:pt x="2154850" y="5575"/>
-                  <a:pt x="2398453" y="-33500"/>
-                  <a:pt x="2685541" y="0"/>
-                </a:cubicBezTo>
-                <a:cubicBezTo>
-                  <a:pt x="2972629" y="33500"/>
-                  <a:pt x="3097056" y="24455"/>
-                  <a:pt x="3235592" y="0"/>
-                </a:cubicBezTo>
-                <a:cubicBezTo>
-                  <a:pt x="3247194" y="163186"/>
-                  <a:pt x="3231631" y="401378"/>
-                  <a:pt x="3235592" y="539265"/>
-                </a:cubicBezTo>
-                <a:cubicBezTo>
-                  <a:pt x="3239553" y="677152"/>
-                  <a:pt x="3247617" y="912528"/>
-                  <a:pt x="3235592" y="1100101"/>
-                </a:cubicBezTo>
-                <a:cubicBezTo>
-                  <a:pt x="3223567" y="1287674"/>
-                  <a:pt x="3248393" y="1477097"/>
-                  <a:pt x="3235592" y="1617796"/>
-                </a:cubicBezTo>
-                <a:cubicBezTo>
-                  <a:pt x="3222791" y="1758495"/>
-                  <a:pt x="3224764" y="2036941"/>
-                  <a:pt x="3235592" y="2157061"/>
-                </a:cubicBezTo>
-                <a:cubicBezTo>
-                  <a:pt x="2959020" y="2176717"/>
-                  <a:pt x="2913911" y="2164479"/>
-                  <a:pt x="2653185" y="2157061"/>
-                </a:cubicBezTo>
-                <a:cubicBezTo>
-                  <a:pt x="2392459" y="2149643"/>
-                  <a:pt x="2266885" y="2158108"/>
-                  <a:pt x="1941355" y="2157061"/>
-                </a:cubicBezTo>
-                <a:cubicBezTo>
-                  <a:pt x="1615825" y="2156015"/>
-                  <a:pt x="1486211" y="2190003"/>
-                  <a:pt x="1261881" y="2157061"/>
-                </a:cubicBezTo>
-                <a:cubicBezTo>
-                  <a:pt x="1037551" y="2124119"/>
-                  <a:pt x="910399" y="2153991"/>
-                  <a:pt x="679474" y="2157061"/>
-                </a:cubicBezTo>
-                <a:cubicBezTo>
-                  <a:pt x="448549" y="2160131"/>
-                  <a:pt x="314199" y="2158000"/>
-                  <a:pt x="0" y="2157061"/>
-                </a:cubicBezTo>
-                <a:cubicBezTo>
-                  <a:pt x="-22843" y="2051749"/>
-                  <a:pt x="3503" y="1838676"/>
-                  <a:pt x="0" y="1660937"/>
-                </a:cubicBezTo>
-                <a:cubicBezTo>
-                  <a:pt x="-3503" y="1483198"/>
-                  <a:pt x="15837" y="1370881"/>
-                  <a:pt x="0" y="1143242"/>
-                </a:cubicBezTo>
-                <a:cubicBezTo>
-                  <a:pt x="-15837" y="915603"/>
-                  <a:pt x="21047" y="760882"/>
-                  <a:pt x="0" y="647118"/>
-                </a:cubicBezTo>
-                <a:cubicBezTo>
-                  <a:pt x="-21047" y="533354"/>
-                  <a:pt x="-10351" y="190089"/>
-                  <a:pt x="0" y="0"/>
-                </a:cubicBezTo>
-                <a:close/>
-              </a:path>
-              <a:path w="3235592" h="2157061" stroke="0" extrusionOk="0">
-                <a:moveTo>
-                  <a:pt x="0" y="0"/>
-                </a:moveTo>
-                <a:cubicBezTo>
-                  <a:pt x="157588" y="-24566"/>
-                  <a:pt x="461788" y="-7011"/>
-                  <a:pt x="647118" y="0"/>
-                </a:cubicBezTo>
-                <a:cubicBezTo>
-                  <a:pt x="832448" y="7011"/>
-                  <a:pt x="1065094" y="-4790"/>
-                  <a:pt x="1294237" y="0"/>
-                </a:cubicBezTo>
-                <a:cubicBezTo>
-                  <a:pt x="1523380" y="4790"/>
-                  <a:pt x="1656964" y="11945"/>
-                  <a:pt x="1876643" y="0"/>
-                </a:cubicBezTo>
-                <a:cubicBezTo>
-                  <a:pt x="2096322" y="-11945"/>
-                  <a:pt x="2271621" y="-7785"/>
-                  <a:pt x="2588474" y="0"/>
-                </a:cubicBezTo>
-                <a:cubicBezTo>
-                  <a:pt x="2905327" y="7785"/>
-                  <a:pt x="3008410" y="9738"/>
-                  <a:pt x="3235592" y="0"/>
-                </a:cubicBezTo>
-                <a:cubicBezTo>
-                  <a:pt x="3248543" y="261950"/>
-                  <a:pt x="3244770" y="368536"/>
-                  <a:pt x="3235592" y="560836"/>
-                </a:cubicBezTo>
-                <a:cubicBezTo>
-                  <a:pt x="3226414" y="753136"/>
-                  <a:pt x="3215185" y="964789"/>
-                  <a:pt x="3235592" y="1121672"/>
-                </a:cubicBezTo>
-                <a:cubicBezTo>
-                  <a:pt x="3255999" y="1278555"/>
-                  <a:pt x="3213026" y="1533660"/>
-                  <a:pt x="3235592" y="1660937"/>
-                </a:cubicBezTo>
-                <a:cubicBezTo>
-                  <a:pt x="3258158" y="1788215"/>
-                  <a:pt x="3252044" y="2041009"/>
-                  <a:pt x="3235592" y="2157061"/>
-                </a:cubicBezTo>
-                <a:cubicBezTo>
-                  <a:pt x="3036987" y="2187309"/>
-                  <a:pt x="2840672" y="2159145"/>
-                  <a:pt x="2588474" y="2157061"/>
-                </a:cubicBezTo>
-                <a:cubicBezTo>
-                  <a:pt x="2336276" y="2154977"/>
-                  <a:pt x="2100928" y="2163576"/>
-                  <a:pt x="1876643" y="2157061"/>
-                </a:cubicBezTo>
-                <a:cubicBezTo>
-                  <a:pt x="1652358" y="2150546"/>
-                  <a:pt x="1460083" y="2180667"/>
-                  <a:pt x="1197169" y="2157061"/>
-                </a:cubicBezTo>
-                <a:cubicBezTo>
-                  <a:pt x="934255" y="2133455"/>
-                  <a:pt x="834510" y="2178179"/>
-                  <a:pt x="647118" y="2157061"/>
-                </a:cubicBezTo>
-                <a:cubicBezTo>
-                  <a:pt x="459726" y="2135943"/>
-                  <a:pt x="224878" y="2163041"/>
-                  <a:pt x="0" y="2157061"/>
-                </a:cubicBezTo>
-                <a:cubicBezTo>
-                  <a:pt x="4440" y="1981535"/>
-                  <a:pt x="13584" y="1809004"/>
-                  <a:pt x="0" y="1596225"/>
-                </a:cubicBezTo>
-                <a:cubicBezTo>
-                  <a:pt x="-13584" y="1383446"/>
-                  <a:pt x="-4555" y="1327787"/>
-                  <a:pt x="0" y="1121672"/>
-                </a:cubicBezTo>
-                <a:cubicBezTo>
-                  <a:pt x="4555" y="915557"/>
-                  <a:pt x="4132" y="819501"/>
-                  <a:pt x="0" y="560836"/>
-                </a:cubicBezTo>
-                <a:cubicBezTo>
-                  <a:pt x="-4132" y="302171"/>
-                  <a:pt x="19924" y="133797"/>
-                  <a:pt x="0" y="0"/>
-                </a:cubicBezTo>
-                <a:close/>
-              </a:path>
-            </a:pathLst>
-          </a:custGeom>
-          <a:ln w="12700">
-            <a:solidFill>
-              <a:schemeClr val="accent2"/>
-            </a:solidFill>
-            <a:extLst>
-              <a:ext uri="{C807C97D-BFC1-408E-A445-0C87EB9F89A2}">
-                <ask:lineSketchStyleProps xmlns:ask="http://schemas.microsoft.com/office/drawing/2018/sketchyshapes" sd="1231067364">
-                  <a:prstGeom prst="rect">
-                    <a:avLst/>
-                  </a:prstGeom>
-                  <ask:type>
-                    <ask:lineSketchFreehand/>
-                  </ask:type>
-                </ask:lineSketchStyleProps>
-              </a:ext>
-            </a:extLst>
-          </a:ln>
-        </p:spPr>
-      </p:pic>
       <p:sp>
         <p:nvSpPr>
           <p:cNvPr id="13" name="TextBox 12">
@@ -24412,6 +24249,337 @@
           </a:p>
         </p:txBody>
       </p:sp>
+      <p:pic>
+        <p:nvPicPr>
+          <p:cNvPr id="14" name="Picture 13" descr="Chart, box and whisker chart&#10;&#10;Description automatically generated">
+            <a:extLst>
+              <a:ext uri="{FF2B5EF4-FFF2-40B4-BE49-F238E27FC236}">
+                <a16:creationId xmlns:a16="http://schemas.microsoft.com/office/drawing/2014/main" id="{12375022-21A8-448E-954E-DC9F9738BF2D}"/>
+              </a:ext>
+            </a:extLst>
+          </p:cNvPr>
+          <p:cNvPicPr>
+            <a:picLocks noChangeAspect="1"/>
+          </p:cNvPicPr>
+          <p:nvPr/>
+        </p:nvPicPr>
+        <p:blipFill rotWithShape="1">
+          <a:blip r:embed="rId3"/>
+          <a:srcRect t="2123" b="3450"/>
+          <a:stretch/>
+        </p:blipFill>
+        <p:spPr>
+          <a:xfrm>
+            <a:off x="6948741" y="1899548"/>
+            <a:ext cx="3477478" cy="2189104"/>
+          </a:xfrm>
+          <a:custGeom>
+            <a:avLst/>
+            <a:gdLst>
+              <a:gd name="connsiteX0" fmla="*/ 0 w 3477478"/>
+              <a:gd name="connsiteY0" fmla="*/ 0 h 2189104"/>
+              <a:gd name="connsiteX1" fmla="*/ 625946 w 3477478"/>
+              <a:gd name="connsiteY1" fmla="*/ 0 h 2189104"/>
+              <a:gd name="connsiteX2" fmla="*/ 1286667 w 3477478"/>
+              <a:gd name="connsiteY2" fmla="*/ 0 h 2189104"/>
+              <a:gd name="connsiteX3" fmla="*/ 1982162 w 3477478"/>
+              <a:gd name="connsiteY3" fmla="*/ 0 h 2189104"/>
+              <a:gd name="connsiteX4" fmla="*/ 2712433 w 3477478"/>
+              <a:gd name="connsiteY4" fmla="*/ 0 h 2189104"/>
+              <a:gd name="connsiteX5" fmla="*/ 3477478 w 3477478"/>
+              <a:gd name="connsiteY5" fmla="*/ 0 h 2189104"/>
+              <a:gd name="connsiteX6" fmla="*/ 3477478 w 3477478"/>
+              <a:gd name="connsiteY6" fmla="*/ 591058 h 2189104"/>
+              <a:gd name="connsiteX7" fmla="*/ 3477478 w 3477478"/>
+              <a:gd name="connsiteY7" fmla="*/ 1160225 h 2189104"/>
+              <a:gd name="connsiteX8" fmla="*/ 3477478 w 3477478"/>
+              <a:gd name="connsiteY8" fmla="*/ 2189104 h 2189104"/>
+              <a:gd name="connsiteX9" fmla="*/ 2712433 w 3477478"/>
+              <a:gd name="connsiteY9" fmla="*/ 2189104 h 2189104"/>
+              <a:gd name="connsiteX10" fmla="*/ 1982162 w 3477478"/>
+              <a:gd name="connsiteY10" fmla="*/ 2189104 h 2189104"/>
+              <a:gd name="connsiteX11" fmla="*/ 1390991 w 3477478"/>
+              <a:gd name="connsiteY11" fmla="*/ 2189104 h 2189104"/>
+              <a:gd name="connsiteX12" fmla="*/ 799820 w 3477478"/>
+              <a:gd name="connsiteY12" fmla="*/ 2189104 h 2189104"/>
+              <a:gd name="connsiteX13" fmla="*/ 0 w 3477478"/>
+              <a:gd name="connsiteY13" fmla="*/ 2189104 h 2189104"/>
+              <a:gd name="connsiteX14" fmla="*/ 0 w 3477478"/>
+              <a:gd name="connsiteY14" fmla="*/ 1598046 h 2189104"/>
+              <a:gd name="connsiteX15" fmla="*/ 0 w 3477478"/>
+              <a:gd name="connsiteY15" fmla="*/ 1116443 h 2189104"/>
+              <a:gd name="connsiteX16" fmla="*/ 0 w 3477478"/>
+              <a:gd name="connsiteY16" fmla="*/ 525385 h 2189104"/>
+              <a:gd name="connsiteX17" fmla="*/ 0 w 3477478"/>
+              <a:gd name="connsiteY17" fmla="*/ 0 h 2189104"/>
+            </a:gdLst>
+            <a:ahLst/>
+            <a:cxnLst>
+              <a:cxn ang="0">
+                <a:pos x="connsiteX0" y="connsiteY0"/>
+              </a:cxn>
+              <a:cxn ang="0">
+                <a:pos x="connsiteX1" y="connsiteY1"/>
+              </a:cxn>
+              <a:cxn ang="0">
+                <a:pos x="connsiteX2" y="connsiteY2"/>
+              </a:cxn>
+              <a:cxn ang="0">
+                <a:pos x="connsiteX3" y="connsiteY3"/>
+              </a:cxn>
+              <a:cxn ang="0">
+                <a:pos x="connsiteX4" y="connsiteY4"/>
+              </a:cxn>
+              <a:cxn ang="0">
+                <a:pos x="connsiteX5" y="connsiteY5"/>
+              </a:cxn>
+              <a:cxn ang="0">
+                <a:pos x="connsiteX6" y="connsiteY6"/>
+              </a:cxn>
+              <a:cxn ang="0">
+                <a:pos x="connsiteX7" y="connsiteY7"/>
+              </a:cxn>
+              <a:cxn ang="0">
+                <a:pos x="connsiteX8" y="connsiteY8"/>
+              </a:cxn>
+              <a:cxn ang="0">
+                <a:pos x="connsiteX9" y="connsiteY9"/>
+              </a:cxn>
+              <a:cxn ang="0">
+                <a:pos x="connsiteX10" y="connsiteY10"/>
+              </a:cxn>
+              <a:cxn ang="0">
+                <a:pos x="connsiteX11" y="connsiteY11"/>
+              </a:cxn>
+              <a:cxn ang="0">
+                <a:pos x="connsiteX12" y="connsiteY12"/>
+              </a:cxn>
+              <a:cxn ang="0">
+                <a:pos x="connsiteX13" y="connsiteY13"/>
+              </a:cxn>
+              <a:cxn ang="0">
+                <a:pos x="connsiteX14" y="connsiteY14"/>
+              </a:cxn>
+              <a:cxn ang="0">
+                <a:pos x="connsiteX15" y="connsiteY15"/>
+              </a:cxn>
+              <a:cxn ang="0">
+                <a:pos x="connsiteX16" y="connsiteY16"/>
+              </a:cxn>
+              <a:cxn ang="0">
+                <a:pos x="connsiteX17" y="connsiteY17"/>
+              </a:cxn>
+            </a:cxnLst>
+            <a:rect l="l" t="t" r="r" b="b"/>
+            <a:pathLst>
+              <a:path w="3477478" h="2189104" fill="none" extrusionOk="0">
+                <a:moveTo>
+                  <a:pt x="0" y="0"/>
+                </a:moveTo>
+                <a:cubicBezTo>
+                  <a:pt x="275714" y="7944"/>
+                  <a:pt x="433996" y="-29876"/>
+                  <a:pt x="625946" y="0"/>
+                </a:cubicBezTo>
+                <a:cubicBezTo>
+                  <a:pt x="817896" y="29876"/>
+                  <a:pt x="1131537" y="22285"/>
+                  <a:pt x="1286667" y="0"/>
+                </a:cubicBezTo>
+                <a:cubicBezTo>
+                  <a:pt x="1441797" y="-22285"/>
+                  <a:pt x="1712390" y="11218"/>
+                  <a:pt x="1982162" y="0"/>
+                </a:cubicBezTo>
+                <a:cubicBezTo>
+                  <a:pt x="2251934" y="-11218"/>
+                  <a:pt x="2545795" y="28991"/>
+                  <a:pt x="2712433" y="0"/>
+                </a:cubicBezTo>
+                <a:cubicBezTo>
+                  <a:pt x="2879071" y="-28991"/>
+                  <a:pt x="3167893" y="30264"/>
+                  <a:pt x="3477478" y="0"/>
+                </a:cubicBezTo>
+                <a:cubicBezTo>
+                  <a:pt x="3481291" y="140857"/>
+                  <a:pt x="3475839" y="317254"/>
+                  <a:pt x="3477478" y="591058"/>
+                </a:cubicBezTo>
+                <a:cubicBezTo>
+                  <a:pt x="3479117" y="864862"/>
+                  <a:pt x="3488202" y="960391"/>
+                  <a:pt x="3477478" y="1160225"/>
+                </a:cubicBezTo>
+                <a:cubicBezTo>
+                  <a:pt x="3466754" y="1360059"/>
+                  <a:pt x="3495515" y="1807794"/>
+                  <a:pt x="3477478" y="2189104"/>
+                </a:cubicBezTo>
+                <a:cubicBezTo>
+                  <a:pt x="3304590" y="2197996"/>
+                  <a:pt x="3038501" y="2193684"/>
+                  <a:pt x="2712433" y="2189104"/>
+                </a:cubicBezTo>
+                <a:cubicBezTo>
+                  <a:pt x="2386366" y="2184524"/>
+                  <a:pt x="2190578" y="2189984"/>
+                  <a:pt x="1982162" y="2189104"/>
+                </a:cubicBezTo>
+                <a:cubicBezTo>
+                  <a:pt x="1773746" y="2188224"/>
+                  <a:pt x="1619613" y="2215946"/>
+                  <a:pt x="1390991" y="2189104"/>
+                </a:cubicBezTo>
+                <a:cubicBezTo>
+                  <a:pt x="1162369" y="2162262"/>
+                  <a:pt x="1000311" y="2175411"/>
+                  <a:pt x="799820" y="2189104"/>
+                </a:cubicBezTo>
+                <a:cubicBezTo>
+                  <a:pt x="599329" y="2202797"/>
+                  <a:pt x="376902" y="2179275"/>
+                  <a:pt x="0" y="2189104"/>
+                </a:cubicBezTo>
+                <a:cubicBezTo>
+                  <a:pt x="27257" y="1949527"/>
+                  <a:pt x="-7300" y="1808160"/>
+                  <a:pt x="0" y="1598046"/>
+                </a:cubicBezTo>
+                <a:cubicBezTo>
+                  <a:pt x="7300" y="1387932"/>
+                  <a:pt x="-1010" y="1234581"/>
+                  <a:pt x="0" y="1116443"/>
+                </a:cubicBezTo>
+                <a:cubicBezTo>
+                  <a:pt x="1010" y="998305"/>
+                  <a:pt x="11779" y="739816"/>
+                  <a:pt x="0" y="525385"/>
+                </a:cubicBezTo>
+                <a:cubicBezTo>
+                  <a:pt x="-11779" y="310954"/>
+                  <a:pt x="13416" y="215052"/>
+                  <a:pt x="0" y="0"/>
+                </a:cubicBezTo>
+                <a:close/>
+              </a:path>
+              <a:path w="3477478" h="2189104" stroke="0" extrusionOk="0">
+                <a:moveTo>
+                  <a:pt x="0" y="0"/>
+                </a:moveTo>
+                <a:cubicBezTo>
+                  <a:pt x="306884" y="-19708"/>
+                  <a:pt x="556708" y="-8147"/>
+                  <a:pt x="730270" y="0"/>
+                </a:cubicBezTo>
+                <a:cubicBezTo>
+                  <a:pt x="903832" y="8147"/>
+                  <a:pt x="1133720" y="-3192"/>
+                  <a:pt x="1390991" y="0"/>
+                </a:cubicBezTo>
+                <a:cubicBezTo>
+                  <a:pt x="1648262" y="3192"/>
+                  <a:pt x="1862176" y="5213"/>
+                  <a:pt x="2086487" y="0"/>
+                </a:cubicBezTo>
+                <a:cubicBezTo>
+                  <a:pt x="2310798" y="-5213"/>
+                  <a:pt x="2586190" y="30667"/>
+                  <a:pt x="2712433" y="0"/>
+                </a:cubicBezTo>
+                <a:cubicBezTo>
+                  <a:pt x="2838676" y="-30667"/>
+                  <a:pt x="3203034" y="717"/>
+                  <a:pt x="3477478" y="0"/>
+                </a:cubicBezTo>
+                <a:cubicBezTo>
+                  <a:pt x="3464984" y="116975"/>
+                  <a:pt x="3463764" y="309730"/>
+                  <a:pt x="3477478" y="503494"/>
+                </a:cubicBezTo>
+                <a:cubicBezTo>
+                  <a:pt x="3491192" y="697258"/>
+                  <a:pt x="3498341" y="814758"/>
+                  <a:pt x="3477478" y="1050770"/>
+                </a:cubicBezTo>
+                <a:cubicBezTo>
+                  <a:pt x="3456615" y="1286782"/>
+                  <a:pt x="3455169" y="1418850"/>
+                  <a:pt x="3477478" y="1554264"/>
+                </a:cubicBezTo>
+                <a:cubicBezTo>
+                  <a:pt x="3499787" y="1689678"/>
+                  <a:pt x="3506250" y="1890753"/>
+                  <a:pt x="3477478" y="2189104"/>
+                </a:cubicBezTo>
+                <a:cubicBezTo>
+                  <a:pt x="3245999" y="2190853"/>
+                  <a:pt x="3003630" y="2205118"/>
+                  <a:pt x="2816757" y="2189104"/>
+                </a:cubicBezTo>
+                <a:cubicBezTo>
+                  <a:pt x="2629884" y="2173090"/>
+                  <a:pt x="2413450" y="2178520"/>
+                  <a:pt x="2190811" y="2189104"/>
+                </a:cubicBezTo>
+                <a:cubicBezTo>
+                  <a:pt x="1968172" y="2199688"/>
+                  <a:pt x="1697074" y="2207160"/>
+                  <a:pt x="1530090" y="2189104"/>
+                </a:cubicBezTo>
+                <a:cubicBezTo>
+                  <a:pt x="1363106" y="2171048"/>
+                  <a:pt x="1120737" y="2175273"/>
+                  <a:pt x="765045" y="2189104"/>
+                </a:cubicBezTo>
+                <a:cubicBezTo>
+                  <a:pt x="409354" y="2202935"/>
+                  <a:pt x="260557" y="2224208"/>
+                  <a:pt x="0" y="2189104"/>
+                </a:cubicBezTo>
+                <a:cubicBezTo>
+                  <a:pt x="6065" y="1964110"/>
+                  <a:pt x="-6196" y="1874443"/>
+                  <a:pt x="0" y="1663719"/>
+                </a:cubicBezTo>
+                <a:cubicBezTo>
+                  <a:pt x="6196" y="1452995"/>
+                  <a:pt x="-9912" y="1390659"/>
+                  <a:pt x="0" y="1182116"/>
+                </a:cubicBezTo>
+                <a:cubicBezTo>
+                  <a:pt x="9912" y="973573"/>
+                  <a:pt x="-16327" y="912453"/>
+                  <a:pt x="0" y="700513"/>
+                </a:cubicBezTo>
+                <a:cubicBezTo>
+                  <a:pt x="16327" y="488573"/>
+                  <a:pt x="17971" y="268442"/>
+                  <a:pt x="0" y="0"/>
+                </a:cubicBezTo>
+                <a:close/>
+              </a:path>
+            </a:pathLst>
+          </a:custGeom>
+          <a:ln w="12700">
+            <a:solidFill>
+              <a:schemeClr val="accent1"/>
+            </a:solidFill>
+            <a:extLst>
+              <a:ext uri="{C807C97D-BFC1-408E-A445-0C87EB9F89A2}">
+                <ask:lineSketchStyleProps xmlns:ask="http://schemas.microsoft.com/office/drawing/2018/sketchyshapes" sd="2512980468">
+                  <a:prstGeom prst="rect">
+                    <a:avLst/>
+                  </a:prstGeom>
+                  <ask:type>
+                    <ask:lineSketchFreehand/>
+                  </ask:type>
+                </ask:lineSketchStyleProps>
+              </a:ext>
+            </a:extLst>
+          </a:ln>
+        </p:spPr>
+      </p:pic>
     </p:spTree>
     <p:extLst>
       <p:ext uri="{BB962C8B-B14F-4D97-AF65-F5344CB8AC3E}">
@@ -24685,10 +24853,10 @@
       </p:sp>
       <p:pic>
         <p:nvPicPr>
-          <p:cNvPr id="8" name="Picture 7" descr="Chart, bar chart&#10;&#10;Description automatically generated">
+          <p:cNvPr id="9" name="Picture 8" descr="Chart, bar chart&#10;&#10;Description automatically generated">
             <a:extLst>
               <a:ext uri="{FF2B5EF4-FFF2-40B4-BE49-F238E27FC236}">
-                <a16:creationId xmlns:a16="http://schemas.microsoft.com/office/drawing/2014/main" id="{AAF2F49F-F33B-4D61-BE19-12D78C72B360}"/>
+                <a16:creationId xmlns:a16="http://schemas.microsoft.com/office/drawing/2014/main" id="{5C286CA0-5674-4E74-8CD9-D8FA3E38F749}"/>
               </a:ext>
             </a:extLst>
           </p:cNvPr>
@@ -24699,36 +24867,6 @@
         </p:nvPicPr>
         <p:blipFill>
           <a:blip r:embed="rId3"/>
-          <a:stretch>
-            <a:fillRect/>
-          </a:stretch>
-        </p:blipFill>
-        <p:spPr>
-          <a:xfrm>
-            <a:off x="6548602" y="2317707"/>
-            <a:ext cx="4693163" cy="3128775"/>
-          </a:xfrm>
-          <a:prstGeom prst="rect">
-            <a:avLst/>
-          </a:prstGeom>
-        </p:spPr>
-      </p:pic>
-      <p:pic>
-        <p:nvPicPr>
-          <p:cNvPr id="9" name="Picture 8" descr="Chart, bar chart&#10;&#10;Description automatically generated">
-            <a:extLst>
-              <a:ext uri="{FF2B5EF4-FFF2-40B4-BE49-F238E27FC236}">
-                <a16:creationId xmlns:a16="http://schemas.microsoft.com/office/drawing/2014/main" id="{5C286CA0-5674-4E74-8CD9-D8FA3E38F749}"/>
-              </a:ext>
-            </a:extLst>
-          </p:cNvPr>
-          <p:cNvPicPr>
-            <a:picLocks noChangeAspect="1"/>
-          </p:cNvPicPr>
-          <p:nvPr/>
-        </p:nvPicPr>
-        <p:blipFill>
-          <a:blip r:embed="rId4"/>
           <a:stretch>
             <a:fillRect/>
           </a:stretch>
@@ -24825,6 +24963,36 @@
           </a:fontRef>
         </p:style>
       </p:cxnSp>
+      <p:pic>
+        <p:nvPicPr>
+          <p:cNvPr id="19" name="Picture 18" descr="Chart, bar chart&#10;&#10;Description automatically generated">
+            <a:extLst>
+              <a:ext uri="{FF2B5EF4-FFF2-40B4-BE49-F238E27FC236}">
+                <a16:creationId xmlns:a16="http://schemas.microsoft.com/office/drawing/2014/main" id="{AC9231EC-6BC3-49E9-896F-640FBF6CAFB9}"/>
+              </a:ext>
+            </a:extLst>
+          </p:cNvPr>
+          <p:cNvPicPr>
+            <a:picLocks noChangeAspect="1"/>
+          </p:cNvPicPr>
+          <p:nvPr/>
+        </p:nvPicPr>
+        <p:blipFill>
+          <a:blip r:embed="rId4"/>
+          <a:stretch>
+            <a:fillRect/>
+          </a:stretch>
+        </p:blipFill>
+        <p:spPr>
+          <a:xfrm>
+            <a:off x="6545036" y="2262677"/>
+            <a:ext cx="4890160" cy="3260106"/>
+          </a:xfrm>
+          <a:prstGeom prst="rect">
+            <a:avLst/>
+          </a:prstGeom>
+        </p:spPr>
+      </p:pic>
       <p:cxnSp>
         <p:nvCxnSpPr>
           <p:cNvPr id="14" name="Straight Arrow Connector 13">
@@ -24841,7 +25009,7 @@
         </p:nvCxnSpPr>
         <p:spPr>
           <a:xfrm flipV="1">
-            <a:off x="7536421" y="5322449"/>
+            <a:off x="7571591" y="5409484"/>
             <a:ext cx="0" cy="318421"/>
           </a:xfrm>
           <a:prstGeom prst="straightConnector1">
@@ -24885,7 +25053,7 @@
         </p:nvCxnSpPr>
         <p:spPr>
           <a:xfrm flipV="1">
-            <a:off x="9718229" y="5389829"/>
+            <a:off x="9835460" y="5500310"/>
             <a:ext cx="0" cy="318421"/>
           </a:xfrm>
           <a:prstGeom prst="straightConnector1">
@@ -24929,7 +25097,7 @@
         </p:nvCxnSpPr>
         <p:spPr>
           <a:xfrm flipV="1">
-            <a:off x="7362756" y="5454993"/>
+            <a:off x="7392064" y="5522783"/>
             <a:ext cx="0" cy="370934"/>
           </a:xfrm>
           <a:prstGeom prst="straightConnector1">
@@ -33542,31 +33710,7 @@
             </a:pPr>
             <a:r>
               <a:rPr lang="en-US" dirty="0"/>
-              <a:t>These characteristics clearly apply to a few central figures</a:t>
-            </a:r>
-          </a:p>
-          <a:p>
-            <a:pPr marL="0" indent="0">
-              <a:lnSpc>
-                <a:spcPct val="100000"/>
-              </a:lnSpc>
-              <a:spcBef>
-                <a:spcPts val="500"/>
-              </a:spcBef>
-              <a:buNone/>
-            </a:pPr>
-            <a:endParaRPr lang="en-US" dirty="0"/>
-          </a:p>
-          <a:p>
-            <a:pPr marL="0" indent="0">
-              <a:lnSpc>
-                <a:spcPct val="100000"/>
-              </a:lnSpc>
-              <a:buNone/>
-            </a:pPr>
-            <a:r>
-              <a:rPr lang="en-US" dirty="0"/>
-              <a:t>But do they apply to all artists?</a:t>
+              <a:t>Do these characteristics apply across the whole genre?</a:t>
             </a:r>
           </a:p>
           <a:p>
@@ -34481,7 +34625,7 @@
             <p:ph idx="1"/>
             <p:extLst>
               <p:ext uri="{D42A27DB-BD31-4B8C-83A1-F6EECF244321}">
-                <p14:modId xmlns:p14="http://schemas.microsoft.com/office/powerpoint/2010/main" val="1711335020"/>
+                <p14:modId xmlns:p14="http://schemas.microsoft.com/office/powerpoint/2010/main" val="2879195847"/>
               </p:ext>
             </p:extLst>
           </p:nvPr>
@@ -36596,21 +36740,21 @@
 </file>
 
 <file path=customXml/item1.xml><?xml version="1.0" encoding="utf-8"?>
+<?mso-contentType ?>
+<FormTemplates xmlns="http://schemas.microsoft.com/sharepoint/v3/contenttype/forms">
+  <Display>DocumentLibraryForm</Display>
+  <Edit>DocumentLibraryForm</Edit>
+  <New>DocumentLibraryForm</New>
+</FormTemplates>
+</file>
+
+<file path=customXml/item2.xml><?xml version="1.0" encoding="utf-8"?>
 <p:properties xmlns:p="http://schemas.microsoft.com/office/2006/metadata/properties" xmlns:xsi="http://www.w3.org/2001/XMLSchema-instance" xmlns:pc="http://schemas.microsoft.com/office/infopath/2007/PartnerControls">
   <documentManagement>
     <Status xmlns="71af3243-3dd4-4a8d-8c0d-dd76da1f02a5">Not started</Status>
     <MediaServiceKeyPoints xmlns="71af3243-3dd4-4a8d-8c0d-dd76da1f02a5" xsi:nil="true"/>
   </documentManagement>
 </p:properties>
-</file>
-
-<file path=customXml/item2.xml><?xml version="1.0" encoding="utf-8"?>
-<?mso-contentType ?>
-<FormTemplates xmlns="http://schemas.microsoft.com/sharepoint/v3/contenttype/forms">
-  <Display>DocumentLibraryForm</Display>
-  <Edit>DocumentLibraryForm</Edit>
-  <New>DocumentLibraryForm</New>
-</FormTemplates>
 </file>
 
 <file path=customXml/item3.xml><?xml version="1.0" encoding="utf-8"?>
@@ -36835,19 +36979,19 @@
 </file>
 
 <file path=customXml/itemProps1.xml><?xml version="1.0" encoding="utf-8"?>
+<ds:datastoreItem xmlns:ds="http://schemas.openxmlformats.org/officeDocument/2006/customXml" ds:itemID="{1A449C04-64B3-4403-94B7-8D2284C38D1B}">
+  <ds:schemaRefs>
+    <ds:schemaRef ds:uri="http://schemas.microsoft.com/sharepoint/v3/contenttype/forms"/>
+  </ds:schemaRefs>
+</ds:datastoreItem>
+</file>
+
+<file path=customXml/itemProps2.xml><?xml version="1.0" encoding="utf-8"?>
 <ds:datastoreItem xmlns:ds="http://schemas.openxmlformats.org/officeDocument/2006/customXml" ds:itemID="{FBDEF148-1770-458F-8F5B-C3D0A278AA97}">
   <ds:schemaRefs>
     <ds:schemaRef ds:uri="http://schemas.microsoft.com/office/2006/metadata/properties"/>
     <ds:schemaRef ds:uri="http://schemas.microsoft.com/office/infopath/2007/PartnerControls"/>
     <ds:schemaRef ds:uri="71af3243-3dd4-4a8d-8c0d-dd76da1f02a5"/>
-  </ds:schemaRefs>
-</ds:datastoreItem>
-</file>
-
-<file path=customXml/itemProps2.xml><?xml version="1.0" encoding="utf-8"?>
-<ds:datastoreItem xmlns:ds="http://schemas.openxmlformats.org/officeDocument/2006/customXml" ds:itemID="{1A449C04-64B3-4403-94B7-8D2284C38D1B}">
-  <ds:schemaRefs>
-    <ds:schemaRef ds:uri="http://schemas.microsoft.com/sharepoint/v3/contenttype/forms"/>
   </ds:schemaRefs>
 </ds:datastoreItem>
 </file>
